--- a/Python-resume.pptx
+++ b/Python-resume.pptx
@@ -4,8 +4,22 @@
   <p:sldMasterIdLst>
     <p:sldMasterId id="2147483648" r:id="rId1"/>
   </p:sldMasterIdLst>
+  <p:notesMasterIdLst>
+    <p:notesMasterId r:id="rId14"/>
+  </p:notesMasterIdLst>
   <p:sldIdLst>
     <p:sldId id="256" r:id="rId2"/>
+    <p:sldId id="303" r:id="rId3"/>
+    <p:sldId id="264" r:id="rId4"/>
+    <p:sldId id="302" r:id="rId5"/>
+    <p:sldId id="298" r:id="rId6"/>
+    <p:sldId id="300" r:id="rId7"/>
+    <p:sldId id="257" r:id="rId8"/>
+    <p:sldId id="258" r:id="rId9"/>
+    <p:sldId id="260" r:id="rId10"/>
+    <p:sldId id="261" r:id="rId11"/>
+    <p:sldId id="262" r:id="rId12"/>
+    <p:sldId id="263" r:id="rId13"/>
   </p:sldIdLst>
   <p:sldSz cx="12192000" cy="6858000"/>
   <p:notesSz cx="6858000" cy="9144000"/>
@@ -107,6 +121,615 @@
 </p:presentation>
 </file>
 
+<file path=ppt/notesMasters/notesMaster1.xml><?xml version="1.0" encoding="utf-8"?>
+<p:notesMaster xmlns:a="http://schemas.openxmlformats.org/drawingml/2006/main" xmlns:r="http://schemas.openxmlformats.org/officeDocument/2006/relationships" xmlns:p="http://schemas.openxmlformats.org/presentationml/2006/main">
+  <p:cSld>
+    <p:bg>
+      <p:bgRef idx="1001">
+        <a:schemeClr val="bg1"/>
+      </p:bgRef>
+    </p:bg>
+    <p:spTree>
+      <p:nvGrpSpPr>
+        <p:cNvPr id="1" name=""/>
+        <p:cNvGrpSpPr/>
+        <p:nvPr/>
+      </p:nvGrpSpPr>
+      <p:grpSpPr>
+        <a:xfrm>
+          <a:off x="0" y="0"/>
+          <a:ext cx="0" cy="0"/>
+          <a:chOff x="0" y="0"/>
+          <a:chExt cx="0" cy="0"/>
+        </a:xfrm>
+      </p:grpSpPr>
+      <p:sp>
+        <p:nvSpPr>
+          <p:cNvPr id="2" name="Espace réservé de l'en-tête 1"/>
+          <p:cNvSpPr>
+            <a:spLocks noGrp="1"/>
+          </p:cNvSpPr>
+          <p:nvPr>
+            <p:ph type="hdr" sz="quarter"/>
+          </p:nvPr>
+        </p:nvSpPr>
+        <p:spPr>
+          <a:xfrm>
+            <a:off x="0" y="0"/>
+            <a:ext cx="2971800" cy="458788"/>
+          </a:xfrm>
+          <a:prstGeom prst="rect">
+            <a:avLst/>
+          </a:prstGeom>
+        </p:spPr>
+        <p:txBody>
+          <a:bodyPr vert="horz" lIns="91440" tIns="45720" rIns="91440" bIns="45720" rtlCol="0"/>
+          <a:lstStyle>
+            <a:lvl1pPr algn="l">
+              <a:defRPr sz="1200"/>
+            </a:lvl1pPr>
+          </a:lstStyle>
+          <a:p>
+            <a:endParaRPr lang="fr-FR"/>
+          </a:p>
+        </p:txBody>
+      </p:sp>
+      <p:sp>
+        <p:nvSpPr>
+          <p:cNvPr id="3" name="Espace réservé de la date 2"/>
+          <p:cNvSpPr>
+            <a:spLocks noGrp="1"/>
+          </p:cNvSpPr>
+          <p:nvPr>
+            <p:ph type="dt" idx="1"/>
+          </p:nvPr>
+        </p:nvSpPr>
+        <p:spPr>
+          <a:xfrm>
+            <a:off x="3884613" y="0"/>
+            <a:ext cx="2971800" cy="458788"/>
+          </a:xfrm>
+          <a:prstGeom prst="rect">
+            <a:avLst/>
+          </a:prstGeom>
+        </p:spPr>
+        <p:txBody>
+          <a:bodyPr vert="horz" lIns="91440" tIns="45720" rIns="91440" bIns="45720" rtlCol="0"/>
+          <a:lstStyle>
+            <a:lvl1pPr algn="r">
+              <a:defRPr sz="1200"/>
+            </a:lvl1pPr>
+          </a:lstStyle>
+          <a:p>
+            <a:fld id="{7C163B8B-1CED-4B5F-B691-551878D79B2F}" type="datetimeFigureOut">
+              <a:rPr lang="fr-FR" smtClean="0"/>
+              <a:t>09/04/2020</a:t>
+            </a:fld>
+            <a:endParaRPr lang="fr-FR"/>
+          </a:p>
+        </p:txBody>
+      </p:sp>
+      <p:sp>
+        <p:nvSpPr>
+          <p:cNvPr id="4" name="Espace réservé de l'image des diapositives 3"/>
+          <p:cNvSpPr>
+            <a:spLocks noGrp="1" noRot="1" noChangeAspect="1"/>
+          </p:cNvSpPr>
+          <p:nvPr>
+            <p:ph type="sldImg" idx="2"/>
+          </p:nvPr>
+        </p:nvSpPr>
+        <p:spPr>
+          <a:xfrm>
+            <a:off x="685800" y="1143000"/>
+            <a:ext cx="5486400" cy="3086100"/>
+          </a:xfrm>
+          <a:prstGeom prst="rect">
+            <a:avLst/>
+          </a:prstGeom>
+          <a:noFill/>
+          <a:ln w="12700">
+            <a:solidFill>
+              <a:prstClr val="black"/>
+            </a:solidFill>
+          </a:ln>
+        </p:spPr>
+        <p:txBody>
+          <a:bodyPr vert="horz" lIns="91440" tIns="45720" rIns="91440" bIns="45720" rtlCol="0" anchor="ctr"/>
+          <a:lstStyle/>
+          <a:p>
+            <a:endParaRPr lang="fr-FR"/>
+          </a:p>
+        </p:txBody>
+      </p:sp>
+      <p:sp>
+        <p:nvSpPr>
+          <p:cNvPr id="5" name="Espace réservé des notes 4"/>
+          <p:cNvSpPr>
+            <a:spLocks noGrp="1"/>
+          </p:cNvSpPr>
+          <p:nvPr>
+            <p:ph type="body" sz="quarter" idx="3"/>
+          </p:nvPr>
+        </p:nvSpPr>
+        <p:spPr>
+          <a:xfrm>
+            <a:off x="685800" y="4400550"/>
+            <a:ext cx="5486400" cy="3600450"/>
+          </a:xfrm>
+          <a:prstGeom prst="rect">
+            <a:avLst/>
+          </a:prstGeom>
+        </p:spPr>
+        <p:txBody>
+          <a:bodyPr vert="horz" lIns="91440" tIns="45720" rIns="91440" bIns="45720" rtlCol="0"/>
+          <a:lstStyle/>
+          <a:p>
+            <a:pPr lvl="0"/>
+            <a:r>
+              <a:rPr lang="fr-FR"/>
+              <a:t>Cliquez pour modifier les styles du texte du masque</a:t>
+            </a:r>
+          </a:p>
+          <a:p>
+            <a:pPr lvl="1"/>
+            <a:r>
+              <a:rPr lang="fr-FR"/>
+              <a:t>Deuxième niveau</a:t>
+            </a:r>
+          </a:p>
+          <a:p>
+            <a:pPr lvl="2"/>
+            <a:r>
+              <a:rPr lang="fr-FR"/>
+              <a:t>Troisième niveau</a:t>
+            </a:r>
+          </a:p>
+          <a:p>
+            <a:pPr lvl="3"/>
+            <a:r>
+              <a:rPr lang="fr-FR"/>
+              <a:t>Quatrième niveau</a:t>
+            </a:r>
+          </a:p>
+          <a:p>
+            <a:pPr lvl="4"/>
+            <a:r>
+              <a:rPr lang="fr-FR"/>
+              <a:t>Cinquième niveau</a:t>
+            </a:r>
+          </a:p>
+        </p:txBody>
+      </p:sp>
+      <p:sp>
+        <p:nvSpPr>
+          <p:cNvPr id="6" name="Espace réservé du pied de page 5"/>
+          <p:cNvSpPr>
+            <a:spLocks noGrp="1"/>
+          </p:cNvSpPr>
+          <p:nvPr>
+            <p:ph type="ftr" sz="quarter" idx="4"/>
+          </p:nvPr>
+        </p:nvSpPr>
+        <p:spPr>
+          <a:xfrm>
+            <a:off x="0" y="8685213"/>
+            <a:ext cx="2971800" cy="458787"/>
+          </a:xfrm>
+          <a:prstGeom prst="rect">
+            <a:avLst/>
+          </a:prstGeom>
+        </p:spPr>
+        <p:txBody>
+          <a:bodyPr vert="horz" lIns="91440" tIns="45720" rIns="91440" bIns="45720" rtlCol="0" anchor="b"/>
+          <a:lstStyle>
+            <a:lvl1pPr algn="l">
+              <a:defRPr sz="1200"/>
+            </a:lvl1pPr>
+          </a:lstStyle>
+          <a:p>
+            <a:endParaRPr lang="fr-FR"/>
+          </a:p>
+        </p:txBody>
+      </p:sp>
+      <p:sp>
+        <p:nvSpPr>
+          <p:cNvPr id="7" name="Espace réservé du numéro de diapositive 6"/>
+          <p:cNvSpPr>
+            <a:spLocks noGrp="1"/>
+          </p:cNvSpPr>
+          <p:nvPr>
+            <p:ph type="sldNum" sz="quarter" idx="5"/>
+          </p:nvPr>
+        </p:nvSpPr>
+        <p:spPr>
+          <a:xfrm>
+            <a:off x="3884613" y="8685213"/>
+            <a:ext cx="2971800" cy="458787"/>
+          </a:xfrm>
+          <a:prstGeom prst="rect">
+            <a:avLst/>
+          </a:prstGeom>
+        </p:spPr>
+        <p:txBody>
+          <a:bodyPr vert="horz" lIns="91440" tIns="45720" rIns="91440" bIns="45720" rtlCol="0" anchor="b"/>
+          <a:lstStyle>
+            <a:lvl1pPr algn="r">
+              <a:defRPr sz="1200"/>
+            </a:lvl1pPr>
+          </a:lstStyle>
+          <a:p>
+            <a:fld id="{301433D1-CCE5-4A27-B49E-BB25F4FA93A4}" type="slidenum">
+              <a:rPr lang="fr-FR" smtClean="0"/>
+              <a:t>‹N°›</a:t>
+            </a:fld>
+            <a:endParaRPr lang="fr-FR"/>
+          </a:p>
+        </p:txBody>
+      </p:sp>
+    </p:spTree>
+    <p:extLst>
+      <p:ext uri="{BB962C8B-B14F-4D97-AF65-F5344CB8AC3E}">
+        <p14:creationId xmlns:p14="http://schemas.microsoft.com/office/powerpoint/2010/main" val="169955622"/>
+      </p:ext>
+    </p:extLst>
+  </p:cSld>
+  <p:clrMap bg1="lt1" tx1="dk1" bg2="lt2" tx2="dk2" accent1="accent1" accent2="accent2" accent3="accent3" accent4="accent4" accent5="accent5" accent6="accent6" hlink="hlink" folHlink="folHlink"/>
+  <p:notesStyle>
+    <a:lvl1pPr marL="0" algn="l" defTabSz="914400" rtl="0" eaLnBrk="1" latinLnBrk="0" hangingPunct="1">
+      <a:defRPr sz="1200" kern="1200">
+        <a:solidFill>
+          <a:schemeClr val="tx1"/>
+        </a:solidFill>
+        <a:latin typeface="+mn-lt"/>
+        <a:ea typeface="+mn-ea"/>
+        <a:cs typeface="+mn-cs"/>
+      </a:defRPr>
+    </a:lvl1pPr>
+    <a:lvl2pPr marL="457200" algn="l" defTabSz="914400" rtl="0" eaLnBrk="1" latinLnBrk="0" hangingPunct="1">
+      <a:defRPr sz="1200" kern="1200">
+        <a:solidFill>
+          <a:schemeClr val="tx1"/>
+        </a:solidFill>
+        <a:latin typeface="+mn-lt"/>
+        <a:ea typeface="+mn-ea"/>
+        <a:cs typeface="+mn-cs"/>
+      </a:defRPr>
+    </a:lvl2pPr>
+    <a:lvl3pPr marL="914400" algn="l" defTabSz="914400" rtl="0" eaLnBrk="1" latinLnBrk="0" hangingPunct="1">
+      <a:defRPr sz="1200" kern="1200">
+        <a:solidFill>
+          <a:schemeClr val="tx1"/>
+        </a:solidFill>
+        <a:latin typeface="+mn-lt"/>
+        <a:ea typeface="+mn-ea"/>
+        <a:cs typeface="+mn-cs"/>
+      </a:defRPr>
+    </a:lvl3pPr>
+    <a:lvl4pPr marL="1371600" algn="l" defTabSz="914400" rtl="0" eaLnBrk="1" latinLnBrk="0" hangingPunct="1">
+      <a:defRPr sz="1200" kern="1200">
+        <a:solidFill>
+          <a:schemeClr val="tx1"/>
+        </a:solidFill>
+        <a:latin typeface="+mn-lt"/>
+        <a:ea typeface="+mn-ea"/>
+        <a:cs typeface="+mn-cs"/>
+      </a:defRPr>
+    </a:lvl4pPr>
+    <a:lvl5pPr marL="1828800" algn="l" defTabSz="914400" rtl="0" eaLnBrk="1" latinLnBrk="0" hangingPunct="1">
+      <a:defRPr sz="1200" kern="1200">
+        <a:solidFill>
+          <a:schemeClr val="tx1"/>
+        </a:solidFill>
+        <a:latin typeface="+mn-lt"/>
+        <a:ea typeface="+mn-ea"/>
+        <a:cs typeface="+mn-cs"/>
+      </a:defRPr>
+    </a:lvl5pPr>
+    <a:lvl6pPr marL="2286000" algn="l" defTabSz="914400" rtl="0" eaLnBrk="1" latinLnBrk="0" hangingPunct="1">
+      <a:defRPr sz="1200" kern="1200">
+        <a:solidFill>
+          <a:schemeClr val="tx1"/>
+        </a:solidFill>
+        <a:latin typeface="+mn-lt"/>
+        <a:ea typeface="+mn-ea"/>
+        <a:cs typeface="+mn-cs"/>
+      </a:defRPr>
+    </a:lvl6pPr>
+    <a:lvl7pPr marL="2743200" algn="l" defTabSz="914400" rtl="0" eaLnBrk="1" latinLnBrk="0" hangingPunct="1">
+      <a:defRPr sz="1200" kern="1200">
+        <a:solidFill>
+          <a:schemeClr val="tx1"/>
+        </a:solidFill>
+        <a:latin typeface="+mn-lt"/>
+        <a:ea typeface="+mn-ea"/>
+        <a:cs typeface="+mn-cs"/>
+      </a:defRPr>
+    </a:lvl7pPr>
+    <a:lvl8pPr marL="3200400" algn="l" defTabSz="914400" rtl="0" eaLnBrk="1" latinLnBrk="0" hangingPunct="1">
+      <a:defRPr sz="1200" kern="1200">
+        <a:solidFill>
+          <a:schemeClr val="tx1"/>
+        </a:solidFill>
+        <a:latin typeface="+mn-lt"/>
+        <a:ea typeface="+mn-ea"/>
+        <a:cs typeface="+mn-cs"/>
+      </a:defRPr>
+    </a:lvl8pPr>
+    <a:lvl9pPr marL="3657600" algn="l" defTabSz="914400" rtl="0" eaLnBrk="1" latinLnBrk="0" hangingPunct="1">
+      <a:defRPr sz="1200" kern="1200">
+        <a:solidFill>
+          <a:schemeClr val="tx1"/>
+        </a:solidFill>
+        <a:latin typeface="+mn-lt"/>
+        <a:ea typeface="+mn-ea"/>
+        <a:cs typeface="+mn-cs"/>
+      </a:defRPr>
+    </a:lvl9pPr>
+  </p:notesStyle>
+</p:notesMaster>
+</file>
+
+<file path=ppt/notesSlides/notesSlide1.xml><?xml version="1.0" encoding="utf-8"?>
+<p:notes xmlns:a="http://schemas.openxmlformats.org/drawingml/2006/main" xmlns:r="http://schemas.openxmlformats.org/officeDocument/2006/relationships" xmlns:p="http://schemas.openxmlformats.org/presentationml/2006/main">
+  <p:cSld>
+    <p:spTree>
+      <p:nvGrpSpPr>
+        <p:cNvPr id="1" name=""/>
+        <p:cNvGrpSpPr/>
+        <p:nvPr/>
+      </p:nvGrpSpPr>
+      <p:grpSpPr>
+        <a:xfrm>
+          <a:off x="0" y="0"/>
+          <a:ext cx="0" cy="0"/>
+          <a:chOff x="0" y="0"/>
+          <a:chExt cx="0" cy="0"/>
+        </a:xfrm>
+      </p:grpSpPr>
+      <p:sp>
+        <p:nvSpPr>
+          <p:cNvPr id="2" name="Slide Image Placeholder 1"/>
+          <p:cNvSpPr>
+            <a:spLocks noGrp="1" noRot="1" noChangeAspect="1"/>
+          </p:cNvSpPr>
+          <p:nvPr>
+            <p:ph type="sldImg"/>
+          </p:nvPr>
+        </p:nvSpPr>
+        <p:spPr/>
+      </p:sp>
+      <p:sp>
+        <p:nvSpPr>
+          <p:cNvPr id="3" name="Notes Placeholder 2"/>
+          <p:cNvSpPr>
+            <a:spLocks noGrp="1"/>
+          </p:cNvSpPr>
+          <p:nvPr>
+            <p:ph type="body" idx="1"/>
+          </p:nvPr>
+        </p:nvSpPr>
+        <p:spPr/>
+        <p:txBody>
+          <a:bodyPr/>
+          <a:lstStyle/>
+          <a:p>
+            <a:r>
+              <a:rPr lang="en-US" dirty="0"/>
+              <a:t>Booleans</a:t>
+            </a:r>
+            <a:r>
+              <a:rPr lang="en-US" baseline="0" dirty="0"/>
+              <a:t> are often used to compare values, and are therefore often used in “if” statements.</a:t>
+            </a:r>
+            <a:endParaRPr lang="en-US" dirty="0"/>
+          </a:p>
+        </p:txBody>
+      </p:sp>
+      <p:sp>
+        <p:nvSpPr>
+          <p:cNvPr id="4" name="Slide Number Placeholder 3"/>
+          <p:cNvSpPr>
+            <a:spLocks noGrp="1"/>
+          </p:cNvSpPr>
+          <p:nvPr>
+            <p:ph type="sldNum" sz="quarter" idx="10"/>
+          </p:nvPr>
+        </p:nvSpPr>
+        <p:spPr/>
+        <p:txBody>
+          <a:bodyPr/>
+          <a:lstStyle/>
+          <a:p>
+            <a:fld id="{DA11E831-C989-42E0-B9E0-A6A2021DD7AD}" type="slidenum">
+              <a:rPr lang="en-US" smtClean="0"/>
+              <a:t>4</a:t>
+            </a:fld>
+            <a:endParaRPr lang="en-US" dirty="0"/>
+          </a:p>
+        </p:txBody>
+      </p:sp>
+    </p:spTree>
+    <p:extLst>
+      <p:ext uri="{BB962C8B-B14F-4D97-AF65-F5344CB8AC3E}">
+        <p14:creationId xmlns:p14="http://schemas.microsoft.com/office/powerpoint/2010/main" val="3339633587"/>
+      </p:ext>
+    </p:extLst>
+  </p:cSld>
+  <p:clrMapOvr>
+    <a:masterClrMapping/>
+  </p:clrMapOvr>
+</p:notes>
+</file>
+
+<file path=ppt/notesSlides/notesSlide2.xml><?xml version="1.0" encoding="utf-8"?>
+<p:notes xmlns:a="http://schemas.openxmlformats.org/drawingml/2006/main" xmlns:r="http://schemas.openxmlformats.org/officeDocument/2006/relationships" xmlns:p="http://schemas.openxmlformats.org/presentationml/2006/main">
+  <p:cSld>
+    <p:spTree>
+      <p:nvGrpSpPr>
+        <p:cNvPr id="1" name=""/>
+        <p:cNvGrpSpPr/>
+        <p:nvPr/>
+      </p:nvGrpSpPr>
+      <p:grpSpPr>
+        <a:xfrm>
+          <a:off x="0" y="0"/>
+          <a:ext cx="0" cy="0"/>
+          <a:chOff x="0" y="0"/>
+          <a:chExt cx="0" cy="0"/>
+        </a:xfrm>
+      </p:grpSpPr>
+      <p:sp>
+        <p:nvSpPr>
+          <p:cNvPr id="2" name="Slide Image Placeholder 1"/>
+          <p:cNvSpPr>
+            <a:spLocks noGrp="1" noRot="1" noChangeAspect="1"/>
+          </p:cNvSpPr>
+          <p:nvPr>
+            <p:ph type="sldImg"/>
+          </p:nvPr>
+        </p:nvSpPr>
+        <p:spPr/>
+      </p:sp>
+      <p:sp>
+        <p:nvSpPr>
+          <p:cNvPr id="3" name="Notes Placeholder 2"/>
+          <p:cNvSpPr>
+            <a:spLocks noGrp="1"/>
+          </p:cNvSpPr>
+          <p:nvPr>
+            <p:ph type="body" idx="1"/>
+          </p:nvPr>
+        </p:nvSpPr>
+        <p:spPr/>
+        <p:txBody>
+          <a:bodyPr/>
+          <a:lstStyle/>
+          <a:p>
+            <a:endParaRPr lang="en-US" dirty="0"/>
+          </a:p>
+        </p:txBody>
+      </p:sp>
+      <p:sp>
+        <p:nvSpPr>
+          <p:cNvPr id="4" name="Slide Number Placeholder 3"/>
+          <p:cNvSpPr>
+            <a:spLocks noGrp="1"/>
+          </p:cNvSpPr>
+          <p:nvPr>
+            <p:ph type="sldNum" sz="quarter" idx="10"/>
+          </p:nvPr>
+        </p:nvSpPr>
+        <p:spPr/>
+        <p:txBody>
+          <a:bodyPr/>
+          <a:lstStyle/>
+          <a:p>
+            <a:fld id="{DA11E831-C989-42E0-B9E0-A6A2021DD7AD}" type="slidenum">
+              <a:rPr lang="en-US" smtClean="0"/>
+              <a:t>5</a:t>
+            </a:fld>
+            <a:endParaRPr lang="en-US" dirty="0"/>
+          </a:p>
+        </p:txBody>
+      </p:sp>
+    </p:spTree>
+    <p:extLst>
+      <p:ext uri="{BB962C8B-B14F-4D97-AF65-F5344CB8AC3E}">
+        <p14:creationId xmlns:p14="http://schemas.microsoft.com/office/powerpoint/2010/main" val="3743050309"/>
+      </p:ext>
+    </p:extLst>
+  </p:cSld>
+  <p:clrMapOvr>
+    <a:masterClrMapping/>
+  </p:clrMapOvr>
+</p:notes>
+</file>
+
+<file path=ppt/notesSlides/notesSlide3.xml><?xml version="1.0" encoding="utf-8"?>
+<p:notes xmlns:a="http://schemas.openxmlformats.org/drawingml/2006/main" xmlns:r="http://schemas.openxmlformats.org/officeDocument/2006/relationships" xmlns:p="http://schemas.openxmlformats.org/presentationml/2006/main">
+  <p:cSld>
+    <p:spTree>
+      <p:nvGrpSpPr>
+        <p:cNvPr id="1" name=""/>
+        <p:cNvGrpSpPr/>
+        <p:nvPr/>
+      </p:nvGrpSpPr>
+      <p:grpSpPr>
+        <a:xfrm>
+          <a:off x="0" y="0"/>
+          <a:ext cx="0" cy="0"/>
+          <a:chOff x="0" y="0"/>
+          <a:chExt cx="0" cy="0"/>
+        </a:xfrm>
+      </p:grpSpPr>
+      <p:sp>
+        <p:nvSpPr>
+          <p:cNvPr id="2" name="Slide Image Placeholder 1"/>
+          <p:cNvSpPr>
+            <a:spLocks noGrp="1" noRot="1" noChangeAspect="1"/>
+          </p:cNvSpPr>
+          <p:nvPr>
+            <p:ph type="sldImg"/>
+          </p:nvPr>
+        </p:nvSpPr>
+        <p:spPr/>
+      </p:sp>
+      <p:sp>
+        <p:nvSpPr>
+          <p:cNvPr id="3" name="Notes Placeholder 2"/>
+          <p:cNvSpPr>
+            <a:spLocks noGrp="1"/>
+          </p:cNvSpPr>
+          <p:nvPr>
+            <p:ph type="body" idx="1"/>
+          </p:nvPr>
+        </p:nvSpPr>
+        <p:spPr/>
+        <p:txBody>
+          <a:bodyPr/>
+          <a:lstStyle/>
+          <a:p>
+            <a:endParaRPr lang="en-US" dirty="0"/>
+          </a:p>
+        </p:txBody>
+      </p:sp>
+      <p:sp>
+        <p:nvSpPr>
+          <p:cNvPr id="4" name="Slide Number Placeholder 3"/>
+          <p:cNvSpPr>
+            <a:spLocks noGrp="1"/>
+          </p:cNvSpPr>
+          <p:nvPr>
+            <p:ph type="sldNum" sz="quarter" idx="10"/>
+          </p:nvPr>
+        </p:nvSpPr>
+        <p:spPr/>
+        <p:txBody>
+          <a:bodyPr/>
+          <a:lstStyle/>
+          <a:p>
+            <a:fld id="{DA11E831-C989-42E0-B9E0-A6A2021DD7AD}" type="slidenum">
+              <a:rPr lang="en-US" smtClean="0"/>
+              <a:t>6</a:t>
+            </a:fld>
+            <a:endParaRPr lang="en-US" dirty="0"/>
+          </a:p>
+        </p:txBody>
+      </p:sp>
+    </p:spTree>
+    <p:extLst>
+      <p:ext uri="{BB962C8B-B14F-4D97-AF65-F5344CB8AC3E}">
+        <p14:creationId xmlns:p14="http://schemas.microsoft.com/office/powerpoint/2010/main" val="2865820911"/>
+      </p:ext>
+    </p:extLst>
+  </p:cSld>
+  <p:clrMapOvr>
+    <a:masterClrMapping/>
+  </p:clrMapOvr>
+</p:notes>
+</file>
+
 <file path=ppt/slideLayouts/slideLayout1.xml><?xml version="1.0" encoding="utf-8"?>
 <p:sldLayout xmlns:a="http://schemas.openxmlformats.org/drawingml/2006/main" xmlns:r="http://schemas.openxmlformats.org/officeDocument/2006/relationships" xmlns:p="http://schemas.openxmlformats.org/presentationml/2006/main" type="title" preserve="1">
   <p:cSld name="Diapositive de titre">
@@ -129,7 +752,7 @@
           <p:cNvPr id="2" name="Titre 1">
             <a:extLst>
               <a:ext uri="{FF2B5EF4-FFF2-40B4-BE49-F238E27FC236}">
-                <a16:creationId xmlns:a16="http://schemas.microsoft.com/office/drawing/2014/main" id="{F9215E4E-FBDA-4C7A-B450-F858E4F0062E}"/>
+                <a16:creationId xmlns:a16="http://schemas.microsoft.com/office/drawing/2014/main" id="{9EDFC8D1-D189-4DF9-BDEA-3D0E8FA554CF}"/>
               </a:ext>
             </a:extLst>
           </p:cNvPr>
@@ -166,7 +789,7 @@
           <p:cNvPr id="3" name="Sous-titre 2">
             <a:extLst>
               <a:ext uri="{FF2B5EF4-FFF2-40B4-BE49-F238E27FC236}">
-                <a16:creationId xmlns:a16="http://schemas.microsoft.com/office/drawing/2014/main" id="{1E50FE0E-3C90-4145-92A8-6E24B741C168}"/>
+                <a16:creationId xmlns:a16="http://schemas.microsoft.com/office/drawing/2014/main" id="{752BD653-C4A7-46CE-AAB6-27A29593D6A4}"/>
               </a:ext>
             </a:extLst>
           </p:cNvPr>
@@ -236,7 +859,7 @@
           <p:cNvPr id="4" name="Espace réservé de la date 3">
             <a:extLst>
               <a:ext uri="{FF2B5EF4-FFF2-40B4-BE49-F238E27FC236}">
-                <a16:creationId xmlns:a16="http://schemas.microsoft.com/office/drawing/2014/main" id="{C37A04F4-5602-4B71-B4DC-5B2E2B3C228D}"/>
+                <a16:creationId xmlns:a16="http://schemas.microsoft.com/office/drawing/2014/main" id="{BC62A599-DDA8-4E8F-BE11-30130CA76642}"/>
               </a:ext>
             </a:extLst>
           </p:cNvPr>
@@ -252,7 +875,7 @@
           <a:bodyPr/>
           <a:lstStyle/>
           <a:p>
-            <a:fld id="{61C9E9EA-C665-4FF1-B9CD-551D0A4AA96D}" type="datetimeFigureOut">
+            <a:fld id="{AEB1EA0B-5C06-4E6A-8FCD-9A35BE2D454F}" type="datetimeFigureOut">
               <a:rPr lang="fr-FR" smtClean="0"/>
               <a:t>09/04/2020</a:t>
             </a:fld>
@@ -265,7 +888,7 @@
           <p:cNvPr id="5" name="Espace réservé du pied de page 4">
             <a:extLst>
               <a:ext uri="{FF2B5EF4-FFF2-40B4-BE49-F238E27FC236}">
-                <a16:creationId xmlns:a16="http://schemas.microsoft.com/office/drawing/2014/main" id="{5C597D45-8D93-4643-9A1B-751C9541EA4F}"/>
+                <a16:creationId xmlns:a16="http://schemas.microsoft.com/office/drawing/2014/main" id="{D5B5EF27-80CE-4852-82CC-381BAB9CEEEF}"/>
               </a:ext>
             </a:extLst>
           </p:cNvPr>
@@ -290,7 +913,7 @@
           <p:cNvPr id="6" name="Espace réservé du numéro de diapositive 5">
             <a:extLst>
               <a:ext uri="{FF2B5EF4-FFF2-40B4-BE49-F238E27FC236}">
-                <a16:creationId xmlns:a16="http://schemas.microsoft.com/office/drawing/2014/main" id="{317F4654-D293-4731-8C66-8DA07BD93E79}"/>
+                <a16:creationId xmlns:a16="http://schemas.microsoft.com/office/drawing/2014/main" id="{DC708F63-58E1-48F4-AFB7-5782D136B38B}"/>
               </a:ext>
             </a:extLst>
           </p:cNvPr>
@@ -306,7 +929,7 @@
           <a:bodyPr/>
           <a:lstStyle/>
           <a:p>
-            <a:fld id="{D3D01115-93EA-4276-8954-9CA72C3EBCDC}" type="slidenum">
+            <a:fld id="{27BFB900-AE02-4433-B1C1-759136C50A0B}" type="slidenum">
               <a:rPr lang="fr-FR" smtClean="0"/>
               <a:t>‹N°›</a:t>
             </a:fld>
@@ -317,7 +940,7 @@
     </p:spTree>
     <p:extLst>
       <p:ext uri="{BB962C8B-B14F-4D97-AF65-F5344CB8AC3E}">
-        <p14:creationId xmlns:p14="http://schemas.microsoft.com/office/powerpoint/2010/main" val="1651632747"/>
+        <p14:creationId xmlns:p14="http://schemas.microsoft.com/office/powerpoint/2010/main" val="1002926117"/>
       </p:ext>
     </p:extLst>
   </p:cSld>
@@ -349,7 +972,7 @@
           <p:cNvPr id="2" name="Titre 1">
             <a:extLst>
               <a:ext uri="{FF2B5EF4-FFF2-40B4-BE49-F238E27FC236}">
-                <a16:creationId xmlns:a16="http://schemas.microsoft.com/office/drawing/2014/main" id="{A76A14C9-B301-41F6-869E-6FC7BD90AA41}"/>
+                <a16:creationId xmlns:a16="http://schemas.microsoft.com/office/drawing/2014/main" id="{DD56DB2B-8F2D-4763-BE5D-2EC67DEBFA4F}"/>
               </a:ext>
             </a:extLst>
           </p:cNvPr>
@@ -377,7 +1000,7 @@
           <p:cNvPr id="3" name="Espace réservé du texte vertical 2">
             <a:extLst>
               <a:ext uri="{FF2B5EF4-FFF2-40B4-BE49-F238E27FC236}">
-                <a16:creationId xmlns:a16="http://schemas.microsoft.com/office/drawing/2014/main" id="{B9637738-C912-4B3F-B64C-6A9003E3F023}"/>
+                <a16:creationId xmlns:a16="http://schemas.microsoft.com/office/drawing/2014/main" id="{F2522940-A382-4137-B785-E2540CC04D31}"/>
               </a:ext>
             </a:extLst>
           </p:cNvPr>
@@ -434,7 +1057,7 @@
           <p:cNvPr id="4" name="Espace réservé de la date 3">
             <a:extLst>
               <a:ext uri="{FF2B5EF4-FFF2-40B4-BE49-F238E27FC236}">
-                <a16:creationId xmlns:a16="http://schemas.microsoft.com/office/drawing/2014/main" id="{E363C9B5-3EED-422C-A212-BE831532098C}"/>
+                <a16:creationId xmlns:a16="http://schemas.microsoft.com/office/drawing/2014/main" id="{C5FA131C-21BD-4DA4-B8CB-E9A0CBA254E6}"/>
               </a:ext>
             </a:extLst>
           </p:cNvPr>
@@ -450,7 +1073,7 @@
           <a:bodyPr/>
           <a:lstStyle/>
           <a:p>
-            <a:fld id="{61C9E9EA-C665-4FF1-B9CD-551D0A4AA96D}" type="datetimeFigureOut">
+            <a:fld id="{AEB1EA0B-5C06-4E6A-8FCD-9A35BE2D454F}" type="datetimeFigureOut">
               <a:rPr lang="fr-FR" smtClean="0"/>
               <a:t>09/04/2020</a:t>
             </a:fld>
@@ -463,7 +1086,7 @@
           <p:cNvPr id="5" name="Espace réservé du pied de page 4">
             <a:extLst>
               <a:ext uri="{FF2B5EF4-FFF2-40B4-BE49-F238E27FC236}">
-                <a16:creationId xmlns:a16="http://schemas.microsoft.com/office/drawing/2014/main" id="{66BA6977-0AE5-460E-9057-84C8C98A1123}"/>
+                <a16:creationId xmlns:a16="http://schemas.microsoft.com/office/drawing/2014/main" id="{06FD388C-9C78-443A-8212-46BF6957C114}"/>
               </a:ext>
             </a:extLst>
           </p:cNvPr>
@@ -488,7 +1111,7 @@
           <p:cNvPr id="6" name="Espace réservé du numéro de diapositive 5">
             <a:extLst>
               <a:ext uri="{FF2B5EF4-FFF2-40B4-BE49-F238E27FC236}">
-                <a16:creationId xmlns:a16="http://schemas.microsoft.com/office/drawing/2014/main" id="{4F086215-B3C4-4FA8-ACE3-DF42CCFB5529}"/>
+                <a16:creationId xmlns:a16="http://schemas.microsoft.com/office/drawing/2014/main" id="{F4528A2F-3E46-4ADA-83D8-FDCC156AD21D}"/>
               </a:ext>
             </a:extLst>
           </p:cNvPr>
@@ -504,7 +1127,7 @@
           <a:bodyPr/>
           <a:lstStyle/>
           <a:p>
-            <a:fld id="{D3D01115-93EA-4276-8954-9CA72C3EBCDC}" type="slidenum">
+            <a:fld id="{27BFB900-AE02-4433-B1C1-759136C50A0B}" type="slidenum">
               <a:rPr lang="fr-FR" smtClean="0"/>
               <a:t>‹N°›</a:t>
             </a:fld>
@@ -515,7 +1138,7 @@
     </p:spTree>
     <p:extLst>
       <p:ext uri="{BB962C8B-B14F-4D97-AF65-F5344CB8AC3E}">
-        <p14:creationId xmlns:p14="http://schemas.microsoft.com/office/powerpoint/2010/main" val="3770323706"/>
+        <p14:creationId xmlns:p14="http://schemas.microsoft.com/office/powerpoint/2010/main" val="3588720180"/>
       </p:ext>
     </p:extLst>
   </p:cSld>
@@ -547,7 +1170,7 @@
           <p:cNvPr id="2" name="Titre vertical 1">
             <a:extLst>
               <a:ext uri="{FF2B5EF4-FFF2-40B4-BE49-F238E27FC236}">
-                <a16:creationId xmlns:a16="http://schemas.microsoft.com/office/drawing/2014/main" id="{72565E18-0A33-4EC4-9400-A84A2AA2298B}"/>
+                <a16:creationId xmlns:a16="http://schemas.microsoft.com/office/drawing/2014/main" id="{BE51DA83-2801-4C43-AB26-D8D28EAE2360}"/>
               </a:ext>
             </a:extLst>
           </p:cNvPr>
@@ -580,7 +1203,7 @@
           <p:cNvPr id="3" name="Espace réservé du texte vertical 2">
             <a:extLst>
               <a:ext uri="{FF2B5EF4-FFF2-40B4-BE49-F238E27FC236}">
-                <a16:creationId xmlns:a16="http://schemas.microsoft.com/office/drawing/2014/main" id="{51625A4E-B3B8-497C-B760-94C4D55B6A7D}"/>
+                <a16:creationId xmlns:a16="http://schemas.microsoft.com/office/drawing/2014/main" id="{345A2227-22A9-43E0-86BC-03D1021D1440}"/>
               </a:ext>
             </a:extLst>
           </p:cNvPr>
@@ -642,7 +1265,7 @@
           <p:cNvPr id="4" name="Espace réservé de la date 3">
             <a:extLst>
               <a:ext uri="{FF2B5EF4-FFF2-40B4-BE49-F238E27FC236}">
-                <a16:creationId xmlns:a16="http://schemas.microsoft.com/office/drawing/2014/main" id="{F8BC3853-B448-4751-A552-D2176C9F6C56}"/>
+                <a16:creationId xmlns:a16="http://schemas.microsoft.com/office/drawing/2014/main" id="{F51ADE70-D2BA-49E8-883C-1209B30CFFEF}"/>
               </a:ext>
             </a:extLst>
           </p:cNvPr>
@@ -658,7 +1281,7 @@
           <a:bodyPr/>
           <a:lstStyle/>
           <a:p>
-            <a:fld id="{61C9E9EA-C665-4FF1-B9CD-551D0A4AA96D}" type="datetimeFigureOut">
+            <a:fld id="{AEB1EA0B-5C06-4E6A-8FCD-9A35BE2D454F}" type="datetimeFigureOut">
               <a:rPr lang="fr-FR" smtClean="0"/>
               <a:t>09/04/2020</a:t>
             </a:fld>
@@ -671,7 +1294,7 @@
           <p:cNvPr id="5" name="Espace réservé du pied de page 4">
             <a:extLst>
               <a:ext uri="{FF2B5EF4-FFF2-40B4-BE49-F238E27FC236}">
-                <a16:creationId xmlns:a16="http://schemas.microsoft.com/office/drawing/2014/main" id="{EB7FB99D-24D2-4280-8097-D24486AC0B1E}"/>
+                <a16:creationId xmlns:a16="http://schemas.microsoft.com/office/drawing/2014/main" id="{A6780467-124A-4CF0-A391-442D39D253CB}"/>
               </a:ext>
             </a:extLst>
           </p:cNvPr>
@@ -696,7 +1319,7 @@
           <p:cNvPr id="6" name="Espace réservé du numéro de diapositive 5">
             <a:extLst>
               <a:ext uri="{FF2B5EF4-FFF2-40B4-BE49-F238E27FC236}">
-                <a16:creationId xmlns:a16="http://schemas.microsoft.com/office/drawing/2014/main" id="{E0BB5422-0AFD-4BD0-8A0D-763B8DA7D1DA}"/>
+                <a16:creationId xmlns:a16="http://schemas.microsoft.com/office/drawing/2014/main" id="{14EC1CA7-1062-4D99-BFC4-3212A0627CD9}"/>
               </a:ext>
             </a:extLst>
           </p:cNvPr>
@@ -712,7 +1335,7 @@
           <a:bodyPr/>
           <a:lstStyle/>
           <a:p>
-            <a:fld id="{D3D01115-93EA-4276-8954-9CA72C3EBCDC}" type="slidenum">
+            <a:fld id="{27BFB900-AE02-4433-B1C1-759136C50A0B}" type="slidenum">
               <a:rPr lang="fr-FR" smtClean="0"/>
               <a:t>‹N°›</a:t>
             </a:fld>
@@ -723,7 +1346,7 @@
     </p:spTree>
     <p:extLst>
       <p:ext uri="{BB962C8B-B14F-4D97-AF65-F5344CB8AC3E}">
-        <p14:creationId xmlns:p14="http://schemas.microsoft.com/office/powerpoint/2010/main" val="1337554923"/>
+        <p14:creationId xmlns:p14="http://schemas.microsoft.com/office/powerpoint/2010/main" val="1561962517"/>
       </p:ext>
     </p:extLst>
   </p:cSld>
@@ -755,7 +1378,7 @@
           <p:cNvPr id="2" name="Titre 1">
             <a:extLst>
               <a:ext uri="{FF2B5EF4-FFF2-40B4-BE49-F238E27FC236}">
-                <a16:creationId xmlns:a16="http://schemas.microsoft.com/office/drawing/2014/main" id="{6AE05C55-562B-45F8-BB4C-ADBDC3D3D6E7}"/>
+                <a16:creationId xmlns:a16="http://schemas.microsoft.com/office/drawing/2014/main" id="{230C7350-D30B-4709-ABC3-ACFC8B3D9305}"/>
               </a:ext>
             </a:extLst>
           </p:cNvPr>
@@ -783,7 +1406,7 @@
           <p:cNvPr id="3" name="Espace réservé du contenu 2">
             <a:extLst>
               <a:ext uri="{FF2B5EF4-FFF2-40B4-BE49-F238E27FC236}">
-                <a16:creationId xmlns:a16="http://schemas.microsoft.com/office/drawing/2014/main" id="{688B8582-5078-4ADE-84D5-090FCA88814A}"/>
+                <a16:creationId xmlns:a16="http://schemas.microsoft.com/office/drawing/2014/main" id="{99227B56-0A91-41E0-A408-BF45EC16462F}"/>
               </a:ext>
             </a:extLst>
           </p:cNvPr>
@@ -840,7 +1463,7 @@
           <p:cNvPr id="4" name="Espace réservé de la date 3">
             <a:extLst>
               <a:ext uri="{FF2B5EF4-FFF2-40B4-BE49-F238E27FC236}">
-                <a16:creationId xmlns:a16="http://schemas.microsoft.com/office/drawing/2014/main" id="{0D776AF1-6A94-40DA-B44B-8A3473B7631F}"/>
+                <a16:creationId xmlns:a16="http://schemas.microsoft.com/office/drawing/2014/main" id="{1D61DDE1-1C95-49EE-9715-22B527B2C70A}"/>
               </a:ext>
             </a:extLst>
           </p:cNvPr>
@@ -856,7 +1479,7 @@
           <a:bodyPr/>
           <a:lstStyle/>
           <a:p>
-            <a:fld id="{61C9E9EA-C665-4FF1-B9CD-551D0A4AA96D}" type="datetimeFigureOut">
+            <a:fld id="{AEB1EA0B-5C06-4E6A-8FCD-9A35BE2D454F}" type="datetimeFigureOut">
               <a:rPr lang="fr-FR" smtClean="0"/>
               <a:t>09/04/2020</a:t>
             </a:fld>
@@ -869,7 +1492,7 @@
           <p:cNvPr id="5" name="Espace réservé du pied de page 4">
             <a:extLst>
               <a:ext uri="{FF2B5EF4-FFF2-40B4-BE49-F238E27FC236}">
-                <a16:creationId xmlns:a16="http://schemas.microsoft.com/office/drawing/2014/main" id="{A4A7EDDF-56C1-4F55-AF31-60245D07C0F3}"/>
+                <a16:creationId xmlns:a16="http://schemas.microsoft.com/office/drawing/2014/main" id="{5C850BDC-5B39-4957-A9FF-1F4FA5ED3A6C}"/>
               </a:ext>
             </a:extLst>
           </p:cNvPr>
@@ -894,7 +1517,7 @@
           <p:cNvPr id="6" name="Espace réservé du numéro de diapositive 5">
             <a:extLst>
               <a:ext uri="{FF2B5EF4-FFF2-40B4-BE49-F238E27FC236}">
-                <a16:creationId xmlns:a16="http://schemas.microsoft.com/office/drawing/2014/main" id="{54D77C2E-077E-4468-84D0-D20C9AC9263E}"/>
+                <a16:creationId xmlns:a16="http://schemas.microsoft.com/office/drawing/2014/main" id="{9B57DA2F-AD02-419B-9F20-849A5A97AF46}"/>
               </a:ext>
             </a:extLst>
           </p:cNvPr>
@@ -910,7 +1533,7 @@
           <a:bodyPr/>
           <a:lstStyle/>
           <a:p>
-            <a:fld id="{D3D01115-93EA-4276-8954-9CA72C3EBCDC}" type="slidenum">
+            <a:fld id="{27BFB900-AE02-4433-B1C1-759136C50A0B}" type="slidenum">
               <a:rPr lang="fr-FR" smtClean="0"/>
               <a:t>‹N°›</a:t>
             </a:fld>
@@ -921,7 +1544,7 @@
     </p:spTree>
     <p:extLst>
       <p:ext uri="{BB962C8B-B14F-4D97-AF65-F5344CB8AC3E}">
-        <p14:creationId xmlns:p14="http://schemas.microsoft.com/office/powerpoint/2010/main" val="2665507578"/>
+        <p14:creationId xmlns:p14="http://schemas.microsoft.com/office/powerpoint/2010/main" val="1649180312"/>
       </p:ext>
     </p:extLst>
   </p:cSld>
@@ -953,7 +1576,7 @@
           <p:cNvPr id="2" name="Titre 1">
             <a:extLst>
               <a:ext uri="{FF2B5EF4-FFF2-40B4-BE49-F238E27FC236}">
-                <a16:creationId xmlns:a16="http://schemas.microsoft.com/office/drawing/2014/main" id="{F471C3B6-D569-4AEF-A3E9-17ED54D1FEFC}"/>
+                <a16:creationId xmlns:a16="http://schemas.microsoft.com/office/drawing/2014/main" id="{0B6B2C08-8CA6-4742-9D5C-22D02D24D1AD}"/>
               </a:ext>
             </a:extLst>
           </p:cNvPr>
@@ -990,7 +1613,7 @@
           <p:cNvPr id="3" name="Espace réservé du texte 2">
             <a:extLst>
               <a:ext uri="{FF2B5EF4-FFF2-40B4-BE49-F238E27FC236}">
-                <a16:creationId xmlns:a16="http://schemas.microsoft.com/office/drawing/2014/main" id="{1956A1B9-38F7-41E1-A24C-16CAED01E855}"/>
+                <a16:creationId xmlns:a16="http://schemas.microsoft.com/office/drawing/2014/main" id="{9F658E09-19BF-41F5-A399-B83E1E121CA1}"/>
               </a:ext>
             </a:extLst>
           </p:cNvPr>
@@ -1115,7 +1738,7 @@
           <p:cNvPr id="4" name="Espace réservé de la date 3">
             <a:extLst>
               <a:ext uri="{FF2B5EF4-FFF2-40B4-BE49-F238E27FC236}">
-                <a16:creationId xmlns:a16="http://schemas.microsoft.com/office/drawing/2014/main" id="{0EEEF909-8FDE-4D8C-9047-8991329484A5}"/>
+                <a16:creationId xmlns:a16="http://schemas.microsoft.com/office/drawing/2014/main" id="{93FFB42F-906C-418F-B9B8-B3E1624BA8D2}"/>
               </a:ext>
             </a:extLst>
           </p:cNvPr>
@@ -1131,7 +1754,7 @@
           <a:bodyPr/>
           <a:lstStyle/>
           <a:p>
-            <a:fld id="{61C9E9EA-C665-4FF1-B9CD-551D0A4AA96D}" type="datetimeFigureOut">
+            <a:fld id="{AEB1EA0B-5C06-4E6A-8FCD-9A35BE2D454F}" type="datetimeFigureOut">
               <a:rPr lang="fr-FR" smtClean="0"/>
               <a:t>09/04/2020</a:t>
             </a:fld>
@@ -1144,7 +1767,7 @@
           <p:cNvPr id="5" name="Espace réservé du pied de page 4">
             <a:extLst>
               <a:ext uri="{FF2B5EF4-FFF2-40B4-BE49-F238E27FC236}">
-                <a16:creationId xmlns:a16="http://schemas.microsoft.com/office/drawing/2014/main" id="{FC0548DA-8A54-45DD-9DB9-9A53BC405938}"/>
+                <a16:creationId xmlns:a16="http://schemas.microsoft.com/office/drawing/2014/main" id="{6D607A87-9501-4FB7-B52A-F2D7CCEAEDA7}"/>
               </a:ext>
             </a:extLst>
           </p:cNvPr>
@@ -1169,7 +1792,7 @@
           <p:cNvPr id="6" name="Espace réservé du numéro de diapositive 5">
             <a:extLst>
               <a:ext uri="{FF2B5EF4-FFF2-40B4-BE49-F238E27FC236}">
-                <a16:creationId xmlns:a16="http://schemas.microsoft.com/office/drawing/2014/main" id="{5FDE8651-9433-438E-8AAD-0CD2DFD06BA5}"/>
+                <a16:creationId xmlns:a16="http://schemas.microsoft.com/office/drawing/2014/main" id="{B7249C79-B6AA-4BF9-84DA-D65FC96D260B}"/>
               </a:ext>
             </a:extLst>
           </p:cNvPr>
@@ -1185,7 +1808,7 @@
           <a:bodyPr/>
           <a:lstStyle/>
           <a:p>
-            <a:fld id="{D3D01115-93EA-4276-8954-9CA72C3EBCDC}" type="slidenum">
+            <a:fld id="{27BFB900-AE02-4433-B1C1-759136C50A0B}" type="slidenum">
               <a:rPr lang="fr-FR" smtClean="0"/>
               <a:t>‹N°›</a:t>
             </a:fld>
@@ -1196,7 +1819,7 @@
     </p:spTree>
     <p:extLst>
       <p:ext uri="{BB962C8B-B14F-4D97-AF65-F5344CB8AC3E}">
-        <p14:creationId xmlns:p14="http://schemas.microsoft.com/office/powerpoint/2010/main" val="1026297869"/>
+        <p14:creationId xmlns:p14="http://schemas.microsoft.com/office/powerpoint/2010/main" val="1135415856"/>
       </p:ext>
     </p:extLst>
   </p:cSld>
@@ -1228,7 +1851,7 @@
           <p:cNvPr id="2" name="Titre 1">
             <a:extLst>
               <a:ext uri="{FF2B5EF4-FFF2-40B4-BE49-F238E27FC236}">
-                <a16:creationId xmlns:a16="http://schemas.microsoft.com/office/drawing/2014/main" id="{0C94EAE8-6F81-4D99-A4A8-32AA5CD65E80}"/>
+                <a16:creationId xmlns:a16="http://schemas.microsoft.com/office/drawing/2014/main" id="{E8131099-87BE-4806-8A66-02654FA12E08}"/>
               </a:ext>
             </a:extLst>
           </p:cNvPr>
@@ -1256,7 +1879,7 @@
           <p:cNvPr id="3" name="Espace réservé du contenu 2">
             <a:extLst>
               <a:ext uri="{FF2B5EF4-FFF2-40B4-BE49-F238E27FC236}">
-                <a16:creationId xmlns:a16="http://schemas.microsoft.com/office/drawing/2014/main" id="{65C70D31-A837-4CC7-B8C7-5619BF53B82B}"/>
+                <a16:creationId xmlns:a16="http://schemas.microsoft.com/office/drawing/2014/main" id="{C0F6F9D7-9369-4B2F-9130-CD1D9CD7DA99}"/>
               </a:ext>
             </a:extLst>
           </p:cNvPr>
@@ -1318,7 +1941,7 @@
           <p:cNvPr id="4" name="Espace réservé du contenu 3">
             <a:extLst>
               <a:ext uri="{FF2B5EF4-FFF2-40B4-BE49-F238E27FC236}">
-                <a16:creationId xmlns:a16="http://schemas.microsoft.com/office/drawing/2014/main" id="{BEF5A72D-731A-443D-8D8D-7795BD008C18}"/>
+                <a16:creationId xmlns:a16="http://schemas.microsoft.com/office/drawing/2014/main" id="{E5D46E07-D3AF-4F51-8F7F-A2391DD43B06}"/>
               </a:ext>
             </a:extLst>
           </p:cNvPr>
@@ -1380,7 +2003,7 @@
           <p:cNvPr id="5" name="Espace réservé de la date 4">
             <a:extLst>
               <a:ext uri="{FF2B5EF4-FFF2-40B4-BE49-F238E27FC236}">
-                <a16:creationId xmlns:a16="http://schemas.microsoft.com/office/drawing/2014/main" id="{429926B5-708F-4F1A-A88F-9AA5DB7EA552}"/>
+                <a16:creationId xmlns:a16="http://schemas.microsoft.com/office/drawing/2014/main" id="{EB63C6BF-AB28-4E7E-B9A1-83B3EEA751E7}"/>
               </a:ext>
             </a:extLst>
           </p:cNvPr>
@@ -1396,7 +2019,7 @@
           <a:bodyPr/>
           <a:lstStyle/>
           <a:p>
-            <a:fld id="{61C9E9EA-C665-4FF1-B9CD-551D0A4AA96D}" type="datetimeFigureOut">
+            <a:fld id="{AEB1EA0B-5C06-4E6A-8FCD-9A35BE2D454F}" type="datetimeFigureOut">
               <a:rPr lang="fr-FR" smtClean="0"/>
               <a:t>09/04/2020</a:t>
             </a:fld>
@@ -1409,7 +2032,7 @@
           <p:cNvPr id="6" name="Espace réservé du pied de page 5">
             <a:extLst>
               <a:ext uri="{FF2B5EF4-FFF2-40B4-BE49-F238E27FC236}">
-                <a16:creationId xmlns:a16="http://schemas.microsoft.com/office/drawing/2014/main" id="{3FCD7430-4F9A-49BB-8F9A-7A7688BE765A}"/>
+                <a16:creationId xmlns:a16="http://schemas.microsoft.com/office/drawing/2014/main" id="{948F6740-B6E1-450D-9AD7-6D0EE22E6FAA}"/>
               </a:ext>
             </a:extLst>
           </p:cNvPr>
@@ -1434,7 +2057,7 @@
           <p:cNvPr id="7" name="Espace réservé du numéro de diapositive 6">
             <a:extLst>
               <a:ext uri="{FF2B5EF4-FFF2-40B4-BE49-F238E27FC236}">
-                <a16:creationId xmlns:a16="http://schemas.microsoft.com/office/drawing/2014/main" id="{FA655CAF-7433-49B8-849E-85477FB800C4}"/>
+                <a16:creationId xmlns:a16="http://schemas.microsoft.com/office/drawing/2014/main" id="{84F67EB4-E532-417B-93A8-CAD42C71EDD3}"/>
               </a:ext>
             </a:extLst>
           </p:cNvPr>
@@ -1450,7 +2073,7 @@
           <a:bodyPr/>
           <a:lstStyle/>
           <a:p>
-            <a:fld id="{D3D01115-93EA-4276-8954-9CA72C3EBCDC}" type="slidenum">
+            <a:fld id="{27BFB900-AE02-4433-B1C1-759136C50A0B}" type="slidenum">
               <a:rPr lang="fr-FR" smtClean="0"/>
               <a:t>‹N°›</a:t>
             </a:fld>
@@ -1461,7 +2084,7 @@
     </p:spTree>
     <p:extLst>
       <p:ext uri="{BB962C8B-B14F-4D97-AF65-F5344CB8AC3E}">
-        <p14:creationId xmlns:p14="http://schemas.microsoft.com/office/powerpoint/2010/main" val="3968217654"/>
+        <p14:creationId xmlns:p14="http://schemas.microsoft.com/office/powerpoint/2010/main" val="3005540716"/>
       </p:ext>
     </p:extLst>
   </p:cSld>
@@ -1493,7 +2116,7 @@
           <p:cNvPr id="2" name="Titre 1">
             <a:extLst>
               <a:ext uri="{FF2B5EF4-FFF2-40B4-BE49-F238E27FC236}">
-                <a16:creationId xmlns:a16="http://schemas.microsoft.com/office/drawing/2014/main" id="{2DBE89D7-304D-4009-B8FF-EE375274610B}"/>
+                <a16:creationId xmlns:a16="http://schemas.microsoft.com/office/drawing/2014/main" id="{8CF3D72A-5ECD-467D-8764-E8D90985943E}"/>
               </a:ext>
             </a:extLst>
           </p:cNvPr>
@@ -1526,7 +2149,7 @@
           <p:cNvPr id="3" name="Espace réservé du texte 2">
             <a:extLst>
               <a:ext uri="{FF2B5EF4-FFF2-40B4-BE49-F238E27FC236}">
-                <a16:creationId xmlns:a16="http://schemas.microsoft.com/office/drawing/2014/main" id="{9A800C63-64D8-4EAD-B70E-415987A36716}"/>
+                <a16:creationId xmlns:a16="http://schemas.microsoft.com/office/drawing/2014/main" id="{D0AA3CC9-967B-4C91-ACD3-15422F99D462}"/>
               </a:ext>
             </a:extLst>
           </p:cNvPr>
@@ -1597,7 +2220,7 @@
           <p:cNvPr id="4" name="Espace réservé du contenu 3">
             <a:extLst>
               <a:ext uri="{FF2B5EF4-FFF2-40B4-BE49-F238E27FC236}">
-                <a16:creationId xmlns:a16="http://schemas.microsoft.com/office/drawing/2014/main" id="{40A7399D-006A-45CC-9B3A-B0A384845432}"/>
+                <a16:creationId xmlns:a16="http://schemas.microsoft.com/office/drawing/2014/main" id="{C5146AD7-D904-4EB3-A38C-8F500E1CCA53}"/>
               </a:ext>
             </a:extLst>
           </p:cNvPr>
@@ -1659,7 +2282,7 @@
           <p:cNvPr id="5" name="Espace réservé du texte 4">
             <a:extLst>
               <a:ext uri="{FF2B5EF4-FFF2-40B4-BE49-F238E27FC236}">
-                <a16:creationId xmlns:a16="http://schemas.microsoft.com/office/drawing/2014/main" id="{1722F54D-6346-4E62-8E48-B7E8A120C258}"/>
+                <a16:creationId xmlns:a16="http://schemas.microsoft.com/office/drawing/2014/main" id="{4B830FB5-8CAA-4B62-BA30-E3D03D95B3E6}"/>
               </a:ext>
             </a:extLst>
           </p:cNvPr>
@@ -1730,7 +2353,7 @@
           <p:cNvPr id="6" name="Espace réservé du contenu 5">
             <a:extLst>
               <a:ext uri="{FF2B5EF4-FFF2-40B4-BE49-F238E27FC236}">
-                <a16:creationId xmlns:a16="http://schemas.microsoft.com/office/drawing/2014/main" id="{A603607F-F7DC-4AB6-BB79-8C3E206304ED}"/>
+                <a16:creationId xmlns:a16="http://schemas.microsoft.com/office/drawing/2014/main" id="{BE99D249-CE58-4A3A-BA45-D680827EEBB5}"/>
               </a:ext>
             </a:extLst>
           </p:cNvPr>
@@ -1792,7 +2415,7 @@
           <p:cNvPr id="7" name="Espace réservé de la date 6">
             <a:extLst>
               <a:ext uri="{FF2B5EF4-FFF2-40B4-BE49-F238E27FC236}">
-                <a16:creationId xmlns:a16="http://schemas.microsoft.com/office/drawing/2014/main" id="{D68BDD10-EA7F-40FD-9898-40B29DCDF33E}"/>
+                <a16:creationId xmlns:a16="http://schemas.microsoft.com/office/drawing/2014/main" id="{0B6504DA-D2AE-4138-AD06-292B2069D20E}"/>
               </a:ext>
             </a:extLst>
           </p:cNvPr>
@@ -1808,7 +2431,7 @@
           <a:bodyPr/>
           <a:lstStyle/>
           <a:p>
-            <a:fld id="{61C9E9EA-C665-4FF1-B9CD-551D0A4AA96D}" type="datetimeFigureOut">
+            <a:fld id="{AEB1EA0B-5C06-4E6A-8FCD-9A35BE2D454F}" type="datetimeFigureOut">
               <a:rPr lang="fr-FR" smtClean="0"/>
               <a:t>09/04/2020</a:t>
             </a:fld>
@@ -1821,7 +2444,7 @@
           <p:cNvPr id="8" name="Espace réservé du pied de page 7">
             <a:extLst>
               <a:ext uri="{FF2B5EF4-FFF2-40B4-BE49-F238E27FC236}">
-                <a16:creationId xmlns:a16="http://schemas.microsoft.com/office/drawing/2014/main" id="{F0E359ED-6E9F-4EB8-8EA0-EF76B5CED59C}"/>
+                <a16:creationId xmlns:a16="http://schemas.microsoft.com/office/drawing/2014/main" id="{6C46880E-083E-4266-84C0-950E03899DF7}"/>
               </a:ext>
             </a:extLst>
           </p:cNvPr>
@@ -1846,7 +2469,7 @@
           <p:cNvPr id="9" name="Espace réservé du numéro de diapositive 8">
             <a:extLst>
               <a:ext uri="{FF2B5EF4-FFF2-40B4-BE49-F238E27FC236}">
-                <a16:creationId xmlns:a16="http://schemas.microsoft.com/office/drawing/2014/main" id="{344CC56A-3F26-4014-A067-387FEFEF200E}"/>
+                <a16:creationId xmlns:a16="http://schemas.microsoft.com/office/drawing/2014/main" id="{21E09E1D-2A8C-49B5-B93C-E6DCA7BF6242}"/>
               </a:ext>
             </a:extLst>
           </p:cNvPr>
@@ -1862,7 +2485,7 @@
           <a:bodyPr/>
           <a:lstStyle/>
           <a:p>
-            <a:fld id="{D3D01115-93EA-4276-8954-9CA72C3EBCDC}" type="slidenum">
+            <a:fld id="{27BFB900-AE02-4433-B1C1-759136C50A0B}" type="slidenum">
               <a:rPr lang="fr-FR" smtClean="0"/>
               <a:t>‹N°›</a:t>
             </a:fld>
@@ -1873,7 +2496,7 @@
     </p:spTree>
     <p:extLst>
       <p:ext uri="{BB962C8B-B14F-4D97-AF65-F5344CB8AC3E}">
-        <p14:creationId xmlns:p14="http://schemas.microsoft.com/office/powerpoint/2010/main" val="2035253637"/>
+        <p14:creationId xmlns:p14="http://schemas.microsoft.com/office/powerpoint/2010/main" val="3650951956"/>
       </p:ext>
     </p:extLst>
   </p:cSld>
@@ -1905,7 +2528,7 @@
           <p:cNvPr id="2" name="Titre 1">
             <a:extLst>
               <a:ext uri="{FF2B5EF4-FFF2-40B4-BE49-F238E27FC236}">
-                <a16:creationId xmlns:a16="http://schemas.microsoft.com/office/drawing/2014/main" id="{3F983DE5-C1A7-4DC5-AFA2-88EC128494EF}"/>
+                <a16:creationId xmlns:a16="http://schemas.microsoft.com/office/drawing/2014/main" id="{35F4E420-D9CD-447B-A30B-003C25CEB7C3}"/>
               </a:ext>
             </a:extLst>
           </p:cNvPr>
@@ -1933,7 +2556,7 @@
           <p:cNvPr id="3" name="Espace réservé de la date 2">
             <a:extLst>
               <a:ext uri="{FF2B5EF4-FFF2-40B4-BE49-F238E27FC236}">
-                <a16:creationId xmlns:a16="http://schemas.microsoft.com/office/drawing/2014/main" id="{7E0182EC-A7A8-4BC4-A616-24685851F929}"/>
+                <a16:creationId xmlns:a16="http://schemas.microsoft.com/office/drawing/2014/main" id="{C12DE299-212B-46A2-8197-C8F194174E54}"/>
               </a:ext>
             </a:extLst>
           </p:cNvPr>
@@ -1949,7 +2572,7 @@
           <a:bodyPr/>
           <a:lstStyle/>
           <a:p>
-            <a:fld id="{61C9E9EA-C665-4FF1-B9CD-551D0A4AA96D}" type="datetimeFigureOut">
+            <a:fld id="{AEB1EA0B-5C06-4E6A-8FCD-9A35BE2D454F}" type="datetimeFigureOut">
               <a:rPr lang="fr-FR" smtClean="0"/>
               <a:t>09/04/2020</a:t>
             </a:fld>
@@ -1962,7 +2585,7 @@
           <p:cNvPr id="4" name="Espace réservé du pied de page 3">
             <a:extLst>
               <a:ext uri="{FF2B5EF4-FFF2-40B4-BE49-F238E27FC236}">
-                <a16:creationId xmlns:a16="http://schemas.microsoft.com/office/drawing/2014/main" id="{A82EBD6A-BFF0-4155-8F5B-70EE19EA24A9}"/>
+                <a16:creationId xmlns:a16="http://schemas.microsoft.com/office/drawing/2014/main" id="{B31DD208-4841-4429-A5B9-9846FA435AE8}"/>
               </a:ext>
             </a:extLst>
           </p:cNvPr>
@@ -1987,7 +2610,7 @@
           <p:cNvPr id="5" name="Espace réservé du numéro de diapositive 4">
             <a:extLst>
               <a:ext uri="{FF2B5EF4-FFF2-40B4-BE49-F238E27FC236}">
-                <a16:creationId xmlns:a16="http://schemas.microsoft.com/office/drawing/2014/main" id="{EDADC458-1039-42B7-8E81-F686CE0FE249}"/>
+                <a16:creationId xmlns:a16="http://schemas.microsoft.com/office/drawing/2014/main" id="{724A9C75-04E8-479C-B82D-DE83A9C1F950}"/>
               </a:ext>
             </a:extLst>
           </p:cNvPr>
@@ -2003,7 +2626,7 @@
           <a:bodyPr/>
           <a:lstStyle/>
           <a:p>
-            <a:fld id="{D3D01115-93EA-4276-8954-9CA72C3EBCDC}" type="slidenum">
+            <a:fld id="{27BFB900-AE02-4433-B1C1-759136C50A0B}" type="slidenum">
               <a:rPr lang="fr-FR" smtClean="0"/>
               <a:t>‹N°›</a:t>
             </a:fld>
@@ -2014,7 +2637,7 @@
     </p:spTree>
     <p:extLst>
       <p:ext uri="{BB962C8B-B14F-4D97-AF65-F5344CB8AC3E}">
-        <p14:creationId xmlns:p14="http://schemas.microsoft.com/office/powerpoint/2010/main" val="2838637995"/>
+        <p14:creationId xmlns:p14="http://schemas.microsoft.com/office/powerpoint/2010/main" val="1871464643"/>
       </p:ext>
     </p:extLst>
   </p:cSld>
@@ -2046,7 +2669,7 @@
           <p:cNvPr id="2" name="Espace réservé de la date 1">
             <a:extLst>
               <a:ext uri="{FF2B5EF4-FFF2-40B4-BE49-F238E27FC236}">
-                <a16:creationId xmlns:a16="http://schemas.microsoft.com/office/drawing/2014/main" id="{7734B194-CAEA-465D-ACD3-7A10EBB2E6C9}"/>
+                <a16:creationId xmlns:a16="http://schemas.microsoft.com/office/drawing/2014/main" id="{505705C7-A66D-4FB6-B1FE-FA73B4CA73CC}"/>
               </a:ext>
             </a:extLst>
           </p:cNvPr>
@@ -2062,7 +2685,7 @@
           <a:bodyPr/>
           <a:lstStyle/>
           <a:p>
-            <a:fld id="{61C9E9EA-C665-4FF1-B9CD-551D0A4AA96D}" type="datetimeFigureOut">
+            <a:fld id="{AEB1EA0B-5C06-4E6A-8FCD-9A35BE2D454F}" type="datetimeFigureOut">
               <a:rPr lang="fr-FR" smtClean="0"/>
               <a:t>09/04/2020</a:t>
             </a:fld>
@@ -2075,7 +2698,7 @@
           <p:cNvPr id="3" name="Espace réservé du pied de page 2">
             <a:extLst>
               <a:ext uri="{FF2B5EF4-FFF2-40B4-BE49-F238E27FC236}">
-                <a16:creationId xmlns:a16="http://schemas.microsoft.com/office/drawing/2014/main" id="{ADF3FDC2-2ED1-439C-966D-8EDBE94C49CF}"/>
+                <a16:creationId xmlns:a16="http://schemas.microsoft.com/office/drawing/2014/main" id="{35B00739-B8A2-4F58-A4FA-DB12810FBCBE}"/>
               </a:ext>
             </a:extLst>
           </p:cNvPr>
@@ -2100,7 +2723,7 @@
           <p:cNvPr id="4" name="Espace réservé du numéro de diapositive 3">
             <a:extLst>
               <a:ext uri="{FF2B5EF4-FFF2-40B4-BE49-F238E27FC236}">
-                <a16:creationId xmlns:a16="http://schemas.microsoft.com/office/drawing/2014/main" id="{E2F0984C-4204-488F-9042-BE105194FA17}"/>
+                <a16:creationId xmlns:a16="http://schemas.microsoft.com/office/drawing/2014/main" id="{38E5C8D9-8771-473B-9F92-AB5A83DD51FB}"/>
               </a:ext>
             </a:extLst>
           </p:cNvPr>
@@ -2116,7 +2739,7 @@
           <a:bodyPr/>
           <a:lstStyle/>
           <a:p>
-            <a:fld id="{D3D01115-93EA-4276-8954-9CA72C3EBCDC}" type="slidenum">
+            <a:fld id="{27BFB900-AE02-4433-B1C1-759136C50A0B}" type="slidenum">
               <a:rPr lang="fr-FR" smtClean="0"/>
               <a:t>‹N°›</a:t>
             </a:fld>
@@ -2127,7 +2750,7 @@
     </p:spTree>
     <p:extLst>
       <p:ext uri="{BB962C8B-B14F-4D97-AF65-F5344CB8AC3E}">
-        <p14:creationId xmlns:p14="http://schemas.microsoft.com/office/powerpoint/2010/main" val="3559371492"/>
+        <p14:creationId xmlns:p14="http://schemas.microsoft.com/office/powerpoint/2010/main" val="1872457296"/>
       </p:ext>
     </p:extLst>
   </p:cSld>
@@ -2159,7 +2782,7 @@
           <p:cNvPr id="2" name="Titre 1">
             <a:extLst>
               <a:ext uri="{FF2B5EF4-FFF2-40B4-BE49-F238E27FC236}">
-                <a16:creationId xmlns:a16="http://schemas.microsoft.com/office/drawing/2014/main" id="{A5576F1C-4465-494E-9496-6E08F6BE8BB6}"/>
+                <a16:creationId xmlns:a16="http://schemas.microsoft.com/office/drawing/2014/main" id="{B70C5958-88A7-421A-B2CC-E3EBC0973AF1}"/>
               </a:ext>
             </a:extLst>
           </p:cNvPr>
@@ -2196,7 +2819,7 @@
           <p:cNvPr id="3" name="Espace réservé du contenu 2">
             <a:extLst>
               <a:ext uri="{FF2B5EF4-FFF2-40B4-BE49-F238E27FC236}">
-                <a16:creationId xmlns:a16="http://schemas.microsoft.com/office/drawing/2014/main" id="{45144056-6830-4344-B80E-CC9DD19850C3}"/>
+                <a16:creationId xmlns:a16="http://schemas.microsoft.com/office/drawing/2014/main" id="{B454C1EF-E049-42B6-B824-EC48A39A7B66}"/>
               </a:ext>
             </a:extLst>
           </p:cNvPr>
@@ -2286,7 +2909,7 @@
           <p:cNvPr id="4" name="Espace réservé du texte 3">
             <a:extLst>
               <a:ext uri="{FF2B5EF4-FFF2-40B4-BE49-F238E27FC236}">
-                <a16:creationId xmlns:a16="http://schemas.microsoft.com/office/drawing/2014/main" id="{A8A98044-FB46-41E7-9358-2B6CC1CBB126}"/>
+                <a16:creationId xmlns:a16="http://schemas.microsoft.com/office/drawing/2014/main" id="{AC62328D-B251-47AF-9E97-044D74BBD3D0}"/>
               </a:ext>
             </a:extLst>
           </p:cNvPr>
@@ -2357,7 +2980,7 @@
           <p:cNvPr id="5" name="Espace réservé de la date 4">
             <a:extLst>
               <a:ext uri="{FF2B5EF4-FFF2-40B4-BE49-F238E27FC236}">
-                <a16:creationId xmlns:a16="http://schemas.microsoft.com/office/drawing/2014/main" id="{9300F591-5EE6-41CA-99E1-0BEE934B9726}"/>
+                <a16:creationId xmlns:a16="http://schemas.microsoft.com/office/drawing/2014/main" id="{3F7741BE-F7E3-478F-A24E-08B86801978E}"/>
               </a:ext>
             </a:extLst>
           </p:cNvPr>
@@ -2373,7 +2996,7 @@
           <a:bodyPr/>
           <a:lstStyle/>
           <a:p>
-            <a:fld id="{61C9E9EA-C665-4FF1-B9CD-551D0A4AA96D}" type="datetimeFigureOut">
+            <a:fld id="{AEB1EA0B-5C06-4E6A-8FCD-9A35BE2D454F}" type="datetimeFigureOut">
               <a:rPr lang="fr-FR" smtClean="0"/>
               <a:t>09/04/2020</a:t>
             </a:fld>
@@ -2386,7 +3009,7 @@
           <p:cNvPr id="6" name="Espace réservé du pied de page 5">
             <a:extLst>
               <a:ext uri="{FF2B5EF4-FFF2-40B4-BE49-F238E27FC236}">
-                <a16:creationId xmlns:a16="http://schemas.microsoft.com/office/drawing/2014/main" id="{776B3AE6-1A9C-4C4B-A5A0-F767A7A8212B}"/>
+                <a16:creationId xmlns:a16="http://schemas.microsoft.com/office/drawing/2014/main" id="{62E5C11F-07C8-43B4-8C78-733515DE8900}"/>
               </a:ext>
             </a:extLst>
           </p:cNvPr>
@@ -2411,7 +3034,7 @@
           <p:cNvPr id="7" name="Espace réservé du numéro de diapositive 6">
             <a:extLst>
               <a:ext uri="{FF2B5EF4-FFF2-40B4-BE49-F238E27FC236}">
-                <a16:creationId xmlns:a16="http://schemas.microsoft.com/office/drawing/2014/main" id="{419C0297-EBEC-40A9-8074-53DCE288D986}"/>
+                <a16:creationId xmlns:a16="http://schemas.microsoft.com/office/drawing/2014/main" id="{61578EFD-C092-4E20-9742-EE10DF3CC3B3}"/>
               </a:ext>
             </a:extLst>
           </p:cNvPr>
@@ -2427,7 +3050,7 @@
           <a:bodyPr/>
           <a:lstStyle/>
           <a:p>
-            <a:fld id="{D3D01115-93EA-4276-8954-9CA72C3EBCDC}" type="slidenum">
+            <a:fld id="{27BFB900-AE02-4433-B1C1-759136C50A0B}" type="slidenum">
               <a:rPr lang="fr-FR" smtClean="0"/>
               <a:t>‹N°›</a:t>
             </a:fld>
@@ -2438,7 +3061,7 @@
     </p:spTree>
     <p:extLst>
       <p:ext uri="{BB962C8B-B14F-4D97-AF65-F5344CB8AC3E}">
-        <p14:creationId xmlns:p14="http://schemas.microsoft.com/office/powerpoint/2010/main" val="2581485264"/>
+        <p14:creationId xmlns:p14="http://schemas.microsoft.com/office/powerpoint/2010/main" val="2121809246"/>
       </p:ext>
     </p:extLst>
   </p:cSld>
@@ -2470,7 +3093,7 @@
           <p:cNvPr id="2" name="Titre 1">
             <a:extLst>
               <a:ext uri="{FF2B5EF4-FFF2-40B4-BE49-F238E27FC236}">
-                <a16:creationId xmlns:a16="http://schemas.microsoft.com/office/drawing/2014/main" id="{C38F46DD-B23F-45D5-915B-E61AB84F79EA}"/>
+                <a16:creationId xmlns:a16="http://schemas.microsoft.com/office/drawing/2014/main" id="{89B8E38B-6DDA-4DC8-9B5C-9AADE01C5F20}"/>
               </a:ext>
             </a:extLst>
           </p:cNvPr>
@@ -2507,7 +3130,7 @@
           <p:cNvPr id="3" name="Espace réservé pour une image  2">
             <a:extLst>
               <a:ext uri="{FF2B5EF4-FFF2-40B4-BE49-F238E27FC236}">
-                <a16:creationId xmlns:a16="http://schemas.microsoft.com/office/drawing/2014/main" id="{D175BA61-F540-4BE1-9EF3-A8E3CFE64A15}"/>
+                <a16:creationId xmlns:a16="http://schemas.microsoft.com/office/drawing/2014/main" id="{457233AF-5A03-468B-9EAE-C003CEB07A09}"/>
               </a:ext>
             </a:extLst>
           </p:cNvPr>
@@ -2574,7 +3197,7 @@
           <p:cNvPr id="4" name="Espace réservé du texte 3">
             <a:extLst>
               <a:ext uri="{FF2B5EF4-FFF2-40B4-BE49-F238E27FC236}">
-                <a16:creationId xmlns:a16="http://schemas.microsoft.com/office/drawing/2014/main" id="{7CEC8EA2-A212-4C52-B6A8-7B1B262AB48C}"/>
+                <a16:creationId xmlns:a16="http://schemas.microsoft.com/office/drawing/2014/main" id="{F1D1F63B-679C-48F3-8A80-5127C663CADF}"/>
               </a:ext>
             </a:extLst>
           </p:cNvPr>
@@ -2645,7 +3268,7 @@
           <p:cNvPr id="5" name="Espace réservé de la date 4">
             <a:extLst>
               <a:ext uri="{FF2B5EF4-FFF2-40B4-BE49-F238E27FC236}">
-                <a16:creationId xmlns:a16="http://schemas.microsoft.com/office/drawing/2014/main" id="{875F485E-FF8D-4471-A2F9-A4DC886704F1}"/>
+                <a16:creationId xmlns:a16="http://schemas.microsoft.com/office/drawing/2014/main" id="{648FED8B-967A-4C29-8548-F13F9B053B79}"/>
               </a:ext>
             </a:extLst>
           </p:cNvPr>
@@ -2661,7 +3284,7 @@
           <a:bodyPr/>
           <a:lstStyle/>
           <a:p>
-            <a:fld id="{61C9E9EA-C665-4FF1-B9CD-551D0A4AA96D}" type="datetimeFigureOut">
+            <a:fld id="{AEB1EA0B-5C06-4E6A-8FCD-9A35BE2D454F}" type="datetimeFigureOut">
               <a:rPr lang="fr-FR" smtClean="0"/>
               <a:t>09/04/2020</a:t>
             </a:fld>
@@ -2674,7 +3297,7 @@
           <p:cNvPr id="6" name="Espace réservé du pied de page 5">
             <a:extLst>
               <a:ext uri="{FF2B5EF4-FFF2-40B4-BE49-F238E27FC236}">
-                <a16:creationId xmlns:a16="http://schemas.microsoft.com/office/drawing/2014/main" id="{4B562FF8-44A9-4901-9145-1EB60231D352}"/>
+                <a16:creationId xmlns:a16="http://schemas.microsoft.com/office/drawing/2014/main" id="{B99BC13F-EB25-4B84-A676-00F78D7967C2}"/>
               </a:ext>
             </a:extLst>
           </p:cNvPr>
@@ -2699,7 +3322,7 @@
           <p:cNvPr id="7" name="Espace réservé du numéro de diapositive 6">
             <a:extLst>
               <a:ext uri="{FF2B5EF4-FFF2-40B4-BE49-F238E27FC236}">
-                <a16:creationId xmlns:a16="http://schemas.microsoft.com/office/drawing/2014/main" id="{B361C844-0C35-422F-B82A-C82165709EF8}"/>
+                <a16:creationId xmlns:a16="http://schemas.microsoft.com/office/drawing/2014/main" id="{3B2143D4-055D-4EB4-A6B6-88A95C147FA6}"/>
               </a:ext>
             </a:extLst>
           </p:cNvPr>
@@ -2715,7 +3338,7 @@
           <a:bodyPr/>
           <a:lstStyle/>
           <a:p>
-            <a:fld id="{D3D01115-93EA-4276-8954-9CA72C3EBCDC}" type="slidenum">
+            <a:fld id="{27BFB900-AE02-4433-B1C1-759136C50A0B}" type="slidenum">
               <a:rPr lang="fr-FR" smtClean="0"/>
               <a:t>‹N°›</a:t>
             </a:fld>
@@ -2726,7 +3349,7 @@
     </p:spTree>
     <p:extLst>
       <p:ext uri="{BB962C8B-B14F-4D97-AF65-F5344CB8AC3E}">
-        <p14:creationId xmlns:p14="http://schemas.microsoft.com/office/powerpoint/2010/main" val="545178173"/>
+        <p14:creationId xmlns:p14="http://schemas.microsoft.com/office/powerpoint/2010/main" val="1639664854"/>
       </p:ext>
     </p:extLst>
   </p:cSld>
@@ -2763,7 +3386,7 @@
           <p:cNvPr id="2" name="Espace réservé du titre 1">
             <a:extLst>
               <a:ext uri="{FF2B5EF4-FFF2-40B4-BE49-F238E27FC236}">
-                <a16:creationId xmlns:a16="http://schemas.microsoft.com/office/drawing/2014/main" id="{F6210232-B427-4A36-BE46-4E797C316532}"/>
+                <a16:creationId xmlns:a16="http://schemas.microsoft.com/office/drawing/2014/main" id="{EA39BB92-89D1-4296-A244-3375EC42599E}"/>
               </a:ext>
             </a:extLst>
           </p:cNvPr>
@@ -2801,7 +3424,7 @@
           <p:cNvPr id="3" name="Espace réservé du texte 2">
             <a:extLst>
               <a:ext uri="{FF2B5EF4-FFF2-40B4-BE49-F238E27FC236}">
-                <a16:creationId xmlns:a16="http://schemas.microsoft.com/office/drawing/2014/main" id="{11CEA65B-F12A-4935-A0FE-EC4083C7FC7C}"/>
+                <a16:creationId xmlns:a16="http://schemas.microsoft.com/office/drawing/2014/main" id="{7D782157-549A-425B-8F2B-CF76559D017B}"/>
               </a:ext>
             </a:extLst>
           </p:cNvPr>
@@ -2868,7 +3491,7 @@
           <p:cNvPr id="4" name="Espace réservé de la date 3">
             <a:extLst>
               <a:ext uri="{FF2B5EF4-FFF2-40B4-BE49-F238E27FC236}">
-                <a16:creationId xmlns:a16="http://schemas.microsoft.com/office/drawing/2014/main" id="{D792E5A9-E8CC-4646-9B9E-D67126A20BB7}"/>
+                <a16:creationId xmlns:a16="http://schemas.microsoft.com/office/drawing/2014/main" id="{BA4485F2-718F-47FB-A69C-933200225009}"/>
               </a:ext>
             </a:extLst>
           </p:cNvPr>
@@ -2902,7 +3525,7 @@
             </a:lvl1pPr>
           </a:lstStyle>
           <a:p>
-            <a:fld id="{61C9E9EA-C665-4FF1-B9CD-551D0A4AA96D}" type="datetimeFigureOut">
+            <a:fld id="{AEB1EA0B-5C06-4E6A-8FCD-9A35BE2D454F}" type="datetimeFigureOut">
               <a:rPr lang="fr-FR" smtClean="0"/>
               <a:t>09/04/2020</a:t>
             </a:fld>
@@ -2915,7 +3538,7 @@
           <p:cNvPr id="5" name="Espace réservé du pied de page 4">
             <a:extLst>
               <a:ext uri="{FF2B5EF4-FFF2-40B4-BE49-F238E27FC236}">
-                <a16:creationId xmlns:a16="http://schemas.microsoft.com/office/drawing/2014/main" id="{EE41EAE4-3076-41EE-BE4A-2B1E0539531A}"/>
+                <a16:creationId xmlns:a16="http://schemas.microsoft.com/office/drawing/2014/main" id="{A215DF5F-57AD-4780-A65A-76CA2211C445}"/>
               </a:ext>
             </a:extLst>
           </p:cNvPr>
@@ -2958,7 +3581,7 @@
           <p:cNvPr id="6" name="Espace réservé du numéro de diapositive 5">
             <a:extLst>
               <a:ext uri="{FF2B5EF4-FFF2-40B4-BE49-F238E27FC236}">
-                <a16:creationId xmlns:a16="http://schemas.microsoft.com/office/drawing/2014/main" id="{F66A6A42-CCD4-4957-818B-5CDB1075A36F}"/>
+                <a16:creationId xmlns:a16="http://schemas.microsoft.com/office/drawing/2014/main" id="{AC579C8E-4197-41B1-9B61-7E38027B86DF}"/>
               </a:ext>
             </a:extLst>
           </p:cNvPr>
@@ -2992,7 +3615,7 @@
             </a:lvl1pPr>
           </a:lstStyle>
           <a:p>
-            <a:fld id="{D3D01115-93EA-4276-8954-9CA72C3EBCDC}" type="slidenum">
+            <a:fld id="{27BFB900-AE02-4433-B1C1-759136C50A0B}" type="slidenum">
               <a:rPr lang="fr-FR" smtClean="0"/>
               <a:t>‹N°›</a:t>
             </a:fld>
@@ -3003,7 +3626,7 @@
     </p:spTree>
     <p:extLst>
       <p:ext uri="{BB962C8B-B14F-4D97-AF65-F5344CB8AC3E}">
-        <p14:creationId xmlns:p14="http://schemas.microsoft.com/office/powerpoint/2010/main" val="3453113335"/>
+        <p14:creationId xmlns:p14="http://schemas.microsoft.com/office/powerpoint/2010/main" val="3843613349"/>
       </p:ext>
     </p:extLst>
   </p:cSld>
@@ -3323,10 +3946,297 @@
       </p:grpSpPr>
       <p:sp>
         <p:nvSpPr>
-          <p:cNvPr id="4" name="Titre 3">
+          <p:cNvPr id="2" name="Titre 1">
             <a:extLst>
               <a:ext uri="{FF2B5EF4-FFF2-40B4-BE49-F238E27FC236}">
-                <a16:creationId xmlns:a16="http://schemas.microsoft.com/office/drawing/2014/main" id="{5871980C-88EB-4541-884F-04AB092A75A1}"/>
+                <a16:creationId xmlns:a16="http://schemas.microsoft.com/office/drawing/2014/main" id="{69F618C1-F28F-4007-B985-B84870307E73}"/>
+              </a:ext>
+            </a:extLst>
+          </p:cNvPr>
+          <p:cNvSpPr>
+            <a:spLocks noGrp="1"/>
+          </p:cNvSpPr>
+          <p:nvPr>
+            <p:ph type="ctrTitle"/>
+          </p:nvPr>
+        </p:nvSpPr>
+        <p:spPr>
+          <a:xfrm>
+            <a:off x="0" y="0"/>
+            <a:ext cx="12192000" cy="1291389"/>
+          </a:xfrm>
+        </p:spPr>
+        <p:txBody>
+          <a:bodyPr/>
+          <a:lstStyle/>
+          <a:p>
+            <a:r>
+              <a:rPr lang="fr-FR" dirty="0">
+                <a:solidFill>
+                  <a:schemeClr val="accent5">
+                    <a:lumMod val="75000"/>
+                  </a:schemeClr>
+                </a:solidFill>
+              </a:rPr>
+              <a:t>Python</a:t>
+            </a:r>
+          </a:p>
+        </p:txBody>
+      </p:sp>
+      <p:sp>
+        <p:nvSpPr>
+          <p:cNvPr id="5" name="ZoneTexte 4">
+            <a:extLst>
+              <a:ext uri="{FF2B5EF4-FFF2-40B4-BE49-F238E27FC236}">
+                <a16:creationId xmlns:a16="http://schemas.microsoft.com/office/drawing/2014/main" id="{F567E6DA-BA07-4873-B7EE-033BC7C85851}"/>
+              </a:ext>
+            </a:extLst>
+          </p:cNvPr>
+          <p:cNvSpPr txBox="1"/>
+          <p:nvPr/>
+        </p:nvSpPr>
+        <p:spPr>
+          <a:xfrm>
+            <a:off x="256673" y="2782669"/>
+            <a:ext cx="11855116" cy="646331"/>
+          </a:xfrm>
+          <a:prstGeom prst="rect">
+            <a:avLst/>
+          </a:prstGeom>
+          <a:noFill/>
+        </p:spPr>
+        <p:txBody>
+          <a:bodyPr wrap="square" rtlCol="0">
+            <a:spAutoFit/>
+          </a:bodyPr>
+          <a:lstStyle/>
+          <a:p>
+            <a:pPr algn="ctr"/>
+            <a:r>
+              <a:rPr lang="fr-FR" sz="3600" dirty="0">
+                <a:solidFill>
+                  <a:schemeClr val="accent5">
+                    <a:lumMod val="75000"/>
+                  </a:schemeClr>
+                </a:solidFill>
+              </a:rPr>
+              <a:t>All You must know in python</a:t>
+            </a:r>
+          </a:p>
+        </p:txBody>
+      </p:sp>
+    </p:spTree>
+    <p:extLst>
+      <p:ext uri="{BB962C8B-B14F-4D97-AF65-F5344CB8AC3E}">
+        <p14:creationId xmlns:p14="http://schemas.microsoft.com/office/powerpoint/2010/main" val="1477211375"/>
+      </p:ext>
+    </p:extLst>
+  </p:cSld>
+  <p:clrMapOvr>
+    <a:masterClrMapping/>
+  </p:clrMapOvr>
+</p:sld>
+</file>
+
+<file path=ppt/slides/slide10.xml><?xml version="1.0" encoding="utf-8"?>
+<p:sld xmlns:a="http://schemas.openxmlformats.org/drawingml/2006/main" xmlns:r="http://schemas.openxmlformats.org/officeDocument/2006/relationships" xmlns:p="http://schemas.openxmlformats.org/presentationml/2006/main">
+  <p:cSld>
+    <p:spTree>
+      <p:nvGrpSpPr>
+        <p:cNvPr id="1" name=""/>
+        <p:cNvGrpSpPr/>
+        <p:nvPr/>
+      </p:nvGrpSpPr>
+      <p:grpSpPr>
+        <a:xfrm>
+          <a:off x="0" y="0"/>
+          <a:ext cx="0" cy="0"/>
+          <a:chOff x="0" y="0"/>
+          <a:chExt cx="0" cy="0"/>
+        </a:xfrm>
+      </p:grpSpPr>
+      <p:sp>
+        <p:nvSpPr>
+          <p:cNvPr id="3" name="Espace réservé du contenu 2">
+            <a:extLst>
+              <a:ext uri="{FF2B5EF4-FFF2-40B4-BE49-F238E27FC236}">
+                <a16:creationId xmlns:a16="http://schemas.microsoft.com/office/drawing/2014/main" id="{26019C14-248F-4937-B7A1-BB6BDCB8ED35}"/>
+              </a:ext>
+            </a:extLst>
+          </p:cNvPr>
+          <p:cNvSpPr>
+            <a:spLocks noGrp="1"/>
+          </p:cNvSpPr>
+          <p:nvPr>
+            <p:ph idx="1"/>
+          </p:nvPr>
+        </p:nvSpPr>
+        <p:spPr>
+          <a:xfrm>
+            <a:off x="-1" y="0"/>
+            <a:ext cx="12191999" cy="6857999"/>
+          </a:xfrm>
+          <a:gradFill>
+            <a:gsLst>
+              <a:gs pos="0">
+                <a:schemeClr val="accent1">
+                  <a:lumMod val="5000"/>
+                  <a:lumOff val="95000"/>
+                </a:schemeClr>
+              </a:gs>
+              <a:gs pos="100000">
+                <a:schemeClr val="accent1"/>
+              </a:gs>
+            </a:gsLst>
+            <a:lin ang="5400000" scaled="1"/>
+          </a:gradFill>
+        </p:spPr>
+        <p:txBody>
+          <a:bodyPr/>
+          <a:lstStyle/>
+          <a:p>
+            <a:pPr marL="0" indent="0">
+              <a:buNone/>
+            </a:pPr>
+            <a:r>
+              <a:rPr lang="fr-FR" dirty="0"/>
+              <a:t>	</a:t>
+            </a:r>
+          </a:p>
+          <a:p>
+            <a:pPr marL="0" indent="0">
+              <a:buNone/>
+            </a:pPr>
+            <a:endParaRPr lang="fr-FR" dirty="0"/>
+          </a:p>
+          <a:p>
+            <a:pPr marL="0" indent="0">
+              <a:buNone/>
+            </a:pPr>
+            <a:endParaRPr lang="fr-FR" dirty="0"/>
+          </a:p>
+          <a:p>
+            <a:pPr marL="0" indent="0">
+              <a:buNone/>
+            </a:pPr>
+            <a:endParaRPr lang="fr-FR" dirty="0"/>
+          </a:p>
+          <a:p>
+            <a:pPr marL="0" indent="0">
+              <a:buNone/>
+            </a:pPr>
+            <a:r>
+              <a:rPr lang="fr-FR" dirty="0">
+                <a:solidFill>
+                  <a:schemeClr val="bg1"/>
+                </a:solidFill>
+                <a:highlight>
+                  <a:srgbClr val="000000"/>
+                </a:highlight>
+              </a:rPr>
+              <a:t>type(</a:t>
+            </a:r>
+            <a:r>
+              <a:rPr lang="fr-FR" dirty="0" err="1">
+                <a:solidFill>
+                  <a:schemeClr val="bg1"/>
+                </a:solidFill>
+                <a:highlight>
+                  <a:srgbClr val="000000"/>
+                </a:highlight>
+              </a:rPr>
+              <a:t>nom_de_la_variable</a:t>
+            </a:r>
+            <a:r>
+              <a:rPr lang="fr-FR" dirty="0">
+                <a:solidFill>
+                  <a:schemeClr val="bg1"/>
+                </a:solidFill>
+                <a:highlight>
+                  <a:srgbClr val="000000"/>
+                </a:highlight>
+              </a:rPr>
+              <a:t>)</a:t>
+            </a:r>
+          </a:p>
+          <a:p>
+            <a:pPr marL="0" indent="0">
+              <a:buNone/>
+            </a:pPr>
+            <a:r>
+              <a:rPr lang="fr-FR" dirty="0">
+                <a:solidFill>
+                  <a:schemeClr val="bg1"/>
+                </a:solidFill>
+                <a:highlight>
+                  <a:srgbClr val="000000"/>
+                </a:highlight>
+              </a:rPr>
+              <a:t>a = 3</a:t>
+            </a:r>
+          </a:p>
+          <a:p>
+            <a:pPr marL="0" indent="0">
+              <a:buNone/>
+            </a:pPr>
+            <a:r>
+              <a:rPr lang="fr-FR" dirty="0">
+                <a:solidFill>
+                  <a:schemeClr val="bg1"/>
+                </a:solidFill>
+                <a:highlight>
+                  <a:srgbClr val="000000"/>
+                </a:highlight>
+              </a:rPr>
+              <a:t>type(a)</a:t>
+            </a:r>
+          </a:p>
+          <a:p>
+            <a:pPr marL="0" indent="0">
+              <a:buNone/>
+            </a:pPr>
+            <a:r>
+              <a:rPr lang="fr-FR" dirty="0">
+                <a:solidFill>
+                  <a:schemeClr val="bg1"/>
+                </a:solidFill>
+                <a:highlight>
+                  <a:srgbClr val="000000"/>
+                </a:highlight>
+              </a:rPr>
+              <a:t>&lt;class '</a:t>
+            </a:r>
+            <a:r>
+              <a:rPr lang="fr-FR" dirty="0" err="1">
+                <a:solidFill>
+                  <a:schemeClr val="bg1"/>
+                </a:solidFill>
+                <a:highlight>
+                  <a:srgbClr val="000000"/>
+                </a:highlight>
+              </a:rPr>
+              <a:t>int</a:t>
+            </a:r>
+            <a:r>
+              <a:rPr lang="fr-FR" dirty="0">
+                <a:solidFill>
+                  <a:schemeClr val="bg1"/>
+                </a:solidFill>
+                <a:highlight>
+                  <a:srgbClr val="000000"/>
+                </a:highlight>
+              </a:rPr>
+              <a:t>'&gt;</a:t>
+            </a:r>
+          </a:p>
+        </p:txBody>
+      </p:sp>
+      <p:sp>
+        <p:nvSpPr>
+          <p:cNvPr id="2" name="Titre 1">
+            <a:extLst>
+              <a:ext uri="{FF2B5EF4-FFF2-40B4-BE49-F238E27FC236}">
+                <a16:creationId xmlns:a16="http://schemas.microsoft.com/office/drawing/2014/main" id="{C2DDB91C-04E9-41CA-9731-E7D1B6B6D47E}"/>
               </a:ext>
             </a:extLst>
           </p:cNvPr>
@@ -3339,24 +4249,113 @@
         </p:nvSpPr>
         <p:spPr>
           <a:xfrm>
-            <a:off x="0" y="18255"/>
+            <a:off x="-2" y="1"/>
             <a:ext cx="12192000" cy="1325563"/>
           </a:xfrm>
         </p:spPr>
         <p:txBody>
-          <a:bodyPr/>
+          <a:bodyPr>
+            <a:normAutofit fontScale="90000"/>
+          </a:bodyPr>
           <a:lstStyle/>
           <a:p>
-            <a:endParaRPr lang="fr-FR"/>
+            <a:pPr algn="ctr"/>
+            <a:r>
+              <a:rPr lang="en-US" sz="6000" dirty="0">
+                <a:solidFill>
+                  <a:schemeClr val="accent5">
+                    <a:lumMod val="75000"/>
+                  </a:schemeClr>
+                </a:solidFill>
+              </a:rPr>
+              <a:t>Comment </a:t>
+            </a:r>
+            <a:r>
+              <a:rPr lang="en-US" sz="6000" dirty="0" err="1">
+                <a:solidFill>
+                  <a:schemeClr val="accent5">
+                    <a:lumMod val="75000"/>
+                  </a:schemeClr>
+                </a:solidFill>
+              </a:rPr>
+              <a:t>connaitre</a:t>
+            </a:r>
+            <a:r>
+              <a:rPr lang="en-US" sz="6000" dirty="0">
+                <a:solidFill>
+                  <a:schemeClr val="accent5">
+                    <a:lumMod val="75000"/>
+                  </a:schemeClr>
+                </a:solidFill>
+              </a:rPr>
+              <a:t> le type </a:t>
+            </a:r>
+            <a:r>
+              <a:rPr lang="en-US" sz="6000" dirty="0" err="1">
+                <a:solidFill>
+                  <a:schemeClr val="accent5">
+                    <a:lumMod val="75000"/>
+                  </a:schemeClr>
+                </a:solidFill>
+              </a:rPr>
+              <a:t>d’une</a:t>
+            </a:r>
+            <a:r>
+              <a:rPr lang="en-US" sz="6000" dirty="0">
+                <a:solidFill>
+                  <a:schemeClr val="accent5">
+                    <a:lumMod val="75000"/>
+                  </a:schemeClr>
+                </a:solidFill>
+              </a:rPr>
+              <a:t> variable</a:t>
+            </a:r>
+            <a:endParaRPr lang="fr-FR" sz="6000" dirty="0">
+              <a:solidFill>
+                <a:schemeClr val="accent5">
+                  <a:lumMod val="75000"/>
+                </a:schemeClr>
+              </a:solidFill>
+            </a:endParaRPr>
           </a:p>
         </p:txBody>
       </p:sp>
+    </p:spTree>
+    <p:extLst>
+      <p:ext uri="{BB962C8B-B14F-4D97-AF65-F5344CB8AC3E}">
+        <p14:creationId xmlns:p14="http://schemas.microsoft.com/office/powerpoint/2010/main" val="2372825477"/>
+      </p:ext>
+    </p:extLst>
+  </p:cSld>
+  <p:clrMapOvr>
+    <a:masterClrMapping/>
+  </p:clrMapOvr>
+</p:sld>
+</file>
+
+<file path=ppt/slides/slide11.xml><?xml version="1.0" encoding="utf-8"?>
+<p:sld xmlns:a="http://schemas.openxmlformats.org/drawingml/2006/main" xmlns:r="http://schemas.openxmlformats.org/officeDocument/2006/relationships" xmlns:p="http://schemas.openxmlformats.org/presentationml/2006/main">
+  <p:cSld>
+    <p:spTree>
+      <p:nvGrpSpPr>
+        <p:cNvPr id="1" name=""/>
+        <p:cNvGrpSpPr/>
+        <p:nvPr/>
+      </p:nvGrpSpPr>
+      <p:grpSpPr>
+        <a:xfrm>
+          <a:off x="0" y="0"/>
+          <a:ext cx="0" cy="0"/>
+          <a:chOff x="0" y="0"/>
+          <a:chExt cx="0" cy="0"/>
+        </a:xfrm>
+      </p:grpSpPr>
       <p:sp>
         <p:nvSpPr>
-          <p:cNvPr id="5" name="Espace réservé du contenu 4">
+          <p:cNvPr id="3" name="Espace réservé du contenu 2">
             <a:extLst>
               <a:ext uri="{FF2B5EF4-FFF2-40B4-BE49-F238E27FC236}">
-                <a16:creationId xmlns:a16="http://schemas.microsoft.com/office/drawing/2014/main" id="{8CE952A1-CC81-4438-8092-DB151C1CDA17}"/>
+                <a16:creationId xmlns:a16="http://schemas.microsoft.com/office/drawing/2014/main" id="{26019C14-248F-4937-B7A1-BB6BDCB8ED35}"/>
               </a:ext>
             </a:extLst>
           </p:cNvPr>
@@ -3369,28 +4368,7102 @@
         </p:nvSpPr>
         <p:spPr>
           <a:xfrm>
-            <a:off x="0" y="1343818"/>
-            <a:ext cx="12192000" cy="5495927"/>
+            <a:off x="-1" y="0"/>
+            <a:ext cx="12191999" cy="6857999"/>
           </a:xfrm>
+          <a:gradFill>
+            <a:gsLst>
+              <a:gs pos="0">
+                <a:schemeClr val="accent1">
+                  <a:lumMod val="5000"/>
+                  <a:lumOff val="95000"/>
+                </a:schemeClr>
+              </a:gs>
+              <a:gs pos="100000">
+                <a:schemeClr val="accent1"/>
+              </a:gs>
+            </a:gsLst>
+            <a:lin ang="5400000" scaled="1"/>
+          </a:gradFill>
         </p:spPr>
         <p:txBody>
           <a:bodyPr/>
           <a:lstStyle/>
           <a:p>
+            <a:pPr marL="0" indent="0">
+              <a:buNone/>
+            </a:pPr>
+            <a:r>
+              <a:rPr lang="fr-FR" dirty="0"/>
+              <a:t>	</a:t>
+            </a:r>
+          </a:p>
+          <a:p>
+            <a:pPr marL="0" indent="0">
+              <a:buNone/>
+            </a:pPr>
             <a:endParaRPr lang="fr-FR" dirty="0"/>
+          </a:p>
+          <a:p>
+            <a:pPr marL="0" indent="0">
+              <a:buNone/>
+            </a:pPr>
+            <a:endParaRPr lang="fr-FR" dirty="0"/>
+          </a:p>
+          <a:p>
+            <a:pPr marL="0" indent="0">
+              <a:buNone/>
+            </a:pPr>
+            <a:endParaRPr lang="fr-FR" dirty="0"/>
+          </a:p>
+        </p:txBody>
+      </p:sp>
+      <p:sp>
+        <p:nvSpPr>
+          <p:cNvPr id="2" name="Titre 1">
+            <a:extLst>
+              <a:ext uri="{FF2B5EF4-FFF2-40B4-BE49-F238E27FC236}">
+                <a16:creationId xmlns:a16="http://schemas.microsoft.com/office/drawing/2014/main" id="{C2DDB91C-04E9-41CA-9731-E7D1B6B6D47E}"/>
+              </a:ext>
+            </a:extLst>
+          </p:cNvPr>
+          <p:cNvSpPr>
+            <a:spLocks noGrp="1"/>
+          </p:cNvSpPr>
+          <p:nvPr>
+            <p:ph type="title"/>
+          </p:nvPr>
+        </p:nvSpPr>
+        <p:spPr>
+          <a:xfrm>
+            <a:off x="-2" y="1"/>
+            <a:ext cx="12192000" cy="1325563"/>
+          </a:xfrm>
+        </p:spPr>
+        <p:txBody>
+          <a:bodyPr>
+            <a:normAutofit/>
+          </a:bodyPr>
+          <a:lstStyle/>
+          <a:p>
+            <a:pPr algn="ctr"/>
+            <a:r>
+              <a:rPr lang="en-US" sz="6000" dirty="0">
+                <a:solidFill>
+                  <a:schemeClr val="accent5">
+                    <a:lumMod val="75000"/>
+                  </a:schemeClr>
+                </a:solidFill>
+              </a:rPr>
+              <a:t>Resume</a:t>
+            </a:r>
+            <a:endParaRPr lang="fr-FR" sz="6000" dirty="0">
+              <a:solidFill>
+                <a:schemeClr val="accent5">
+                  <a:lumMod val="75000"/>
+                </a:schemeClr>
+              </a:solidFill>
+            </a:endParaRPr>
+          </a:p>
+        </p:txBody>
+      </p:sp>
+      <p:sp>
+        <p:nvSpPr>
+          <p:cNvPr id="4" name="Rectangle 1">
+            <a:extLst>
+              <a:ext uri="{FF2B5EF4-FFF2-40B4-BE49-F238E27FC236}">
+                <a16:creationId xmlns:a16="http://schemas.microsoft.com/office/drawing/2014/main" id="{3603D1BB-9DAD-4172-BDFE-8CE1081F69D9}"/>
+              </a:ext>
+            </a:extLst>
+          </p:cNvPr>
+          <p:cNvSpPr>
+            <a:spLocks noChangeArrowheads="1"/>
+          </p:cNvSpPr>
+          <p:nvPr/>
+        </p:nvSpPr>
+        <p:spPr bwMode="auto">
+          <a:xfrm>
+            <a:off x="152400" y="1926017"/>
+            <a:ext cx="11080084" cy="3139321"/>
+          </a:xfrm>
+          <a:prstGeom prst="rect">
+            <a:avLst/>
+          </a:prstGeom>
+          <a:noFill/>
+          <a:ln>
+            <a:noFill/>
+          </a:ln>
+          <a:effectLst/>
+          <a:extLst>
+            <a:ext uri="{909E8E84-426E-40DD-AFC4-6F175D3DCCD1}">
+              <a14:hiddenFill xmlns:a14="http://schemas.microsoft.com/office/drawing/2010/main">
+                <a:solidFill>
+                  <a:schemeClr val="accent1"/>
+                </a:solidFill>
+              </a14:hiddenFill>
+            </a:ext>
+            <a:ext uri="{91240B29-F687-4F45-9708-019B960494DF}">
+              <a14:hiddenLine xmlns:a14="http://schemas.microsoft.com/office/drawing/2010/main" w="9525">
+                <a:solidFill>
+                  <a:schemeClr val="tx1"/>
+                </a:solidFill>
+                <a:miter lim="800000"/>
+                <a:headEnd/>
+                <a:tailEnd/>
+              </a14:hiddenLine>
+            </a:ext>
+            <a:ext uri="{AF507438-7753-43E0-B8FC-AC1667EBCBE1}">
+              <a14:hiddenEffects xmlns:a14="http://schemas.microsoft.com/office/drawing/2010/main">
+                <a:effectLst>
+                  <a:outerShdw dist="35921" dir="2700000" algn="ctr" rotWithShape="0">
+                    <a:schemeClr val="bg2"/>
+                  </a:outerShdw>
+                </a:effectLst>
+              </a14:hiddenEffects>
+            </a:ext>
+          </a:extLst>
+        </p:spPr>
+        <p:txBody>
+          <a:bodyPr vert="horz" wrap="none" lIns="91440" tIns="45720" rIns="91440" bIns="45720" numCol="1" anchor="ctr" anchorCtr="0" compatLnSpc="1">
+            <a:prstTxWarp prst="textNoShape">
+              <a:avLst/>
+            </a:prstTxWarp>
+            <a:spAutoFit/>
+          </a:bodyPr>
+          <a:lstStyle/>
+          <a:p>
+            <a:pPr lvl="0" eaLnBrk="0" fontAlgn="base" hangingPunct="0">
+              <a:spcBef>
+                <a:spcPct val="0"/>
+              </a:spcBef>
+              <a:spcAft>
+                <a:spcPct val="0"/>
+              </a:spcAft>
+              <a:buFontTx/>
+              <a:buChar char="•"/>
+            </a:pPr>
+            <a:r>
+              <a:rPr kumimoji="0" lang="fr-FR" altLang="fr-FR" b="0" i="0" u="none" strike="noStrike" cap="none" normalizeH="0" baseline="0" dirty="0">
+                <a:ln>
+                  <a:noFill/>
+                </a:ln>
+                <a:solidFill>
+                  <a:schemeClr val="tx1"/>
+                </a:solidFill>
+                <a:effectLst/>
+                <a:latin typeface="Arial" panose="020B0604020202020204" pitchFamily="34" charset="0"/>
+              </a:rPr>
+              <a:t>Les variables permettent de conserver dans le temps des données de votre programme.</a:t>
+            </a:r>
+          </a:p>
+          <a:p>
+            <a:pPr lvl="0" eaLnBrk="0" fontAlgn="base" hangingPunct="0">
+              <a:spcBef>
+                <a:spcPct val="0"/>
+              </a:spcBef>
+              <a:spcAft>
+                <a:spcPct val="0"/>
+              </a:spcAft>
+              <a:buFontTx/>
+              <a:buChar char="•"/>
+            </a:pPr>
+            <a:endParaRPr kumimoji="0" lang="fr-FR" altLang="fr-FR" b="0" i="0" u="none" strike="noStrike" cap="none" normalizeH="0" baseline="0" dirty="0">
+              <a:ln>
+                <a:noFill/>
+              </a:ln>
+              <a:solidFill>
+                <a:schemeClr val="tx1"/>
+              </a:solidFill>
+              <a:effectLst/>
+              <a:latin typeface="Arial" panose="020B0604020202020204" pitchFamily="34" charset="0"/>
+            </a:endParaRPr>
+          </a:p>
+          <a:p>
+            <a:pPr marL="0" marR="0" lvl="0" indent="0" algn="l" defTabSz="914400" rtl="0" eaLnBrk="0" fontAlgn="base" latinLnBrk="0" hangingPunct="0">
+              <a:lnSpc>
+                <a:spcPct val="100000"/>
+              </a:lnSpc>
+              <a:spcBef>
+                <a:spcPct val="0"/>
+              </a:spcBef>
+              <a:spcAft>
+                <a:spcPct val="0"/>
+              </a:spcAft>
+              <a:buClrTx/>
+              <a:buSzTx/>
+              <a:buFontTx/>
+              <a:buChar char="•"/>
+              <a:tabLst/>
+            </a:pPr>
+            <a:r>
+              <a:rPr kumimoji="0" lang="fr-FR" altLang="fr-FR" b="0" i="0" u="none" strike="noStrike" cap="none" normalizeH="0" baseline="0" dirty="0">
+                <a:ln>
+                  <a:noFill/>
+                </a:ln>
+                <a:solidFill>
+                  <a:schemeClr val="tx1"/>
+                </a:solidFill>
+                <a:effectLst/>
+                <a:latin typeface="Arial" panose="020B0604020202020204" pitchFamily="34" charset="0"/>
+              </a:rPr>
+              <a:t>Vous pouvez vous servir de ces variables pour différentes choses : les afficher, faire des calculs avec, etc.</a:t>
+            </a:r>
+          </a:p>
+          <a:p>
+            <a:pPr marL="0" marR="0" lvl="0" indent="0" algn="l" defTabSz="914400" rtl="0" eaLnBrk="0" fontAlgn="base" latinLnBrk="0" hangingPunct="0">
+              <a:lnSpc>
+                <a:spcPct val="100000"/>
+              </a:lnSpc>
+              <a:spcBef>
+                <a:spcPct val="0"/>
+              </a:spcBef>
+              <a:spcAft>
+                <a:spcPct val="0"/>
+              </a:spcAft>
+              <a:buClrTx/>
+              <a:buSzTx/>
+              <a:buFontTx/>
+              <a:buChar char="•"/>
+              <a:tabLst/>
+            </a:pPr>
+            <a:endParaRPr kumimoji="0" lang="fr-FR" altLang="fr-FR" b="0" i="0" u="none" strike="noStrike" cap="none" normalizeH="0" baseline="0" dirty="0">
+              <a:ln>
+                <a:noFill/>
+              </a:ln>
+              <a:solidFill>
+                <a:schemeClr val="tx1"/>
+              </a:solidFill>
+              <a:effectLst/>
+              <a:latin typeface="Arial" panose="020B0604020202020204" pitchFamily="34" charset="0"/>
+            </a:endParaRPr>
+          </a:p>
+          <a:p>
+            <a:pPr marL="0" marR="0" lvl="0" indent="0" algn="l" defTabSz="914400" rtl="0" eaLnBrk="0" fontAlgn="base" latinLnBrk="0" hangingPunct="0">
+              <a:lnSpc>
+                <a:spcPct val="100000"/>
+              </a:lnSpc>
+              <a:spcBef>
+                <a:spcPct val="0"/>
+              </a:spcBef>
+              <a:spcAft>
+                <a:spcPct val="0"/>
+              </a:spcAft>
+              <a:buClrTx/>
+              <a:buSzTx/>
+              <a:buFontTx/>
+              <a:buChar char="•"/>
+              <a:tabLst/>
+            </a:pPr>
+            <a:r>
+              <a:rPr kumimoji="0" lang="fr-FR" altLang="fr-FR" b="0" i="0" u="none" strike="noStrike" cap="none" normalizeH="0" baseline="0" dirty="0">
+                <a:ln>
+                  <a:noFill/>
+                </a:ln>
+                <a:solidFill>
+                  <a:schemeClr val="tx1"/>
+                </a:solidFill>
+                <a:effectLst/>
+                <a:latin typeface="Arial" panose="020B0604020202020204" pitchFamily="34" charset="0"/>
+              </a:rPr>
+              <a:t>Pour affecter une valeur à une variable, on utilise la syntaxe </a:t>
+            </a:r>
+            <a:r>
+              <a:rPr kumimoji="0" lang="fr-FR" altLang="fr-FR" b="0" i="0" u="none" strike="noStrike" cap="none" normalizeH="0" baseline="0" dirty="0" err="1">
+                <a:ln>
+                  <a:noFill/>
+                </a:ln>
+                <a:solidFill>
+                  <a:schemeClr val="tx1"/>
+                </a:solidFill>
+                <a:effectLst/>
+                <a:latin typeface="Arial Unicode MS"/>
+              </a:rPr>
+              <a:t>nom_de_variable</a:t>
+            </a:r>
+            <a:r>
+              <a:rPr kumimoji="0" lang="fr-FR" altLang="fr-FR" b="0" i="0" u="none" strike="noStrike" cap="none" normalizeH="0" baseline="0" dirty="0">
+                <a:ln>
+                  <a:noFill/>
+                </a:ln>
+                <a:solidFill>
+                  <a:schemeClr val="tx1"/>
+                </a:solidFill>
+                <a:effectLst/>
+                <a:latin typeface="Arial Unicode MS"/>
+              </a:rPr>
+              <a:t> = valeur</a:t>
+            </a:r>
+            <a:r>
+              <a:rPr kumimoji="0" lang="fr-FR" altLang="fr-FR" b="0" i="0" u="none" strike="noStrike" cap="none" normalizeH="0" baseline="0" dirty="0">
+                <a:ln>
+                  <a:noFill/>
+                </a:ln>
+                <a:solidFill>
+                  <a:schemeClr val="tx1"/>
+                </a:solidFill>
+                <a:effectLst/>
+              </a:rPr>
+              <a:t>.</a:t>
+            </a:r>
+          </a:p>
+          <a:p>
+            <a:pPr marL="0" marR="0" lvl="0" indent="0" algn="l" defTabSz="914400" rtl="0" eaLnBrk="0" fontAlgn="base" latinLnBrk="0" hangingPunct="0">
+              <a:lnSpc>
+                <a:spcPct val="100000"/>
+              </a:lnSpc>
+              <a:spcBef>
+                <a:spcPct val="0"/>
+              </a:spcBef>
+              <a:spcAft>
+                <a:spcPct val="0"/>
+              </a:spcAft>
+              <a:buClrTx/>
+              <a:buSzTx/>
+              <a:buFontTx/>
+              <a:buChar char="•"/>
+              <a:tabLst/>
+            </a:pPr>
+            <a:endParaRPr kumimoji="0" lang="fr-FR" altLang="fr-FR" b="0" i="0" u="none" strike="noStrike" cap="none" normalizeH="0" baseline="0" dirty="0">
+              <a:ln>
+                <a:noFill/>
+              </a:ln>
+              <a:solidFill>
+                <a:schemeClr val="tx1"/>
+              </a:solidFill>
+              <a:effectLst/>
+              <a:latin typeface="Arial" panose="020B0604020202020204" pitchFamily="34" charset="0"/>
+            </a:endParaRPr>
+          </a:p>
+          <a:p>
+            <a:pPr marL="0" marR="0" lvl="0" indent="0" algn="l" defTabSz="914400" rtl="0" eaLnBrk="0" fontAlgn="base" latinLnBrk="0" hangingPunct="0">
+              <a:lnSpc>
+                <a:spcPct val="100000"/>
+              </a:lnSpc>
+              <a:spcBef>
+                <a:spcPct val="0"/>
+              </a:spcBef>
+              <a:spcAft>
+                <a:spcPct val="0"/>
+              </a:spcAft>
+              <a:buClrTx/>
+              <a:buSzTx/>
+              <a:buFontTx/>
+              <a:buChar char="•"/>
+              <a:tabLst/>
+            </a:pPr>
+            <a:r>
+              <a:rPr kumimoji="0" lang="fr-FR" altLang="fr-FR" b="0" i="0" u="none" strike="noStrike" cap="none" normalizeH="0" baseline="0" dirty="0">
+                <a:ln>
+                  <a:noFill/>
+                </a:ln>
+                <a:solidFill>
+                  <a:schemeClr val="tx1"/>
+                </a:solidFill>
+                <a:effectLst/>
+                <a:latin typeface="Arial" panose="020B0604020202020204" pitchFamily="34" charset="0"/>
+              </a:rPr>
+              <a:t>Il existe différents types de variables, en fonction de l'information que vous désirez conserver :</a:t>
+            </a:r>
+            <a:r>
+              <a:rPr kumimoji="0" lang="fr-FR" altLang="fr-FR" b="0" i="0" u="none" strike="noStrike" cap="none" normalizeH="0" baseline="0" dirty="0" err="1">
+                <a:ln>
+                  <a:noFill/>
+                </a:ln>
+                <a:solidFill>
+                  <a:schemeClr val="tx1"/>
+                </a:solidFill>
+                <a:effectLst/>
+                <a:latin typeface="Arial Unicode MS"/>
+              </a:rPr>
+              <a:t>int</a:t>
+            </a:r>
+            <a:r>
+              <a:rPr kumimoji="0" lang="fr-FR" altLang="fr-FR" b="0" i="0" u="none" strike="noStrike" cap="none" normalizeH="0" baseline="0" dirty="0">
+                <a:ln>
+                  <a:noFill/>
+                </a:ln>
+                <a:solidFill>
+                  <a:schemeClr val="tx1"/>
+                </a:solidFill>
+                <a:effectLst/>
+              </a:rPr>
+              <a:t>, </a:t>
+            </a:r>
+            <a:r>
+              <a:rPr kumimoji="0" lang="fr-FR" altLang="fr-FR" b="0" i="0" u="none" strike="noStrike" cap="none" normalizeH="0" baseline="0" dirty="0" err="1">
+                <a:ln>
+                  <a:noFill/>
+                </a:ln>
+                <a:solidFill>
+                  <a:schemeClr val="tx1"/>
+                </a:solidFill>
+                <a:effectLst/>
+                <a:latin typeface="Arial Unicode MS"/>
+              </a:rPr>
+              <a:t>float</a:t>
+            </a:r>
+            <a:r>
+              <a:rPr kumimoji="0" lang="fr-FR" altLang="fr-FR" b="0" i="0" u="none" strike="noStrike" cap="none" normalizeH="0" baseline="0" dirty="0">
+                <a:ln>
+                  <a:noFill/>
+                </a:ln>
+                <a:solidFill>
+                  <a:schemeClr val="tx1"/>
+                </a:solidFill>
+                <a:effectLst/>
+              </a:rPr>
+              <a:t>, </a:t>
+            </a:r>
+          </a:p>
+          <a:p>
+            <a:pPr marL="0" marR="0" lvl="0" indent="0" algn="l" defTabSz="914400" rtl="0" eaLnBrk="0" fontAlgn="base" latinLnBrk="0" hangingPunct="0">
+              <a:lnSpc>
+                <a:spcPct val="100000"/>
+              </a:lnSpc>
+              <a:spcBef>
+                <a:spcPct val="0"/>
+              </a:spcBef>
+              <a:spcAft>
+                <a:spcPct val="0"/>
+              </a:spcAft>
+              <a:buClrTx/>
+              <a:buSzTx/>
+              <a:tabLst/>
+            </a:pPr>
+            <a:r>
+              <a:rPr lang="fr-FR" altLang="fr-FR" dirty="0">
+                <a:latin typeface="Arial" panose="020B0604020202020204" pitchFamily="34" charset="0"/>
+              </a:rPr>
+              <a:t>chaîne de caractères etc.</a:t>
+            </a:r>
+          </a:p>
+          <a:p>
+            <a:pPr marL="0" marR="0" lvl="0" indent="0" algn="l" defTabSz="914400" rtl="0" eaLnBrk="0" fontAlgn="base" latinLnBrk="0" hangingPunct="0">
+              <a:lnSpc>
+                <a:spcPct val="100000"/>
+              </a:lnSpc>
+              <a:spcBef>
+                <a:spcPct val="0"/>
+              </a:spcBef>
+              <a:spcAft>
+                <a:spcPct val="0"/>
+              </a:spcAft>
+              <a:buClrTx/>
+              <a:buSzTx/>
+              <a:tabLst/>
+            </a:pPr>
+            <a:endParaRPr lang="fr-FR" altLang="fr-FR" dirty="0">
+              <a:latin typeface="Arial" panose="020B0604020202020204" pitchFamily="34" charset="0"/>
+            </a:endParaRPr>
+          </a:p>
+          <a:p>
+            <a:pPr marL="0" marR="0" lvl="0" indent="0" algn="l" defTabSz="914400" rtl="0" eaLnBrk="0" fontAlgn="base" latinLnBrk="0" hangingPunct="0">
+              <a:lnSpc>
+                <a:spcPct val="100000"/>
+              </a:lnSpc>
+              <a:spcBef>
+                <a:spcPct val="0"/>
+              </a:spcBef>
+              <a:spcAft>
+                <a:spcPct val="0"/>
+              </a:spcAft>
+              <a:buClrTx/>
+              <a:buSzTx/>
+              <a:buFontTx/>
+              <a:buChar char="•"/>
+              <a:tabLst/>
+            </a:pPr>
+            <a:r>
+              <a:rPr kumimoji="0" lang="fr-FR" altLang="fr-FR" b="0" i="0" u="none" strike="noStrike" cap="none" normalizeH="0" baseline="0" dirty="0">
+                <a:ln>
+                  <a:noFill/>
+                </a:ln>
+                <a:solidFill>
+                  <a:schemeClr val="tx1"/>
+                </a:solidFill>
+                <a:effectLst/>
+                <a:latin typeface="Arial" panose="020B0604020202020204" pitchFamily="34" charset="0"/>
+              </a:rPr>
+              <a:t>Pour afficher une donnée, comme la valeur d'une variable par exemple, on utilise la fonction </a:t>
+            </a:r>
+            <a:r>
+              <a:rPr kumimoji="0" lang="fr-FR" altLang="fr-FR" b="0" i="0" u="none" strike="noStrike" cap="none" normalizeH="0" baseline="0" dirty="0" err="1">
+                <a:ln>
+                  <a:noFill/>
+                </a:ln>
+                <a:solidFill>
+                  <a:schemeClr val="tx1"/>
+                </a:solidFill>
+                <a:effectLst/>
+                <a:latin typeface="Arial Unicode MS"/>
+              </a:rPr>
+              <a:t>print</a:t>
+            </a:r>
+            <a:r>
+              <a:rPr kumimoji="0" lang="fr-FR" altLang="fr-FR" b="0" i="0" u="none" strike="noStrike" cap="none" normalizeH="0" baseline="0" dirty="0">
+                <a:ln>
+                  <a:noFill/>
+                </a:ln>
+                <a:solidFill>
+                  <a:schemeClr val="tx1"/>
+                </a:solidFill>
+                <a:effectLst/>
+              </a:rPr>
+              <a:t>.</a:t>
+            </a:r>
+            <a:endParaRPr kumimoji="0" lang="fr-FR" altLang="fr-FR" b="0" i="0" u="none" strike="noStrike" cap="none" normalizeH="0" baseline="0" dirty="0">
+              <a:ln>
+                <a:noFill/>
+              </a:ln>
+              <a:solidFill>
+                <a:schemeClr val="tx1"/>
+              </a:solidFill>
+              <a:effectLst/>
+              <a:latin typeface="Arial" panose="020B0604020202020204" pitchFamily="34" charset="0"/>
+            </a:endParaRPr>
+          </a:p>
+          <a:p>
+            <a:pPr marL="0" marR="0" lvl="0" indent="0" algn="l" defTabSz="914400" rtl="0" eaLnBrk="0" fontAlgn="base" latinLnBrk="0" hangingPunct="0">
+              <a:lnSpc>
+                <a:spcPct val="100000"/>
+              </a:lnSpc>
+              <a:spcBef>
+                <a:spcPct val="0"/>
+              </a:spcBef>
+              <a:spcAft>
+                <a:spcPct val="0"/>
+              </a:spcAft>
+              <a:buClrTx/>
+              <a:buSzTx/>
+              <a:buFontTx/>
+              <a:buNone/>
+              <a:tabLst/>
+            </a:pPr>
+            <a:endParaRPr kumimoji="0" lang="fr-FR" altLang="fr-FR" sz="1800" b="0" i="0" u="none" strike="noStrike" cap="none" normalizeH="0" baseline="0" dirty="0">
+              <a:ln>
+                <a:noFill/>
+              </a:ln>
+              <a:solidFill>
+                <a:schemeClr val="tx1"/>
+              </a:solidFill>
+              <a:effectLst/>
+              <a:latin typeface="Arial" panose="020B0604020202020204" pitchFamily="34" charset="0"/>
+            </a:endParaRPr>
           </a:p>
         </p:txBody>
       </p:sp>
     </p:spTree>
     <p:extLst>
       <p:ext uri="{BB962C8B-B14F-4D97-AF65-F5344CB8AC3E}">
-        <p14:creationId xmlns:p14="http://schemas.microsoft.com/office/powerpoint/2010/main" val="681425485"/>
+        <p14:creationId xmlns:p14="http://schemas.microsoft.com/office/powerpoint/2010/main" val="2400745320"/>
       </p:ext>
     </p:extLst>
   </p:cSld>
   <p:clrMapOvr>
     <a:masterClrMapping/>
   </p:clrMapOvr>
+</p:sld>
+</file>
+
+<file path=ppt/slides/slide12.xml><?xml version="1.0" encoding="utf-8"?>
+<p:sld xmlns:a="http://schemas.openxmlformats.org/drawingml/2006/main" xmlns:r="http://schemas.openxmlformats.org/officeDocument/2006/relationships" xmlns:p="http://schemas.openxmlformats.org/presentationml/2006/main">
+  <p:cSld>
+    <p:spTree>
+      <p:nvGrpSpPr>
+        <p:cNvPr id="1" name=""/>
+        <p:cNvGrpSpPr/>
+        <p:nvPr/>
+      </p:nvGrpSpPr>
+      <p:grpSpPr>
+        <a:xfrm>
+          <a:off x="0" y="0"/>
+          <a:ext cx="0" cy="0"/>
+          <a:chOff x="0" y="0"/>
+          <a:chExt cx="0" cy="0"/>
+        </a:xfrm>
+      </p:grpSpPr>
+      <p:sp>
+        <p:nvSpPr>
+          <p:cNvPr id="3" name="Espace réservé du contenu 2">
+            <a:extLst>
+              <a:ext uri="{FF2B5EF4-FFF2-40B4-BE49-F238E27FC236}">
+                <a16:creationId xmlns:a16="http://schemas.microsoft.com/office/drawing/2014/main" id="{26019C14-248F-4937-B7A1-BB6BDCB8ED35}"/>
+              </a:ext>
+            </a:extLst>
+          </p:cNvPr>
+          <p:cNvSpPr>
+            <a:spLocks noGrp="1"/>
+          </p:cNvSpPr>
+          <p:nvPr>
+            <p:ph idx="1"/>
+          </p:nvPr>
+        </p:nvSpPr>
+        <p:spPr>
+          <a:xfrm>
+            <a:off x="-1" y="0"/>
+            <a:ext cx="12191999" cy="6857999"/>
+          </a:xfrm>
+          <a:gradFill>
+            <a:gsLst>
+              <a:gs pos="0">
+                <a:schemeClr val="accent1">
+                  <a:lumMod val="5000"/>
+                  <a:lumOff val="95000"/>
+                </a:schemeClr>
+              </a:gs>
+              <a:gs pos="100000">
+                <a:schemeClr val="bg1">
+                  <a:lumMod val="50000"/>
+                </a:schemeClr>
+              </a:gs>
+            </a:gsLst>
+            <a:lin ang="5400000" scaled="1"/>
+          </a:gradFill>
+        </p:spPr>
+        <p:txBody>
+          <a:bodyPr/>
+          <a:lstStyle/>
+          <a:p>
+            <a:pPr marL="0" indent="0">
+              <a:buNone/>
+            </a:pPr>
+            <a:r>
+              <a:rPr lang="fr-FR" dirty="0"/>
+              <a:t>	</a:t>
+            </a:r>
+          </a:p>
+          <a:p>
+            <a:pPr marL="0" indent="0">
+              <a:buNone/>
+            </a:pPr>
+            <a:endParaRPr lang="fr-FR" dirty="0"/>
+          </a:p>
+          <a:p>
+            <a:pPr marL="0" indent="0">
+              <a:buNone/>
+            </a:pPr>
+            <a:endParaRPr lang="fr-FR" dirty="0"/>
+          </a:p>
+          <a:p>
+            <a:pPr marL="0" indent="0">
+              <a:buNone/>
+            </a:pPr>
+            <a:endParaRPr lang="fr-FR" dirty="0"/>
+          </a:p>
+        </p:txBody>
+      </p:sp>
+      <p:sp>
+        <p:nvSpPr>
+          <p:cNvPr id="2" name="Titre 1">
+            <a:extLst>
+              <a:ext uri="{FF2B5EF4-FFF2-40B4-BE49-F238E27FC236}">
+                <a16:creationId xmlns:a16="http://schemas.microsoft.com/office/drawing/2014/main" id="{C2DDB91C-04E9-41CA-9731-E7D1B6B6D47E}"/>
+              </a:ext>
+            </a:extLst>
+          </p:cNvPr>
+          <p:cNvSpPr>
+            <a:spLocks noGrp="1"/>
+          </p:cNvSpPr>
+          <p:nvPr>
+            <p:ph type="title"/>
+          </p:nvPr>
+        </p:nvSpPr>
+        <p:spPr>
+          <a:xfrm>
+            <a:off x="-2" y="1"/>
+            <a:ext cx="12192000" cy="1325563"/>
+          </a:xfrm>
+        </p:spPr>
+        <p:txBody>
+          <a:bodyPr>
+            <a:normAutofit/>
+          </a:bodyPr>
+          <a:lstStyle/>
+          <a:p>
+            <a:pPr algn="ctr"/>
+            <a:r>
+              <a:rPr lang="en-US" sz="6000" dirty="0">
+                <a:solidFill>
+                  <a:schemeClr val="accent5">
+                    <a:lumMod val="75000"/>
+                  </a:schemeClr>
+                </a:solidFill>
+              </a:rPr>
+              <a:t>Structures </a:t>
+            </a:r>
+            <a:r>
+              <a:rPr lang="en-US" sz="6000" dirty="0" err="1">
+                <a:solidFill>
+                  <a:schemeClr val="accent5">
+                    <a:lumMod val="75000"/>
+                  </a:schemeClr>
+                </a:solidFill>
+              </a:rPr>
+              <a:t>conditionnelles</a:t>
+            </a:r>
+            <a:endParaRPr lang="fr-FR" sz="6000" dirty="0">
+              <a:solidFill>
+                <a:schemeClr val="accent5">
+                  <a:lumMod val="75000"/>
+                </a:schemeClr>
+              </a:solidFill>
+            </a:endParaRPr>
+          </a:p>
+        </p:txBody>
+      </p:sp>
+      <p:sp>
+        <p:nvSpPr>
+          <p:cNvPr id="4" name="Rectangle 1">
+            <a:extLst>
+              <a:ext uri="{FF2B5EF4-FFF2-40B4-BE49-F238E27FC236}">
+                <a16:creationId xmlns:a16="http://schemas.microsoft.com/office/drawing/2014/main" id="{3603D1BB-9DAD-4172-BDFE-8CE1081F69D9}"/>
+              </a:ext>
+            </a:extLst>
+          </p:cNvPr>
+          <p:cNvSpPr>
+            <a:spLocks noChangeArrowheads="1"/>
+          </p:cNvSpPr>
+          <p:nvPr/>
+        </p:nvSpPr>
+        <p:spPr bwMode="auto">
+          <a:xfrm>
+            <a:off x="152400" y="1926017"/>
+            <a:ext cx="11080084" cy="3139321"/>
+          </a:xfrm>
+          <a:prstGeom prst="rect">
+            <a:avLst/>
+          </a:prstGeom>
+          <a:noFill/>
+          <a:ln>
+            <a:noFill/>
+          </a:ln>
+          <a:effectLst/>
+          <a:extLst>
+            <a:ext uri="{909E8E84-426E-40DD-AFC4-6F175D3DCCD1}">
+              <a14:hiddenFill xmlns:a14="http://schemas.microsoft.com/office/drawing/2010/main">
+                <a:solidFill>
+                  <a:schemeClr val="accent1"/>
+                </a:solidFill>
+              </a14:hiddenFill>
+            </a:ext>
+            <a:ext uri="{91240B29-F687-4F45-9708-019B960494DF}">
+              <a14:hiddenLine xmlns:a14="http://schemas.microsoft.com/office/drawing/2010/main" w="9525">
+                <a:solidFill>
+                  <a:schemeClr val="tx1"/>
+                </a:solidFill>
+                <a:miter lim="800000"/>
+                <a:headEnd/>
+                <a:tailEnd/>
+              </a14:hiddenLine>
+            </a:ext>
+            <a:ext uri="{AF507438-7753-43E0-B8FC-AC1667EBCBE1}">
+              <a14:hiddenEffects xmlns:a14="http://schemas.microsoft.com/office/drawing/2010/main">
+                <a:effectLst>
+                  <a:outerShdw dist="35921" dir="2700000" algn="ctr" rotWithShape="0">
+                    <a:schemeClr val="bg2"/>
+                  </a:outerShdw>
+                </a:effectLst>
+              </a14:hiddenEffects>
+            </a:ext>
+          </a:extLst>
+        </p:spPr>
+        <p:txBody>
+          <a:bodyPr vert="horz" wrap="none" lIns="91440" tIns="45720" rIns="91440" bIns="45720" numCol="1" anchor="ctr" anchorCtr="0" compatLnSpc="1">
+            <a:prstTxWarp prst="textNoShape">
+              <a:avLst/>
+            </a:prstTxWarp>
+            <a:spAutoFit/>
+          </a:bodyPr>
+          <a:lstStyle/>
+          <a:p>
+            <a:pPr lvl="0" eaLnBrk="0" fontAlgn="base" hangingPunct="0">
+              <a:spcBef>
+                <a:spcPct val="0"/>
+              </a:spcBef>
+              <a:spcAft>
+                <a:spcPct val="0"/>
+              </a:spcAft>
+              <a:buFontTx/>
+              <a:buChar char="•"/>
+            </a:pPr>
+            <a:r>
+              <a:rPr kumimoji="0" lang="fr-FR" altLang="fr-FR" b="0" i="0" u="none" strike="noStrike" cap="none" normalizeH="0" baseline="0" dirty="0">
+                <a:ln>
+                  <a:noFill/>
+                </a:ln>
+                <a:solidFill>
+                  <a:schemeClr val="tx1"/>
+                </a:solidFill>
+                <a:effectLst/>
+                <a:latin typeface="Arial" panose="020B0604020202020204" pitchFamily="34" charset="0"/>
+              </a:rPr>
+              <a:t>Les variables permettent de conserver dans le temps des données de votre programme.</a:t>
+            </a:r>
+          </a:p>
+          <a:p>
+            <a:pPr lvl="0" eaLnBrk="0" fontAlgn="base" hangingPunct="0">
+              <a:spcBef>
+                <a:spcPct val="0"/>
+              </a:spcBef>
+              <a:spcAft>
+                <a:spcPct val="0"/>
+              </a:spcAft>
+              <a:buFontTx/>
+              <a:buChar char="•"/>
+            </a:pPr>
+            <a:endParaRPr kumimoji="0" lang="fr-FR" altLang="fr-FR" b="0" i="0" u="none" strike="noStrike" cap="none" normalizeH="0" baseline="0" dirty="0">
+              <a:ln>
+                <a:noFill/>
+              </a:ln>
+              <a:solidFill>
+                <a:schemeClr val="tx1"/>
+              </a:solidFill>
+              <a:effectLst/>
+              <a:latin typeface="Arial" panose="020B0604020202020204" pitchFamily="34" charset="0"/>
+            </a:endParaRPr>
+          </a:p>
+          <a:p>
+            <a:pPr marL="0" marR="0" lvl="0" indent="0" algn="l" defTabSz="914400" rtl="0" eaLnBrk="0" fontAlgn="base" latinLnBrk="0" hangingPunct="0">
+              <a:lnSpc>
+                <a:spcPct val="100000"/>
+              </a:lnSpc>
+              <a:spcBef>
+                <a:spcPct val="0"/>
+              </a:spcBef>
+              <a:spcAft>
+                <a:spcPct val="0"/>
+              </a:spcAft>
+              <a:buClrTx/>
+              <a:buSzTx/>
+              <a:buFontTx/>
+              <a:buChar char="•"/>
+              <a:tabLst/>
+            </a:pPr>
+            <a:r>
+              <a:rPr kumimoji="0" lang="fr-FR" altLang="fr-FR" b="0" i="0" u="none" strike="noStrike" cap="none" normalizeH="0" baseline="0" dirty="0">
+                <a:ln>
+                  <a:noFill/>
+                </a:ln>
+                <a:solidFill>
+                  <a:schemeClr val="tx1"/>
+                </a:solidFill>
+                <a:effectLst/>
+                <a:latin typeface="Arial" panose="020B0604020202020204" pitchFamily="34" charset="0"/>
+              </a:rPr>
+              <a:t>Vous pouvez vous servir de ces variables pour différentes choses : les afficher, faire des calculs avec, etc.</a:t>
+            </a:r>
+          </a:p>
+          <a:p>
+            <a:pPr marL="0" marR="0" lvl="0" indent="0" algn="l" defTabSz="914400" rtl="0" eaLnBrk="0" fontAlgn="base" latinLnBrk="0" hangingPunct="0">
+              <a:lnSpc>
+                <a:spcPct val="100000"/>
+              </a:lnSpc>
+              <a:spcBef>
+                <a:spcPct val="0"/>
+              </a:spcBef>
+              <a:spcAft>
+                <a:spcPct val="0"/>
+              </a:spcAft>
+              <a:buClrTx/>
+              <a:buSzTx/>
+              <a:buFontTx/>
+              <a:buChar char="•"/>
+              <a:tabLst/>
+            </a:pPr>
+            <a:endParaRPr kumimoji="0" lang="fr-FR" altLang="fr-FR" b="0" i="0" u="none" strike="noStrike" cap="none" normalizeH="0" baseline="0" dirty="0">
+              <a:ln>
+                <a:noFill/>
+              </a:ln>
+              <a:solidFill>
+                <a:schemeClr val="tx1"/>
+              </a:solidFill>
+              <a:effectLst/>
+              <a:latin typeface="Arial" panose="020B0604020202020204" pitchFamily="34" charset="0"/>
+            </a:endParaRPr>
+          </a:p>
+          <a:p>
+            <a:pPr marL="0" marR="0" lvl="0" indent="0" algn="l" defTabSz="914400" rtl="0" eaLnBrk="0" fontAlgn="base" latinLnBrk="0" hangingPunct="0">
+              <a:lnSpc>
+                <a:spcPct val="100000"/>
+              </a:lnSpc>
+              <a:spcBef>
+                <a:spcPct val="0"/>
+              </a:spcBef>
+              <a:spcAft>
+                <a:spcPct val="0"/>
+              </a:spcAft>
+              <a:buClrTx/>
+              <a:buSzTx/>
+              <a:buFontTx/>
+              <a:buChar char="•"/>
+              <a:tabLst/>
+            </a:pPr>
+            <a:r>
+              <a:rPr kumimoji="0" lang="fr-FR" altLang="fr-FR" b="0" i="0" u="none" strike="noStrike" cap="none" normalizeH="0" baseline="0" dirty="0">
+                <a:ln>
+                  <a:noFill/>
+                </a:ln>
+                <a:solidFill>
+                  <a:schemeClr val="tx1"/>
+                </a:solidFill>
+                <a:effectLst/>
+                <a:latin typeface="Arial" panose="020B0604020202020204" pitchFamily="34" charset="0"/>
+              </a:rPr>
+              <a:t>Pour affecter une valeur à une variable, on utilise la syntaxe </a:t>
+            </a:r>
+            <a:r>
+              <a:rPr kumimoji="0" lang="fr-FR" altLang="fr-FR" b="0" i="0" u="none" strike="noStrike" cap="none" normalizeH="0" baseline="0" dirty="0" err="1">
+                <a:ln>
+                  <a:noFill/>
+                </a:ln>
+                <a:solidFill>
+                  <a:schemeClr val="tx1"/>
+                </a:solidFill>
+                <a:effectLst/>
+                <a:latin typeface="Arial Unicode MS"/>
+              </a:rPr>
+              <a:t>nom_de_variable</a:t>
+            </a:r>
+            <a:r>
+              <a:rPr kumimoji="0" lang="fr-FR" altLang="fr-FR" b="0" i="0" u="none" strike="noStrike" cap="none" normalizeH="0" baseline="0" dirty="0">
+                <a:ln>
+                  <a:noFill/>
+                </a:ln>
+                <a:solidFill>
+                  <a:schemeClr val="tx1"/>
+                </a:solidFill>
+                <a:effectLst/>
+                <a:latin typeface="Arial Unicode MS"/>
+              </a:rPr>
+              <a:t> = valeur</a:t>
+            </a:r>
+            <a:r>
+              <a:rPr kumimoji="0" lang="fr-FR" altLang="fr-FR" b="0" i="0" u="none" strike="noStrike" cap="none" normalizeH="0" baseline="0" dirty="0">
+                <a:ln>
+                  <a:noFill/>
+                </a:ln>
+                <a:solidFill>
+                  <a:schemeClr val="tx1"/>
+                </a:solidFill>
+                <a:effectLst/>
+              </a:rPr>
+              <a:t>.</a:t>
+            </a:r>
+          </a:p>
+          <a:p>
+            <a:pPr marL="0" marR="0" lvl="0" indent="0" algn="l" defTabSz="914400" rtl="0" eaLnBrk="0" fontAlgn="base" latinLnBrk="0" hangingPunct="0">
+              <a:lnSpc>
+                <a:spcPct val="100000"/>
+              </a:lnSpc>
+              <a:spcBef>
+                <a:spcPct val="0"/>
+              </a:spcBef>
+              <a:spcAft>
+                <a:spcPct val="0"/>
+              </a:spcAft>
+              <a:buClrTx/>
+              <a:buSzTx/>
+              <a:buFontTx/>
+              <a:buChar char="•"/>
+              <a:tabLst/>
+            </a:pPr>
+            <a:endParaRPr kumimoji="0" lang="fr-FR" altLang="fr-FR" b="0" i="0" u="none" strike="noStrike" cap="none" normalizeH="0" baseline="0" dirty="0">
+              <a:ln>
+                <a:noFill/>
+              </a:ln>
+              <a:solidFill>
+                <a:schemeClr val="tx1"/>
+              </a:solidFill>
+              <a:effectLst/>
+              <a:latin typeface="Arial" panose="020B0604020202020204" pitchFamily="34" charset="0"/>
+            </a:endParaRPr>
+          </a:p>
+          <a:p>
+            <a:pPr marL="0" marR="0" lvl="0" indent="0" algn="l" defTabSz="914400" rtl="0" eaLnBrk="0" fontAlgn="base" latinLnBrk="0" hangingPunct="0">
+              <a:lnSpc>
+                <a:spcPct val="100000"/>
+              </a:lnSpc>
+              <a:spcBef>
+                <a:spcPct val="0"/>
+              </a:spcBef>
+              <a:spcAft>
+                <a:spcPct val="0"/>
+              </a:spcAft>
+              <a:buClrTx/>
+              <a:buSzTx/>
+              <a:buFontTx/>
+              <a:buChar char="•"/>
+              <a:tabLst/>
+            </a:pPr>
+            <a:r>
+              <a:rPr kumimoji="0" lang="fr-FR" altLang="fr-FR" b="0" i="0" u="none" strike="noStrike" cap="none" normalizeH="0" baseline="0" dirty="0">
+                <a:ln>
+                  <a:noFill/>
+                </a:ln>
+                <a:solidFill>
+                  <a:schemeClr val="tx1"/>
+                </a:solidFill>
+                <a:effectLst/>
+                <a:latin typeface="Arial" panose="020B0604020202020204" pitchFamily="34" charset="0"/>
+              </a:rPr>
+              <a:t>Il existe différents types de variables, en fonction de l'information que vous désirez conserver :</a:t>
+            </a:r>
+            <a:r>
+              <a:rPr kumimoji="0" lang="fr-FR" altLang="fr-FR" b="0" i="0" u="none" strike="noStrike" cap="none" normalizeH="0" baseline="0" dirty="0" err="1">
+                <a:ln>
+                  <a:noFill/>
+                </a:ln>
+                <a:solidFill>
+                  <a:schemeClr val="tx1"/>
+                </a:solidFill>
+                <a:effectLst/>
+                <a:latin typeface="Arial Unicode MS"/>
+              </a:rPr>
+              <a:t>int</a:t>
+            </a:r>
+            <a:r>
+              <a:rPr kumimoji="0" lang="fr-FR" altLang="fr-FR" b="0" i="0" u="none" strike="noStrike" cap="none" normalizeH="0" baseline="0" dirty="0">
+                <a:ln>
+                  <a:noFill/>
+                </a:ln>
+                <a:solidFill>
+                  <a:schemeClr val="tx1"/>
+                </a:solidFill>
+                <a:effectLst/>
+              </a:rPr>
+              <a:t>, </a:t>
+            </a:r>
+            <a:r>
+              <a:rPr kumimoji="0" lang="fr-FR" altLang="fr-FR" b="0" i="0" u="none" strike="noStrike" cap="none" normalizeH="0" baseline="0" dirty="0" err="1">
+                <a:ln>
+                  <a:noFill/>
+                </a:ln>
+                <a:solidFill>
+                  <a:schemeClr val="tx1"/>
+                </a:solidFill>
+                <a:effectLst/>
+                <a:latin typeface="Arial Unicode MS"/>
+              </a:rPr>
+              <a:t>float</a:t>
+            </a:r>
+            <a:r>
+              <a:rPr kumimoji="0" lang="fr-FR" altLang="fr-FR" b="0" i="0" u="none" strike="noStrike" cap="none" normalizeH="0" baseline="0" dirty="0">
+                <a:ln>
+                  <a:noFill/>
+                </a:ln>
+                <a:solidFill>
+                  <a:schemeClr val="tx1"/>
+                </a:solidFill>
+                <a:effectLst/>
+              </a:rPr>
+              <a:t>, </a:t>
+            </a:r>
+          </a:p>
+          <a:p>
+            <a:pPr marL="0" marR="0" lvl="0" indent="0" algn="l" defTabSz="914400" rtl="0" eaLnBrk="0" fontAlgn="base" latinLnBrk="0" hangingPunct="0">
+              <a:lnSpc>
+                <a:spcPct val="100000"/>
+              </a:lnSpc>
+              <a:spcBef>
+                <a:spcPct val="0"/>
+              </a:spcBef>
+              <a:spcAft>
+                <a:spcPct val="0"/>
+              </a:spcAft>
+              <a:buClrTx/>
+              <a:buSzTx/>
+              <a:tabLst/>
+            </a:pPr>
+            <a:r>
+              <a:rPr lang="fr-FR" altLang="fr-FR" dirty="0">
+                <a:latin typeface="Arial" panose="020B0604020202020204" pitchFamily="34" charset="0"/>
+              </a:rPr>
+              <a:t>chaîne de caractères etc.</a:t>
+            </a:r>
+          </a:p>
+          <a:p>
+            <a:pPr marL="0" marR="0" lvl="0" indent="0" algn="l" defTabSz="914400" rtl="0" eaLnBrk="0" fontAlgn="base" latinLnBrk="0" hangingPunct="0">
+              <a:lnSpc>
+                <a:spcPct val="100000"/>
+              </a:lnSpc>
+              <a:spcBef>
+                <a:spcPct val="0"/>
+              </a:spcBef>
+              <a:spcAft>
+                <a:spcPct val="0"/>
+              </a:spcAft>
+              <a:buClrTx/>
+              <a:buSzTx/>
+              <a:tabLst/>
+            </a:pPr>
+            <a:endParaRPr lang="fr-FR" altLang="fr-FR" dirty="0">
+              <a:latin typeface="Arial" panose="020B0604020202020204" pitchFamily="34" charset="0"/>
+            </a:endParaRPr>
+          </a:p>
+          <a:p>
+            <a:pPr marL="0" marR="0" lvl="0" indent="0" algn="l" defTabSz="914400" rtl="0" eaLnBrk="0" fontAlgn="base" latinLnBrk="0" hangingPunct="0">
+              <a:lnSpc>
+                <a:spcPct val="100000"/>
+              </a:lnSpc>
+              <a:spcBef>
+                <a:spcPct val="0"/>
+              </a:spcBef>
+              <a:spcAft>
+                <a:spcPct val="0"/>
+              </a:spcAft>
+              <a:buClrTx/>
+              <a:buSzTx/>
+              <a:buFontTx/>
+              <a:buChar char="•"/>
+              <a:tabLst/>
+            </a:pPr>
+            <a:r>
+              <a:rPr kumimoji="0" lang="fr-FR" altLang="fr-FR" b="0" i="0" u="none" strike="noStrike" cap="none" normalizeH="0" baseline="0" dirty="0">
+                <a:ln>
+                  <a:noFill/>
+                </a:ln>
+                <a:solidFill>
+                  <a:schemeClr val="tx1"/>
+                </a:solidFill>
+                <a:effectLst/>
+                <a:latin typeface="Arial" panose="020B0604020202020204" pitchFamily="34" charset="0"/>
+              </a:rPr>
+              <a:t>Pour afficher une donnée, comme la valeur d'une variable par exemple, on utilise la fonction </a:t>
+            </a:r>
+            <a:r>
+              <a:rPr kumimoji="0" lang="fr-FR" altLang="fr-FR" b="0" i="0" u="none" strike="noStrike" cap="none" normalizeH="0" baseline="0" dirty="0" err="1">
+                <a:ln>
+                  <a:noFill/>
+                </a:ln>
+                <a:solidFill>
+                  <a:schemeClr val="tx1"/>
+                </a:solidFill>
+                <a:effectLst/>
+                <a:latin typeface="Arial Unicode MS"/>
+              </a:rPr>
+              <a:t>print</a:t>
+            </a:r>
+            <a:r>
+              <a:rPr kumimoji="0" lang="fr-FR" altLang="fr-FR" b="0" i="0" u="none" strike="noStrike" cap="none" normalizeH="0" baseline="0" dirty="0">
+                <a:ln>
+                  <a:noFill/>
+                </a:ln>
+                <a:solidFill>
+                  <a:schemeClr val="tx1"/>
+                </a:solidFill>
+                <a:effectLst/>
+              </a:rPr>
+              <a:t>.</a:t>
+            </a:r>
+            <a:endParaRPr kumimoji="0" lang="fr-FR" altLang="fr-FR" b="0" i="0" u="none" strike="noStrike" cap="none" normalizeH="0" baseline="0" dirty="0">
+              <a:ln>
+                <a:noFill/>
+              </a:ln>
+              <a:solidFill>
+                <a:schemeClr val="tx1"/>
+              </a:solidFill>
+              <a:effectLst/>
+              <a:latin typeface="Arial" panose="020B0604020202020204" pitchFamily="34" charset="0"/>
+            </a:endParaRPr>
+          </a:p>
+          <a:p>
+            <a:pPr marL="0" marR="0" lvl="0" indent="0" algn="l" defTabSz="914400" rtl="0" eaLnBrk="0" fontAlgn="base" latinLnBrk="0" hangingPunct="0">
+              <a:lnSpc>
+                <a:spcPct val="100000"/>
+              </a:lnSpc>
+              <a:spcBef>
+                <a:spcPct val="0"/>
+              </a:spcBef>
+              <a:spcAft>
+                <a:spcPct val="0"/>
+              </a:spcAft>
+              <a:buClrTx/>
+              <a:buSzTx/>
+              <a:buFontTx/>
+              <a:buNone/>
+              <a:tabLst/>
+            </a:pPr>
+            <a:endParaRPr kumimoji="0" lang="fr-FR" altLang="fr-FR" sz="1800" b="0" i="0" u="none" strike="noStrike" cap="none" normalizeH="0" baseline="0" dirty="0">
+              <a:ln>
+                <a:noFill/>
+              </a:ln>
+              <a:solidFill>
+                <a:schemeClr val="tx1"/>
+              </a:solidFill>
+              <a:effectLst/>
+              <a:latin typeface="Arial" panose="020B0604020202020204" pitchFamily="34" charset="0"/>
+            </a:endParaRPr>
+          </a:p>
+        </p:txBody>
+      </p:sp>
+    </p:spTree>
+    <p:extLst>
+      <p:ext uri="{BB962C8B-B14F-4D97-AF65-F5344CB8AC3E}">
+        <p14:creationId xmlns:p14="http://schemas.microsoft.com/office/powerpoint/2010/main" val="818373648"/>
+      </p:ext>
+    </p:extLst>
+  </p:cSld>
+  <p:clrMapOvr>
+    <a:masterClrMapping/>
+  </p:clrMapOvr>
+</p:sld>
+</file>
+
+<file path=ppt/slides/slide2.xml><?xml version="1.0" encoding="utf-8"?>
+<p:sld xmlns:a="http://schemas.openxmlformats.org/drawingml/2006/main" xmlns:r="http://schemas.openxmlformats.org/officeDocument/2006/relationships" xmlns:p="http://schemas.openxmlformats.org/presentationml/2006/main">
+  <p:cSld>
+    <p:spTree>
+      <p:nvGrpSpPr>
+        <p:cNvPr id="1" name=""/>
+        <p:cNvGrpSpPr/>
+        <p:nvPr/>
+      </p:nvGrpSpPr>
+      <p:grpSpPr>
+        <a:xfrm>
+          <a:off x="0" y="0"/>
+          <a:ext cx="0" cy="0"/>
+          <a:chOff x="0" y="0"/>
+          <a:chExt cx="0" cy="0"/>
+        </a:xfrm>
+      </p:grpSpPr>
+      <p:sp>
+        <p:nvSpPr>
+          <p:cNvPr id="2" name="Titre 1">
+            <a:extLst>
+              <a:ext uri="{FF2B5EF4-FFF2-40B4-BE49-F238E27FC236}">
+                <a16:creationId xmlns:a16="http://schemas.microsoft.com/office/drawing/2014/main" id="{0DD44BF1-6DC3-424A-81C5-0D2C7AC4C8E4}"/>
+              </a:ext>
+            </a:extLst>
+          </p:cNvPr>
+          <p:cNvSpPr>
+            <a:spLocks noGrp="1"/>
+          </p:cNvSpPr>
+          <p:nvPr>
+            <p:ph type="title"/>
+          </p:nvPr>
+        </p:nvSpPr>
+        <p:spPr/>
+        <p:txBody>
+          <a:bodyPr/>
+          <a:lstStyle/>
+          <a:p>
+            <a:endParaRPr lang="fr-FR"/>
+          </a:p>
+        </p:txBody>
+      </p:sp>
+      <p:sp>
+        <p:nvSpPr>
+          <p:cNvPr id="3" name="Espace réservé du contenu 2">
+            <a:extLst>
+              <a:ext uri="{FF2B5EF4-FFF2-40B4-BE49-F238E27FC236}">
+                <a16:creationId xmlns:a16="http://schemas.microsoft.com/office/drawing/2014/main" id="{39965E87-594F-4EE0-8B1B-7468B468A25C}"/>
+              </a:ext>
+            </a:extLst>
+          </p:cNvPr>
+          <p:cNvSpPr>
+            <a:spLocks noGrp="1"/>
+          </p:cNvSpPr>
+          <p:nvPr>
+            <p:ph idx="1"/>
+          </p:nvPr>
+        </p:nvSpPr>
+        <p:spPr/>
+        <p:txBody>
+          <a:bodyPr/>
+          <a:lstStyle/>
+          <a:p>
+            <a:pPr marL="0" indent="0" algn="ctr">
+              <a:buNone/>
+            </a:pPr>
+            <a:endParaRPr lang="fr-FR" dirty="0">
+              <a:solidFill>
+                <a:schemeClr val="accent1"/>
+              </a:solidFill>
+            </a:endParaRPr>
+          </a:p>
+          <a:p>
+            <a:pPr marL="0" indent="0" algn="ctr">
+              <a:buNone/>
+            </a:pPr>
+            <a:endParaRPr lang="fr-FR" dirty="0">
+              <a:solidFill>
+                <a:schemeClr val="accent1"/>
+              </a:solidFill>
+            </a:endParaRPr>
+          </a:p>
+          <a:p>
+            <a:pPr marL="0" indent="0" algn="ctr">
+              <a:buNone/>
+            </a:pPr>
+            <a:r>
+              <a:rPr lang="fr-FR" sz="7200" dirty="0">
+                <a:solidFill>
+                  <a:schemeClr val="accent1"/>
+                </a:solidFill>
+              </a:rPr>
+              <a:t>LES BASES</a:t>
+            </a:r>
+          </a:p>
+        </p:txBody>
+      </p:sp>
+    </p:spTree>
+    <p:extLst>
+      <p:ext uri="{BB962C8B-B14F-4D97-AF65-F5344CB8AC3E}">
+        <p14:creationId xmlns:p14="http://schemas.microsoft.com/office/powerpoint/2010/main" val="2933535661"/>
+      </p:ext>
+    </p:extLst>
+  </p:cSld>
+  <p:clrMapOvr>
+    <a:masterClrMapping/>
+  </p:clrMapOvr>
+</p:sld>
+</file>
+
+<file path=ppt/slides/slide3.xml><?xml version="1.0" encoding="utf-8"?>
+<p:sld xmlns:a="http://schemas.openxmlformats.org/drawingml/2006/main" xmlns:r="http://schemas.openxmlformats.org/officeDocument/2006/relationships" xmlns:p="http://schemas.openxmlformats.org/presentationml/2006/main">
+  <p:cSld>
+    <p:spTree>
+      <p:nvGrpSpPr>
+        <p:cNvPr id="1" name=""/>
+        <p:cNvGrpSpPr/>
+        <p:nvPr/>
+      </p:nvGrpSpPr>
+      <p:grpSpPr>
+        <a:xfrm>
+          <a:off x="0" y="0"/>
+          <a:ext cx="0" cy="0"/>
+          <a:chOff x="0" y="0"/>
+          <a:chExt cx="0" cy="0"/>
+        </a:xfrm>
+      </p:grpSpPr>
+      <p:sp>
+        <p:nvSpPr>
+          <p:cNvPr id="3" name="Espace réservé du contenu 2">
+            <a:extLst>
+              <a:ext uri="{FF2B5EF4-FFF2-40B4-BE49-F238E27FC236}">
+                <a16:creationId xmlns:a16="http://schemas.microsoft.com/office/drawing/2014/main" id="{26019C14-248F-4937-B7A1-BB6BDCB8ED35}"/>
+              </a:ext>
+            </a:extLst>
+          </p:cNvPr>
+          <p:cNvSpPr>
+            <a:spLocks noGrp="1"/>
+          </p:cNvSpPr>
+          <p:nvPr>
+            <p:ph idx="1"/>
+          </p:nvPr>
+        </p:nvSpPr>
+        <p:spPr>
+          <a:xfrm>
+            <a:off x="104774" y="1"/>
+            <a:ext cx="12191999" cy="6857999"/>
+          </a:xfrm>
+          <a:noFill/>
+        </p:spPr>
+        <p:txBody>
+          <a:bodyPr/>
+          <a:lstStyle/>
+          <a:p>
+            <a:pPr marL="0" indent="0">
+              <a:buNone/>
+            </a:pPr>
+            <a:r>
+              <a:rPr lang="fr-FR" dirty="0"/>
+              <a:t>	</a:t>
+            </a:r>
+          </a:p>
+        </p:txBody>
+      </p:sp>
+      <p:sp>
+        <p:nvSpPr>
+          <p:cNvPr id="2" name="Titre 1">
+            <a:extLst>
+              <a:ext uri="{FF2B5EF4-FFF2-40B4-BE49-F238E27FC236}">
+                <a16:creationId xmlns:a16="http://schemas.microsoft.com/office/drawing/2014/main" id="{C2DDB91C-04E9-41CA-9731-E7D1B6B6D47E}"/>
+              </a:ext>
+            </a:extLst>
+          </p:cNvPr>
+          <p:cNvSpPr>
+            <a:spLocks noGrp="1"/>
+          </p:cNvSpPr>
+          <p:nvPr>
+            <p:ph type="title"/>
+          </p:nvPr>
+        </p:nvSpPr>
+        <p:spPr>
+          <a:xfrm>
+            <a:off x="0" y="-238124"/>
+            <a:ext cx="12192000" cy="1325563"/>
+          </a:xfrm>
+        </p:spPr>
+        <p:txBody>
+          <a:bodyPr>
+            <a:normAutofit/>
+          </a:bodyPr>
+          <a:lstStyle/>
+          <a:p>
+            <a:pPr algn="ctr"/>
+            <a:r>
+              <a:rPr lang="en-US" sz="6000" dirty="0">
+                <a:solidFill>
+                  <a:schemeClr val="accent5">
+                    <a:lumMod val="75000"/>
+                  </a:schemeClr>
+                </a:solidFill>
+              </a:rPr>
+              <a:t>Indexing start with 0</a:t>
+            </a:r>
+            <a:endParaRPr lang="fr-FR" sz="6000" dirty="0">
+              <a:solidFill>
+                <a:schemeClr val="accent5">
+                  <a:lumMod val="75000"/>
+                </a:schemeClr>
+              </a:solidFill>
+            </a:endParaRPr>
+          </a:p>
+        </p:txBody>
+      </p:sp>
+      <p:sp>
+        <p:nvSpPr>
+          <p:cNvPr id="6" name="ZoneTexte 5">
+            <a:extLst>
+              <a:ext uri="{FF2B5EF4-FFF2-40B4-BE49-F238E27FC236}">
+                <a16:creationId xmlns:a16="http://schemas.microsoft.com/office/drawing/2014/main" id="{CBFBC941-5AAC-4956-91F0-42A89BB0E115}"/>
+              </a:ext>
+            </a:extLst>
+          </p:cNvPr>
+          <p:cNvSpPr txBox="1"/>
+          <p:nvPr/>
+        </p:nvSpPr>
+        <p:spPr>
+          <a:xfrm>
+            <a:off x="4629151" y="1638300"/>
+            <a:ext cx="4038600" cy="2862322"/>
+          </a:xfrm>
+          <a:prstGeom prst="rect">
+            <a:avLst/>
+          </a:prstGeom>
+          <a:noFill/>
+        </p:spPr>
+        <p:txBody>
+          <a:bodyPr wrap="square" rtlCol="0">
+            <a:spAutoFit/>
+          </a:bodyPr>
+          <a:lstStyle/>
+          <a:p>
+            <a:r>
+              <a:rPr lang="fr-FR" dirty="0"/>
+              <a:t>String: ‘’Julien’’</a:t>
+            </a:r>
+          </a:p>
+          <a:p>
+            <a:r>
+              <a:rPr lang="fr-FR" dirty="0"/>
+              <a:t>List: [‘J’,’</a:t>
+            </a:r>
+            <a:r>
+              <a:rPr lang="fr-FR" dirty="0" err="1"/>
+              <a:t>u’,’l’,’i’,’e’,’n</a:t>
+            </a:r>
+            <a:r>
+              <a:rPr lang="fr-FR" dirty="0"/>
+              <a:t>’]</a:t>
+            </a:r>
+          </a:p>
+          <a:p>
+            <a:endParaRPr lang="fr-FR" dirty="0"/>
+          </a:p>
+          <a:p>
+            <a:r>
+              <a:rPr lang="en-US" b="1" dirty="0"/>
+              <a:t>Index	Value</a:t>
+            </a:r>
+          </a:p>
+          <a:p>
+            <a:r>
+              <a:rPr lang="en-US" dirty="0"/>
+              <a:t>0	J</a:t>
+            </a:r>
+          </a:p>
+          <a:p>
+            <a:r>
+              <a:rPr lang="en-US" dirty="0"/>
+              <a:t>1	u</a:t>
+            </a:r>
+          </a:p>
+          <a:p>
+            <a:r>
+              <a:rPr lang="en-US" dirty="0"/>
+              <a:t>2	l</a:t>
+            </a:r>
+          </a:p>
+          <a:p>
+            <a:r>
+              <a:rPr lang="en-US" dirty="0"/>
+              <a:t>3	</a:t>
+            </a:r>
+            <a:r>
+              <a:rPr lang="en-US" dirty="0" err="1"/>
+              <a:t>i</a:t>
+            </a:r>
+            <a:endParaRPr lang="en-US" dirty="0"/>
+          </a:p>
+          <a:p>
+            <a:r>
+              <a:rPr lang="en-US" dirty="0"/>
+              <a:t>4	e</a:t>
+            </a:r>
+          </a:p>
+          <a:p>
+            <a:r>
+              <a:rPr lang="en-US" dirty="0"/>
+              <a:t>5	n</a:t>
+            </a:r>
+            <a:endParaRPr lang="fr-FR" dirty="0"/>
+          </a:p>
+        </p:txBody>
+      </p:sp>
+    </p:spTree>
+    <p:extLst>
+      <p:ext uri="{BB962C8B-B14F-4D97-AF65-F5344CB8AC3E}">
+        <p14:creationId xmlns:p14="http://schemas.microsoft.com/office/powerpoint/2010/main" val="1411743301"/>
+      </p:ext>
+    </p:extLst>
+  </p:cSld>
+  <p:clrMapOvr>
+    <a:masterClrMapping/>
+  </p:clrMapOvr>
+</p:sld>
+</file>
+
+<file path=ppt/slides/slide4.xml><?xml version="1.0" encoding="utf-8"?>
+<p:sld xmlns:a="http://schemas.openxmlformats.org/drawingml/2006/main" xmlns:r="http://schemas.openxmlformats.org/officeDocument/2006/relationships" xmlns:p="http://schemas.openxmlformats.org/presentationml/2006/main">
+  <p:cSld>
+    <p:spTree>
+      <p:nvGrpSpPr>
+        <p:cNvPr id="1" name=""/>
+        <p:cNvGrpSpPr/>
+        <p:nvPr/>
+      </p:nvGrpSpPr>
+      <p:grpSpPr>
+        <a:xfrm>
+          <a:off x="0" y="0"/>
+          <a:ext cx="0" cy="0"/>
+          <a:chOff x="0" y="0"/>
+          <a:chExt cx="0" cy="0"/>
+        </a:xfrm>
+      </p:grpSpPr>
+      <p:sp>
+        <p:nvSpPr>
+          <p:cNvPr id="2" name="Title 1"/>
+          <p:cNvSpPr>
+            <a:spLocks noGrp="1"/>
+          </p:cNvSpPr>
+          <p:nvPr>
+            <p:ph type="title"/>
+          </p:nvPr>
+        </p:nvSpPr>
+        <p:spPr>
+          <a:xfrm>
+            <a:off x="317928" y="56867"/>
+            <a:ext cx="10972800" cy="1016000"/>
+          </a:xfrm>
+        </p:spPr>
+        <p:txBody>
+          <a:bodyPr>
+            <a:normAutofit/>
+          </a:bodyPr>
+          <a:lstStyle/>
+          <a:p>
+            <a:pPr algn="ctr"/>
+            <a:r>
+              <a:rPr lang="en-US" sz="6000" dirty="0">
+                <a:solidFill>
+                  <a:schemeClr val="accent5">
+                    <a:lumMod val="75000"/>
+                  </a:schemeClr>
+                </a:solidFill>
+              </a:rPr>
+              <a:t>Boolean: True or False</a:t>
+            </a:r>
+          </a:p>
+        </p:txBody>
+      </p:sp>
+      <p:sp>
+        <p:nvSpPr>
+          <p:cNvPr id="5" name="TextBox 4"/>
+          <p:cNvSpPr txBox="1"/>
+          <p:nvPr/>
+        </p:nvSpPr>
+        <p:spPr>
+          <a:xfrm>
+            <a:off x="732558" y="1792088"/>
+            <a:ext cx="3759200" cy="2718949"/>
+          </a:xfrm>
+          <a:prstGeom prst="rect">
+            <a:avLst/>
+          </a:prstGeom>
+          <a:noFill/>
+        </p:spPr>
+        <p:txBody>
+          <a:bodyPr wrap="square" rtlCol="0">
+            <a:spAutoFit/>
+          </a:bodyPr>
+          <a:lstStyle/>
+          <a:p>
+            <a:r>
+              <a:rPr lang="en-US" sz="3200" b="1" dirty="0"/>
+              <a:t>Evaluate to </a:t>
+            </a:r>
+            <a:r>
+              <a:rPr lang="en-US" sz="3733" b="1" dirty="0"/>
+              <a:t>FALSE</a:t>
+            </a:r>
+          </a:p>
+          <a:p>
+            <a:r>
+              <a:rPr lang="en-US" sz="2667" dirty="0"/>
+              <a:t>0</a:t>
+            </a:r>
+          </a:p>
+          <a:p>
+            <a:r>
+              <a:rPr lang="en-US" sz="2667" dirty="0"/>
+              <a:t>0.0</a:t>
+            </a:r>
+          </a:p>
+          <a:p>
+            <a:r>
+              <a:rPr lang="en-US" sz="2667" dirty="0"/>
+              <a:t>""</a:t>
+            </a:r>
+          </a:p>
+          <a:p>
+            <a:r>
+              <a:rPr lang="en-US" sz="2667" dirty="0"/>
+              <a:t>[]</a:t>
+            </a:r>
+          </a:p>
+          <a:p>
+            <a:r>
+              <a:rPr lang="en-US" sz="2667" dirty="0"/>
+              <a:t>None</a:t>
+            </a:r>
+          </a:p>
+        </p:txBody>
+      </p:sp>
+      <p:sp>
+        <p:nvSpPr>
+          <p:cNvPr id="6" name="TextBox 5"/>
+          <p:cNvSpPr txBox="1"/>
+          <p:nvPr/>
+        </p:nvSpPr>
+        <p:spPr>
+          <a:xfrm>
+            <a:off x="6908800" y="1749425"/>
+            <a:ext cx="4064000" cy="1898084"/>
+          </a:xfrm>
+          <a:prstGeom prst="rect">
+            <a:avLst/>
+          </a:prstGeom>
+          <a:noFill/>
+        </p:spPr>
+        <p:txBody>
+          <a:bodyPr wrap="square" rtlCol="0">
+            <a:spAutoFit/>
+          </a:bodyPr>
+          <a:lstStyle/>
+          <a:p>
+            <a:r>
+              <a:rPr lang="en-US" sz="3200" b="1" dirty="0"/>
+              <a:t>Evaluate to </a:t>
+            </a:r>
+            <a:r>
+              <a:rPr lang="en-US" sz="3733" b="1" dirty="0"/>
+              <a:t>TRUE</a:t>
+            </a:r>
+          </a:p>
+          <a:p>
+            <a:r>
+              <a:rPr lang="en-US" sz="2667" dirty="0"/>
+              <a:t>any non-zero number</a:t>
+            </a:r>
+          </a:p>
+          <a:p>
+            <a:r>
+              <a:rPr lang="en-US" sz="2667" dirty="0"/>
+              <a:t>any non-empty string</a:t>
+            </a:r>
+          </a:p>
+          <a:p>
+            <a:r>
+              <a:rPr lang="en-US" sz="2667" dirty="0"/>
+              <a:t>any non-empty list</a:t>
+            </a:r>
+          </a:p>
+        </p:txBody>
+      </p:sp>
+      <p:sp>
+        <p:nvSpPr>
+          <p:cNvPr id="7" name="TextBox 6"/>
+          <p:cNvSpPr txBox="1"/>
+          <p:nvPr/>
+        </p:nvSpPr>
+        <p:spPr>
+          <a:xfrm>
+            <a:off x="6908801" y="3984625"/>
+            <a:ext cx="1679691" cy="2677656"/>
+          </a:xfrm>
+          <a:prstGeom prst="rect">
+            <a:avLst/>
+          </a:prstGeom>
+          <a:noFill/>
+        </p:spPr>
+        <p:txBody>
+          <a:bodyPr wrap="none" rtlCol="0">
+            <a:spAutoFit/>
+          </a:bodyPr>
+          <a:lstStyle/>
+          <a:p>
+            <a:r>
+              <a:rPr lang="en-US" sz="2400" dirty="0"/>
+              <a:t>1</a:t>
+            </a:r>
+          </a:p>
+          <a:p>
+            <a:r>
+              <a:rPr lang="en-US" sz="2400" dirty="0"/>
+              <a:t>1 or 0</a:t>
+            </a:r>
+          </a:p>
+          <a:p>
+            <a:r>
+              <a:rPr lang="en-US" sz="2400" dirty="0"/>
+              <a:t>81 and -23</a:t>
+            </a:r>
+          </a:p>
+          <a:p>
+            <a:r>
+              <a:rPr lang="en-US" sz="2400" dirty="0"/>
+              <a:t>‘pig’</a:t>
+            </a:r>
+          </a:p>
+          <a:p>
+            <a:r>
+              <a:rPr lang="en-US" sz="2400" dirty="0"/>
+              <a:t>‘cat’ == ‘cat’</a:t>
+            </a:r>
+          </a:p>
+          <a:p>
+            <a:r>
+              <a:rPr lang="en-US" sz="2400" dirty="0"/>
+              <a:t>[‘dog’]</a:t>
+            </a:r>
+          </a:p>
+          <a:p>
+            <a:r>
+              <a:rPr lang="en-US" sz="2400" dirty="0"/>
+              <a:t>‘a’ &lt; ‘b’</a:t>
+            </a:r>
+          </a:p>
+        </p:txBody>
+      </p:sp>
+      <p:sp>
+        <p:nvSpPr>
+          <p:cNvPr id="8" name="TextBox 7"/>
+          <p:cNvSpPr txBox="1"/>
+          <p:nvPr/>
+        </p:nvSpPr>
+        <p:spPr>
+          <a:xfrm>
+            <a:off x="9430223" y="3984625"/>
+            <a:ext cx="1707519" cy="2677656"/>
+          </a:xfrm>
+          <a:prstGeom prst="rect">
+            <a:avLst/>
+          </a:prstGeom>
+          <a:noFill/>
+        </p:spPr>
+        <p:txBody>
+          <a:bodyPr wrap="none" rtlCol="0">
+            <a:spAutoFit/>
+          </a:bodyPr>
+          <a:lstStyle/>
+          <a:p>
+            <a:r>
+              <a:rPr lang="en-US" sz="2400" dirty="0"/>
+              <a:t>10 &gt; 5</a:t>
+            </a:r>
+          </a:p>
+          <a:p>
+            <a:r>
+              <a:rPr lang="en-US" sz="2400" dirty="0"/>
+              <a:t>-1 &lt; 33</a:t>
+            </a:r>
+          </a:p>
+          <a:p>
+            <a:r>
+              <a:rPr lang="en-US" sz="2400" dirty="0"/>
+              <a:t>8 &gt;= 8</a:t>
+            </a:r>
+          </a:p>
+          <a:p>
+            <a:r>
+              <a:rPr lang="en-US" sz="2400" dirty="0"/>
+              <a:t>0 == 0</a:t>
+            </a:r>
+          </a:p>
+          <a:p>
+            <a:r>
+              <a:rPr lang="en-US" sz="2400" dirty="0"/>
+              <a:t>1.2 != 1.3</a:t>
+            </a:r>
+          </a:p>
+          <a:p>
+            <a:r>
+              <a:rPr lang="en-US" sz="2400" dirty="0"/>
+              <a:t>5 &gt; 3 and 10</a:t>
+            </a:r>
+          </a:p>
+          <a:p>
+            <a:r>
+              <a:rPr lang="en-US" sz="2400" dirty="0"/>
+              <a:t>1 == 0 or [0]</a:t>
+            </a:r>
+          </a:p>
+        </p:txBody>
+      </p:sp>
+      <p:sp>
+        <p:nvSpPr>
+          <p:cNvPr id="9" name="TextBox 8"/>
+          <p:cNvSpPr txBox="1"/>
+          <p:nvPr/>
+        </p:nvSpPr>
+        <p:spPr>
+          <a:xfrm>
+            <a:off x="732558" y="5461952"/>
+            <a:ext cx="1104790" cy="1200329"/>
+          </a:xfrm>
+          <a:prstGeom prst="rect">
+            <a:avLst/>
+          </a:prstGeom>
+          <a:noFill/>
+        </p:spPr>
+        <p:txBody>
+          <a:bodyPr wrap="none" rtlCol="0">
+            <a:spAutoFit/>
+          </a:bodyPr>
+          <a:lstStyle/>
+          <a:p>
+            <a:r>
+              <a:rPr lang="en-US" sz="2400" dirty="0"/>
+              <a:t>1 and 0</a:t>
+            </a:r>
+          </a:p>
+          <a:p>
+            <a:r>
+              <a:rPr lang="en-US" sz="2400" dirty="0"/>
+              <a:t>0 or ""</a:t>
+            </a:r>
+          </a:p>
+          <a:p>
+            <a:r>
+              <a:rPr lang="en-US" sz="2400" dirty="0"/>
+              <a:t>5 - 5</a:t>
+            </a:r>
+          </a:p>
+        </p:txBody>
+      </p:sp>
+      <p:sp>
+        <p:nvSpPr>
+          <p:cNvPr id="10" name="TextBox 9"/>
+          <p:cNvSpPr txBox="1"/>
+          <p:nvPr/>
+        </p:nvSpPr>
+        <p:spPr>
+          <a:xfrm>
+            <a:off x="3253980" y="4353957"/>
+            <a:ext cx="1353256" cy="2308324"/>
+          </a:xfrm>
+          <a:prstGeom prst="rect">
+            <a:avLst/>
+          </a:prstGeom>
+          <a:noFill/>
+        </p:spPr>
+        <p:txBody>
+          <a:bodyPr wrap="none" rtlCol="0">
+            <a:spAutoFit/>
+          </a:bodyPr>
+          <a:lstStyle/>
+          <a:p>
+            <a:r>
+              <a:rPr lang="en-US" sz="2400" dirty="0"/>
+              <a:t>3 &lt; 2</a:t>
+            </a:r>
+          </a:p>
+          <a:p>
+            <a:r>
+              <a:rPr lang="en-US" sz="2400" dirty="0"/>
+              <a:t>-1 &gt; 33</a:t>
+            </a:r>
+          </a:p>
+          <a:p>
+            <a:r>
+              <a:rPr lang="en-US" sz="2400" dirty="0"/>
+              <a:t>8 &gt;= 100</a:t>
+            </a:r>
+          </a:p>
+          <a:p>
+            <a:r>
+              <a:rPr lang="en-US" sz="2400" dirty="0"/>
+              <a:t>5 &lt;= 1</a:t>
+            </a:r>
+          </a:p>
+          <a:p>
+            <a:r>
+              <a:rPr lang="en-US" sz="2400" dirty="0"/>
+              <a:t>0 == 88</a:t>
+            </a:r>
+          </a:p>
+          <a:p>
+            <a:r>
+              <a:rPr lang="en-US" sz="2400" dirty="0"/>
+              <a:t>1.2 != 1.2</a:t>
+            </a:r>
+          </a:p>
+        </p:txBody>
+      </p:sp>
+      <p:cxnSp>
+        <p:nvCxnSpPr>
+          <p:cNvPr id="13" name="Straight Connector 12"/>
+          <p:cNvCxnSpPr/>
+          <p:nvPr/>
+        </p:nvCxnSpPr>
+        <p:spPr>
+          <a:xfrm flipV="1">
+            <a:off x="6096000" y="1952625"/>
+            <a:ext cx="0" cy="4876800"/>
+          </a:xfrm>
+          <a:prstGeom prst="line">
+            <a:avLst/>
+          </a:prstGeom>
+          <a:ln w="50800">
+            <a:solidFill>
+              <a:schemeClr val="accent1">
+                <a:lumMod val="20000"/>
+                <a:lumOff val="80000"/>
+              </a:schemeClr>
+            </a:solidFill>
+          </a:ln>
+        </p:spPr>
+        <p:style>
+          <a:lnRef idx="1">
+            <a:schemeClr val="accent1"/>
+          </a:lnRef>
+          <a:fillRef idx="0">
+            <a:schemeClr val="accent1"/>
+          </a:fillRef>
+          <a:effectRef idx="0">
+            <a:schemeClr val="accent1"/>
+          </a:effectRef>
+          <a:fontRef idx="minor">
+            <a:schemeClr val="tx1"/>
+          </a:fontRef>
+        </p:style>
+      </p:cxnSp>
+      <p:sp>
+        <p:nvSpPr>
+          <p:cNvPr id="12" name="Title 1">
+            <a:extLst>
+              <a:ext uri="{FF2B5EF4-FFF2-40B4-BE49-F238E27FC236}">
+                <a16:creationId xmlns:a16="http://schemas.microsoft.com/office/drawing/2014/main" id="{E7EBDA5A-FE74-4E33-A955-D067C28FFE75}"/>
+              </a:ext>
+            </a:extLst>
+          </p:cNvPr>
+          <p:cNvSpPr txBox="1">
+            <a:spLocks/>
+          </p:cNvSpPr>
+          <p:nvPr/>
+        </p:nvSpPr>
+        <p:spPr>
+          <a:xfrm>
+            <a:off x="4083167" y="933167"/>
+            <a:ext cx="10972800" cy="1016000"/>
+          </a:xfrm>
+          <a:prstGeom prst="rect">
+            <a:avLst/>
+          </a:prstGeom>
+        </p:spPr>
+        <p:txBody>
+          <a:bodyPr vert="horz" lIns="91440" tIns="45720" rIns="91440" bIns="45720" rtlCol="0" anchor="ctr">
+            <a:normAutofit/>
+          </a:bodyPr>
+          <a:lstStyle>
+            <a:lvl1pPr algn="l" defTabSz="914400" rtl="0" eaLnBrk="1" latinLnBrk="0" hangingPunct="1">
+              <a:lnSpc>
+                <a:spcPct val="90000"/>
+              </a:lnSpc>
+              <a:spcBef>
+                <a:spcPct val="0"/>
+              </a:spcBef>
+              <a:buNone/>
+              <a:defRPr sz="4400" kern="1200">
+                <a:solidFill>
+                  <a:schemeClr val="tx1"/>
+                </a:solidFill>
+                <a:latin typeface="+mj-lt"/>
+                <a:ea typeface="+mj-ea"/>
+                <a:cs typeface="+mj-cs"/>
+              </a:defRPr>
+            </a:lvl1pPr>
+          </a:lstStyle>
+          <a:p>
+            <a:r>
+              <a:rPr lang="en-US" sz="2800" dirty="0"/>
+              <a:t>Boolean: True or False</a:t>
+            </a:r>
+          </a:p>
+        </p:txBody>
+      </p:sp>
+    </p:spTree>
+    <p:extLst>
+      <p:ext uri="{BB962C8B-B14F-4D97-AF65-F5344CB8AC3E}">
+        <p14:creationId xmlns:p14="http://schemas.microsoft.com/office/powerpoint/2010/main" val="663531288"/>
+      </p:ext>
+    </p:extLst>
+  </p:cSld>
+  <p:clrMapOvr>
+    <a:masterClrMapping/>
+  </p:clrMapOvr>
+</p:sld>
+</file>
+
+<file path=ppt/slides/slide5.xml><?xml version="1.0" encoding="utf-8"?>
+<p:sld xmlns:a="http://schemas.openxmlformats.org/drawingml/2006/main" xmlns:r="http://schemas.openxmlformats.org/officeDocument/2006/relationships" xmlns:p="http://schemas.openxmlformats.org/presentationml/2006/main">
+  <p:cSld>
+    <p:spTree>
+      <p:nvGrpSpPr>
+        <p:cNvPr id="1" name=""/>
+        <p:cNvGrpSpPr/>
+        <p:nvPr/>
+      </p:nvGrpSpPr>
+      <p:grpSpPr>
+        <a:xfrm>
+          <a:off x="0" y="0"/>
+          <a:ext cx="0" cy="0"/>
+          <a:chOff x="0" y="0"/>
+          <a:chExt cx="0" cy="0"/>
+        </a:xfrm>
+      </p:grpSpPr>
+      <p:sp>
+        <p:nvSpPr>
+          <p:cNvPr id="4" name="Rounded Rectangle 3"/>
+          <p:cNvSpPr/>
+          <p:nvPr/>
+        </p:nvSpPr>
+        <p:spPr>
+          <a:xfrm>
+            <a:off x="406400" y="1397000"/>
+            <a:ext cx="1625600" cy="5080000"/>
+          </a:xfrm>
+          <a:prstGeom prst="roundRect">
+            <a:avLst/>
+          </a:prstGeom>
+          <a:solidFill>
+            <a:schemeClr val="bg1">
+              <a:lumMod val="95000"/>
+            </a:schemeClr>
+          </a:solidFill>
+          <a:ln>
+            <a:noFill/>
+          </a:ln>
+          <a:effectLst/>
+        </p:spPr>
+        <p:style>
+          <a:lnRef idx="1">
+            <a:schemeClr val="accent1"/>
+          </a:lnRef>
+          <a:fillRef idx="2">
+            <a:schemeClr val="accent1"/>
+          </a:fillRef>
+          <a:effectRef idx="1">
+            <a:schemeClr val="accent1"/>
+          </a:effectRef>
+          <a:fontRef idx="minor">
+            <a:schemeClr val="dk1"/>
+          </a:fontRef>
+        </p:style>
+        <p:txBody>
+          <a:bodyPr rtlCol="0" anchor="ctr"/>
+          <a:lstStyle/>
+          <a:p>
+            <a:pPr algn="ctr"/>
+            <a:endParaRPr lang="en-US" sz="2400" dirty="0"/>
+          </a:p>
+        </p:txBody>
+      </p:sp>
+      <p:sp>
+        <p:nvSpPr>
+          <p:cNvPr id="2" name="Title 1"/>
+          <p:cNvSpPr>
+            <a:spLocks noGrp="1"/>
+          </p:cNvSpPr>
+          <p:nvPr>
+            <p:ph type="title"/>
+          </p:nvPr>
+        </p:nvSpPr>
+        <p:spPr>
+          <a:xfrm>
+            <a:off x="838200" y="1231900"/>
+            <a:ext cx="10515600" cy="1325563"/>
+          </a:xfrm>
+        </p:spPr>
+        <p:txBody>
+          <a:bodyPr/>
+          <a:lstStyle/>
+          <a:p>
+            <a:r>
+              <a:rPr lang="en-US" dirty="0"/>
+              <a:t>Python Math functions</a:t>
+            </a:r>
+          </a:p>
+        </p:txBody>
+      </p:sp>
+      <p:sp>
+        <p:nvSpPr>
+          <p:cNvPr id="3" name="Content Placeholder 2"/>
+          <p:cNvSpPr>
+            <a:spLocks noGrp="1"/>
+          </p:cNvSpPr>
+          <p:nvPr>
+            <p:ph idx="1"/>
+          </p:nvPr>
+        </p:nvSpPr>
+        <p:spPr>
+          <a:xfrm>
+            <a:off x="609600" y="2466976"/>
+            <a:ext cx="10972800" cy="4334157"/>
+          </a:xfrm>
+        </p:spPr>
+        <p:txBody>
+          <a:bodyPr>
+            <a:normAutofit/>
+          </a:bodyPr>
+          <a:lstStyle/>
+          <a:p>
+            <a:pPr marL="0" indent="0">
+              <a:buNone/>
+              <a:tabLst>
+                <a:tab pos="1828754" algn="l"/>
+                <a:tab pos="6095848" algn="l"/>
+                <a:tab pos="8838979" algn="l"/>
+              </a:tabLst>
+            </a:pPr>
+            <a:r>
+              <a:rPr lang="en-US" sz="2933" b="1" dirty="0">
+                <a:solidFill>
+                  <a:schemeClr val="accent1"/>
+                </a:solidFill>
+              </a:rPr>
+              <a:t>Symbol	Function	Example	Result</a:t>
+            </a:r>
+            <a:endParaRPr lang="en-US" b="1" dirty="0">
+              <a:solidFill>
+                <a:schemeClr val="accent1"/>
+              </a:solidFill>
+            </a:endParaRPr>
+          </a:p>
+          <a:p>
+            <a:pPr marL="0" indent="0">
+              <a:buNone/>
+              <a:tabLst>
+                <a:tab pos="1828754" algn="l"/>
+                <a:tab pos="6095848" algn="l"/>
+                <a:tab pos="8838979" algn="l"/>
+              </a:tabLst>
+            </a:pPr>
+            <a:r>
+              <a:rPr lang="en-US" b="1" dirty="0"/>
+              <a:t>+</a:t>
+            </a:r>
+            <a:r>
+              <a:rPr lang="en-US" dirty="0"/>
+              <a:t>	addition	5 + 3	8</a:t>
+            </a:r>
+          </a:p>
+          <a:p>
+            <a:pPr marL="0" indent="0">
+              <a:buNone/>
+              <a:tabLst>
+                <a:tab pos="1828754" algn="l"/>
+                <a:tab pos="6095848" algn="l"/>
+                <a:tab pos="8838979" algn="l"/>
+              </a:tabLst>
+            </a:pPr>
+            <a:r>
+              <a:rPr lang="en-US" b="1" dirty="0"/>
+              <a:t>–</a:t>
+            </a:r>
+            <a:r>
+              <a:rPr lang="en-US" dirty="0"/>
+              <a:t> 	subtraction	10 – 6	4</a:t>
+            </a:r>
+          </a:p>
+          <a:p>
+            <a:pPr marL="0" indent="0">
+              <a:buNone/>
+              <a:tabLst>
+                <a:tab pos="1828754" algn="l"/>
+                <a:tab pos="6095848" algn="l"/>
+                <a:tab pos="8838979" algn="l"/>
+              </a:tabLst>
+            </a:pPr>
+            <a:r>
+              <a:rPr lang="en-US" b="1" dirty="0"/>
+              <a:t>*</a:t>
+            </a:r>
+            <a:r>
+              <a:rPr lang="en-US" dirty="0"/>
+              <a:t>	multiplication	3 * 7	21</a:t>
+            </a:r>
+          </a:p>
+          <a:p>
+            <a:pPr marL="0" indent="0">
+              <a:buNone/>
+              <a:tabLst>
+                <a:tab pos="1828754" algn="l"/>
+                <a:tab pos="6095848" algn="l"/>
+                <a:tab pos="8838979" algn="l"/>
+              </a:tabLst>
+            </a:pPr>
+            <a:r>
+              <a:rPr lang="en-US" b="1" dirty="0"/>
+              <a:t>//</a:t>
+            </a:r>
+            <a:r>
+              <a:rPr lang="en-US" dirty="0"/>
+              <a:t>	integer division	15 // 6	2</a:t>
+            </a:r>
+          </a:p>
+          <a:p>
+            <a:pPr marL="0" indent="0">
+              <a:buNone/>
+              <a:tabLst>
+                <a:tab pos="1828754" algn="l"/>
+                <a:tab pos="6095848" algn="l"/>
+                <a:tab pos="8838979" algn="l"/>
+              </a:tabLst>
+            </a:pPr>
+            <a:r>
+              <a:rPr lang="en-US" b="1" dirty="0"/>
+              <a:t>/</a:t>
+            </a:r>
+            <a:r>
+              <a:rPr lang="en-US" dirty="0"/>
+              <a:t>	float division	15 / 6	2.5</a:t>
+            </a:r>
+          </a:p>
+          <a:p>
+            <a:pPr marL="0" indent="0">
+              <a:buNone/>
+              <a:tabLst>
+                <a:tab pos="1828754" algn="l"/>
+                <a:tab pos="6095848" algn="l"/>
+                <a:tab pos="8838979" algn="l"/>
+              </a:tabLst>
+            </a:pPr>
+            <a:r>
+              <a:rPr lang="en-US" b="1" dirty="0"/>
+              <a:t>**</a:t>
+            </a:r>
+            <a:r>
+              <a:rPr lang="en-US" dirty="0"/>
+              <a:t>	power	7 ** 2	49</a:t>
+            </a:r>
+          </a:p>
+        </p:txBody>
+      </p:sp>
+      <p:sp>
+        <p:nvSpPr>
+          <p:cNvPr id="5" name="Title 1">
+            <a:extLst>
+              <a:ext uri="{FF2B5EF4-FFF2-40B4-BE49-F238E27FC236}">
+                <a16:creationId xmlns:a16="http://schemas.microsoft.com/office/drawing/2014/main" id="{3E9D41AE-EA38-45ED-A462-75C2354A748D}"/>
+              </a:ext>
+            </a:extLst>
+          </p:cNvPr>
+          <p:cNvSpPr txBox="1">
+            <a:spLocks/>
+          </p:cNvSpPr>
+          <p:nvPr/>
+        </p:nvSpPr>
+        <p:spPr>
+          <a:xfrm>
+            <a:off x="317928" y="56867"/>
+            <a:ext cx="10972800" cy="1016000"/>
+          </a:xfrm>
+          <a:prstGeom prst="rect">
+            <a:avLst/>
+          </a:prstGeom>
+        </p:spPr>
+        <p:txBody>
+          <a:bodyPr vert="horz" lIns="91440" tIns="45720" rIns="91440" bIns="45720" rtlCol="0" anchor="ctr">
+            <a:normAutofit/>
+          </a:bodyPr>
+          <a:lstStyle>
+            <a:lvl1pPr algn="l" defTabSz="914400" rtl="0" eaLnBrk="1" latinLnBrk="0" hangingPunct="1">
+              <a:lnSpc>
+                <a:spcPct val="90000"/>
+              </a:lnSpc>
+              <a:spcBef>
+                <a:spcPct val="0"/>
+              </a:spcBef>
+              <a:buNone/>
+              <a:defRPr sz="4400" kern="1200">
+                <a:solidFill>
+                  <a:schemeClr val="tx1"/>
+                </a:solidFill>
+                <a:latin typeface="+mj-lt"/>
+                <a:ea typeface="+mj-ea"/>
+                <a:cs typeface="+mj-cs"/>
+              </a:defRPr>
+            </a:lvl1pPr>
+          </a:lstStyle>
+          <a:p>
+            <a:pPr algn="ctr"/>
+            <a:r>
+              <a:rPr lang="en-US" sz="6000" dirty="0">
+                <a:solidFill>
+                  <a:schemeClr val="accent5">
+                    <a:lumMod val="75000"/>
+                  </a:schemeClr>
+                </a:solidFill>
+              </a:rPr>
+              <a:t>Python Math functions</a:t>
+            </a:r>
+          </a:p>
+        </p:txBody>
+      </p:sp>
+    </p:spTree>
+    <p:extLst>
+      <p:ext uri="{BB962C8B-B14F-4D97-AF65-F5344CB8AC3E}">
+        <p14:creationId xmlns:p14="http://schemas.microsoft.com/office/powerpoint/2010/main" val="2128176260"/>
+      </p:ext>
+    </p:extLst>
+  </p:cSld>
+  <p:clrMapOvr>
+    <a:masterClrMapping/>
+  </p:clrMapOvr>
+</p:sld>
+</file>
+
+<file path=ppt/slides/slide6.xml><?xml version="1.0" encoding="utf-8"?>
+<p:sld xmlns:a="http://schemas.openxmlformats.org/drawingml/2006/main" xmlns:r="http://schemas.openxmlformats.org/officeDocument/2006/relationships" xmlns:p="http://schemas.openxmlformats.org/presentationml/2006/main">
+  <p:cSld>
+    <p:spTree>
+      <p:nvGrpSpPr>
+        <p:cNvPr id="1" name=""/>
+        <p:cNvGrpSpPr/>
+        <p:nvPr/>
+      </p:nvGrpSpPr>
+      <p:grpSpPr>
+        <a:xfrm>
+          <a:off x="0" y="0"/>
+          <a:ext cx="0" cy="0"/>
+          <a:chOff x="0" y="0"/>
+          <a:chExt cx="0" cy="0"/>
+        </a:xfrm>
+      </p:grpSpPr>
+      <p:sp>
+        <p:nvSpPr>
+          <p:cNvPr id="3" name="Content Placeholder 2"/>
+          <p:cNvSpPr>
+            <a:spLocks noGrp="1"/>
+          </p:cNvSpPr>
+          <p:nvPr>
+            <p:ph idx="1"/>
+          </p:nvPr>
+        </p:nvSpPr>
+        <p:spPr>
+          <a:xfrm>
+            <a:off x="609600" y="1592900"/>
+            <a:ext cx="3251200" cy="4439601"/>
+          </a:xfrm>
+          <a:solidFill>
+            <a:schemeClr val="bg1">
+              <a:lumMod val="95000"/>
+            </a:schemeClr>
+          </a:solidFill>
+        </p:spPr>
+        <p:txBody>
+          <a:bodyPr>
+            <a:normAutofit fontScale="92500" lnSpcReduction="10000"/>
+          </a:bodyPr>
+          <a:lstStyle/>
+          <a:p>
+            <a:pPr marL="0" indent="0">
+              <a:buNone/>
+            </a:pPr>
+            <a:r>
+              <a:rPr lang="en-US" sz="5200" b="1" dirty="0">
+                <a:solidFill>
+                  <a:srgbClr val="0070C0"/>
+                </a:solidFill>
+              </a:rPr>
+              <a:t>Order of Operations</a:t>
+            </a:r>
+          </a:p>
+          <a:p>
+            <a:pPr marL="0" indent="0">
+              <a:buNone/>
+            </a:pPr>
+            <a:r>
+              <a:rPr lang="en-US" sz="3733" dirty="0"/>
+              <a:t>1. ( )</a:t>
+            </a:r>
+          </a:p>
+          <a:p>
+            <a:pPr marL="0" indent="0">
+              <a:buNone/>
+            </a:pPr>
+            <a:r>
+              <a:rPr lang="en-US" sz="3733" dirty="0"/>
+              <a:t>2. **</a:t>
+            </a:r>
+          </a:p>
+          <a:p>
+            <a:pPr marL="0" indent="0">
+              <a:buNone/>
+            </a:pPr>
+            <a:r>
+              <a:rPr lang="en-US" sz="3733" dirty="0"/>
+              <a:t>3. *  /   //   %</a:t>
+            </a:r>
+          </a:p>
+          <a:p>
+            <a:pPr marL="0" indent="0">
+              <a:buNone/>
+            </a:pPr>
+            <a:r>
+              <a:rPr lang="en-US" sz="3733" dirty="0"/>
+              <a:t>4. + –</a:t>
+            </a:r>
+          </a:p>
+          <a:p>
+            <a:pPr marL="0" indent="0">
+              <a:buNone/>
+            </a:pPr>
+            <a:r>
+              <a:rPr lang="en-US" sz="3733" dirty="0"/>
+              <a:t>5. left to right</a:t>
+            </a:r>
+          </a:p>
+        </p:txBody>
+      </p:sp>
+      <p:grpSp>
+        <p:nvGrpSpPr>
+          <p:cNvPr id="30" name="Group 29"/>
+          <p:cNvGrpSpPr/>
+          <p:nvPr/>
+        </p:nvGrpSpPr>
+        <p:grpSpPr>
+          <a:xfrm>
+            <a:off x="4267200" y="827727"/>
+            <a:ext cx="7823200" cy="765172"/>
+            <a:chOff x="3276600" y="1007271"/>
+            <a:chExt cx="5867400" cy="573879"/>
+          </a:xfrm>
+        </p:grpSpPr>
+        <p:sp>
+          <p:nvSpPr>
+            <p:cNvPr id="4" name="Content Placeholder 2"/>
+            <p:cNvSpPr txBox="1">
+              <a:spLocks/>
+            </p:cNvSpPr>
+            <p:nvPr/>
+          </p:nvSpPr>
+          <p:spPr>
+            <a:xfrm>
+              <a:off x="4876800" y="1007271"/>
+              <a:ext cx="4267200" cy="573879"/>
+            </a:xfrm>
+            <a:prstGeom prst="rect">
+              <a:avLst/>
+            </a:prstGeom>
+          </p:spPr>
+          <p:txBody>
+            <a:bodyPr vert="horz" lIns="121920" tIns="60960" rIns="121920" bIns="60960" rtlCol="0">
+              <a:normAutofit/>
+            </a:bodyPr>
+            <a:lstStyle>
+              <a:lvl1pPr marL="342900" indent="-342900" algn="l" defTabSz="914400" rtl="0" eaLnBrk="1" latinLnBrk="0" hangingPunct="1">
+                <a:spcBef>
+                  <a:spcPct val="20000"/>
+                </a:spcBef>
+                <a:buFont typeface="Arial" pitchFamily="34" charset="0"/>
+                <a:buChar char="•"/>
+                <a:defRPr sz="3200" kern="1200">
+                  <a:solidFill>
+                    <a:schemeClr val="tx1"/>
+                  </a:solidFill>
+                  <a:latin typeface="+mn-lt"/>
+                  <a:ea typeface="+mn-ea"/>
+                  <a:cs typeface="+mn-cs"/>
+                </a:defRPr>
+              </a:lvl1pPr>
+              <a:lvl2pPr marL="742950" indent="-285750" algn="l" defTabSz="914400" rtl="0" eaLnBrk="1" latinLnBrk="0" hangingPunct="1">
+                <a:spcBef>
+                  <a:spcPct val="20000"/>
+                </a:spcBef>
+                <a:buFont typeface="Arial" pitchFamily="34" charset="0"/>
+                <a:buChar char="–"/>
+                <a:defRPr sz="2800" kern="1200">
+                  <a:solidFill>
+                    <a:schemeClr val="tx1"/>
+                  </a:solidFill>
+                  <a:latin typeface="+mn-lt"/>
+                  <a:ea typeface="+mn-ea"/>
+                  <a:cs typeface="+mn-cs"/>
+                </a:defRPr>
+              </a:lvl2pPr>
+              <a:lvl3pPr marL="1143000" indent="-228600" algn="l" defTabSz="914400" rtl="0" eaLnBrk="1" latinLnBrk="0" hangingPunct="1">
+                <a:spcBef>
+                  <a:spcPct val="20000"/>
+                </a:spcBef>
+                <a:buFont typeface="Arial" pitchFamily="34" charset="0"/>
+                <a:buChar char="•"/>
+                <a:defRPr sz="2400" kern="1200">
+                  <a:solidFill>
+                    <a:schemeClr val="tx1"/>
+                  </a:solidFill>
+                  <a:latin typeface="+mn-lt"/>
+                  <a:ea typeface="+mn-ea"/>
+                  <a:cs typeface="+mn-cs"/>
+                </a:defRPr>
+              </a:lvl3pPr>
+              <a:lvl4pPr marL="1600200" indent="-228600" algn="l" defTabSz="914400" rtl="0" eaLnBrk="1" latinLnBrk="0" hangingPunct="1">
+                <a:spcBef>
+                  <a:spcPct val="20000"/>
+                </a:spcBef>
+                <a:buFont typeface="Arial" pitchFamily="34" charset="0"/>
+                <a:buChar char="–"/>
+                <a:defRPr sz="2000" kern="1200">
+                  <a:solidFill>
+                    <a:schemeClr val="tx1"/>
+                  </a:solidFill>
+                  <a:latin typeface="+mn-lt"/>
+                  <a:ea typeface="+mn-ea"/>
+                  <a:cs typeface="+mn-cs"/>
+                </a:defRPr>
+              </a:lvl4pPr>
+              <a:lvl5pPr marL="2057400" indent="-228600" algn="l" defTabSz="914400" rtl="0" eaLnBrk="1" latinLnBrk="0" hangingPunct="1">
+                <a:spcBef>
+                  <a:spcPct val="20000"/>
+                </a:spcBef>
+                <a:buFont typeface="Arial" pitchFamily="34" charset="0"/>
+                <a:buChar char="»"/>
+                <a:defRPr sz="2000" kern="1200">
+                  <a:solidFill>
+                    <a:schemeClr val="tx1"/>
+                  </a:solidFill>
+                  <a:latin typeface="+mn-lt"/>
+                  <a:ea typeface="+mn-ea"/>
+                  <a:cs typeface="+mn-cs"/>
+                </a:defRPr>
+              </a:lvl5pPr>
+              <a:lvl6pPr marL="2514600" indent="-228600" algn="l" defTabSz="914400" rtl="0" eaLnBrk="1" latinLnBrk="0" hangingPunct="1">
+                <a:spcBef>
+                  <a:spcPct val="20000"/>
+                </a:spcBef>
+                <a:buFont typeface="Arial" pitchFamily="34" charset="0"/>
+                <a:buChar char="•"/>
+                <a:defRPr sz="2000" kern="1200">
+                  <a:solidFill>
+                    <a:schemeClr val="tx1"/>
+                  </a:solidFill>
+                  <a:latin typeface="+mn-lt"/>
+                  <a:ea typeface="+mn-ea"/>
+                  <a:cs typeface="+mn-cs"/>
+                </a:defRPr>
+              </a:lvl6pPr>
+              <a:lvl7pPr marL="2971800" indent="-228600" algn="l" defTabSz="914400" rtl="0" eaLnBrk="1" latinLnBrk="0" hangingPunct="1">
+                <a:spcBef>
+                  <a:spcPct val="20000"/>
+                </a:spcBef>
+                <a:buFont typeface="Arial" pitchFamily="34" charset="0"/>
+                <a:buChar char="•"/>
+                <a:defRPr sz="2000" kern="1200">
+                  <a:solidFill>
+                    <a:schemeClr val="tx1"/>
+                  </a:solidFill>
+                  <a:latin typeface="+mn-lt"/>
+                  <a:ea typeface="+mn-ea"/>
+                  <a:cs typeface="+mn-cs"/>
+                </a:defRPr>
+              </a:lvl7pPr>
+              <a:lvl8pPr marL="3429000" indent="-228600" algn="l" defTabSz="914400" rtl="0" eaLnBrk="1" latinLnBrk="0" hangingPunct="1">
+                <a:spcBef>
+                  <a:spcPct val="20000"/>
+                </a:spcBef>
+                <a:buFont typeface="Arial" pitchFamily="34" charset="0"/>
+                <a:buChar char="•"/>
+                <a:defRPr sz="2000" kern="1200">
+                  <a:solidFill>
+                    <a:schemeClr val="tx1"/>
+                  </a:solidFill>
+                  <a:latin typeface="+mn-lt"/>
+                  <a:ea typeface="+mn-ea"/>
+                  <a:cs typeface="+mn-cs"/>
+                </a:defRPr>
+              </a:lvl8pPr>
+              <a:lvl9pPr marL="3886200" indent="-228600" algn="l" defTabSz="914400" rtl="0" eaLnBrk="1" latinLnBrk="0" hangingPunct="1">
+                <a:spcBef>
+                  <a:spcPct val="20000"/>
+                </a:spcBef>
+                <a:buFont typeface="Arial" pitchFamily="34" charset="0"/>
+                <a:buChar char="•"/>
+                <a:defRPr sz="2000" kern="1200">
+                  <a:solidFill>
+                    <a:schemeClr val="tx1"/>
+                  </a:solidFill>
+                  <a:latin typeface="+mn-lt"/>
+                  <a:ea typeface="+mn-ea"/>
+                  <a:cs typeface="+mn-cs"/>
+                </a:defRPr>
+              </a:lvl9pPr>
+            </a:lstStyle>
+            <a:p>
+              <a:pPr marL="0" indent="0">
+                <a:buNone/>
+              </a:pPr>
+              <a:r>
+                <a:rPr lang="en-US" sz="3733" dirty="0"/>
+                <a:t>x = 1 + 5 ** (3 // 2) – 6 % 4</a:t>
+              </a:r>
+            </a:p>
+          </p:txBody>
+        </p:sp>
+        <p:sp>
+          <p:nvSpPr>
+            <p:cNvPr id="5" name="Content Placeholder 2"/>
+            <p:cNvSpPr txBox="1">
+              <a:spLocks/>
+            </p:cNvSpPr>
+            <p:nvPr/>
+          </p:nvSpPr>
+          <p:spPr>
+            <a:xfrm>
+              <a:off x="3276600" y="1047750"/>
+              <a:ext cx="1421606" cy="533400"/>
+            </a:xfrm>
+            <a:prstGeom prst="rect">
+              <a:avLst/>
+            </a:prstGeom>
+          </p:spPr>
+          <p:txBody>
+            <a:bodyPr vert="horz" lIns="121920" tIns="60960" rIns="121920" bIns="60960" rtlCol="0">
+              <a:normAutofit/>
+            </a:bodyPr>
+            <a:lstStyle>
+              <a:lvl1pPr marL="342900" indent="-342900" algn="l" defTabSz="914400" rtl="0" eaLnBrk="1" latinLnBrk="0" hangingPunct="1">
+                <a:spcBef>
+                  <a:spcPct val="20000"/>
+                </a:spcBef>
+                <a:buFont typeface="Arial" pitchFamily="34" charset="0"/>
+                <a:buChar char="•"/>
+                <a:defRPr sz="3200" kern="1200">
+                  <a:solidFill>
+                    <a:schemeClr val="tx1"/>
+                  </a:solidFill>
+                  <a:latin typeface="+mn-lt"/>
+                  <a:ea typeface="+mn-ea"/>
+                  <a:cs typeface="+mn-cs"/>
+                </a:defRPr>
+              </a:lvl1pPr>
+              <a:lvl2pPr marL="742950" indent="-285750" algn="l" defTabSz="914400" rtl="0" eaLnBrk="1" latinLnBrk="0" hangingPunct="1">
+                <a:spcBef>
+                  <a:spcPct val="20000"/>
+                </a:spcBef>
+                <a:buFont typeface="Arial" pitchFamily="34" charset="0"/>
+                <a:buChar char="–"/>
+                <a:defRPr sz="2800" kern="1200">
+                  <a:solidFill>
+                    <a:schemeClr val="tx1"/>
+                  </a:solidFill>
+                  <a:latin typeface="+mn-lt"/>
+                  <a:ea typeface="+mn-ea"/>
+                  <a:cs typeface="+mn-cs"/>
+                </a:defRPr>
+              </a:lvl2pPr>
+              <a:lvl3pPr marL="1143000" indent="-228600" algn="l" defTabSz="914400" rtl="0" eaLnBrk="1" latinLnBrk="0" hangingPunct="1">
+                <a:spcBef>
+                  <a:spcPct val="20000"/>
+                </a:spcBef>
+                <a:buFont typeface="Arial" pitchFamily="34" charset="0"/>
+                <a:buChar char="•"/>
+                <a:defRPr sz="2400" kern="1200">
+                  <a:solidFill>
+                    <a:schemeClr val="tx1"/>
+                  </a:solidFill>
+                  <a:latin typeface="+mn-lt"/>
+                  <a:ea typeface="+mn-ea"/>
+                  <a:cs typeface="+mn-cs"/>
+                </a:defRPr>
+              </a:lvl3pPr>
+              <a:lvl4pPr marL="1600200" indent="-228600" algn="l" defTabSz="914400" rtl="0" eaLnBrk="1" latinLnBrk="0" hangingPunct="1">
+                <a:spcBef>
+                  <a:spcPct val="20000"/>
+                </a:spcBef>
+                <a:buFont typeface="Arial" pitchFamily="34" charset="0"/>
+                <a:buChar char="–"/>
+                <a:defRPr sz="2000" kern="1200">
+                  <a:solidFill>
+                    <a:schemeClr val="tx1"/>
+                  </a:solidFill>
+                  <a:latin typeface="+mn-lt"/>
+                  <a:ea typeface="+mn-ea"/>
+                  <a:cs typeface="+mn-cs"/>
+                </a:defRPr>
+              </a:lvl4pPr>
+              <a:lvl5pPr marL="2057400" indent="-228600" algn="l" defTabSz="914400" rtl="0" eaLnBrk="1" latinLnBrk="0" hangingPunct="1">
+                <a:spcBef>
+                  <a:spcPct val="20000"/>
+                </a:spcBef>
+                <a:buFont typeface="Arial" pitchFamily="34" charset="0"/>
+                <a:buChar char="»"/>
+                <a:defRPr sz="2000" kern="1200">
+                  <a:solidFill>
+                    <a:schemeClr val="tx1"/>
+                  </a:solidFill>
+                  <a:latin typeface="+mn-lt"/>
+                  <a:ea typeface="+mn-ea"/>
+                  <a:cs typeface="+mn-cs"/>
+                </a:defRPr>
+              </a:lvl5pPr>
+              <a:lvl6pPr marL="2514600" indent="-228600" algn="l" defTabSz="914400" rtl="0" eaLnBrk="1" latinLnBrk="0" hangingPunct="1">
+                <a:spcBef>
+                  <a:spcPct val="20000"/>
+                </a:spcBef>
+                <a:buFont typeface="Arial" pitchFamily="34" charset="0"/>
+                <a:buChar char="•"/>
+                <a:defRPr sz="2000" kern="1200">
+                  <a:solidFill>
+                    <a:schemeClr val="tx1"/>
+                  </a:solidFill>
+                  <a:latin typeface="+mn-lt"/>
+                  <a:ea typeface="+mn-ea"/>
+                  <a:cs typeface="+mn-cs"/>
+                </a:defRPr>
+              </a:lvl6pPr>
+              <a:lvl7pPr marL="2971800" indent="-228600" algn="l" defTabSz="914400" rtl="0" eaLnBrk="1" latinLnBrk="0" hangingPunct="1">
+                <a:spcBef>
+                  <a:spcPct val="20000"/>
+                </a:spcBef>
+                <a:buFont typeface="Arial" pitchFamily="34" charset="0"/>
+                <a:buChar char="•"/>
+                <a:defRPr sz="2000" kern="1200">
+                  <a:solidFill>
+                    <a:schemeClr val="tx1"/>
+                  </a:solidFill>
+                  <a:latin typeface="+mn-lt"/>
+                  <a:ea typeface="+mn-ea"/>
+                  <a:cs typeface="+mn-cs"/>
+                </a:defRPr>
+              </a:lvl7pPr>
+              <a:lvl8pPr marL="3429000" indent="-228600" algn="l" defTabSz="914400" rtl="0" eaLnBrk="1" latinLnBrk="0" hangingPunct="1">
+                <a:spcBef>
+                  <a:spcPct val="20000"/>
+                </a:spcBef>
+                <a:buFont typeface="Arial" pitchFamily="34" charset="0"/>
+                <a:buChar char="•"/>
+                <a:defRPr sz="2000" kern="1200">
+                  <a:solidFill>
+                    <a:schemeClr val="tx1"/>
+                  </a:solidFill>
+                  <a:latin typeface="+mn-lt"/>
+                  <a:ea typeface="+mn-ea"/>
+                  <a:cs typeface="+mn-cs"/>
+                </a:defRPr>
+              </a:lvl8pPr>
+              <a:lvl9pPr marL="3886200" indent="-228600" algn="l" defTabSz="914400" rtl="0" eaLnBrk="1" latinLnBrk="0" hangingPunct="1">
+                <a:spcBef>
+                  <a:spcPct val="20000"/>
+                </a:spcBef>
+                <a:buFont typeface="Arial" pitchFamily="34" charset="0"/>
+                <a:buChar char="•"/>
+                <a:defRPr sz="2000" kern="1200">
+                  <a:solidFill>
+                    <a:schemeClr val="tx1"/>
+                  </a:solidFill>
+                  <a:latin typeface="+mn-lt"/>
+                  <a:ea typeface="+mn-ea"/>
+                  <a:cs typeface="+mn-cs"/>
+                </a:defRPr>
+              </a:lvl9pPr>
+            </a:lstStyle>
+            <a:p>
+              <a:pPr marL="0" indent="0">
+                <a:buNone/>
+              </a:pPr>
+              <a:r>
+                <a:rPr lang="en-US" b="1" dirty="0">
+                  <a:solidFill>
+                    <a:srgbClr val="0070C0"/>
+                  </a:solidFill>
+                </a:rPr>
+                <a:t>Example:</a:t>
+              </a:r>
+              <a:endParaRPr lang="en-US" sz="3733" dirty="0">
+                <a:solidFill>
+                  <a:srgbClr val="0070C0"/>
+                </a:solidFill>
+              </a:endParaRPr>
+            </a:p>
+          </p:txBody>
+        </p:sp>
+      </p:grpSp>
+      <p:grpSp>
+        <p:nvGrpSpPr>
+          <p:cNvPr id="31" name="Group 30"/>
+          <p:cNvGrpSpPr/>
+          <p:nvPr/>
+        </p:nvGrpSpPr>
+        <p:grpSpPr>
+          <a:xfrm>
+            <a:off x="6400800" y="546101"/>
+            <a:ext cx="5689600" cy="1961199"/>
+            <a:chOff x="4876800" y="796051"/>
+            <a:chExt cx="4267200" cy="1470899"/>
+          </a:xfrm>
+        </p:grpSpPr>
+        <p:sp>
+          <p:nvSpPr>
+            <p:cNvPr id="8" name="Content Placeholder 2"/>
+            <p:cNvSpPr txBox="1">
+              <a:spLocks/>
+            </p:cNvSpPr>
+            <p:nvPr/>
+          </p:nvSpPr>
+          <p:spPr>
+            <a:xfrm>
+              <a:off x="4876800" y="1693071"/>
+              <a:ext cx="4267200" cy="573879"/>
+            </a:xfrm>
+            <a:prstGeom prst="rect">
+              <a:avLst/>
+            </a:prstGeom>
+          </p:spPr>
+          <p:txBody>
+            <a:bodyPr vert="horz" lIns="121920" tIns="60960" rIns="121920" bIns="60960" rtlCol="0">
+              <a:normAutofit/>
+            </a:bodyPr>
+            <a:lstStyle>
+              <a:lvl1pPr marL="342900" indent="-342900" algn="l" defTabSz="914400" rtl="0" eaLnBrk="1" latinLnBrk="0" hangingPunct="1">
+                <a:spcBef>
+                  <a:spcPct val="20000"/>
+                </a:spcBef>
+                <a:buFont typeface="Arial" pitchFamily="34" charset="0"/>
+                <a:buChar char="•"/>
+                <a:defRPr sz="3200" kern="1200">
+                  <a:solidFill>
+                    <a:schemeClr val="tx1"/>
+                  </a:solidFill>
+                  <a:latin typeface="+mn-lt"/>
+                  <a:ea typeface="+mn-ea"/>
+                  <a:cs typeface="+mn-cs"/>
+                </a:defRPr>
+              </a:lvl1pPr>
+              <a:lvl2pPr marL="742950" indent="-285750" algn="l" defTabSz="914400" rtl="0" eaLnBrk="1" latinLnBrk="0" hangingPunct="1">
+                <a:spcBef>
+                  <a:spcPct val="20000"/>
+                </a:spcBef>
+                <a:buFont typeface="Arial" pitchFamily="34" charset="0"/>
+                <a:buChar char="–"/>
+                <a:defRPr sz="2800" kern="1200">
+                  <a:solidFill>
+                    <a:schemeClr val="tx1"/>
+                  </a:solidFill>
+                  <a:latin typeface="+mn-lt"/>
+                  <a:ea typeface="+mn-ea"/>
+                  <a:cs typeface="+mn-cs"/>
+                </a:defRPr>
+              </a:lvl2pPr>
+              <a:lvl3pPr marL="1143000" indent="-228600" algn="l" defTabSz="914400" rtl="0" eaLnBrk="1" latinLnBrk="0" hangingPunct="1">
+                <a:spcBef>
+                  <a:spcPct val="20000"/>
+                </a:spcBef>
+                <a:buFont typeface="Arial" pitchFamily="34" charset="0"/>
+                <a:buChar char="•"/>
+                <a:defRPr sz="2400" kern="1200">
+                  <a:solidFill>
+                    <a:schemeClr val="tx1"/>
+                  </a:solidFill>
+                  <a:latin typeface="+mn-lt"/>
+                  <a:ea typeface="+mn-ea"/>
+                  <a:cs typeface="+mn-cs"/>
+                </a:defRPr>
+              </a:lvl3pPr>
+              <a:lvl4pPr marL="1600200" indent="-228600" algn="l" defTabSz="914400" rtl="0" eaLnBrk="1" latinLnBrk="0" hangingPunct="1">
+                <a:spcBef>
+                  <a:spcPct val="20000"/>
+                </a:spcBef>
+                <a:buFont typeface="Arial" pitchFamily="34" charset="0"/>
+                <a:buChar char="–"/>
+                <a:defRPr sz="2000" kern="1200">
+                  <a:solidFill>
+                    <a:schemeClr val="tx1"/>
+                  </a:solidFill>
+                  <a:latin typeface="+mn-lt"/>
+                  <a:ea typeface="+mn-ea"/>
+                  <a:cs typeface="+mn-cs"/>
+                </a:defRPr>
+              </a:lvl4pPr>
+              <a:lvl5pPr marL="2057400" indent="-228600" algn="l" defTabSz="914400" rtl="0" eaLnBrk="1" latinLnBrk="0" hangingPunct="1">
+                <a:spcBef>
+                  <a:spcPct val="20000"/>
+                </a:spcBef>
+                <a:buFont typeface="Arial" pitchFamily="34" charset="0"/>
+                <a:buChar char="»"/>
+                <a:defRPr sz="2000" kern="1200">
+                  <a:solidFill>
+                    <a:schemeClr val="tx1"/>
+                  </a:solidFill>
+                  <a:latin typeface="+mn-lt"/>
+                  <a:ea typeface="+mn-ea"/>
+                  <a:cs typeface="+mn-cs"/>
+                </a:defRPr>
+              </a:lvl5pPr>
+              <a:lvl6pPr marL="2514600" indent="-228600" algn="l" defTabSz="914400" rtl="0" eaLnBrk="1" latinLnBrk="0" hangingPunct="1">
+                <a:spcBef>
+                  <a:spcPct val="20000"/>
+                </a:spcBef>
+                <a:buFont typeface="Arial" pitchFamily="34" charset="0"/>
+                <a:buChar char="•"/>
+                <a:defRPr sz="2000" kern="1200">
+                  <a:solidFill>
+                    <a:schemeClr val="tx1"/>
+                  </a:solidFill>
+                  <a:latin typeface="+mn-lt"/>
+                  <a:ea typeface="+mn-ea"/>
+                  <a:cs typeface="+mn-cs"/>
+                </a:defRPr>
+              </a:lvl6pPr>
+              <a:lvl7pPr marL="2971800" indent="-228600" algn="l" defTabSz="914400" rtl="0" eaLnBrk="1" latinLnBrk="0" hangingPunct="1">
+                <a:spcBef>
+                  <a:spcPct val="20000"/>
+                </a:spcBef>
+                <a:buFont typeface="Arial" pitchFamily="34" charset="0"/>
+                <a:buChar char="•"/>
+                <a:defRPr sz="2000" kern="1200">
+                  <a:solidFill>
+                    <a:schemeClr val="tx1"/>
+                  </a:solidFill>
+                  <a:latin typeface="+mn-lt"/>
+                  <a:ea typeface="+mn-ea"/>
+                  <a:cs typeface="+mn-cs"/>
+                </a:defRPr>
+              </a:lvl7pPr>
+              <a:lvl8pPr marL="3429000" indent="-228600" algn="l" defTabSz="914400" rtl="0" eaLnBrk="1" latinLnBrk="0" hangingPunct="1">
+                <a:spcBef>
+                  <a:spcPct val="20000"/>
+                </a:spcBef>
+                <a:buFont typeface="Arial" pitchFamily="34" charset="0"/>
+                <a:buChar char="•"/>
+                <a:defRPr sz="2000" kern="1200">
+                  <a:solidFill>
+                    <a:schemeClr val="tx1"/>
+                  </a:solidFill>
+                  <a:latin typeface="+mn-lt"/>
+                  <a:ea typeface="+mn-ea"/>
+                  <a:cs typeface="+mn-cs"/>
+                </a:defRPr>
+              </a:lvl8pPr>
+              <a:lvl9pPr marL="3886200" indent="-228600" algn="l" defTabSz="914400" rtl="0" eaLnBrk="1" latinLnBrk="0" hangingPunct="1">
+                <a:spcBef>
+                  <a:spcPct val="20000"/>
+                </a:spcBef>
+                <a:buFont typeface="Arial" pitchFamily="34" charset="0"/>
+                <a:buChar char="•"/>
+                <a:defRPr sz="2000" kern="1200">
+                  <a:solidFill>
+                    <a:schemeClr val="tx1"/>
+                  </a:solidFill>
+                  <a:latin typeface="+mn-lt"/>
+                  <a:ea typeface="+mn-ea"/>
+                  <a:cs typeface="+mn-cs"/>
+                </a:defRPr>
+              </a:lvl9pPr>
+            </a:lstStyle>
+            <a:p>
+              <a:pPr marL="0" indent="0">
+                <a:buNone/>
+              </a:pPr>
+              <a:r>
+                <a:rPr lang="en-US" sz="3733" dirty="0">
+                  <a:solidFill>
+                    <a:schemeClr val="tx1">
+                      <a:lumMod val="50000"/>
+                      <a:lumOff val="50000"/>
+                    </a:schemeClr>
+                  </a:solidFill>
+                </a:rPr>
+                <a:t>x = 1 + 5 ** (3 // 2) – 6 % 4</a:t>
+              </a:r>
+            </a:p>
+          </p:txBody>
+        </p:sp>
+        <p:sp>
+          <p:nvSpPr>
+            <p:cNvPr id="11" name="Rounded Rectangle 10"/>
+            <p:cNvSpPr/>
+            <p:nvPr/>
+          </p:nvSpPr>
+          <p:spPr>
+            <a:xfrm>
+              <a:off x="6629400" y="1693071"/>
+              <a:ext cx="1100138" cy="573879"/>
+            </a:xfrm>
+            <a:prstGeom prst="roundRect">
+              <a:avLst/>
+            </a:prstGeom>
+            <a:solidFill>
+              <a:schemeClr val="bg1">
+                <a:lumMod val="95000"/>
+                <a:alpha val="75000"/>
+              </a:schemeClr>
+            </a:solidFill>
+            <a:ln w="12700">
+              <a:solidFill>
+                <a:srgbClr val="FF0000"/>
+              </a:solidFill>
+            </a:ln>
+          </p:spPr>
+          <p:style>
+            <a:lnRef idx="2">
+              <a:schemeClr val="accent1">
+                <a:shade val="50000"/>
+              </a:schemeClr>
+            </a:lnRef>
+            <a:fillRef idx="1">
+              <a:schemeClr val="accent1"/>
+            </a:fillRef>
+            <a:effectRef idx="0">
+              <a:schemeClr val="accent1"/>
+            </a:effectRef>
+            <a:fontRef idx="minor">
+              <a:schemeClr val="lt1"/>
+            </a:fontRef>
+          </p:style>
+          <p:txBody>
+            <a:bodyPr rtlCol="0" anchor="ctr"/>
+            <a:lstStyle/>
+            <a:p>
+              <a:pPr algn="ctr"/>
+              <a:r>
+                <a:rPr lang="en-US" sz="3733" b="1" dirty="0">
+                  <a:solidFill>
+                    <a:schemeClr val="tx1">
+                      <a:lumMod val="50000"/>
+                      <a:lumOff val="50000"/>
+                    </a:schemeClr>
+                  </a:solidFill>
+                </a:rPr>
+                <a:t>1</a:t>
+              </a:r>
+            </a:p>
+          </p:txBody>
+        </p:sp>
+        <p:sp>
+          <p:nvSpPr>
+            <p:cNvPr id="16" name="TextBox 15"/>
+            <p:cNvSpPr txBox="1"/>
+            <p:nvPr/>
+          </p:nvSpPr>
+          <p:spPr>
+            <a:xfrm>
+              <a:off x="7009390" y="796051"/>
+              <a:ext cx="294792" cy="438581"/>
+            </a:xfrm>
+            <a:prstGeom prst="rect">
+              <a:avLst/>
+            </a:prstGeom>
+            <a:noFill/>
+          </p:spPr>
+          <p:txBody>
+            <a:bodyPr wrap="none" rtlCol="0">
+              <a:spAutoFit/>
+            </a:bodyPr>
+            <a:lstStyle/>
+            <a:p>
+              <a:r>
+                <a:rPr lang="en-US" sz="3200" b="1" dirty="0">
+                  <a:solidFill>
+                    <a:srgbClr val="FF0000"/>
+                  </a:solidFill>
+                </a:rPr>
+                <a:t>1</a:t>
+              </a:r>
+              <a:endParaRPr lang="en-US" sz="2400" b="1" dirty="0">
+                <a:solidFill>
+                  <a:srgbClr val="FF0000"/>
+                </a:solidFill>
+              </a:endParaRPr>
+            </a:p>
+          </p:txBody>
+        </p:sp>
+      </p:grpSp>
+      <p:grpSp>
+        <p:nvGrpSpPr>
+          <p:cNvPr id="32" name="Group 31"/>
+          <p:cNvGrpSpPr/>
+          <p:nvPr/>
+        </p:nvGrpSpPr>
+        <p:grpSpPr>
+          <a:xfrm>
+            <a:off x="6400800" y="546101"/>
+            <a:ext cx="5689600" cy="2977199"/>
+            <a:chOff x="4876800" y="796051"/>
+            <a:chExt cx="4267200" cy="2232899"/>
+          </a:xfrm>
+        </p:grpSpPr>
+        <p:sp>
+          <p:nvSpPr>
+            <p:cNvPr id="12" name="Content Placeholder 2"/>
+            <p:cNvSpPr txBox="1">
+              <a:spLocks/>
+            </p:cNvSpPr>
+            <p:nvPr/>
+          </p:nvSpPr>
+          <p:spPr>
+            <a:xfrm>
+              <a:off x="4876800" y="2455071"/>
+              <a:ext cx="4267200" cy="573879"/>
+            </a:xfrm>
+            <a:prstGeom prst="rect">
+              <a:avLst/>
+            </a:prstGeom>
+          </p:spPr>
+          <p:txBody>
+            <a:bodyPr vert="horz" lIns="121920" tIns="60960" rIns="121920" bIns="60960" rtlCol="0">
+              <a:normAutofit/>
+            </a:bodyPr>
+            <a:lstStyle>
+              <a:lvl1pPr marL="342900" indent="-342900" algn="l" defTabSz="914400" rtl="0" eaLnBrk="1" latinLnBrk="0" hangingPunct="1">
+                <a:spcBef>
+                  <a:spcPct val="20000"/>
+                </a:spcBef>
+                <a:buFont typeface="Arial" pitchFamily="34" charset="0"/>
+                <a:buChar char="•"/>
+                <a:defRPr sz="3200" kern="1200">
+                  <a:solidFill>
+                    <a:schemeClr val="tx1"/>
+                  </a:solidFill>
+                  <a:latin typeface="+mn-lt"/>
+                  <a:ea typeface="+mn-ea"/>
+                  <a:cs typeface="+mn-cs"/>
+                </a:defRPr>
+              </a:lvl1pPr>
+              <a:lvl2pPr marL="742950" indent="-285750" algn="l" defTabSz="914400" rtl="0" eaLnBrk="1" latinLnBrk="0" hangingPunct="1">
+                <a:spcBef>
+                  <a:spcPct val="20000"/>
+                </a:spcBef>
+                <a:buFont typeface="Arial" pitchFamily="34" charset="0"/>
+                <a:buChar char="–"/>
+                <a:defRPr sz="2800" kern="1200">
+                  <a:solidFill>
+                    <a:schemeClr val="tx1"/>
+                  </a:solidFill>
+                  <a:latin typeface="+mn-lt"/>
+                  <a:ea typeface="+mn-ea"/>
+                  <a:cs typeface="+mn-cs"/>
+                </a:defRPr>
+              </a:lvl2pPr>
+              <a:lvl3pPr marL="1143000" indent="-228600" algn="l" defTabSz="914400" rtl="0" eaLnBrk="1" latinLnBrk="0" hangingPunct="1">
+                <a:spcBef>
+                  <a:spcPct val="20000"/>
+                </a:spcBef>
+                <a:buFont typeface="Arial" pitchFamily="34" charset="0"/>
+                <a:buChar char="•"/>
+                <a:defRPr sz="2400" kern="1200">
+                  <a:solidFill>
+                    <a:schemeClr val="tx1"/>
+                  </a:solidFill>
+                  <a:latin typeface="+mn-lt"/>
+                  <a:ea typeface="+mn-ea"/>
+                  <a:cs typeface="+mn-cs"/>
+                </a:defRPr>
+              </a:lvl3pPr>
+              <a:lvl4pPr marL="1600200" indent="-228600" algn="l" defTabSz="914400" rtl="0" eaLnBrk="1" latinLnBrk="0" hangingPunct="1">
+                <a:spcBef>
+                  <a:spcPct val="20000"/>
+                </a:spcBef>
+                <a:buFont typeface="Arial" pitchFamily="34" charset="0"/>
+                <a:buChar char="–"/>
+                <a:defRPr sz="2000" kern="1200">
+                  <a:solidFill>
+                    <a:schemeClr val="tx1"/>
+                  </a:solidFill>
+                  <a:latin typeface="+mn-lt"/>
+                  <a:ea typeface="+mn-ea"/>
+                  <a:cs typeface="+mn-cs"/>
+                </a:defRPr>
+              </a:lvl4pPr>
+              <a:lvl5pPr marL="2057400" indent="-228600" algn="l" defTabSz="914400" rtl="0" eaLnBrk="1" latinLnBrk="0" hangingPunct="1">
+                <a:spcBef>
+                  <a:spcPct val="20000"/>
+                </a:spcBef>
+                <a:buFont typeface="Arial" pitchFamily="34" charset="0"/>
+                <a:buChar char="»"/>
+                <a:defRPr sz="2000" kern="1200">
+                  <a:solidFill>
+                    <a:schemeClr val="tx1"/>
+                  </a:solidFill>
+                  <a:latin typeface="+mn-lt"/>
+                  <a:ea typeface="+mn-ea"/>
+                  <a:cs typeface="+mn-cs"/>
+                </a:defRPr>
+              </a:lvl5pPr>
+              <a:lvl6pPr marL="2514600" indent="-228600" algn="l" defTabSz="914400" rtl="0" eaLnBrk="1" latinLnBrk="0" hangingPunct="1">
+                <a:spcBef>
+                  <a:spcPct val="20000"/>
+                </a:spcBef>
+                <a:buFont typeface="Arial" pitchFamily="34" charset="0"/>
+                <a:buChar char="•"/>
+                <a:defRPr sz="2000" kern="1200">
+                  <a:solidFill>
+                    <a:schemeClr val="tx1"/>
+                  </a:solidFill>
+                  <a:latin typeface="+mn-lt"/>
+                  <a:ea typeface="+mn-ea"/>
+                  <a:cs typeface="+mn-cs"/>
+                </a:defRPr>
+              </a:lvl6pPr>
+              <a:lvl7pPr marL="2971800" indent="-228600" algn="l" defTabSz="914400" rtl="0" eaLnBrk="1" latinLnBrk="0" hangingPunct="1">
+                <a:spcBef>
+                  <a:spcPct val="20000"/>
+                </a:spcBef>
+                <a:buFont typeface="Arial" pitchFamily="34" charset="0"/>
+                <a:buChar char="•"/>
+                <a:defRPr sz="2000" kern="1200">
+                  <a:solidFill>
+                    <a:schemeClr val="tx1"/>
+                  </a:solidFill>
+                  <a:latin typeface="+mn-lt"/>
+                  <a:ea typeface="+mn-ea"/>
+                  <a:cs typeface="+mn-cs"/>
+                </a:defRPr>
+              </a:lvl7pPr>
+              <a:lvl8pPr marL="3429000" indent="-228600" algn="l" defTabSz="914400" rtl="0" eaLnBrk="1" latinLnBrk="0" hangingPunct="1">
+                <a:spcBef>
+                  <a:spcPct val="20000"/>
+                </a:spcBef>
+                <a:buFont typeface="Arial" pitchFamily="34" charset="0"/>
+                <a:buChar char="•"/>
+                <a:defRPr sz="2000" kern="1200">
+                  <a:solidFill>
+                    <a:schemeClr val="tx1"/>
+                  </a:solidFill>
+                  <a:latin typeface="+mn-lt"/>
+                  <a:ea typeface="+mn-ea"/>
+                  <a:cs typeface="+mn-cs"/>
+                </a:defRPr>
+              </a:lvl8pPr>
+              <a:lvl9pPr marL="3886200" indent="-228600" algn="l" defTabSz="914400" rtl="0" eaLnBrk="1" latinLnBrk="0" hangingPunct="1">
+                <a:spcBef>
+                  <a:spcPct val="20000"/>
+                </a:spcBef>
+                <a:buFont typeface="Arial" pitchFamily="34" charset="0"/>
+                <a:buChar char="•"/>
+                <a:defRPr sz="2000" kern="1200">
+                  <a:solidFill>
+                    <a:schemeClr val="tx1"/>
+                  </a:solidFill>
+                  <a:latin typeface="+mn-lt"/>
+                  <a:ea typeface="+mn-ea"/>
+                  <a:cs typeface="+mn-cs"/>
+                </a:defRPr>
+              </a:lvl9pPr>
+            </a:lstStyle>
+            <a:p>
+              <a:pPr marL="0" indent="0">
+                <a:buNone/>
+              </a:pPr>
+              <a:r>
+                <a:rPr lang="en-US" sz="3733" dirty="0">
+                  <a:solidFill>
+                    <a:schemeClr val="tx1">
+                      <a:lumMod val="50000"/>
+                      <a:lumOff val="50000"/>
+                    </a:schemeClr>
+                  </a:solidFill>
+                </a:rPr>
+                <a:t>x = 1 + 5 ** (3 // 2) – 6 % 4</a:t>
+              </a:r>
+            </a:p>
+          </p:txBody>
+        </p:sp>
+        <p:sp>
+          <p:nvSpPr>
+            <p:cNvPr id="14" name="Rounded Rectangle 13"/>
+            <p:cNvSpPr/>
+            <p:nvPr/>
+          </p:nvSpPr>
+          <p:spPr>
+            <a:xfrm>
+              <a:off x="5943601" y="2455071"/>
+              <a:ext cx="1785937" cy="573879"/>
+            </a:xfrm>
+            <a:prstGeom prst="roundRect">
+              <a:avLst/>
+            </a:prstGeom>
+            <a:solidFill>
+              <a:schemeClr val="bg1">
+                <a:lumMod val="95000"/>
+                <a:alpha val="75000"/>
+              </a:schemeClr>
+            </a:solidFill>
+            <a:ln w="12700">
+              <a:solidFill>
+                <a:srgbClr val="FF0000"/>
+              </a:solidFill>
+            </a:ln>
+          </p:spPr>
+          <p:style>
+            <a:lnRef idx="2">
+              <a:schemeClr val="accent1">
+                <a:shade val="50000"/>
+              </a:schemeClr>
+            </a:lnRef>
+            <a:fillRef idx="1">
+              <a:schemeClr val="accent1"/>
+            </a:fillRef>
+            <a:effectRef idx="0">
+              <a:schemeClr val="accent1"/>
+            </a:effectRef>
+            <a:fontRef idx="minor">
+              <a:schemeClr val="lt1"/>
+            </a:fontRef>
+          </p:style>
+          <p:txBody>
+            <a:bodyPr rtlCol="0" anchor="ctr"/>
+            <a:lstStyle/>
+            <a:p>
+              <a:pPr algn="ctr"/>
+              <a:r>
+                <a:rPr lang="en-US" sz="3733" b="1" dirty="0">
+                  <a:solidFill>
+                    <a:schemeClr val="tx1">
+                      <a:lumMod val="50000"/>
+                      <a:lumOff val="50000"/>
+                    </a:schemeClr>
+                  </a:solidFill>
+                </a:rPr>
+                <a:t>5</a:t>
+              </a:r>
+            </a:p>
+          </p:txBody>
+        </p:sp>
+        <p:sp>
+          <p:nvSpPr>
+            <p:cNvPr id="23" name="TextBox 22"/>
+            <p:cNvSpPr txBox="1"/>
+            <p:nvPr/>
+          </p:nvSpPr>
+          <p:spPr>
+            <a:xfrm>
+              <a:off x="6229711" y="796051"/>
+              <a:ext cx="294792" cy="438581"/>
+            </a:xfrm>
+            <a:prstGeom prst="rect">
+              <a:avLst/>
+            </a:prstGeom>
+            <a:noFill/>
+          </p:spPr>
+          <p:txBody>
+            <a:bodyPr wrap="none" rtlCol="0">
+              <a:spAutoFit/>
+            </a:bodyPr>
+            <a:lstStyle/>
+            <a:p>
+              <a:r>
+                <a:rPr lang="en-US" sz="3200" b="1" dirty="0">
+                  <a:solidFill>
+                    <a:srgbClr val="FF0000"/>
+                  </a:solidFill>
+                </a:rPr>
+                <a:t>2</a:t>
+              </a:r>
+              <a:endParaRPr lang="en-US" sz="2400" b="1" dirty="0">
+                <a:solidFill>
+                  <a:srgbClr val="FF0000"/>
+                </a:solidFill>
+              </a:endParaRPr>
+            </a:p>
+          </p:txBody>
+        </p:sp>
+      </p:grpSp>
+      <p:grpSp>
+        <p:nvGrpSpPr>
+          <p:cNvPr id="35" name="Group 34"/>
+          <p:cNvGrpSpPr/>
+          <p:nvPr/>
+        </p:nvGrpSpPr>
+        <p:grpSpPr>
+          <a:xfrm>
+            <a:off x="6400800" y="546101"/>
+            <a:ext cx="5689600" cy="5720399"/>
+            <a:chOff x="4876800" y="796051"/>
+            <a:chExt cx="4267200" cy="4290299"/>
+          </a:xfrm>
+        </p:grpSpPr>
+        <p:sp>
+          <p:nvSpPr>
+            <p:cNvPr id="21" name="Content Placeholder 2"/>
+            <p:cNvSpPr txBox="1">
+              <a:spLocks/>
+            </p:cNvSpPr>
+            <p:nvPr/>
+          </p:nvSpPr>
+          <p:spPr>
+            <a:xfrm>
+              <a:off x="4876800" y="4512471"/>
+              <a:ext cx="4267200" cy="573879"/>
+            </a:xfrm>
+            <a:prstGeom prst="rect">
+              <a:avLst/>
+            </a:prstGeom>
+          </p:spPr>
+          <p:txBody>
+            <a:bodyPr vert="horz" lIns="121920" tIns="60960" rIns="121920" bIns="60960" rtlCol="0">
+              <a:normAutofit/>
+            </a:bodyPr>
+            <a:lstStyle>
+              <a:lvl1pPr marL="342900" indent="-342900" algn="l" defTabSz="914400" rtl="0" eaLnBrk="1" latinLnBrk="0" hangingPunct="1">
+                <a:spcBef>
+                  <a:spcPct val="20000"/>
+                </a:spcBef>
+                <a:buFont typeface="Arial" pitchFamily="34" charset="0"/>
+                <a:buChar char="•"/>
+                <a:defRPr sz="3200" kern="1200">
+                  <a:solidFill>
+                    <a:schemeClr val="tx1"/>
+                  </a:solidFill>
+                  <a:latin typeface="+mn-lt"/>
+                  <a:ea typeface="+mn-ea"/>
+                  <a:cs typeface="+mn-cs"/>
+                </a:defRPr>
+              </a:lvl1pPr>
+              <a:lvl2pPr marL="742950" indent="-285750" algn="l" defTabSz="914400" rtl="0" eaLnBrk="1" latinLnBrk="0" hangingPunct="1">
+                <a:spcBef>
+                  <a:spcPct val="20000"/>
+                </a:spcBef>
+                <a:buFont typeface="Arial" pitchFamily="34" charset="0"/>
+                <a:buChar char="–"/>
+                <a:defRPr sz="2800" kern="1200">
+                  <a:solidFill>
+                    <a:schemeClr val="tx1"/>
+                  </a:solidFill>
+                  <a:latin typeface="+mn-lt"/>
+                  <a:ea typeface="+mn-ea"/>
+                  <a:cs typeface="+mn-cs"/>
+                </a:defRPr>
+              </a:lvl2pPr>
+              <a:lvl3pPr marL="1143000" indent="-228600" algn="l" defTabSz="914400" rtl="0" eaLnBrk="1" latinLnBrk="0" hangingPunct="1">
+                <a:spcBef>
+                  <a:spcPct val="20000"/>
+                </a:spcBef>
+                <a:buFont typeface="Arial" pitchFamily="34" charset="0"/>
+                <a:buChar char="•"/>
+                <a:defRPr sz="2400" kern="1200">
+                  <a:solidFill>
+                    <a:schemeClr val="tx1"/>
+                  </a:solidFill>
+                  <a:latin typeface="+mn-lt"/>
+                  <a:ea typeface="+mn-ea"/>
+                  <a:cs typeface="+mn-cs"/>
+                </a:defRPr>
+              </a:lvl3pPr>
+              <a:lvl4pPr marL="1600200" indent="-228600" algn="l" defTabSz="914400" rtl="0" eaLnBrk="1" latinLnBrk="0" hangingPunct="1">
+                <a:spcBef>
+                  <a:spcPct val="20000"/>
+                </a:spcBef>
+                <a:buFont typeface="Arial" pitchFamily="34" charset="0"/>
+                <a:buChar char="–"/>
+                <a:defRPr sz="2000" kern="1200">
+                  <a:solidFill>
+                    <a:schemeClr val="tx1"/>
+                  </a:solidFill>
+                  <a:latin typeface="+mn-lt"/>
+                  <a:ea typeface="+mn-ea"/>
+                  <a:cs typeface="+mn-cs"/>
+                </a:defRPr>
+              </a:lvl4pPr>
+              <a:lvl5pPr marL="2057400" indent="-228600" algn="l" defTabSz="914400" rtl="0" eaLnBrk="1" latinLnBrk="0" hangingPunct="1">
+                <a:spcBef>
+                  <a:spcPct val="20000"/>
+                </a:spcBef>
+                <a:buFont typeface="Arial" pitchFamily="34" charset="0"/>
+                <a:buChar char="»"/>
+                <a:defRPr sz="2000" kern="1200">
+                  <a:solidFill>
+                    <a:schemeClr val="tx1"/>
+                  </a:solidFill>
+                  <a:latin typeface="+mn-lt"/>
+                  <a:ea typeface="+mn-ea"/>
+                  <a:cs typeface="+mn-cs"/>
+                </a:defRPr>
+              </a:lvl5pPr>
+              <a:lvl6pPr marL="2514600" indent="-228600" algn="l" defTabSz="914400" rtl="0" eaLnBrk="1" latinLnBrk="0" hangingPunct="1">
+                <a:spcBef>
+                  <a:spcPct val="20000"/>
+                </a:spcBef>
+                <a:buFont typeface="Arial" pitchFamily="34" charset="0"/>
+                <a:buChar char="•"/>
+                <a:defRPr sz="2000" kern="1200">
+                  <a:solidFill>
+                    <a:schemeClr val="tx1"/>
+                  </a:solidFill>
+                  <a:latin typeface="+mn-lt"/>
+                  <a:ea typeface="+mn-ea"/>
+                  <a:cs typeface="+mn-cs"/>
+                </a:defRPr>
+              </a:lvl6pPr>
+              <a:lvl7pPr marL="2971800" indent="-228600" algn="l" defTabSz="914400" rtl="0" eaLnBrk="1" latinLnBrk="0" hangingPunct="1">
+                <a:spcBef>
+                  <a:spcPct val="20000"/>
+                </a:spcBef>
+                <a:buFont typeface="Arial" pitchFamily="34" charset="0"/>
+                <a:buChar char="•"/>
+                <a:defRPr sz="2000" kern="1200">
+                  <a:solidFill>
+                    <a:schemeClr val="tx1"/>
+                  </a:solidFill>
+                  <a:latin typeface="+mn-lt"/>
+                  <a:ea typeface="+mn-ea"/>
+                  <a:cs typeface="+mn-cs"/>
+                </a:defRPr>
+              </a:lvl7pPr>
+              <a:lvl8pPr marL="3429000" indent="-228600" algn="l" defTabSz="914400" rtl="0" eaLnBrk="1" latinLnBrk="0" hangingPunct="1">
+                <a:spcBef>
+                  <a:spcPct val="20000"/>
+                </a:spcBef>
+                <a:buFont typeface="Arial" pitchFamily="34" charset="0"/>
+                <a:buChar char="•"/>
+                <a:defRPr sz="2000" kern="1200">
+                  <a:solidFill>
+                    <a:schemeClr val="tx1"/>
+                  </a:solidFill>
+                  <a:latin typeface="+mn-lt"/>
+                  <a:ea typeface="+mn-ea"/>
+                  <a:cs typeface="+mn-cs"/>
+                </a:defRPr>
+              </a:lvl8pPr>
+              <a:lvl9pPr marL="3886200" indent="-228600" algn="l" defTabSz="914400" rtl="0" eaLnBrk="1" latinLnBrk="0" hangingPunct="1">
+                <a:spcBef>
+                  <a:spcPct val="20000"/>
+                </a:spcBef>
+                <a:buFont typeface="Arial" pitchFamily="34" charset="0"/>
+                <a:buChar char="•"/>
+                <a:defRPr sz="2000" kern="1200">
+                  <a:solidFill>
+                    <a:schemeClr val="tx1"/>
+                  </a:solidFill>
+                  <a:latin typeface="+mn-lt"/>
+                  <a:ea typeface="+mn-ea"/>
+                  <a:cs typeface="+mn-cs"/>
+                </a:defRPr>
+              </a:lvl9pPr>
+            </a:lstStyle>
+            <a:p>
+              <a:pPr marL="0" indent="0">
+                <a:buNone/>
+              </a:pPr>
+              <a:r>
+                <a:rPr lang="en-US" sz="3733" dirty="0">
+                  <a:solidFill>
+                    <a:schemeClr val="tx1">
+                      <a:lumMod val="50000"/>
+                      <a:lumOff val="50000"/>
+                    </a:schemeClr>
+                  </a:solidFill>
+                </a:rPr>
+                <a:t>x = 1 + 5 ** (3 // 2) – 6 % 4</a:t>
+              </a:r>
+            </a:p>
+          </p:txBody>
+        </p:sp>
+        <p:sp>
+          <p:nvSpPr>
+            <p:cNvPr id="22" name="Rounded Rectangle 21"/>
+            <p:cNvSpPr/>
+            <p:nvPr/>
+          </p:nvSpPr>
+          <p:spPr>
+            <a:xfrm>
+              <a:off x="5410202" y="4512471"/>
+              <a:ext cx="3483766" cy="573879"/>
+            </a:xfrm>
+            <a:prstGeom prst="roundRect">
+              <a:avLst/>
+            </a:prstGeom>
+            <a:solidFill>
+              <a:schemeClr val="bg1">
+                <a:lumMod val="95000"/>
+                <a:alpha val="75000"/>
+              </a:schemeClr>
+            </a:solidFill>
+            <a:ln w="12700">
+              <a:solidFill>
+                <a:srgbClr val="FF0000"/>
+              </a:solidFill>
+            </a:ln>
+          </p:spPr>
+          <p:style>
+            <a:lnRef idx="2">
+              <a:schemeClr val="accent1">
+                <a:shade val="50000"/>
+              </a:schemeClr>
+            </a:lnRef>
+            <a:fillRef idx="1">
+              <a:schemeClr val="accent1"/>
+            </a:fillRef>
+            <a:effectRef idx="0">
+              <a:schemeClr val="accent1"/>
+            </a:effectRef>
+            <a:fontRef idx="minor">
+              <a:schemeClr val="lt1"/>
+            </a:fontRef>
+          </p:style>
+          <p:txBody>
+            <a:bodyPr rtlCol="0" anchor="ctr"/>
+            <a:lstStyle/>
+            <a:p>
+              <a:pPr algn="ctr"/>
+              <a:r>
+                <a:rPr lang="en-US" sz="3733" b="1" dirty="0">
+                  <a:solidFill>
+                    <a:schemeClr val="tx1">
+                      <a:lumMod val="50000"/>
+                      <a:lumOff val="50000"/>
+                    </a:schemeClr>
+                  </a:solidFill>
+                </a:rPr>
+                <a:t>4</a:t>
+              </a:r>
+            </a:p>
+          </p:txBody>
+        </p:sp>
+        <p:sp>
+          <p:nvSpPr>
+            <p:cNvPr id="26" name="TextBox 25"/>
+            <p:cNvSpPr txBox="1"/>
+            <p:nvPr/>
+          </p:nvSpPr>
+          <p:spPr>
+            <a:xfrm>
+              <a:off x="7694465" y="796051"/>
+              <a:ext cx="294792" cy="438581"/>
+            </a:xfrm>
+            <a:prstGeom prst="rect">
+              <a:avLst/>
+            </a:prstGeom>
+            <a:noFill/>
+          </p:spPr>
+          <p:txBody>
+            <a:bodyPr wrap="none" rtlCol="0">
+              <a:spAutoFit/>
+            </a:bodyPr>
+            <a:lstStyle/>
+            <a:p>
+              <a:r>
+                <a:rPr lang="en-US" sz="3200" b="1" dirty="0">
+                  <a:solidFill>
+                    <a:srgbClr val="FF0000"/>
+                  </a:solidFill>
+                </a:rPr>
+                <a:t>5</a:t>
+              </a:r>
+              <a:endParaRPr lang="en-US" sz="2400" b="1" dirty="0">
+                <a:solidFill>
+                  <a:srgbClr val="FF0000"/>
+                </a:solidFill>
+              </a:endParaRPr>
+            </a:p>
+          </p:txBody>
+        </p:sp>
+      </p:grpSp>
+      <p:grpSp>
+        <p:nvGrpSpPr>
+          <p:cNvPr id="33" name="Group 32"/>
+          <p:cNvGrpSpPr/>
+          <p:nvPr/>
+        </p:nvGrpSpPr>
+        <p:grpSpPr>
+          <a:xfrm>
+            <a:off x="6400800" y="546101"/>
+            <a:ext cx="5689600" cy="3891599"/>
+            <a:chOff x="4876800" y="796051"/>
+            <a:chExt cx="4267200" cy="2918699"/>
+          </a:xfrm>
+        </p:grpSpPr>
+        <p:sp>
+          <p:nvSpPr>
+            <p:cNvPr id="15" name="Content Placeholder 2"/>
+            <p:cNvSpPr txBox="1">
+              <a:spLocks/>
+            </p:cNvSpPr>
+            <p:nvPr/>
+          </p:nvSpPr>
+          <p:spPr>
+            <a:xfrm>
+              <a:off x="4876800" y="3140871"/>
+              <a:ext cx="4267200" cy="573879"/>
+            </a:xfrm>
+            <a:prstGeom prst="rect">
+              <a:avLst/>
+            </a:prstGeom>
+          </p:spPr>
+          <p:txBody>
+            <a:bodyPr vert="horz" lIns="121920" tIns="60960" rIns="121920" bIns="60960" rtlCol="0">
+              <a:normAutofit/>
+            </a:bodyPr>
+            <a:lstStyle>
+              <a:lvl1pPr marL="342900" indent="-342900" algn="l" defTabSz="914400" rtl="0" eaLnBrk="1" latinLnBrk="0" hangingPunct="1">
+                <a:spcBef>
+                  <a:spcPct val="20000"/>
+                </a:spcBef>
+                <a:buFont typeface="Arial" pitchFamily="34" charset="0"/>
+                <a:buChar char="•"/>
+                <a:defRPr sz="3200" kern="1200">
+                  <a:solidFill>
+                    <a:schemeClr val="tx1"/>
+                  </a:solidFill>
+                  <a:latin typeface="+mn-lt"/>
+                  <a:ea typeface="+mn-ea"/>
+                  <a:cs typeface="+mn-cs"/>
+                </a:defRPr>
+              </a:lvl1pPr>
+              <a:lvl2pPr marL="742950" indent="-285750" algn="l" defTabSz="914400" rtl="0" eaLnBrk="1" latinLnBrk="0" hangingPunct="1">
+                <a:spcBef>
+                  <a:spcPct val="20000"/>
+                </a:spcBef>
+                <a:buFont typeface="Arial" pitchFamily="34" charset="0"/>
+                <a:buChar char="–"/>
+                <a:defRPr sz="2800" kern="1200">
+                  <a:solidFill>
+                    <a:schemeClr val="tx1"/>
+                  </a:solidFill>
+                  <a:latin typeface="+mn-lt"/>
+                  <a:ea typeface="+mn-ea"/>
+                  <a:cs typeface="+mn-cs"/>
+                </a:defRPr>
+              </a:lvl2pPr>
+              <a:lvl3pPr marL="1143000" indent="-228600" algn="l" defTabSz="914400" rtl="0" eaLnBrk="1" latinLnBrk="0" hangingPunct="1">
+                <a:spcBef>
+                  <a:spcPct val="20000"/>
+                </a:spcBef>
+                <a:buFont typeface="Arial" pitchFamily="34" charset="0"/>
+                <a:buChar char="•"/>
+                <a:defRPr sz="2400" kern="1200">
+                  <a:solidFill>
+                    <a:schemeClr val="tx1"/>
+                  </a:solidFill>
+                  <a:latin typeface="+mn-lt"/>
+                  <a:ea typeface="+mn-ea"/>
+                  <a:cs typeface="+mn-cs"/>
+                </a:defRPr>
+              </a:lvl3pPr>
+              <a:lvl4pPr marL="1600200" indent="-228600" algn="l" defTabSz="914400" rtl="0" eaLnBrk="1" latinLnBrk="0" hangingPunct="1">
+                <a:spcBef>
+                  <a:spcPct val="20000"/>
+                </a:spcBef>
+                <a:buFont typeface="Arial" pitchFamily="34" charset="0"/>
+                <a:buChar char="–"/>
+                <a:defRPr sz="2000" kern="1200">
+                  <a:solidFill>
+                    <a:schemeClr val="tx1"/>
+                  </a:solidFill>
+                  <a:latin typeface="+mn-lt"/>
+                  <a:ea typeface="+mn-ea"/>
+                  <a:cs typeface="+mn-cs"/>
+                </a:defRPr>
+              </a:lvl4pPr>
+              <a:lvl5pPr marL="2057400" indent="-228600" algn="l" defTabSz="914400" rtl="0" eaLnBrk="1" latinLnBrk="0" hangingPunct="1">
+                <a:spcBef>
+                  <a:spcPct val="20000"/>
+                </a:spcBef>
+                <a:buFont typeface="Arial" pitchFamily="34" charset="0"/>
+                <a:buChar char="»"/>
+                <a:defRPr sz="2000" kern="1200">
+                  <a:solidFill>
+                    <a:schemeClr val="tx1"/>
+                  </a:solidFill>
+                  <a:latin typeface="+mn-lt"/>
+                  <a:ea typeface="+mn-ea"/>
+                  <a:cs typeface="+mn-cs"/>
+                </a:defRPr>
+              </a:lvl5pPr>
+              <a:lvl6pPr marL="2514600" indent="-228600" algn="l" defTabSz="914400" rtl="0" eaLnBrk="1" latinLnBrk="0" hangingPunct="1">
+                <a:spcBef>
+                  <a:spcPct val="20000"/>
+                </a:spcBef>
+                <a:buFont typeface="Arial" pitchFamily="34" charset="0"/>
+                <a:buChar char="•"/>
+                <a:defRPr sz="2000" kern="1200">
+                  <a:solidFill>
+                    <a:schemeClr val="tx1"/>
+                  </a:solidFill>
+                  <a:latin typeface="+mn-lt"/>
+                  <a:ea typeface="+mn-ea"/>
+                  <a:cs typeface="+mn-cs"/>
+                </a:defRPr>
+              </a:lvl6pPr>
+              <a:lvl7pPr marL="2971800" indent="-228600" algn="l" defTabSz="914400" rtl="0" eaLnBrk="1" latinLnBrk="0" hangingPunct="1">
+                <a:spcBef>
+                  <a:spcPct val="20000"/>
+                </a:spcBef>
+                <a:buFont typeface="Arial" pitchFamily="34" charset="0"/>
+                <a:buChar char="•"/>
+                <a:defRPr sz="2000" kern="1200">
+                  <a:solidFill>
+                    <a:schemeClr val="tx1"/>
+                  </a:solidFill>
+                  <a:latin typeface="+mn-lt"/>
+                  <a:ea typeface="+mn-ea"/>
+                  <a:cs typeface="+mn-cs"/>
+                </a:defRPr>
+              </a:lvl7pPr>
+              <a:lvl8pPr marL="3429000" indent="-228600" algn="l" defTabSz="914400" rtl="0" eaLnBrk="1" latinLnBrk="0" hangingPunct="1">
+                <a:spcBef>
+                  <a:spcPct val="20000"/>
+                </a:spcBef>
+                <a:buFont typeface="Arial" pitchFamily="34" charset="0"/>
+                <a:buChar char="•"/>
+                <a:defRPr sz="2000" kern="1200">
+                  <a:solidFill>
+                    <a:schemeClr val="tx1"/>
+                  </a:solidFill>
+                  <a:latin typeface="+mn-lt"/>
+                  <a:ea typeface="+mn-ea"/>
+                  <a:cs typeface="+mn-cs"/>
+                </a:defRPr>
+              </a:lvl8pPr>
+              <a:lvl9pPr marL="3886200" indent="-228600" algn="l" defTabSz="914400" rtl="0" eaLnBrk="1" latinLnBrk="0" hangingPunct="1">
+                <a:spcBef>
+                  <a:spcPct val="20000"/>
+                </a:spcBef>
+                <a:buFont typeface="Arial" pitchFamily="34" charset="0"/>
+                <a:buChar char="•"/>
+                <a:defRPr sz="2000" kern="1200">
+                  <a:solidFill>
+                    <a:schemeClr val="tx1"/>
+                  </a:solidFill>
+                  <a:latin typeface="+mn-lt"/>
+                  <a:ea typeface="+mn-ea"/>
+                  <a:cs typeface="+mn-cs"/>
+                </a:defRPr>
+              </a:lvl9pPr>
+            </a:lstStyle>
+            <a:p>
+              <a:pPr marL="0" indent="0">
+                <a:buNone/>
+              </a:pPr>
+              <a:r>
+                <a:rPr lang="en-US" sz="3733" dirty="0">
+                  <a:solidFill>
+                    <a:schemeClr val="tx1">
+                      <a:lumMod val="50000"/>
+                      <a:lumOff val="50000"/>
+                    </a:schemeClr>
+                  </a:solidFill>
+                </a:rPr>
+                <a:t>x = 1 + 5 ** (3 // 2) – 6 % 4</a:t>
+              </a:r>
+            </a:p>
+          </p:txBody>
+        </p:sp>
+        <p:sp>
+          <p:nvSpPr>
+            <p:cNvPr id="17" name="Rounded Rectangle 16"/>
+            <p:cNvSpPr/>
+            <p:nvPr/>
+          </p:nvSpPr>
+          <p:spPr>
+            <a:xfrm>
+              <a:off x="8000998" y="3140871"/>
+              <a:ext cx="892969" cy="573879"/>
+            </a:xfrm>
+            <a:prstGeom prst="roundRect">
+              <a:avLst/>
+            </a:prstGeom>
+            <a:solidFill>
+              <a:schemeClr val="bg1">
+                <a:lumMod val="95000"/>
+                <a:alpha val="75000"/>
+              </a:schemeClr>
+            </a:solidFill>
+            <a:ln w="12700">
+              <a:solidFill>
+                <a:srgbClr val="FF0000"/>
+              </a:solidFill>
+            </a:ln>
+          </p:spPr>
+          <p:style>
+            <a:lnRef idx="2">
+              <a:schemeClr val="accent1">
+                <a:shade val="50000"/>
+              </a:schemeClr>
+            </a:lnRef>
+            <a:fillRef idx="1">
+              <a:schemeClr val="accent1"/>
+            </a:fillRef>
+            <a:effectRef idx="0">
+              <a:schemeClr val="accent1"/>
+            </a:effectRef>
+            <a:fontRef idx="minor">
+              <a:schemeClr val="lt1"/>
+            </a:fontRef>
+          </p:style>
+          <p:txBody>
+            <a:bodyPr rtlCol="0" anchor="ctr"/>
+            <a:lstStyle/>
+            <a:p>
+              <a:pPr algn="ctr"/>
+              <a:r>
+                <a:rPr lang="en-US" sz="3733" b="1" dirty="0">
+                  <a:solidFill>
+                    <a:schemeClr val="tx1">
+                      <a:lumMod val="50000"/>
+                      <a:lumOff val="50000"/>
+                    </a:schemeClr>
+                  </a:solidFill>
+                </a:rPr>
+                <a:t>2</a:t>
+              </a:r>
+            </a:p>
+          </p:txBody>
+        </p:sp>
+        <p:sp>
+          <p:nvSpPr>
+            <p:cNvPr id="24" name="TextBox 23"/>
+            <p:cNvSpPr txBox="1"/>
+            <p:nvPr/>
+          </p:nvSpPr>
+          <p:spPr>
+            <a:xfrm>
+              <a:off x="8229600" y="796051"/>
+              <a:ext cx="294792" cy="438581"/>
+            </a:xfrm>
+            <a:prstGeom prst="rect">
+              <a:avLst/>
+            </a:prstGeom>
+            <a:noFill/>
+          </p:spPr>
+          <p:txBody>
+            <a:bodyPr wrap="none" rtlCol="0">
+              <a:spAutoFit/>
+            </a:bodyPr>
+            <a:lstStyle/>
+            <a:p>
+              <a:r>
+                <a:rPr lang="en-US" sz="3200" b="1" dirty="0">
+                  <a:solidFill>
+                    <a:srgbClr val="FF0000"/>
+                  </a:solidFill>
+                </a:rPr>
+                <a:t>3</a:t>
+              </a:r>
+              <a:endParaRPr lang="en-US" sz="2400" b="1" dirty="0">
+                <a:solidFill>
+                  <a:srgbClr val="FF0000"/>
+                </a:solidFill>
+              </a:endParaRPr>
+            </a:p>
+          </p:txBody>
+        </p:sp>
+        <p:sp>
+          <p:nvSpPr>
+            <p:cNvPr id="28" name="Rounded Rectangle 27"/>
+            <p:cNvSpPr/>
+            <p:nvPr/>
+          </p:nvSpPr>
+          <p:spPr>
+            <a:xfrm>
+              <a:off x="5943600" y="3129652"/>
+              <a:ext cx="1785937" cy="573879"/>
+            </a:xfrm>
+            <a:prstGeom prst="roundRect">
+              <a:avLst/>
+            </a:prstGeom>
+            <a:solidFill>
+              <a:schemeClr val="bg1">
+                <a:lumMod val="95000"/>
+                <a:alpha val="75000"/>
+              </a:schemeClr>
+            </a:solidFill>
+            <a:ln w="12700">
+              <a:noFill/>
+            </a:ln>
+          </p:spPr>
+          <p:style>
+            <a:lnRef idx="2">
+              <a:schemeClr val="accent1">
+                <a:shade val="50000"/>
+              </a:schemeClr>
+            </a:lnRef>
+            <a:fillRef idx="1">
+              <a:schemeClr val="accent1"/>
+            </a:fillRef>
+            <a:effectRef idx="0">
+              <a:schemeClr val="accent1"/>
+            </a:effectRef>
+            <a:fontRef idx="minor">
+              <a:schemeClr val="lt1"/>
+            </a:fontRef>
+          </p:style>
+          <p:txBody>
+            <a:bodyPr rtlCol="0" anchor="ctr"/>
+            <a:lstStyle/>
+            <a:p>
+              <a:pPr algn="ctr"/>
+              <a:r>
+                <a:rPr lang="en-US" sz="3733" b="1" dirty="0">
+                  <a:solidFill>
+                    <a:schemeClr val="tx1">
+                      <a:lumMod val="50000"/>
+                      <a:lumOff val="50000"/>
+                    </a:schemeClr>
+                  </a:solidFill>
+                </a:rPr>
+                <a:t>5</a:t>
+              </a:r>
+            </a:p>
+          </p:txBody>
+        </p:sp>
+      </p:grpSp>
+      <p:grpSp>
+        <p:nvGrpSpPr>
+          <p:cNvPr id="34" name="Group 33"/>
+          <p:cNvGrpSpPr/>
+          <p:nvPr/>
+        </p:nvGrpSpPr>
+        <p:grpSpPr>
+          <a:xfrm>
+            <a:off x="6400800" y="546101"/>
+            <a:ext cx="5689600" cy="4805999"/>
+            <a:chOff x="4876800" y="796051"/>
+            <a:chExt cx="4267200" cy="3604499"/>
+          </a:xfrm>
+        </p:grpSpPr>
+        <p:sp>
+          <p:nvSpPr>
+            <p:cNvPr id="19" name="Content Placeholder 2"/>
+            <p:cNvSpPr txBox="1">
+              <a:spLocks/>
+            </p:cNvSpPr>
+            <p:nvPr/>
+          </p:nvSpPr>
+          <p:spPr>
+            <a:xfrm>
+              <a:off x="4876800" y="3826671"/>
+              <a:ext cx="4267200" cy="573879"/>
+            </a:xfrm>
+            <a:prstGeom prst="rect">
+              <a:avLst/>
+            </a:prstGeom>
+          </p:spPr>
+          <p:txBody>
+            <a:bodyPr vert="horz" lIns="121920" tIns="60960" rIns="121920" bIns="60960" rtlCol="0">
+              <a:normAutofit/>
+            </a:bodyPr>
+            <a:lstStyle>
+              <a:lvl1pPr marL="342900" indent="-342900" algn="l" defTabSz="914400" rtl="0" eaLnBrk="1" latinLnBrk="0" hangingPunct="1">
+                <a:spcBef>
+                  <a:spcPct val="20000"/>
+                </a:spcBef>
+                <a:buFont typeface="Arial" pitchFamily="34" charset="0"/>
+                <a:buChar char="•"/>
+                <a:defRPr sz="3200" kern="1200">
+                  <a:solidFill>
+                    <a:schemeClr val="tx1"/>
+                  </a:solidFill>
+                  <a:latin typeface="+mn-lt"/>
+                  <a:ea typeface="+mn-ea"/>
+                  <a:cs typeface="+mn-cs"/>
+                </a:defRPr>
+              </a:lvl1pPr>
+              <a:lvl2pPr marL="742950" indent="-285750" algn="l" defTabSz="914400" rtl="0" eaLnBrk="1" latinLnBrk="0" hangingPunct="1">
+                <a:spcBef>
+                  <a:spcPct val="20000"/>
+                </a:spcBef>
+                <a:buFont typeface="Arial" pitchFamily="34" charset="0"/>
+                <a:buChar char="–"/>
+                <a:defRPr sz="2800" kern="1200">
+                  <a:solidFill>
+                    <a:schemeClr val="tx1"/>
+                  </a:solidFill>
+                  <a:latin typeface="+mn-lt"/>
+                  <a:ea typeface="+mn-ea"/>
+                  <a:cs typeface="+mn-cs"/>
+                </a:defRPr>
+              </a:lvl2pPr>
+              <a:lvl3pPr marL="1143000" indent="-228600" algn="l" defTabSz="914400" rtl="0" eaLnBrk="1" latinLnBrk="0" hangingPunct="1">
+                <a:spcBef>
+                  <a:spcPct val="20000"/>
+                </a:spcBef>
+                <a:buFont typeface="Arial" pitchFamily="34" charset="0"/>
+                <a:buChar char="•"/>
+                <a:defRPr sz="2400" kern="1200">
+                  <a:solidFill>
+                    <a:schemeClr val="tx1"/>
+                  </a:solidFill>
+                  <a:latin typeface="+mn-lt"/>
+                  <a:ea typeface="+mn-ea"/>
+                  <a:cs typeface="+mn-cs"/>
+                </a:defRPr>
+              </a:lvl3pPr>
+              <a:lvl4pPr marL="1600200" indent="-228600" algn="l" defTabSz="914400" rtl="0" eaLnBrk="1" latinLnBrk="0" hangingPunct="1">
+                <a:spcBef>
+                  <a:spcPct val="20000"/>
+                </a:spcBef>
+                <a:buFont typeface="Arial" pitchFamily="34" charset="0"/>
+                <a:buChar char="–"/>
+                <a:defRPr sz="2000" kern="1200">
+                  <a:solidFill>
+                    <a:schemeClr val="tx1"/>
+                  </a:solidFill>
+                  <a:latin typeface="+mn-lt"/>
+                  <a:ea typeface="+mn-ea"/>
+                  <a:cs typeface="+mn-cs"/>
+                </a:defRPr>
+              </a:lvl4pPr>
+              <a:lvl5pPr marL="2057400" indent="-228600" algn="l" defTabSz="914400" rtl="0" eaLnBrk="1" latinLnBrk="0" hangingPunct="1">
+                <a:spcBef>
+                  <a:spcPct val="20000"/>
+                </a:spcBef>
+                <a:buFont typeface="Arial" pitchFamily="34" charset="0"/>
+                <a:buChar char="»"/>
+                <a:defRPr sz="2000" kern="1200">
+                  <a:solidFill>
+                    <a:schemeClr val="tx1"/>
+                  </a:solidFill>
+                  <a:latin typeface="+mn-lt"/>
+                  <a:ea typeface="+mn-ea"/>
+                  <a:cs typeface="+mn-cs"/>
+                </a:defRPr>
+              </a:lvl5pPr>
+              <a:lvl6pPr marL="2514600" indent="-228600" algn="l" defTabSz="914400" rtl="0" eaLnBrk="1" latinLnBrk="0" hangingPunct="1">
+                <a:spcBef>
+                  <a:spcPct val="20000"/>
+                </a:spcBef>
+                <a:buFont typeface="Arial" pitchFamily="34" charset="0"/>
+                <a:buChar char="•"/>
+                <a:defRPr sz="2000" kern="1200">
+                  <a:solidFill>
+                    <a:schemeClr val="tx1"/>
+                  </a:solidFill>
+                  <a:latin typeface="+mn-lt"/>
+                  <a:ea typeface="+mn-ea"/>
+                  <a:cs typeface="+mn-cs"/>
+                </a:defRPr>
+              </a:lvl6pPr>
+              <a:lvl7pPr marL="2971800" indent="-228600" algn="l" defTabSz="914400" rtl="0" eaLnBrk="1" latinLnBrk="0" hangingPunct="1">
+                <a:spcBef>
+                  <a:spcPct val="20000"/>
+                </a:spcBef>
+                <a:buFont typeface="Arial" pitchFamily="34" charset="0"/>
+                <a:buChar char="•"/>
+                <a:defRPr sz="2000" kern="1200">
+                  <a:solidFill>
+                    <a:schemeClr val="tx1"/>
+                  </a:solidFill>
+                  <a:latin typeface="+mn-lt"/>
+                  <a:ea typeface="+mn-ea"/>
+                  <a:cs typeface="+mn-cs"/>
+                </a:defRPr>
+              </a:lvl7pPr>
+              <a:lvl8pPr marL="3429000" indent="-228600" algn="l" defTabSz="914400" rtl="0" eaLnBrk="1" latinLnBrk="0" hangingPunct="1">
+                <a:spcBef>
+                  <a:spcPct val="20000"/>
+                </a:spcBef>
+                <a:buFont typeface="Arial" pitchFamily="34" charset="0"/>
+                <a:buChar char="•"/>
+                <a:defRPr sz="2000" kern="1200">
+                  <a:solidFill>
+                    <a:schemeClr val="tx1"/>
+                  </a:solidFill>
+                  <a:latin typeface="+mn-lt"/>
+                  <a:ea typeface="+mn-ea"/>
+                  <a:cs typeface="+mn-cs"/>
+                </a:defRPr>
+              </a:lvl8pPr>
+              <a:lvl9pPr marL="3886200" indent="-228600" algn="l" defTabSz="914400" rtl="0" eaLnBrk="1" latinLnBrk="0" hangingPunct="1">
+                <a:spcBef>
+                  <a:spcPct val="20000"/>
+                </a:spcBef>
+                <a:buFont typeface="Arial" pitchFamily="34" charset="0"/>
+                <a:buChar char="•"/>
+                <a:defRPr sz="2000" kern="1200">
+                  <a:solidFill>
+                    <a:schemeClr val="tx1"/>
+                  </a:solidFill>
+                  <a:latin typeface="+mn-lt"/>
+                  <a:ea typeface="+mn-ea"/>
+                  <a:cs typeface="+mn-cs"/>
+                </a:defRPr>
+              </a:lvl9pPr>
+            </a:lstStyle>
+            <a:p>
+              <a:pPr marL="0" indent="0">
+                <a:buNone/>
+              </a:pPr>
+              <a:r>
+                <a:rPr lang="en-US" sz="3733" dirty="0">
+                  <a:solidFill>
+                    <a:schemeClr val="tx1">
+                      <a:lumMod val="50000"/>
+                      <a:lumOff val="50000"/>
+                    </a:schemeClr>
+                  </a:solidFill>
+                </a:rPr>
+                <a:t>x = 1 + 5 ** (3 // 2) – 6 % 4</a:t>
+              </a:r>
+            </a:p>
+          </p:txBody>
+        </p:sp>
+        <p:sp>
+          <p:nvSpPr>
+            <p:cNvPr id="20" name="Rounded Rectangle 19"/>
+            <p:cNvSpPr/>
+            <p:nvPr/>
+          </p:nvSpPr>
+          <p:spPr>
+            <a:xfrm>
+              <a:off x="5410201" y="3826671"/>
+              <a:ext cx="2319336" cy="573879"/>
+            </a:xfrm>
+            <a:prstGeom prst="roundRect">
+              <a:avLst/>
+            </a:prstGeom>
+            <a:solidFill>
+              <a:schemeClr val="bg1">
+                <a:lumMod val="95000"/>
+                <a:alpha val="75000"/>
+              </a:schemeClr>
+            </a:solidFill>
+            <a:ln w="12700">
+              <a:solidFill>
+                <a:srgbClr val="FF0000"/>
+              </a:solidFill>
+            </a:ln>
+          </p:spPr>
+          <p:style>
+            <a:lnRef idx="2">
+              <a:schemeClr val="accent1">
+                <a:shade val="50000"/>
+              </a:schemeClr>
+            </a:lnRef>
+            <a:fillRef idx="1">
+              <a:schemeClr val="accent1"/>
+            </a:fillRef>
+            <a:effectRef idx="0">
+              <a:schemeClr val="accent1"/>
+            </a:effectRef>
+            <a:fontRef idx="minor">
+              <a:schemeClr val="lt1"/>
+            </a:fontRef>
+          </p:style>
+          <p:txBody>
+            <a:bodyPr rtlCol="0" anchor="ctr"/>
+            <a:lstStyle/>
+            <a:p>
+              <a:pPr algn="ctr"/>
+              <a:r>
+                <a:rPr lang="en-US" sz="3733" b="1" dirty="0">
+                  <a:solidFill>
+                    <a:schemeClr val="tx1">
+                      <a:lumMod val="50000"/>
+                      <a:lumOff val="50000"/>
+                    </a:schemeClr>
+                  </a:solidFill>
+                </a:rPr>
+                <a:t>6</a:t>
+              </a:r>
+            </a:p>
+          </p:txBody>
+        </p:sp>
+        <p:sp>
+          <p:nvSpPr>
+            <p:cNvPr id="25" name="TextBox 24"/>
+            <p:cNvSpPr txBox="1"/>
+            <p:nvPr/>
+          </p:nvSpPr>
+          <p:spPr>
+            <a:xfrm>
+              <a:off x="5638800" y="796051"/>
+              <a:ext cx="294792" cy="438581"/>
+            </a:xfrm>
+            <a:prstGeom prst="rect">
+              <a:avLst/>
+            </a:prstGeom>
+            <a:noFill/>
+          </p:spPr>
+          <p:txBody>
+            <a:bodyPr wrap="none" rtlCol="0">
+              <a:spAutoFit/>
+            </a:bodyPr>
+            <a:lstStyle/>
+            <a:p>
+              <a:r>
+                <a:rPr lang="en-US" sz="3200" b="1" dirty="0">
+                  <a:solidFill>
+                    <a:srgbClr val="FF0000"/>
+                  </a:solidFill>
+                </a:rPr>
+                <a:t>4</a:t>
+              </a:r>
+              <a:endParaRPr lang="en-US" sz="2400" b="1" dirty="0">
+                <a:solidFill>
+                  <a:srgbClr val="FF0000"/>
+                </a:solidFill>
+              </a:endParaRPr>
+            </a:p>
+          </p:txBody>
+        </p:sp>
+        <p:sp>
+          <p:nvSpPr>
+            <p:cNvPr id="29" name="Rounded Rectangle 28"/>
+            <p:cNvSpPr/>
+            <p:nvPr/>
+          </p:nvSpPr>
+          <p:spPr>
+            <a:xfrm>
+              <a:off x="8022431" y="3826671"/>
+              <a:ext cx="892969" cy="573879"/>
+            </a:xfrm>
+            <a:prstGeom prst="roundRect">
+              <a:avLst/>
+            </a:prstGeom>
+            <a:solidFill>
+              <a:schemeClr val="bg1">
+                <a:lumMod val="95000"/>
+                <a:alpha val="75000"/>
+              </a:schemeClr>
+            </a:solidFill>
+            <a:ln w="12700">
+              <a:noFill/>
+            </a:ln>
+          </p:spPr>
+          <p:style>
+            <a:lnRef idx="2">
+              <a:schemeClr val="accent1">
+                <a:shade val="50000"/>
+              </a:schemeClr>
+            </a:lnRef>
+            <a:fillRef idx="1">
+              <a:schemeClr val="accent1"/>
+            </a:fillRef>
+            <a:effectRef idx="0">
+              <a:schemeClr val="accent1"/>
+            </a:effectRef>
+            <a:fontRef idx="minor">
+              <a:schemeClr val="lt1"/>
+            </a:fontRef>
+          </p:style>
+          <p:txBody>
+            <a:bodyPr rtlCol="0" anchor="ctr"/>
+            <a:lstStyle/>
+            <a:p>
+              <a:pPr algn="ctr"/>
+              <a:r>
+                <a:rPr lang="en-US" sz="3733" b="1" dirty="0">
+                  <a:solidFill>
+                    <a:schemeClr val="tx1">
+                      <a:lumMod val="50000"/>
+                      <a:lumOff val="50000"/>
+                    </a:schemeClr>
+                  </a:solidFill>
+                </a:rPr>
+                <a:t>2</a:t>
+              </a:r>
+            </a:p>
+          </p:txBody>
+        </p:sp>
+      </p:grpSp>
+    </p:spTree>
+    <p:extLst>
+      <p:ext uri="{BB962C8B-B14F-4D97-AF65-F5344CB8AC3E}">
+        <p14:creationId xmlns:p14="http://schemas.microsoft.com/office/powerpoint/2010/main" val="2615967115"/>
+      </p:ext>
+    </p:extLst>
+  </p:cSld>
+  <p:clrMapOvr>
+    <a:masterClrMapping/>
+  </p:clrMapOvr>
+  <p:timing>
+    <p:tnLst>
+      <p:par>
+        <p:cTn id="1" dur="indefinite" restart="never" nodeType="tmRoot">
+          <p:childTnLst>
+            <p:seq concurrent="1" nextAc="seek">
+              <p:cTn id="2" dur="indefinite" nodeType="mainSeq">
+                <p:childTnLst>
+                  <p:par>
+                    <p:cTn id="3" fill="hold">
+                      <p:stCondLst>
+                        <p:cond delay="indefinite"/>
+                      </p:stCondLst>
+                      <p:childTnLst>
+                        <p:par>
+                          <p:cTn id="4" fill="hold">
+                            <p:stCondLst>
+                              <p:cond delay="0"/>
+                            </p:stCondLst>
+                            <p:childTnLst>
+                              <p:par>
+                                <p:cTn id="5" presetID="1" presetClass="entr" presetSubtype="0" fill="hold" nodeType="clickEffect">
+                                  <p:stCondLst>
+                                    <p:cond delay="0"/>
+                                  </p:stCondLst>
+                                  <p:childTnLst>
+                                    <p:set>
+                                      <p:cBhvr>
+                                        <p:cTn id="6" dur="1" fill="hold">
+                                          <p:stCondLst>
+                                            <p:cond delay="0"/>
+                                          </p:stCondLst>
+                                        </p:cTn>
+                                        <p:tgtEl>
+                                          <p:spTgt spid="30"/>
+                                        </p:tgtEl>
+                                        <p:attrNameLst>
+                                          <p:attrName>style.visibility</p:attrName>
+                                        </p:attrNameLst>
+                                      </p:cBhvr>
+                                      <p:to>
+                                        <p:strVal val="visible"/>
+                                      </p:to>
+                                    </p:set>
+                                  </p:childTnLst>
+                                </p:cTn>
+                              </p:par>
+                            </p:childTnLst>
+                          </p:cTn>
+                        </p:par>
+                      </p:childTnLst>
+                    </p:cTn>
+                  </p:par>
+                  <p:par>
+                    <p:cTn id="7" fill="hold">
+                      <p:stCondLst>
+                        <p:cond delay="indefinite"/>
+                      </p:stCondLst>
+                      <p:childTnLst>
+                        <p:par>
+                          <p:cTn id="8" fill="hold">
+                            <p:stCondLst>
+                              <p:cond delay="0"/>
+                            </p:stCondLst>
+                            <p:childTnLst>
+                              <p:par>
+                                <p:cTn id="9" presetID="1" presetClass="entr" presetSubtype="0" fill="hold" nodeType="clickEffect">
+                                  <p:stCondLst>
+                                    <p:cond delay="0"/>
+                                  </p:stCondLst>
+                                  <p:childTnLst>
+                                    <p:set>
+                                      <p:cBhvr>
+                                        <p:cTn id="10" dur="1" fill="hold">
+                                          <p:stCondLst>
+                                            <p:cond delay="0"/>
+                                          </p:stCondLst>
+                                        </p:cTn>
+                                        <p:tgtEl>
+                                          <p:spTgt spid="31"/>
+                                        </p:tgtEl>
+                                        <p:attrNameLst>
+                                          <p:attrName>style.visibility</p:attrName>
+                                        </p:attrNameLst>
+                                      </p:cBhvr>
+                                      <p:to>
+                                        <p:strVal val="visible"/>
+                                      </p:to>
+                                    </p:set>
+                                  </p:childTnLst>
+                                </p:cTn>
+                              </p:par>
+                            </p:childTnLst>
+                          </p:cTn>
+                        </p:par>
+                      </p:childTnLst>
+                    </p:cTn>
+                  </p:par>
+                  <p:par>
+                    <p:cTn id="11" fill="hold">
+                      <p:stCondLst>
+                        <p:cond delay="indefinite"/>
+                      </p:stCondLst>
+                      <p:childTnLst>
+                        <p:par>
+                          <p:cTn id="12" fill="hold">
+                            <p:stCondLst>
+                              <p:cond delay="0"/>
+                            </p:stCondLst>
+                            <p:childTnLst>
+                              <p:par>
+                                <p:cTn id="13" presetID="1" presetClass="entr" presetSubtype="0" fill="hold" nodeType="clickEffect">
+                                  <p:stCondLst>
+                                    <p:cond delay="0"/>
+                                  </p:stCondLst>
+                                  <p:childTnLst>
+                                    <p:set>
+                                      <p:cBhvr>
+                                        <p:cTn id="14" dur="1" fill="hold">
+                                          <p:stCondLst>
+                                            <p:cond delay="0"/>
+                                          </p:stCondLst>
+                                        </p:cTn>
+                                        <p:tgtEl>
+                                          <p:spTgt spid="32"/>
+                                        </p:tgtEl>
+                                        <p:attrNameLst>
+                                          <p:attrName>style.visibility</p:attrName>
+                                        </p:attrNameLst>
+                                      </p:cBhvr>
+                                      <p:to>
+                                        <p:strVal val="visible"/>
+                                      </p:to>
+                                    </p:set>
+                                  </p:childTnLst>
+                                </p:cTn>
+                              </p:par>
+                            </p:childTnLst>
+                          </p:cTn>
+                        </p:par>
+                      </p:childTnLst>
+                    </p:cTn>
+                  </p:par>
+                  <p:par>
+                    <p:cTn id="15" fill="hold">
+                      <p:stCondLst>
+                        <p:cond delay="indefinite"/>
+                      </p:stCondLst>
+                      <p:childTnLst>
+                        <p:par>
+                          <p:cTn id="16" fill="hold">
+                            <p:stCondLst>
+                              <p:cond delay="0"/>
+                            </p:stCondLst>
+                            <p:childTnLst>
+                              <p:par>
+                                <p:cTn id="17" presetID="1" presetClass="entr" presetSubtype="0" fill="hold" nodeType="clickEffect">
+                                  <p:stCondLst>
+                                    <p:cond delay="0"/>
+                                  </p:stCondLst>
+                                  <p:childTnLst>
+                                    <p:set>
+                                      <p:cBhvr>
+                                        <p:cTn id="18" dur="1" fill="hold">
+                                          <p:stCondLst>
+                                            <p:cond delay="0"/>
+                                          </p:stCondLst>
+                                        </p:cTn>
+                                        <p:tgtEl>
+                                          <p:spTgt spid="33"/>
+                                        </p:tgtEl>
+                                        <p:attrNameLst>
+                                          <p:attrName>style.visibility</p:attrName>
+                                        </p:attrNameLst>
+                                      </p:cBhvr>
+                                      <p:to>
+                                        <p:strVal val="visible"/>
+                                      </p:to>
+                                    </p:set>
+                                  </p:childTnLst>
+                                </p:cTn>
+                              </p:par>
+                            </p:childTnLst>
+                          </p:cTn>
+                        </p:par>
+                      </p:childTnLst>
+                    </p:cTn>
+                  </p:par>
+                  <p:par>
+                    <p:cTn id="19" fill="hold">
+                      <p:stCondLst>
+                        <p:cond delay="indefinite"/>
+                      </p:stCondLst>
+                      <p:childTnLst>
+                        <p:par>
+                          <p:cTn id="20" fill="hold">
+                            <p:stCondLst>
+                              <p:cond delay="0"/>
+                            </p:stCondLst>
+                            <p:childTnLst>
+                              <p:par>
+                                <p:cTn id="21" presetID="1" presetClass="entr" presetSubtype="0" fill="hold" nodeType="clickEffect">
+                                  <p:stCondLst>
+                                    <p:cond delay="0"/>
+                                  </p:stCondLst>
+                                  <p:childTnLst>
+                                    <p:set>
+                                      <p:cBhvr>
+                                        <p:cTn id="22" dur="1" fill="hold">
+                                          <p:stCondLst>
+                                            <p:cond delay="0"/>
+                                          </p:stCondLst>
+                                        </p:cTn>
+                                        <p:tgtEl>
+                                          <p:spTgt spid="34"/>
+                                        </p:tgtEl>
+                                        <p:attrNameLst>
+                                          <p:attrName>style.visibility</p:attrName>
+                                        </p:attrNameLst>
+                                      </p:cBhvr>
+                                      <p:to>
+                                        <p:strVal val="visible"/>
+                                      </p:to>
+                                    </p:set>
+                                  </p:childTnLst>
+                                </p:cTn>
+                              </p:par>
+                            </p:childTnLst>
+                          </p:cTn>
+                        </p:par>
+                      </p:childTnLst>
+                    </p:cTn>
+                  </p:par>
+                  <p:par>
+                    <p:cTn id="23" fill="hold">
+                      <p:stCondLst>
+                        <p:cond delay="indefinite"/>
+                      </p:stCondLst>
+                      <p:childTnLst>
+                        <p:par>
+                          <p:cTn id="24" fill="hold">
+                            <p:stCondLst>
+                              <p:cond delay="0"/>
+                            </p:stCondLst>
+                            <p:childTnLst>
+                              <p:par>
+                                <p:cTn id="25" presetID="1" presetClass="entr" presetSubtype="0" fill="hold" nodeType="clickEffect">
+                                  <p:stCondLst>
+                                    <p:cond delay="0"/>
+                                  </p:stCondLst>
+                                  <p:childTnLst>
+                                    <p:set>
+                                      <p:cBhvr>
+                                        <p:cTn id="26" dur="1" fill="hold">
+                                          <p:stCondLst>
+                                            <p:cond delay="0"/>
+                                          </p:stCondLst>
+                                        </p:cTn>
+                                        <p:tgtEl>
+                                          <p:spTgt spid="35"/>
+                                        </p:tgtEl>
+                                        <p:attrNameLst>
+                                          <p:attrName>style.visibility</p:attrName>
+                                        </p:attrNameLst>
+                                      </p:cBhvr>
+                                      <p:to>
+                                        <p:strVal val="visible"/>
+                                      </p:to>
+                                    </p:set>
+                                  </p:childTnLst>
+                                </p:cTn>
+                              </p:par>
+                            </p:childTnLst>
+                          </p:cTn>
+                        </p:par>
+                      </p:childTnLst>
+                    </p:cTn>
+                  </p:par>
+                </p:childTnLst>
+              </p:cTn>
+              <p:prevCondLst>
+                <p:cond evt="onPrev" delay="0">
+                  <p:tgtEl>
+                    <p:sldTgt/>
+                  </p:tgtEl>
+                </p:cond>
+              </p:prevCondLst>
+              <p:nextCondLst>
+                <p:cond evt="onNext" delay="0">
+                  <p:tgtEl>
+                    <p:sldTgt/>
+                  </p:tgtEl>
+                </p:cond>
+              </p:nextCondLst>
+            </p:seq>
+          </p:childTnLst>
+        </p:cTn>
+      </p:par>
+    </p:tnLst>
+  </p:timing>
+</p:sld>
+</file>
+
+<file path=ppt/slides/slide7.xml><?xml version="1.0" encoding="utf-8"?>
+<p:sld xmlns:a="http://schemas.openxmlformats.org/drawingml/2006/main" xmlns:r="http://schemas.openxmlformats.org/officeDocument/2006/relationships" xmlns:p="http://schemas.openxmlformats.org/presentationml/2006/main">
+  <p:cSld>
+    <p:spTree>
+      <p:nvGrpSpPr>
+        <p:cNvPr id="1" name=""/>
+        <p:cNvGrpSpPr/>
+        <p:nvPr/>
+      </p:nvGrpSpPr>
+      <p:grpSpPr>
+        <a:xfrm>
+          <a:off x="0" y="0"/>
+          <a:ext cx="0" cy="0"/>
+          <a:chOff x="0" y="0"/>
+          <a:chExt cx="0" cy="0"/>
+        </a:xfrm>
+      </p:grpSpPr>
+      <p:sp>
+        <p:nvSpPr>
+          <p:cNvPr id="3" name="Espace réservé du contenu 2">
+            <a:extLst>
+              <a:ext uri="{FF2B5EF4-FFF2-40B4-BE49-F238E27FC236}">
+                <a16:creationId xmlns:a16="http://schemas.microsoft.com/office/drawing/2014/main" id="{26019C14-248F-4937-B7A1-BB6BDCB8ED35}"/>
+              </a:ext>
+            </a:extLst>
+          </p:cNvPr>
+          <p:cNvSpPr>
+            <a:spLocks noGrp="1"/>
+          </p:cNvSpPr>
+          <p:nvPr>
+            <p:ph idx="1"/>
+          </p:nvPr>
+        </p:nvSpPr>
+        <p:spPr>
+          <a:xfrm>
+            <a:off x="104774" y="1"/>
+            <a:ext cx="12191999" cy="6857999"/>
+          </a:xfrm>
+          <a:gradFill>
+            <a:gsLst>
+              <a:gs pos="0">
+                <a:schemeClr val="accent1">
+                  <a:lumMod val="5000"/>
+                  <a:lumOff val="95000"/>
+                </a:schemeClr>
+              </a:gs>
+              <a:gs pos="100000">
+                <a:schemeClr val="accent1"/>
+              </a:gs>
+            </a:gsLst>
+            <a:lin ang="5400000" scaled="1"/>
+          </a:gradFill>
+        </p:spPr>
+        <p:txBody>
+          <a:bodyPr/>
+          <a:lstStyle/>
+          <a:p>
+            <a:pPr marL="0" indent="0">
+              <a:buNone/>
+            </a:pPr>
+            <a:r>
+              <a:rPr lang="fr-FR" dirty="0"/>
+              <a:t>	</a:t>
+            </a:r>
+          </a:p>
+        </p:txBody>
+      </p:sp>
+      <p:sp>
+        <p:nvSpPr>
+          <p:cNvPr id="4" name="Content Placeholder 4">
+            <a:extLst>
+              <a:ext uri="{FF2B5EF4-FFF2-40B4-BE49-F238E27FC236}">
+                <a16:creationId xmlns:a16="http://schemas.microsoft.com/office/drawing/2014/main" id="{28BF37A0-76A8-4141-BCE3-F580E53F85BC}"/>
+              </a:ext>
+            </a:extLst>
+          </p:cNvPr>
+          <p:cNvSpPr txBox="1">
+            <a:spLocks/>
+          </p:cNvSpPr>
+          <p:nvPr/>
+        </p:nvSpPr>
+        <p:spPr>
+          <a:xfrm>
+            <a:off x="476249" y="1325564"/>
+            <a:ext cx="3592939" cy="5404100"/>
+          </a:xfrm>
+          <a:prstGeom prst="rect">
+            <a:avLst/>
+          </a:prstGeom>
+          <a:solidFill>
+            <a:schemeClr val="bg1">
+              <a:lumMod val="95000"/>
+            </a:schemeClr>
+          </a:solidFill>
+        </p:spPr>
+        <p:txBody>
+          <a:bodyPr vert="horz" lIns="91440" tIns="45720" rIns="91440" bIns="45720" rtlCol="0">
+            <a:normAutofit/>
+          </a:bodyPr>
+          <a:lstStyle>
+            <a:lvl1pPr marL="228600" indent="-228600" algn="l" defTabSz="914400" rtl="0" eaLnBrk="1" latinLnBrk="0" hangingPunct="1">
+              <a:lnSpc>
+                <a:spcPct val="90000"/>
+              </a:lnSpc>
+              <a:spcBef>
+                <a:spcPts val="1000"/>
+              </a:spcBef>
+              <a:buFont typeface="Arial" panose="020B0604020202020204" pitchFamily="34" charset="0"/>
+              <a:buChar char="•"/>
+              <a:defRPr sz="2800" kern="1200">
+                <a:solidFill>
+                  <a:schemeClr val="tx1"/>
+                </a:solidFill>
+                <a:latin typeface="+mn-lt"/>
+                <a:ea typeface="+mn-ea"/>
+                <a:cs typeface="+mn-cs"/>
+              </a:defRPr>
+            </a:lvl1pPr>
+            <a:lvl2pPr marL="685800" indent="-228600" algn="l" defTabSz="914400" rtl="0" eaLnBrk="1" latinLnBrk="0" hangingPunct="1">
+              <a:lnSpc>
+                <a:spcPct val="90000"/>
+              </a:lnSpc>
+              <a:spcBef>
+                <a:spcPts val="500"/>
+              </a:spcBef>
+              <a:buFont typeface="Arial" panose="020B0604020202020204" pitchFamily="34" charset="0"/>
+              <a:buChar char="•"/>
+              <a:defRPr sz="2400" kern="1200">
+                <a:solidFill>
+                  <a:schemeClr val="tx1"/>
+                </a:solidFill>
+                <a:latin typeface="+mn-lt"/>
+                <a:ea typeface="+mn-ea"/>
+                <a:cs typeface="+mn-cs"/>
+              </a:defRPr>
+            </a:lvl2pPr>
+            <a:lvl3pPr marL="1143000" indent="-228600" algn="l" defTabSz="914400" rtl="0" eaLnBrk="1" latinLnBrk="0" hangingPunct="1">
+              <a:lnSpc>
+                <a:spcPct val="90000"/>
+              </a:lnSpc>
+              <a:spcBef>
+                <a:spcPts val="500"/>
+              </a:spcBef>
+              <a:buFont typeface="Arial" panose="020B0604020202020204" pitchFamily="34" charset="0"/>
+              <a:buChar char="•"/>
+              <a:defRPr sz="2000" kern="1200">
+                <a:solidFill>
+                  <a:schemeClr val="tx1"/>
+                </a:solidFill>
+                <a:latin typeface="+mn-lt"/>
+                <a:ea typeface="+mn-ea"/>
+                <a:cs typeface="+mn-cs"/>
+              </a:defRPr>
+            </a:lvl3pPr>
+            <a:lvl4pPr marL="1600200" indent="-228600" algn="l" defTabSz="914400" rtl="0" eaLnBrk="1" latinLnBrk="0" hangingPunct="1">
+              <a:lnSpc>
+                <a:spcPct val="90000"/>
+              </a:lnSpc>
+              <a:spcBef>
+                <a:spcPts val="500"/>
+              </a:spcBef>
+              <a:buFont typeface="Arial" panose="020B0604020202020204" pitchFamily="34" charset="0"/>
+              <a:buChar char="•"/>
+              <a:defRPr sz="1800" kern="1200">
+                <a:solidFill>
+                  <a:schemeClr val="tx1"/>
+                </a:solidFill>
+                <a:latin typeface="+mn-lt"/>
+                <a:ea typeface="+mn-ea"/>
+                <a:cs typeface="+mn-cs"/>
+              </a:defRPr>
+            </a:lvl4pPr>
+            <a:lvl5pPr marL="2057400" indent="-228600" algn="l" defTabSz="914400" rtl="0" eaLnBrk="1" latinLnBrk="0" hangingPunct="1">
+              <a:lnSpc>
+                <a:spcPct val="90000"/>
+              </a:lnSpc>
+              <a:spcBef>
+                <a:spcPts val="500"/>
+              </a:spcBef>
+              <a:buFont typeface="Arial" panose="020B0604020202020204" pitchFamily="34" charset="0"/>
+              <a:buChar char="•"/>
+              <a:defRPr sz="1800" kern="1200">
+                <a:solidFill>
+                  <a:schemeClr val="tx1"/>
+                </a:solidFill>
+                <a:latin typeface="+mn-lt"/>
+                <a:ea typeface="+mn-ea"/>
+                <a:cs typeface="+mn-cs"/>
+              </a:defRPr>
+            </a:lvl5pPr>
+            <a:lvl6pPr marL="2514600" indent="-228600" algn="l" defTabSz="914400" rtl="0" eaLnBrk="1" latinLnBrk="0" hangingPunct="1">
+              <a:lnSpc>
+                <a:spcPct val="90000"/>
+              </a:lnSpc>
+              <a:spcBef>
+                <a:spcPts val="500"/>
+              </a:spcBef>
+              <a:buFont typeface="Arial" panose="020B0604020202020204" pitchFamily="34" charset="0"/>
+              <a:buChar char="•"/>
+              <a:defRPr sz="1800" kern="1200">
+                <a:solidFill>
+                  <a:schemeClr val="tx1"/>
+                </a:solidFill>
+                <a:latin typeface="+mn-lt"/>
+                <a:ea typeface="+mn-ea"/>
+                <a:cs typeface="+mn-cs"/>
+              </a:defRPr>
+            </a:lvl6pPr>
+            <a:lvl7pPr marL="2971800" indent="-228600" algn="l" defTabSz="914400" rtl="0" eaLnBrk="1" latinLnBrk="0" hangingPunct="1">
+              <a:lnSpc>
+                <a:spcPct val="90000"/>
+              </a:lnSpc>
+              <a:spcBef>
+                <a:spcPts val="500"/>
+              </a:spcBef>
+              <a:buFont typeface="Arial" panose="020B0604020202020204" pitchFamily="34" charset="0"/>
+              <a:buChar char="•"/>
+              <a:defRPr sz="1800" kern="1200">
+                <a:solidFill>
+                  <a:schemeClr val="tx1"/>
+                </a:solidFill>
+                <a:latin typeface="+mn-lt"/>
+                <a:ea typeface="+mn-ea"/>
+                <a:cs typeface="+mn-cs"/>
+              </a:defRPr>
+            </a:lvl7pPr>
+            <a:lvl8pPr marL="3429000" indent="-228600" algn="l" defTabSz="914400" rtl="0" eaLnBrk="1" latinLnBrk="0" hangingPunct="1">
+              <a:lnSpc>
+                <a:spcPct val="90000"/>
+              </a:lnSpc>
+              <a:spcBef>
+                <a:spcPts val="500"/>
+              </a:spcBef>
+              <a:buFont typeface="Arial" panose="020B0604020202020204" pitchFamily="34" charset="0"/>
+              <a:buChar char="•"/>
+              <a:defRPr sz="1800" kern="1200">
+                <a:solidFill>
+                  <a:schemeClr val="tx1"/>
+                </a:solidFill>
+                <a:latin typeface="+mn-lt"/>
+                <a:ea typeface="+mn-ea"/>
+                <a:cs typeface="+mn-cs"/>
+              </a:defRPr>
+            </a:lvl8pPr>
+            <a:lvl9pPr marL="3886200" indent="-228600" algn="l" defTabSz="914400" rtl="0" eaLnBrk="1" latinLnBrk="0" hangingPunct="1">
+              <a:lnSpc>
+                <a:spcPct val="90000"/>
+              </a:lnSpc>
+              <a:spcBef>
+                <a:spcPts val="500"/>
+              </a:spcBef>
+              <a:buFont typeface="Arial" panose="020B0604020202020204" pitchFamily="34" charset="0"/>
+              <a:buChar char="•"/>
+              <a:defRPr sz="1800" kern="1200">
+                <a:solidFill>
+                  <a:schemeClr val="tx1"/>
+                </a:solidFill>
+                <a:latin typeface="+mn-lt"/>
+                <a:ea typeface="+mn-ea"/>
+                <a:cs typeface="+mn-cs"/>
+              </a:defRPr>
+            </a:lvl9pPr>
+          </a:lstStyle>
+          <a:p>
+            <a:pPr marL="0" indent="0">
+              <a:buFont typeface="Arial" panose="020B0604020202020204" pitchFamily="34" charset="0"/>
+              <a:buNone/>
+            </a:pPr>
+            <a:r>
+              <a:rPr lang="en-US" b="1" dirty="0">
+                <a:solidFill>
+                  <a:schemeClr val="accent1"/>
+                </a:solidFill>
+              </a:rPr>
+              <a:t>Built-in Types</a:t>
+            </a:r>
+          </a:p>
+          <a:p>
+            <a:pPr marL="57150" indent="0">
+              <a:buFont typeface="Arial" panose="020B0604020202020204" pitchFamily="34" charset="0"/>
+              <a:buNone/>
+            </a:pPr>
+            <a:r>
+              <a:rPr lang="en-US" sz="2400" dirty="0"/>
+              <a:t>Integer</a:t>
+            </a:r>
+          </a:p>
+          <a:p>
+            <a:pPr marL="57150" indent="0">
+              <a:buFont typeface="Arial" panose="020B0604020202020204" pitchFamily="34" charset="0"/>
+              <a:buNone/>
+            </a:pPr>
+            <a:r>
+              <a:rPr lang="en-US" sz="2400" dirty="0"/>
+              <a:t>Floating point</a:t>
+            </a:r>
+          </a:p>
+          <a:p>
+            <a:pPr marL="57150" indent="0">
+              <a:buFont typeface="Arial" panose="020B0604020202020204" pitchFamily="34" charset="0"/>
+              <a:buNone/>
+            </a:pPr>
+            <a:r>
+              <a:rPr lang="en-US" sz="2400" dirty="0"/>
+              <a:t>String</a:t>
+            </a:r>
+          </a:p>
+          <a:p>
+            <a:pPr marL="57150" indent="0">
+              <a:buFont typeface="Arial" panose="020B0604020202020204" pitchFamily="34" charset="0"/>
+              <a:buNone/>
+            </a:pPr>
+            <a:r>
+              <a:rPr lang="en-US" sz="2400" dirty="0"/>
+              <a:t>Boolean</a:t>
+            </a:r>
+          </a:p>
+          <a:p>
+            <a:pPr marL="57150" indent="0">
+              <a:buFont typeface="Arial" panose="020B0604020202020204" pitchFamily="34" charset="0"/>
+              <a:buNone/>
+            </a:pPr>
+            <a:r>
+              <a:rPr lang="en-US" sz="2400" dirty="0"/>
+              <a:t>Complex number</a:t>
+            </a:r>
+          </a:p>
+        </p:txBody>
+      </p:sp>
+      <p:sp>
+        <p:nvSpPr>
+          <p:cNvPr id="5" name="Content Placeholder 4">
+            <a:extLst>
+              <a:ext uri="{FF2B5EF4-FFF2-40B4-BE49-F238E27FC236}">
+                <a16:creationId xmlns:a16="http://schemas.microsoft.com/office/drawing/2014/main" id="{AB10EE7A-9EF2-4843-BE7B-4F5C9065C501}"/>
+              </a:ext>
+            </a:extLst>
+          </p:cNvPr>
+          <p:cNvSpPr txBox="1">
+            <a:spLocks/>
+          </p:cNvSpPr>
+          <p:nvPr/>
+        </p:nvSpPr>
+        <p:spPr>
+          <a:xfrm>
+            <a:off x="6015298" y="1325564"/>
+            <a:ext cx="5903986" cy="5404100"/>
+          </a:xfrm>
+          <a:prstGeom prst="rect">
+            <a:avLst/>
+          </a:prstGeom>
+          <a:solidFill>
+            <a:schemeClr val="bg1">
+              <a:lumMod val="95000"/>
+            </a:schemeClr>
+          </a:solidFill>
+        </p:spPr>
+        <p:txBody>
+          <a:bodyPr vert="horz" lIns="91440" tIns="45720" rIns="91440" bIns="45720" rtlCol="0">
+            <a:normAutofit/>
+          </a:bodyPr>
+          <a:lstStyle>
+            <a:lvl1pPr marL="342900" indent="-342900" algn="l" defTabSz="914400" rtl="0" eaLnBrk="1" latinLnBrk="0" hangingPunct="1">
+              <a:spcBef>
+                <a:spcPct val="20000"/>
+              </a:spcBef>
+              <a:buFont typeface="Arial" pitchFamily="34" charset="0"/>
+              <a:buChar char="•"/>
+              <a:defRPr sz="3200" kern="1200">
+                <a:solidFill>
+                  <a:schemeClr val="tx1"/>
+                </a:solidFill>
+                <a:latin typeface="+mn-lt"/>
+                <a:ea typeface="+mn-ea"/>
+                <a:cs typeface="+mn-cs"/>
+              </a:defRPr>
+            </a:lvl1pPr>
+            <a:lvl2pPr marL="742950" indent="-285750" algn="l" defTabSz="914400" rtl="0" eaLnBrk="1" latinLnBrk="0" hangingPunct="1">
+              <a:spcBef>
+                <a:spcPct val="20000"/>
+              </a:spcBef>
+              <a:buFont typeface="Arial" pitchFamily="34" charset="0"/>
+              <a:buChar char="–"/>
+              <a:defRPr sz="2800" kern="1200">
+                <a:solidFill>
+                  <a:schemeClr val="tx1"/>
+                </a:solidFill>
+                <a:latin typeface="+mn-lt"/>
+                <a:ea typeface="+mn-ea"/>
+                <a:cs typeface="+mn-cs"/>
+              </a:defRPr>
+            </a:lvl2pPr>
+            <a:lvl3pPr marL="1143000" indent="-228600" algn="l" defTabSz="914400" rtl="0" eaLnBrk="1" latinLnBrk="0" hangingPunct="1">
+              <a:spcBef>
+                <a:spcPct val="20000"/>
+              </a:spcBef>
+              <a:buFont typeface="Arial" pitchFamily="34" charset="0"/>
+              <a:buChar char="•"/>
+              <a:defRPr sz="2400" kern="1200">
+                <a:solidFill>
+                  <a:schemeClr val="tx1"/>
+                </a:solidFill>
+                <a:latin typeface="+mn-lt"/>
+                <a:ea typeface="+mn-ea"/>
+                <a:cs typeface="+mn-cs"/>
+              </a:defRPr>
+            </a:lvl3pPr>
+            <a:lvl4pPr marL="1600200" indent="-228600" algn="l" defTabSz="914400" rtl="0" eaLnBrk="1" latinLnBrk="0" hangingPunct="1">
+              <a:spcBef>
+                <a:spcPct val="20000"/>
+              </a:spcBef>
+              <a:buFont typeface="Arial" pitchFamily="34" charset="0"/>
+              <a:buChar char="–"/>
+              <a:defRPr sz="2000" kern="1200">
+                <a:solidFill>
+                  <a:schemeClr val="tx1"/>
+                </a:solidFill>
+                <a:latin typeface="+mn-lt"/>
+                <a:ea typeface="+mn-ea"/>
+                <a:cs typeface="+mn-cs"/>
+              </a:defRPr>
+            </a:lvl4pPr>
+            <a:lvl5pPr marL="2057400" indent="-228600" algn="l" defTabSz="914400" rtl="0" eaLnBrk="1" latinLnBrk="0" hangingPunct="1">
+              <a:spcBef>
+                <a:spcPct val="20000"/>
+              </a:spcBef>
+              <a:buFont typeface="Arial" pitchFamily="34" charset="0"/>
+              <a:buChar char="»"/>
+              <a:defRPr sz="2000" kern="1200">
+                <a:solidFill>
+                  <a:schemeClr val="tx1"/>
+                </a:solidFill>
+                <a:latin typeface="+mn-lt"/>
+                <a:ea typeface="+mn-ea"/>
+                <a:cs typeface="+mn-cs"/>
+              </a:defRPr>
+            </a:lvl5pPr>
+            <a:lvl6pPr marL="2514600" indent="-228600" algn="l" defTabSz="914400" rtl="0" eaLnBrk="1" latinLnBrk="0" hangingPunct="1">
+              <a:spcBef>
+                <a:spcPct val="20000"/>
+              </a:spcBef>
+              <a:buFont typeface="Arial" pitchFamily="34" charset="0"/>
+              <a:buChar char="•"/>
+              <a:defRPr sz="2000" kern="1200">
+                <a:solidFill>
+                  <a:schemeClr val="tx1"/>
+                </a:solidFill>
+                <a:latin typeface="+mn-lt"/>
+                <a:ea typeface="+mn-ea"/>
+                <a:cs typeface="+mn-cs"/>
+              </a:defRPr>
+            </a:lvl6pPr>
+            <a:lvl7pPr marL="2971800" indent="-228600" algn="l" defTabSz="914400" rtl="0" eaLnBrk="1" latinLnBrk="0" hangingPunct="1">
+              <a:spcBef>
+                <a:spcPct val="20000"/>
+              </a:spcBef>
+              <a:buFont typeface="Arial" pitchFamily="34" charset="0"/>
+              <a:buChar char="•"/>
+              <a:defRPr sz="2000" kern="1200">
+                <a:solidFill>
+                  <a:schemeClr val="tx1"/>
+                </a:solidFill>
+                <a:latin typeface="+mn-lt"/>
+                <a:ea typeface="+mn-ea"/>
+                <a:cs typeface="+mn-cs"/>
+              </a:defRPr>
+            </a:lvl7pPr>
+            <a:lvl8pPr marL="3429000" indent="-228600" algn="l" defTabSz="914400" rtl="0" eaLnBrk="1" latinLnBrk="0" hangingPunct="1">
+              <a:spcBef>
+                <a:spcPct val="20000"/>
+              </a:spcBef>
+              <a:buFont typeface="Arial" pitchFamily="34" charset="0"/>
+              <a:buChar char="•"/>
+              <a:defRPr sz="2000" kern="1200">
+                <a:solidFill>
+                  <a:schemeClr val="tx1"/>
+                </a:solidFill>
+                <a:latin typeface="+mn-lt"/>
+                <a:ea typeface="+mn-ea"/>
+                <a:cs typeface="+mn-cs"/>
+              </a:defRPr>
+            </a:lvl8pPr>
+            <a:lvl9pPr marL="3886200" indent="-228600" algn="l" defTabSz="914400" rtl="0" eaLnBrk="1" latinLnBrk="0" hangingPunct="1">
+              <a:spcBef>
+                <a:spcPct val="20000"/>
+              </a:spcBef>
+              <a:buFont typeface="Arial" pitchFamily="34" charset="0"/>
+              <a:buChar char="•"/>
+              <a:defRPr sz="2000" kern="1200">
+                <a:solidFill>
+                  <a:schemeClr val="tx1"/>
+                </a:solidFill>
+                <a:latin typeface="+mn-lt"/>
+                <a:ea typeface="+mn-ea"/>
+                <a:cs typeface="+mn-cs"/>
+              </a:defRPr>
+            </a:lvl9pPr>
+          </a:lstStyle>
+          <a:p>
+            <a:pPr marL="0" indent="0">
+              <a:buFont typeface="Arial" pitchFamily="34" charset="0"/>
+              <a:buNone/>
+              <a:tabLst>
+                <a:tab pos="1371600" algn="l"/>
+              </a:tabLst>
+            </a:pPr>
+            <a:r>
+              <a:rPr lang="en-US" sz="2800" b="1" dirty="0">
+                <a:solidFill>
+                  <a:schemeClr val="accent1"/>
+                </a:solidFill>
+              </a:rPr>
+              <a:t>Type Conversion</a:t>
+            </a:r>
+          </a:p>
+          <a:p>
+            <a:pPr marL="57150" indent="0">
+              <a:buFont typeface="Arial" pitchFamily="34" charset="0"/>
+              <a:buNone/>
+              <a:tabLst>
+                <a:tab pos="1371600" algn="l"/>
+              </a:tabLst>
+            </a:pPr>
+            <a:r>
+              <a:rPr lang="en-US" sz="2400" dirty="0"/>
+              <a:t>int()	# string to integer</a:t>
+            </a:r>
+          </a:p>
+          <a:p>
+            <a:pPr marL="57150" indent="0">
+              <a:buFont typeface="Arial" pitchFamily="34" charset="0"/>
+              <a:buNone/>
+              <a:tabLst>
+                <a:tab pos="1371600" algn="l"/>
+              </a:tabLst>
+            </a:pPr>
+            <a:r>
+              <a:rPr lang="en-US" sz="2400" dirty="0"/>
+              <a:t>float()	# string to float</a:t>
+            </a:r>
+          </a:p>
+          <a:p>
+            <a:pPr marL="57150" indent="0">
+              <a:buFont typeface="Arial" pitchFamily="34" charset="0"/>
+              <a:buNone/>
+              <a:tabLst>
+                <a:tab pos="1371600" algn="l"/>
+              </a:tabLst>
+            </a:pPr>
+            <a:r>
+              <a:rPr lang="en-US" sz="2400" dirty="0"/>
+              <a:t>str()	# number to string</a:t>
+            </a:r>
+          </a:p>
+          <a:p>
+            <a:pPr marL="57150" indent="0">
+              <a:buFont typeface="Arial" pitchFamily="34" charset="0"/>
+              <a:buNone/>
+              <a:tabLst>
+                <a:tab pos="1371600" algn="l"/>
+              </a:tabLst>
+            </a:pPr>
+            <a:r>
+              <a:rPr lang="en-US" sz="2400" dirty="0"/>
+              <a:t>bool()	# 0, [], None =&gt; False</a:t>
+            </a:r>
+          </a:p>
+          <a:p>
+            <a:pPr marL="57150" indent="0">
+              <a:buFont typeface="Arial" pitchFamily="34" charset="0"/>
+              <a:buNone/>
+              <a:tabLst>
+                <a:tab pos="1371600" algn="l"/>
+              </a:tabLst>
+            </a:pPr>
+            <a:r>
+              <a:rPr lang="en-US" sz="2400" dirty="0"/>
+              <a:t>hex()	# decimal to hex</a:t>
+            </a:r>
+          </a:p>
+          <a:p>
+            <a:pPr marL="57150" indent="0">
+              <a:buFont typeface="Arial" pitchFamily="34" charset="0"/>
+              <a:buNone/>
+              <a:tabLst>
+                <a:tab pos="1371600" algn="l"/>
+              </a:tabLst>
+            </a:pPr>
+            <a:r>
+              <a:rPr lang="en-US" sz="2400" dirty="0"/>
+              <a:t>ord()	# ASCII value</a:t>
+            </a:r>
+          </a:p>
+        </p:txBody>
+      </p:sp>
+      <p:sp>
+        <p:nvSpPr>
+          <p:cNvPr id="2" name="Titre 1">
+            <a:extLst>
+              <a:ext uri="{FF2B5EF4-FFF2-40B4-BE49-F238E27FC236}">
+                <a16:creationId xmlns:a16="http://schemas.microsoft.com/office/drawing/2014/main" id="{C2DDB91C-04E9-41CA-9731-E7D1B6B6D47E}"/>
+              </a:ext>
+            </a:extLst>
+          </p:cNvPr>
+          <p:cNvSpPr>
+            <a:spLocks noGrp="1"/>
+          </p:cNvSpPr>
+          <p:nvPr>
+            <p:ph type="title"/>
+          </p:nvPr>
+        </p:nvSpPr>
+        <p:spPr>
+          <a:xfrm>
+            <a:off x="0" y="-238124"/>
+            <a:ext cx="12192000" cy="1325563"/>
+          </a:xfrm>
+        </p:spPr>
+        <p:txBody>
+          <a:bodyPr>
+            <a:normAutofit/>
+          </a:bodyPr>
+          <a:lstStyle/>
+          <a:p>
+            <a:pPr algn="ctr"/>
+            <a:r>
+              <a:rPr lang="en-US" sz="6000" dirty="0">
+                <a:solidFill>
+                  <a:schemeClr val="accent5">
+                    <a:lumMod val="75000"/>
+                  </a:schemeClr>
+                </a:solidFill>
+              </a:rPr>
+              <a:t>Python Variables</a:t>
+            </a:r>
+            <a:endParaRPr lang="fr-FR" sz="6000" dirty="0">
+              <a:solidFill>
+                <a:schemeClr val="accent5">
+                  <a:lumMod val="75000"/>
+                </a:schemeClr>
+              </a:solidFill>
+            </a:endParaRPr>
+          </a:p>
+        </p:txBody>
+      </p:sp>
+    </p:spTree>
+    <p:extLst>
+      <p:ext uri="{BB962C8B-B14F-4D97-AF65-F5344CB8AC3E}">
+        <p14:creationId xmlns:p14="http://schemas.microsoft.com/office/powerpoint/2010/main" val="801042431"/>
+      </p:ext>
+    </p:extLst>
+  </p:cSld>
+  <p:clrMapOvr>
+    <a:masterClrMapping/>
+  </p:clrMapOvr>
+  <p:timing>
+    <p:tnLst>
+      <p:par>
+        <p:cTn id="1" dur="indefinite" restart="never" nodeType="tmRoot">
+          <p:childTnLst>
+            <p:seq concurrent="1" nextAc="seek">
+              <p:cTn id="2" dur="indefinite" nodeType="mainSeq">
+                <p:childTnLst>
+                  <p:par>
+                    <p:cTn id="3" fill="hold">
+                      <p:stCondLst>
+                        <p:cond delay="indefinite"/>
+                      </p:stCondLst>
+                      <p:childTnLst>
+                        <p:par>
+                          <p:cTn id="4" fill="hold">
+                            <p:stCondLst>
+                              <p:cond delay="0"/>
+                            </p:stCondLst>
+                            <p:childTnLst>
+                              <p:par>
+                                <p:cTn id="5" presetID="1" presetClass="entr" presetSubtype="0" fill="hold" grpId="0" nodeType="clickEffect">
+                                  <p:stCondLst>
+                                    <p:cond delay="0"/>
+                                  </p:stCondLst>
+                                  <p:childTnLst>
+                                    <p:set>
+                                      <p:cBhvr>
+                                        <p:cTn id="6" dur="1" fill="hold">
+                                          <p:stCondLst>
+                                            <p:cond delay="0"/>
+                                          </p:stCondLst>
+                                        </p:cTn>
+                                        <p:tgtEl>
+                                          <p:spTgt spid="5"/>
+                                        </p:tgtEl>
+                                        <p:attrNameLst>
+                                          <p:attrName>style.visibility</p:attrName>
+                                        </p:attrNameLst>
+                                      </p:cBhvr>
+                                      <p:to>
+                                        <p:strVal val="visible"/>
+                                      </p:to>
+                                    </p:set>
+                                  </p:childTnLst>
+                                </p:cTn>
+                              </p:par>
+                            </p:childTnLst>
+                          </p:cTn>
+                        </p:par>
+                      </p:childTnLst>
+                    </p:cTn>
+                  </p:par>
+                </p:childTnLst>
+              </p:cTn>
+              <p:prevCondLst>
+                <p:cond evt="onPrev" delay="0">
+                  <p:tgtEl>
+                    <p:sldTgt/>
+                  </p:tgtEl>
+                </p:cond>
+              </p:prevCondLst>
+              <p:nextCondLst>
+                <p:cond evt="onNext" delay="0">
+                  <p:tgtEl>
+                    <p:sldTgt/>
+                  </p:tgtEl>
+                </p:cond>
+              </p:nextCondLst>
+            </p:seq>
+          </p:childTnLst>
+        </p:cTn>
+      </p:par>
+    </p:tnLst>
+    <p:bldLst>
+      <p:bldP spid="5" grpId="0" animBg="1"/>
+    </p:bldLst>
+  </p:timing>
+</p:sld>
+</file>
+
+<file path=ppt/slides/slide8.xml><?xml version="1.0" encoding="utf-8"?>
+<p:sld xmlns:a="http://schemas.openxmlformats.org/drawingml/2006/main" xmlns:r="http://schemas.openxmlformats.org/officeDocument/2006/relationships" xmlns:p="http://schemas.openxmlformats.org/presentationml/2006/main">
+  <p:cSld>
+    <p:spTree>
+      <p:nvGrpSpPr>
+        <p:cNvPr id="1" name=""/>
+        <p:cNvGrpSpPr/>
+        <p:nvPr/>
+      </p:nvGrpSpPr>
+      <p:grpSpPr>
+        <a:xfrm>
+          <a:off x="0" y="0"/>
+          <a:ext cx="0" cy="0"/>
+          <a:chOff x="0" y="0"/>
+          <a:chExt cx="0" cy="0"/>
+        </a:xfrm>
+      </p:grpSpPr>
+      <p:sp>
+        <p:nvSpPr>
+          <p:cNvPr id="3" name="Espace réservé du contenu 2">
+            <a:extLst>
+              <a:ext uri="{FF2B5EF4-FFF2-40B4-BE49-F238E27FC236}">
+                <a16:creationId xmlns:a16="http://schemas.microsoft.com/office/drawing/2014/main" id="{26019C14-248F-4937-B7A1-BB6BDCB8ED35}"/>
+              </a:ext>
+            </a:extLst>
+          </p:cNvPr>
+          <p:cNvSpPr>
+            <a:spLocks noGrp="1"/>
+          </p:cNvSpPr>
+          <p:nvPr>
+            <p:ph idx="1"/>
+          </p:nvPr>
+        </p:nvSpPr>
+        <p:spPr>
+          <a:xfrm>
+            <a:off x="-1" y="0"/>
+            <a:ext cx="12191999" cy="6857999"/>
+          </a:xfrm>
+          <a:gradFill>
+            <a:gsLst>
+              <a:gs pos="0">
+                <a:schemeClr val="accent1">
+                  <a:lumMod val="5000"/>
+                  <a:lumOff val="95000"/>
+                </a:schemeClr>
+              </a:gs>
+              <a:gs pos="100000">
+                <a:schemeClr val="accent1"/>
+              </a:gs>
+            </a:gsLst>
+            <a:lin ang="5400000" scaled="1"/>
+          </a:gradFill>
+        </p:spPr>
+        <p:txBody>
+          <a:bodyPr/>
+          <a:lstStyle/>
+          <a:p>
+            <a:pPr marL="0" indent="0">
+              <a:buNone/>
+            </a:pPr>
+            <a:r>
+              <a:rPr lang="fr-FR" dirty="0"/>
+              <a:t>	</a:t>
+            </a:r>
+          </a:p>
+          <a:p>
+            <a:pPr marL="0" indent="0">
+              <a:buNone/>
+            </a:pPr>
+            <a:endParaRPr lang="fr-FR" dirty="0"/>
+          </a:p>
+          <a:p>
+            <a:pPr marL="0" indent="0">
+              <a:buNone/>
+            </a:pPr>
+            <a:endParaRPr lang="fr-FR" dirty="0"/>
+          </a:p>
+          <a:p>
+            <a:pPr marL="0" indent="0">
+              <a:buNone/>
+            </a:pPr>
+            <a:endParaRPr lang="fr-FR" dirty="0"/>
+          </a:p>
+          <a:p>
+            <a:r>
+              <a:rPr lang="en-US" sz="2000" dirty="0"/>
+              <a:t>Naming can have letters, numbers and underscore, but cannot start with a number</a:t>
+            </a:r>
+          </a:p>
+          <a:p>
+            <a:r>
+              <a:rPr lang="en-US" sz="2000" dirty="0"/>
+              <a:t>Some Python reserved words cannot be used (</a:t>
+            </a:r>
+            <a:r>
+              <a:rPr lang="en-US" sz="2000" dirty="0" err="1"/>
+              <a:t>eg.</a:t>
+            </a:r>
+            <a:r>
+              <a:rPr lang="en-US" sz="2000" dirty="0"/>
+              <a:t> if, for, in, open)</a:t>
+            </a:r>
+          </a:p>
+          <a:p>
+            <a:r>
+              <a:rPr lang="en-US" sz="2000" dirty="0"/>
+              <a:t>Use descriptive variable names</a:t>
+            </a:r>
+          </a:p>
+          <a:p>
+            <a:pPr lvl="1"/>
+            <a:r>
+              <a:rPr lang="en-US" sz="1600" dirty="0" err="1"/>
+              <a:t>first_name</a:t>
+            </a:r>
+            <a:r>
+              <a:rPr lang="en-US" sz="1600" dirty="0"/>
+              <a:t>, </a:t>
+            </a:r>
+            <a:r>
+              <a:rPr lang="en-US" sz="1600" dirty="0" err="1"/>
+              <a:t>date_of_birth</a:t>
+            </a:r>
+            <a:r>
+              <a:rPr lang="en-US" sz="1600" dirty="0"/>
+              <a:t>, </a:t>
+            </a:r>
+            <a:r>
+              <a:rPr lang="en-US" sz="1600" dirty="0" err="1"/>
+              <a:t>hair_color</a:t>
+            </a:r>
+            <a:endParaRPr lang="en-US" sz="1600" dirty="0"/>
+          </a:p>
+          <a:p>
+            <a:r>
+              <a:rPr lang="en-US" sz="2000" dirty="0"/>
+              <a:t>Case Matters</a:t>
+            </a:r>
+          </a:p>
+          <a:p>
+            <a:pPr lvl="1"/>
+            <a:r>
+              <a:rPr lang="en-US" sz="1600" dirty="0"/>
+              <a:t>name is not the same as Name</a:t>
+            </a:r>
+          </a:p>
+          <a:p>
+            <a:r>
+              <a:rPr lang="en-US" sz="2000" dirty="0"/>
+              <a:t>Constants in all caps: </a:t>
+            </a:r>
+            <a:br>
+              <a:rPr lang="en-US" sz="2000" dirty="0"/>
+            </a:br>
+            <a:r>
+              <a:rPr lang="en-US" sz="2000" dirty="0"/>
+              <a:t>PI = 3.14159, DOZEN = 12</a:t>
+            </a:r>
+          </a:p>
+          <a:p>
+            <a:pPr marL="0" indent="0">
+              <a:buNone/>
+            </a:pPr>
+            <a:endParaRPr lang="fr-FR" dirty="0"/>
+          </a:p>
+        </p:txBody>
+      </p:sp>
+      <p:sp>
+        <p:nvSpPr>
+          <p:cNvPr id="2" name="Titre 1">
+            <a:extLst>
+              <a:ext uri="{FF2B5EF4-FFF2-40B4-BE49-F238E27FC236}">
+                <a16:creationId xmlns:a16="http://schemas.microsoft.com/office/drawing/2014/main" id="{C2DDB91C-04E9-41CA-9731-E7D1B6B6D47E}"/>
+              </a:ext>
+            </a:extLst>
+          </p:cNvPr>
+          <p:cNvSpPr>
+            <a:spLocks noGrp="1"/>
+          </p:cNvSpPr>
+          <p:nvPr>
+            <p:ph type="title"/>
+          </p:nvPr>
+        </p:nvSpPr>
+        <p:spPr>
+          <a:xfrm>
+            <a:off x="-2" y="1"/>
+            <a:ext cx="12192000" cy="1325563"/>
+          </a:xfrm>
+        </p:spPr>
+        <p:txBody>
+          <a:bodyPr>
+            <a:normAutofit/>
+          </a:bodyPr>
+          <a:lstStyle/>
+          <a:p>
+            <a:pPr algn="ctr"/>
+            <a:r>
+              <a:rPr lang="en-US" sz="6000" dirty="0">
+                <a:solidFill>
+                  <a:schemeClr val="accent5">
+                    <a:lumMod val="75000"/>
+                  </a:schemeClr>
+                </a:solidFill>
+              </a:rPr>
+              <a:t>Variable Naming Tips</a:t>
+            </a:r>
+            <a:endParaRPr lang="fr-FR" sz="6000" dirty="0">
+              <a:solidFill>
+                <a:schemeClr val="accent5">
+                  <a:lumMod val="75000"/>
+                </a:schemeClr>
+              </a:solidFill>
+            </a:endParaRPr>
+          </a:p>
+        </p:txBody>
+      </p:sp>
+      <p:sp>
+        <p:nvSpPr>
+          <p:cNvPr id="6" name="Rectangle 5">
+            <a:extLst>
+              <a:ext uri="{FF2B5EF4-FFF2-40B4-BE49-F238E27FC236}">
+                <a16:creationId xmlns:a16="http://schemas.microsoft.com/office/drawing/2014/main" id="{B440A00E-0D5E-444D-83EC-0AE476A1BBF7}"/>
+              </a:ext>
+            </a:extLst>
+          </p:cNvPr>
+          <p:cNvSpPr/>
+          <p:nvPr/>
+        </p:nvSpPr>
+        <p:spPr>
+          <a:xfrm>
+            <a:off x="6973545" y="3377683"/>
+            <a:ext cx="4431184" cy="2121932"/>
+          </a:xfrm>
+          <a:prstGeom prst="rect">
+            <a:avLst/>
+          </a:prstGeom>
+          <a:solidFill>
+            <a:schemeClr val="bg1">
+              <a:lumMod val="95000"/>
+            </a:schemeClr>
+          </a:solidFill>
+          <a:ln>
+            <a:noFill/>
+          </a:ln>
+        </p:spPr>
+        <p:style>
+          <a:lnRef idx="2">
+            <a:schemeClr val="accent1">
+              <a:shade val="50000"/>
+            </a:schemeClr>
+          </a:lnRef>
+          <a:fillRef idx="1">
+            <a:schemeClr val="accent1"/>
+          </a:fillRef>
+          <a:effectRef idx="0">
+            <a:schemeClr val="accent1"/>
+          </a:effectRef>
+          <a:fontRef idx="minor">
+            <a:schemeClr val="lt1"/>
+          </a:fontRef>
+        </p:style>
+        <p:txBody>
+          <a:bodyPr rtlCol="0" anchor="t"/>
+          <a:lstStyle/>
+          <a:p>
+            <a:r>
+              <a:rPr lang="en-US" dirty="0">
+                <a:solidFill>
+                  <a:schemeClr val="tx1"/>
+                </a:solidFill>
+              </a:rPr>
+              <a:t>All variables in Python are </a:t>
+            </a:r>
+            <a:r>
+              <a:rPr lang="en-US" i="1" dirty="0">
+                <a:solidFill>
+                  <a:schemeClr val="tx1"/>
+                </a:solidFill>
+              </a:rPr>
+              <a:t>reference variables</a:t>
+            </a:r>
+            <a:r>
+              <a:rPr lang="en-US" dirty="0">
+                <a:solidFill>
+                  <a:schemeClr val="tx1"/>
+                </a:solidFill>
+              </a:rPr>
+              <a:t>, meaning the variable contains a memory address to where the data is stored.</a:t>
+            </a:r>
+          </a:p>
+        </p:txBody>
+      </p:sp>
+      <p:graphicFrame>
+        <p:nvGraphicFramePr>
+          <p:cNvPr id="7" name="Table 3">
+            <a:extLst>
+              <a:ext uri="{FF2B5EF4-FFF2-40B4-BE49-F238E27FC236}">
+                <a16:creationId xmlns:a16="http://schemas.microsoft.com/office/drawing/2014/main" id="{8EFB149A-B33F-40B5-BC0C-827B7893B5C1}"/>
+              </a:ext>
+            </a:extLst>
+          </p:cNvPr>
+          <p:cNvGraphicFramePr>
+            <a:graphicFrameLocks noGrp="1"/>
+          </p:cNvGraphicFramePr>
+          <p:nvPr>
+            <p:extLst>
+              <p:ext uri="{D42A27DB-BD31-4B8C-83A1-F6EECF244321}">
+                <p14:modId xmlns:p14="http://schemas.microsoft.com/office/powerpoint/2010/main" val="2858103650"/>
+              </p:ext>
+            </p:extLst>
+          </p:nvPr>
+        </p:nvGraphicFramePr>
+        <p:xfrm>
+          <a:off x="8070165" y="4591050"/>
+          <a:ext cx="3124200" cy="741680"/>
+        </p:xfrm>
+        <a:graphic>
+          <a:graphicData uri="http://schemas.openxmlformats.org/drawingml/2006/table">
+            <a:tbl>
+              <a:tblPr firstRow="1" bandRow="1">
+                <a:tableStyleId>{5940675A-B579-460E-94D1-54222C63F5DA}</a:tableStyleId>
+              </a:tblPr>
+              <a:tblGrid>
+                <a:gridCol w="1714500">
+                  <a:extLst>
+                    <a:ext uri="{9D8B030D-6E8A-4147-A177-3AD203B41FA5}">
+                      <a16:colId xmlns:a16="http://schemas.microsoft.com/office/drawing/2014/main" val="20000"/>
+                    </a:ext>
+                  </a:extLst>
+                </a:gridCol>
+                <a:gridCol w="1409700">
+                  <a:extLst>
+                    <a:ext uri="{9D8B030D-6E8A-4147-A177-3AD203B41FA5}">
+                      <a16:colId xmlns:a16="http://schemas.microsoft.com/office/drawing/2014/main" val="20001"/>
+                    </a:ext>
+                  </a:extLst>
+                </a:gridCol>
+              </a:tblGrid>
+              <a:tr h="370840">
+                <a:tc>
+                  <a:txBody>
+                    <a:bodyPr/>
+                    <a:lstStyle/>
+                    <a:p>
+                      <a:r>
+                        <a:rPr lang="en-US" sz="1600" b="1" dirty="0"/>
+                        <a:t>Memory Address</a:t>
+                      </a:r>
+                    </a:p>
+                  </a:txBody>
+                  <a:tcPr/>
+                </a:tc>
+                <a:tc>
+                  <a:txBody>
+                    <a:bodyPr/>
+                    <a:lstStyle/>
+                    <a:p>
+                      <a:r>
+                        <a:rPr lang="en-US" sz="1600" b="1" dirty="0"/>
+                        <a:t>Data</a:t>
+                      </a:r>
+                    </a:p>
+                  </a:txBody>
+                  <a:tcPr/>
+                </a:tc>
+                <a:extLst>
+                  <a:ext uri="{0D108BD9-81ED-4DB2-BD59-A6C34878D82A}">
+                    <a16:rowId xmlns:a16="http://schemas.microsoft.com/office/drawing/2014/main" val="10000"/>
+                  </a:ext>
+                </a:extLst>
+              </a:tr>
+              <a:tr h="370840">
+                <a:tc>
+                  <a:txBody>
+                    <a:bodyPr/>
+                    <a:lstStyle/>
+                    <a:p>
+                      <a:r>
+                        <a:rPr lang="en-US" dirty="0"/>
+                        <a:t>21F7h</a:t>
+                      </a:r>
+                    </a:p>
+                  </a:txBody>
+                  <a:tcPr/>
+                </a:tc>
+                <a:tc>
+                  <a:txBody>
+                    <a:bodyPr/>
+                    <a:lstStyle/>
+                    <a:p>
+                      <a:r>
+                        <a:rPr lang="en-US" dirty="0"/>
+                        <a:t>‘Cassandra’</a:t>
+                      </a:r>
+                    </a:p>
+                  </a:txBody>
+                  <a:tcPr/>
+                </a:tc>
+                <a:extLst>
+                  <a:ext uri="{0D108BD9-81ED-4DB2-BD59-A6C34878D82A}">
+                    <a16:rowId xmlns:a16="http://schemas.microsoft.com/office/drawing/2014/main" val="10001"/>
+                  </a:ext>
+                </a:extLst>
+              </a:tr>
+            </a:tbl>
+          </a:graphicData>
+        </a:graphic>
+      </p:graphicFrame>
+      <p:sp>
+        <p:nvSpPr>
+          <p:cNvPr id="8" name="TextBox 4">
+            <a:extLst>
+              <a:ext uri="{FF2B5EF4-FFF2-40B4-BE49-F238E27FC236}">
+                <a16:creationId xmlns:a16="http://schemas.microsoft.com/office/drawing/2014/main" id="{F683B3CD-45DF-42A4-8128-BD0C00730C49}"/>
+              </a:ext>
+            </a:extLst>
+          </p:cNvPr>
+          <p:cNvSpPr txBox="1"/>
+          <p:nvPr/>
+        </p:nvSpPr>
+        <p:spPr>
+          <a:xfrm>
+            <a:off x="7003365" y="4972050"/>
+            <a:ext cx="716863" cy="369332"/>
+          </a:xfrm>
+          <a:prstGeom prst="rect">
+            <a:avLst/>
+          </a:prstGeom>
+          <a:noFill/>
+        </p:spPr>
+        <p:txBody>
+          <a:bodyPr wrap="none" rtlCol="0">
+            <a:spAutoFit/>
+          </a:bodyPr>
+          <a:lstStyle/>
+          <a:p>
+            <a:r>
+              <a:rPr lang="en-US" dirty="0"/>
+              <a:t>name</a:t>
+            </a:r>
+          </a:p>
+        </p:txBody>
+      </p:sp>
+    </p:spTree>
+    <p:extLst>
+      <p:ext uri="{BB962C8B-B14F-4D97-AF65-F5344CB8AC3E}">
+        <p14:creationId xmlns:p14="http://schemas.microsoft.com/office/powerpoint/2010/main" val="2712722017"/>
+      </p:ext>
+    </p:extLst>
+  </p:cSld>
+  <p:clrMapOvr>
+    <a:masterClrMapping/>
+  </p:clrMapOvr>
+</p:sld>
+</file>
+
+<file path=ppt/slides/slide9.xml><?xml version="1.0" encoding="utf-8"?>
+<p:sld xmlns:a="http://schemas.openxmlformats.org/drawingml/2006/main" xmlns:r="http://schemas.openxmlformats.org/officeDocument/2006/relationships" xmlns:p="http://schemas.openxmlformats.org/presentationml/2006/main">
+  <p:cSld>
+    <p:spTree>
+      <p:nvGrpSpPr>
+        <p:cNvPr id="1" name=""/>
+        <p:cNvGrpSpPr/>
+        <p:nvPr/>
+      </p:nvGrpSpPr>
+      <p:grpSpPr>
+        <a:xfrm>
+          <a:off x="0" y="0"/>
+          <a:ext cx="0" cy="0"/>
+          <a:chOff x="0" y="0"/>
+          <a:chExt cx="0" cy="0"/>
+        </a:xfrm>
+      </p:grpSpPr>
+      <p:sp>
+        <p:nvSpPr>
+          <p:cNvPr id="3" name="Espace réservé du contenu 2">
+            <a:extLst>
+              <a:ext uri="{FF2B5EF4-FFF2-40B4-BE49-F238E27FC236}">
+                <a16:creationId xmlns:a16="http://schemas.microsoft.com/office/drawing/2014/main" id="{26019C14-248F-4937-B7A1-BB6BDCB8ED35}"/>
+              </a:ext>
+            </a:extLst>
+          </p:cNvPr>
+          <p:cNvSpPr>
+            <a:spLocks noGrp="1"/>
+          </p:cNvSpPr>
+          <p:nvPr>
+            <p:ph idx="1"/>
+          </p:nvPr>
+        </p:nvSpPr>
+        <p:spPr>
+          <a:xfrm>
+            <a:off x="104774" y="1"/>
+            <a:ext cx="12191999" cy="6857999"/>
+          </a:xfrm>
+          <a:gradFill>
+            <a:gsLst>
+              <a:gs pos="0">
+                <a:schemeClr val="accent1">
+                  <a:lumMod val="5000"/>
+                  <a:lumOff val="95000"/>
+                </a:schemeClr>
+              </a:gs>
+              <a:gs pos="100000">
+                <a:schemeClr val="accent1"/>
+              </a:gs>
+            </a:gsLst>
+            <a:lin ang="5400000" scaled="1"/>
+          </a:gradFill>
+        </p:spPr>
+        <p:txBody>
+          <a:bodyPr/>
+          <a:lstStyle/>
+          <a:p>
+            <a:pPr marL="0" indent="0">
+              <a:buNone/>
+            </a:pPr>
+            <a:r>
+              <a:rPr lang="fr-FR" dirty="0"/>
+              <a:t>	</a:t>
+            </a:r>
+          </a:p>
+        </p:txBody>
+      </p:sp>
+      <p:sp>
+        <p:nvSpPr>
+          <p:cNvPr id="2" name="Titre 1">
+            <a:extLst>
+              <a:ext uri="{FF2B5EF4-FFF2-40B4-BE49-F238E27FC236}">
+                <a16:creationId xmlns:a16="http://schemas.microsoft.com/office/drawing/2014/main" id="{C2DDB91C-04E9-41CA-9731-E7D1B6B6D47E}"/>
+              </a:ext>
+            </a:extLst>
+          </p:cNvPr>
+          <p:cNvSpPr>
+            <a:spLocks noGrp="1"/>
+          </p:cNvSpPr>
+          <p:nvPr>
+            <p:ph type="title"/>
+          </p:nvPr>
+        </p:nvSpPr>
+        <p:spPr>
+          <a:xfrm>
+            <a:off x="0" y="-238124"/>
+            <a:ext cx="12192000" cy="1325563"/>
+          </a:xfrm>
+        </p:spPr>
+        <p:txBody>
+          <a:bodyPr>
+            <a:normAutofit/>
+          </a:bodyPr>
+          <a:lstStyle/>
+          <a:p>
+            <a:pPr algn="ctr"/>
+            <a:r>
+              <a:rPr lang="en-US" sz="6000" dirty="0">
+                <a:solidFill>
+                  <a:schemeClr val="accent5">
+                    <a:lumMod val="75000"/>
+                  </a:schemeClr>
+                </a:solidFill>
+              </a:rPr>
+              <a:t>Immutable and Mutable variable</a:t>
+            </a:r>
+            <a:endParaRPr lang="fr-FR" sz="6000" dirty="0">
+              <a:solidFill>
+                <a:schemeClr val="accent5">
+                  <a:lumMod val="75000"/>
+                </a:schemeClr>
+              </a:solidFill>
+            </a:endParaRPr>
+          </a:p>
+        </p:txBody>
+      </p:sp>
+      <p:sp>
+        <p:nvSpPr>
+          <p:cNvPr id="6" name="Content Placeholder 2">
+            <a:extLst>
+              <a:ext uri="{FF2B5EF4-FFF2-40B4-BE49-F238E27FC236}">
+                <a16:creationId xmlns:a16="http://schemas.microsoft.com/office/drawing/2014/main" id="{F7E2AF23-834E-4C15-9E39-C16AA5223FCB}"/>
+              </a:ext>
+            </a:extLst>
+          </p:cNvPr>
+          <p:cNvSpPr txBox="1">
+            <a:spLocks/>
+          </p:cNvSpPr>
+          <p:nvPr/>
+        </p:nvSpPr>
+        <p:spPr>
+          <a:xfrm>
+            <a:off x="1714500" y="895350"/>
+            <a:ext cx="8229600" cy="1685925"/>
+          </a:xfrm>
+          <a:prstGeom prst="rect">
+            <a:avLst/>
+          </a:prstGeom>
+        </p:spPr>
+        <p:txBody>
+          <a:bodyPr vert="horz" lIns="91440" tIns="45720" rIns="91440" bIns="45720" rtlCol="0">
+            <a:noAutofit/>
+          </a:bodyPr>
+          <a:lstStyle>
+            <a:lvl1pPr marL="228600" indent="-228600" algn="l" defTabSz="914400" rtl="0" eaLnBrk="1" latinLnBrk="0" hangingPunct="1">
+              <a:lnSpc>
+                <a:spcPct val="90000"/>
+              </a:lnSpc>
+              <a:spcBef>
+                <a:spcPts val="1000"/>
+              </a:spcBef>
+              <a:buFont typeface="Arial" panose="020B0604020202020204" pitchFamily="34" charset="0"/>
+              <a:buChar char="•"/>
+              <a:defRPr sz="2800" kern="1200">
+                <a:solidFill>
+                  <a:schemeClr val="tx1"/>
+                </a:solidFill>
+                <a:latin typeface="+mn-lt"/>
+                <a:ea typeface="+mn-ea"/>
+                <a:cs typeface="+mn-cs"/>
+              </a:defRPr>
+            </a:lvl1pPr>
+            <a:lvl2pPr marL="685800" indent="-228600" algn="l" defTabSz="914400" rtl="0" eaLnBrk="1" latinLnBrk="0" hangingPunct="1">
+              <a:lnSpc>
+                <a:spcPct val="90000"/>
+              </a:lnSpc>
+              <a:spcBef>
+                <a:spcPts val="500"/>
+              </a:spcBef>
+              <a:buFont typeface="Arial" panose="020B0604020202020204" pitchFamily="34" charset="0"/>
+              <a:buChar char="•"/>
+              <a:defRPr sz="2400" kern="1200">
+                <a:solidFill>
+                  <a:schemeClr val="tx1"/>
+                </a:solidFill>
+                <a:latin typeface="+mn-lt"/>
+                <a:ea typeface="+mn-ea"/>
+                <a:cs typeface="+mn-cs"/>
+              </a:defRPr>
+            </a:lvl2pPr>
+            <a:lvl3pPr marL="1143000" indent="-228600" algn="l" defTabSz="914400" rtl="0" eaLnBrk="1" latinLnBrk="0" hangingPunct="1">
+              <a:lnSpc>
+                <a:spcPct val="90000"/>
+              </a:lnSpc>
+              <a:spcBef>
+                <a:spcPts val="500"/>
+              </a:spcBef>
+              <a:buFont typeface="Arial" panose="020B0604020202020204" pitchFamily="34" charset="0"/>
+              <a:buChar char="•"/>
+              <a:defRPr sz="2000" kern="1200">
+                <a:solidFill>
+                  <a:schemeClr val="tx1"/>
+                </a:solidFill>
+                <a:latin typeface="+mn-lt"/>
+                <a:ea typeface="+mn-ea"/>
+                <a:cs typeface="+mn-cs"/>
+              </a:defRPr>
+            </a:lvl3pPr>
+            <a:lvl4pPr marL="1600200" indent="-228600" algn="l" defTabSz="914400" rtl="0" eaLnBrk="1" latinLnBrk="0" hangingPunct="1">
+              <a:lnSpc>
+                <a:spcPct val="90000"/>
+              </a:lnSpc>
+              <a:spcBef>
+                <a:spcPts val="500"/>
+              </a:spcBef>
+              <a:buFont typeface="Arial" panose="020B0604020202020204" pitchFamily="34" charset="0"/>
+              <a:buChar char="•"/>
+              <a:defRPr sz="1800" kern="1200">
+                <a:solidFill>
+                  <a:schemeClr val="tx1"/>
+                </a:solidFill>
+                <a:latin typeface="+mn-lt"/>
+                <a:ea typeface="+mn-ea"/>
+                <a:cs typeface="+mn-cs"/>
+              </a:defRPr>
+            </a:lvl4pPr>
+            <a:lvl5pPr marL="2057400" indent="-228600" algn="l" defTabSz="914400" rtl="0" eaLnBrk="1" latinLnBrk="0" hangingPunct="1">
+              <a:lnSpc>
+                <a:spcPct val="90000"/>
+              </a:lnSpc>
+              <a:spcBef>
+                <a:spcPts val="500"/>
+              </a:spcBef>
+              <a:buFont typeface="Arial" panose="020B0604020202020204" pitchFamily="34" charset="0"/>
+              <a:buChar char="•"/>
+              <a:defRPr sz="1800" kern="1200">
+                <a:solidFill>
+                  <a:schemeClr val="tx1"/>
+                </a:solidFill>
+                <a:latin typeface="+mn-lt"/>
+                <a:ea typeface="+mn-ea"/>
+                <a:cs typeface="+mn-cs"/>
+              </a:defRPr>
+            </a:lvl5pPr>
+            <a:lvl6pPr marL="2514600" indent="-228600" algn="l" defTabSz="914400" rtl="0" eaLnBrk="1" latinLnBrk="0" hangingPunct="1">
+              <a:lnSpc>
+                <a:spcPct val="90000"/>
+              </a:lnSpc>
+              <a:spcBef>
+                <a:spcPts val="500"/>
+              </a:spcBef>
+              <a:buFont typeface="Arial" panose="020B0604020202020204" pitchFamily="34" charset="0"/>
+              <a:buChar char="•"/>
+              <a:defRPr sz="1800" kern="1200">
+                <a:solidFill>
+                  <a:schemeClr val="tx1"/>
+                </a:solidFill>
+                <a:latin typeface="+mn-lt"/>
+                <a:ea typeface="+mn-ea"/>
+                <a:cs typeface="+mn-cs"/>
+              </a:defRPr>
+            </a:lvl6pPr>
+            <a:lvl7pPr marL="2971800" indent="-228600" algn="l" defTabSz="914400" rtl="0" eaLnBrk="1" latinLnBrk="0" hangingPunct="1">
+              <a:lnSpc>
+                <a:spcPct val="90000"/>
+              </a:lnSpc>
+              <a:spcBef>
+                <a:spcPts val="500"/>
+              </a:spcBef>
+              <a:buFont typeface="Arial" panose="020B0604020202020204" pitchFamily="34" charset="0"/>
+              <a:buChar char="•"/>
+              <a:defRPr sz="1800" kern="1200">
+                <a:solidFill>
+                  <a:schemeClr val="tx1"/>
+                </a:solidFill>
+                <a:latin typeface="+mn-lt"/>
+                <a:ea typeface="+mn-ea"/>
+                <a:cs typeface="+mn-cs"/>
+              </a:defRPr>
+            </a:lvl7pPr>
+            <a:lvl8pPr marL="3429000" indent="-228600" algn="l" defTabSz="914400" rtl="0" eaLnBrk="1" latinLnBrk="0" hangingPunct="1">
+              <a:lnSpc>
+                <a:spcPct val="90000"/>
+              </a:lnSpc>
+              <a:spcBef>
+                <a:spcPts val="500"/>
+              </a:spcBef>
+              <a:buFont typeface="Arial" panose="020B0604020202020204" pitchFamily="34" charset="0"/>
+              <a:buChar char="•"/>
+              <a:defRPr sz="1800" kern="1200">
+                <a:solidFill>
+                  <a:schemeClr val="tx1"/>
+                </a:solidFill>
+                <a:latin typeface="+mn-lt"/>
+                <a:ea typeface="+mn-ea"/>
+                <a:cs typeface="+mn-cs"/>
+              </a:defRPr>
+            </a:lvl8pPr>
+            <a:lvl9pPr marL="3886200" indent="-228600" algn="l" defTabSz="914400" rtl="0" eaLnBrk="1" latinLnBrk="0" hangingPunct="1">
+              <a:lnSpc>
+                <a:spcPct val="90000"/>
+              </a:lnSpc>
+              <a:spcBef>
+                <a:spcPts val="500"/>
+              </a:spcBef>
+              <a:buFont typeface="Arial" panose="020B0604020202020204" pitchFamily="34" charset="0"/>
+              <a:buChar char="•"/>
+              <a:defRPr sz="1800" kern="1200">
+                <a:solidFill>
+                  <a:schemeClr val="tx1"/>
+                </a:solidFill>
+                <a:latin typeface="+mn-lt"/>
+                <a:ea typeface="+mn-ea"/>
+                <a:cs typeface="+mn-cs"/>
+              </a:defRPr>
+            </a:lvl9pPr>
+          </a:lstStyle>
+          <a:p>
+            <a:pPr marL="0" indent="-457200">
+              <a:lnSpc>
+                <a:spcPct val="100000"/>
+              </a:lnSpc>
+              <a:spcBef>
+                <a:spcPts val="0"/>
+              </a:spcBef>
+              <a:spcAft>
+                <a:spcPts val="600"/>
+              </a:spcAft>
+              <a:buFont typeface="Arial" panose="020B0604020202020204" pitchFamily="34" charset="0"/>
+              <a:buNone/>
+            </a:pPr>
+            <a:r>
+              <a:rPr lang="en-US" sz="2400" dirty="0"/>
+              <a:t>In Python, most variables are </a:t>
+            </a:r>
+            <a:r>
+              <a:rPr lang="en-US" sz="2400" b="1" i="1" dirty="0"/>
+              <a:t>immutable</a:t>
+            </a:r>
+            <a:r>
+              <a:rPr lang="en-US" sz="2400" dirty="0"/>
+              <a:t>, meaning they don’t change in-place. </a:t>
+            </a:r>
+          </a:p>
+          <a:p>
+            <a:pPr marL="0" indent="-457200">
+              <a:lnSpc>
+                <a:spcPct val="100000"/>
+              </a:lnSpc>
+              <a:spcBef>
+                <a:spcPts val="0"/>
+              </a:spcBef>
+              <a:spcAft>
+                <a:spcPts val="600"/>
+              </a:spcAft>
+              <a:buFont typeface="Arial" panose="020B0604020202020204" pitchFamily="34" charset="0"/>
+              <a:buNone/>
+            </a:pPr>
+            <a:r>
+              <a:rPr lang="en-US" sz="2400" dirty="0"/>
+              <a:t>Python creates a new value in a different memory location when a variable changes.</a:t>
+            </a:r>
+          </a:p>
+        </p:txBody>
+      </p:sp>
+      <p:graphicFrame>
+        <p:nvGraphicFramePr>
+          <p:cNvPr id="7" name="Table 1">
+            <a:extLst>
+              <a:ext uri="{FF2B5EF4-FFF2-40B4-BE49-F238E27FC236}">
+                <a16:creationId xmlns:a16="http://schemas.microsoft.com/office/drawing/2014/main" id="{BC48AA81-9364-4C0B-A286-E49519B2AB98}"/>
+              </a:ext>
+            </a:extLst>
+          </p:cNvPr>
+          <p:cNvGraphicFramePr>
+            <a:graphicFrameLocks noGrp="1"/>
+          </p:cNvGraphicFramePr>
+          <p:nvPr>
+            <p:extLst>
+              <p:ext uri="{D42A27DB-BD31-4B8C-83A1-F6EECF244321}">
+                <p14:modId xmlns:p14="http://schemas.microsoft.com/office/powerpoint/2010/main" val="511133305"/>
+              </p:ext>
+            </p:extLst>
+          </p:nvPr>
+        </p:nvGraphicFramePr>
+        <p:xfrm>
+          <a:off x="2533650" y="2737485"/>
+          <a:ext cx="6781800" cy="3787140"/>
+        </p:xfrm>
+        <a:graphic>
+          <a:graphicData uri="http://schemas.openxmlformats.org/drawingml/2006/table">
+            <a:tbl>
+              <a:tblPr firstRow="1" bandRow="1">
+                <a:tableStyleId>{5C22544A-7EE6-4342-B048-85BDC9FD1C3A}</a:tableStyleId>
+              </a:tblPr>
+              <a:tblGrid>
+                <a:gridCol w="3158647">
+                  <a:extLst>
+                    <a:ext uri="{9D8B030D-6E8A-4147-A177-3AD203B41FA5}">
+                      <a16:colId xmlns:a16="http://schemas.microsoft.com/office/drawing/2014/main" val="20000"/>
+                    </a:ext>
+                  </a:extLst>
+                </a:gridCol>
+                <a:gridCol w="3623153">
+                  <a:extLst>
+                    <a:ext uri="{9D8B030D-6E8A-4147-A177-3AD203B41FA5}">
+                      <a16:colId xmlns:a16="http://schemas.microsoft.com/office/drawing/2014/main" val="20001"/>
+                    </a:ext>
+                  </a:extLst>
+                </a:gridCol>
+              </a:tblGrid>
+              <a:tr h="541020">
+                <a:tc>
+                  <a:txBody>
+                    <a:bodyPr/>
+                    <a:lstStyle/>
+                    <a:p>
+                      <a:r>
+                        <a:rPr lang="en-US" sz="2100" b="0" dirty="0">
+                          <a:solidFill>
+                            <a:schemeClr val="tx2"/>
+                          </a:solidFill>
+                        </a:rPr>
+                        <a:t>Integer</a:t>
+                      </a:r>
+                    </a:p>
+                  </a:txBody>
+                  <a:tcPr marT="34290" marB="34290">
+                    <a:lnL w="12700" cap="flat" cmpd="sng" algn="ctr">
+                      <a:solidFill>
+                        <a:schemeClr val="tx1"/>
+                      </a:solidFill>
+                      <a:prstDash val="solid"/>
+                      <a:round/>
+                      <a:headEnd type="none" w="med" len="med"/>
+                      <a:tailEnd type="none" w="med" len="med"/>
+                    </a:lnL>
+                    <a:lnT w="12700" cap="flat" cmpd="sng" algn="ctr">
+                      <a:solidFill>
+                        <a:schemeClr val="tx1"/>
+                      </a:solidFill>
+                      <a:prstDash val="solid"/>
+                      <a:round/>
+                      <a:headEnd type="none" w="med" len="med"/>
+                      <a:tailEnd type="none" w="med" len="med"/>
+                    </a:lnT>
+                    <a:noFill/>
+                  </a:tcPr>
+                </a:tc>
+                <a:tc>
+                  <a:txBody>
+                    <a:bodyPr/>
+                    <a:lstStyle/>
+                    <a:p>
+                      <a:pPr algn="ctr"/>
+                      <a:r>
+                        <a:rPr lang="en-US" sz="2100" b="0" dirty="0">
+                          <a:solidFill>
+                            <a:schemeClr val="tx2"/>
+                          </a:solidFill>
+                        </a:rPr>
+                        <a:t>Immutable</a:t>
+                      </a:r>
+                    </a:p>
+                  </a:txBody>
+                  <a:tcPr marT="34290" marB="34290">
+                    <a:lnR w="12700" cap="flat" cmpd="sng" algn="ctr">
+                      <a:solidFill>
+                        <a:schemeClr val="tx1"/>
+                      </a:solidFill>
+                      <a:prstDash val="solid"/>
+                      <a:round/>
+                      <a:headEnd type="none" w="med" len="med"/>
+                      <a:tailEnd type="none" w="med" len="med"/>
+                    </a:lnR>
+                    <a:lnT w="12700" cap="flat" cmpd="sng" algn="ctr">
+                      <a:solidFill>
+                        <a:schemeClr val="tx1"/>
+                      </a:solidFill>
+                      <a:prstDash val="solid"/>
+                      <a:round/>
+                      <a:headEnd type="none" w="med" len="med"/>
+                      <a:tailEnd type="none" w="med" len="med"/>
+                    </a:lnT>
+                    <a:noFill/>
+                  </a:tcPr>
+                </a:tc>
+                <a:extLst>
+                  <a:ext uri="{0D108BD9-81ED-4DB2-BD59-A6C34878D82A}">
+                    <a16:rowId xmlns:a16="http://schemas.microsoft.com/office/drawing/2014/main" val="10000"/>
+                  </a:ext>
+                </a:extLst>
+              </a:tr>
+              <a:tr h="541020">
+                <a:tc>
+                  <a:txBody>
+                    <a:bodyPr/>
+                    <a:lstStyle/>
+                    <a:p>
+                      <a:r>
+                        <a:rPr lang="en-US" sz="2100" dirty="0">
+                          <a:solidFill>
+                            <a:schemeClr val="tx2"/>
+                          </a:solidFill>
+                        </a:rPr>
+                        <a:t>Float</a:t>
+                      </a:r>
+                    </a:p>
+                  </a:txBody>
+                  <a:tcPr marT="34290" marB="34290">
+                    <a:lnL w="12700" cap="flat" cmpd="sng" algn="ctr">
+                      <a:solidFill>
+                        <a:schemeClr val="tx1"/>
+                      </a:solidFill>
+                      <a:prstDash val="solid"/>
+                      <a:round/>
+                      <a:headEnd type="none" w="med" len="med"/>
+                      <a:tailEnd type="none" w="med" len="med"/>
+                    </a:lnL>
+                  </a:tcPr>
+                </a:tc>
+                <a:tc>
+                  <a:txBody>
+                    <a:bodyPr/>
+                    <a:lstStyle/>
+                    <a:p>
+                      <a:pPr algn="ctr"/>
+                      <a:r>
+                        <a:rPr lang="en-US" sz="2100" dirty="0">
+                          <a:solidFill>
+                            <a:schemeClr val="tx2"/>
+                          </a:solidFill>
+                        </a:rPr>
+                        <a:t>Immutable</a:t>
+                      </a:r>
+                    </a:p>
+                  </a:txBody>
+                  <a:tcPr marT="34290" marB="34290">
+                    <a:lnR w="12700" cap="flat" cmpd="sng" algn="ctr">
+                      <a:solidFill>
+                        <a:schemeClr val="tx1"/>
+                      </a:solidFill>
+                      <a:prstDash val="solid"/>
+                      <a:round/>
+                      <a:headEnd type="none" w="med" len="med"/>
+                      <a:tailEnd type="none" w="med" len="med"/>
+                    </a:lnR>
+                  </a:tcPr>
+                </a:tc>
+                <a:extLst>
+                  <a:ext uri="{0D108BD9-81ED-4DB2-BD59-A6C34878D82A}">
+                    <a16:rowId xmlns:a16="http://schemas.microsoft.com/office/drawing/2014/main" val="10001"/>
+                  </a:ext>
+                </a:extLst>
+              </a:tr>
+              <a:tr h="541020">
+                <a:tc>
+                  <a:txBody>
+                    <a:bodyPr/>
+                    <a:lstStyle/>
+                    <a:p>
+                      <a:r>
+                        <a:rPr lang="en-US" sz="2100" dirty="0">
+                          <a:solidFill>
+                            <a:schemeClr val="tx2"/>
+                          </a:solidFill>
+                        </a:rPr>
+                        <a:t>String</a:t>
+                      </a:r>
+                    </a:p>
+                  </a:txBody>
+                  <a:tcPr marT="34290" marB="34290">
+                    <a:lnL w="12700" cap="flat" cmpd="sng" algn="ctr">
+                      <a:solidFill>
+                        <a:schemeClr val="tx1"/>
+                      </a:solidFill>
+                      <a:prstDash val="solid"/>
+                      <a:round/>
+                      <a:headEnd type="none" w="med" len="med"/>
+                      <a:tailEnd type="none" w="med" len="med"/>
+                    </a:lnL>
+                  </a:tcPr>
+                </a:tc>
+                <a:tc>
+                  <a:txBody>
+                    <a:bodyPr/>
+                    <a:lstStyle/>
+                    <a:p>
+                      <a:pPr algn="ctr"/>
+                      <a:r>
+                        <a:rPr lang="en-US" sz="2100" dirty="0">
+                          <a:solidFill>
+                            <a:schemeClr val="tx2"/>
+                          </a:solidFill>
+                        </a:rPr>
+                        <a:t>Immutable</a:t>
+                      </a:r>
+                    </a:p>
+                  </a:txBody>
+                  <a:tcPr marT="34290" marB="34290">
+                    <a:lnR w="12700" cap="flat" cmpd="sng" algn="ctr">
+                      <a:solidFill>
+                        <a:schemeClr val="tx1"/>
+                      </a:solidFill>
+                      <a:prstDash val="solid"/>
+                      <a:round/>
+                      <a:headEnd type="none" w="med" len="med"/>
+                      <a:tailEnd type="none" w="med" len="med"/>
+                    </a:lnR>
+                  </a:tcPr>
+                </a:tc>
+                <a:extLst>
+                  <a:ext uri="{0D108BD9-81ED-4DB2-BD59-A6C34878D82A}">
+                    <a16:rowId xmlns:a16="http://schemas.microsoft.com/office/drawing/2014/main" val="10002"/>
+                  </a:ext>
+                </a:extLst>
+              </a:tr>
+              <a:tr h="541020">
+                <a:tc>
+                  <a:txBody>
+                    <a:bodyPr/>
+                    <a:lstStyle/>
+                    <a:p>
+                      <a:r>
+                        <a:rPr lang="en-US" sz="2100" dirty="0">
+                          <a:solidFill>
+                            <a:schemeClr val="tx2"/>
+                          </a:solidFill>
+                        </a:rPr>
+                        <a:t>Tuple</a:t>
+                      </a:r>
+                    </a:p>
+                  </a:txBody>
+                  <a:tcPr marT="34290" marB="34290">
+                    <a:lnL w="12700" cap="flat" cmpd="sng" algn="ctr">
+                      <a:solidFill>
+                        <a:schemeClr val="tx1"/>
+                      </a:solidFill>
+                      <a:prstDash val="solid"/>
+                      <a:round/>
+                      <a:headEnd type="none" w="med" len="med"/>
+                      <a:tailEnd type="none" w="med" len="med"/>
+                    </a:lnL>
+                    <a:lnB w="12700" cap="flat" cmpd="sng" algn="ctr">
+                      <a:solidFill>
+                        <a:schemeClr val="tx1"/>
+                      </a:solidFill>
+                      <a:prstDash val="solid"/>
+                      <a:round/>
+                      <a:headEnd type="none" w="med" len="med"/>
+                      <a:tailEnd type="none" w="med" len="med"/>
+                    </a:lnB>
+                  </a:tcPr>
+                </a:tc>
+                <a:tc>
+                  <a:txBody>
+                    <a:bodyPr/>
+                    <a:lstStyle/>
+                    <a:p>
+                      <a:pPr algn="ctr"/>
+                      <a:r>
+                        <a:rPr lang="en-US" sz="2100" dirty="0">
+                          <a:solidFill>
+                            <a:schemeClr val="tx2"/>
+                          </a:solidFill>
+                        </a:rPr>
+                        <a:t>Immutable</a:t>
+                      </a:r>
+                    </a:p>
+                  </a:txBody>
+                  <a:tcPr marT="34290" marB="34290">
+                    <a:lnR w="12700" cap="flat" cmpd="sng" algn="ctr">
+                      <a:solidFill>
+                        <a:schemeClr val="tx1"/>
+                      </a:solidFill>
+                      <a:prstDash val="solid"/>
+                      <a:round/>
+                      <a:headEnd type="none" w="med" len="med"/>
+                      <a:tailEnd type="none" w="med" len="med"/>
+                    </a:lnR>
+                    <a:lnB w="12700" cap="flat" cmpd="sng" algn="ctr">
+                      <a:solidFill>
+                        <a:schemeClr val="tx1"/>
+                      </a:solidFill>
+                      <a:prstDash val="solid"/>
+                      <a:round/>
+                      <a:headEnd type="none" w="med" len="med"/>
+                      <a:tailEnd type="none" w="med" len="med"/>
+                    </a:lnB>
+                  </a:tcPr>
+                </a:tc>
+                <a:extLst>
+                  <a:ext uri="{0D108BD9-81ED-4DB2-BD59-A6C34878D82A}">
+                    <a16:rowId xmlns:a16="http://schemas.microsoft.com/office/drawing/2014/main" val="10003"/>
+                  </a:ext>
+                </a:extLst>
+              </a:tr>
+              <a:tr h="541020">
+                <a:tc>
+                  <a:txBody>
+                    <a:bodyPr/>
+                    <a:lstStyle/>
+                    <a:p>
+                      <a:r>
+                        <a:rPr lang="en-US" sz="2100" dirty="0">
+                          <a:solidFill>
+                            <a:schemeClr val="tx2"/>
+                          </a:solidFill>
+                        </a:rPr>
+                        <a:t>List</a:t>
+                      </a:r>
+                    </a:p>
+                  </a:txBody>
+                  <a:tcPr marT="34290" marB="34290">
+                    <a:lnL w="12700" cap="flat" cmpd="sng" algn="ctr">
+                      <a:solidFill>
+                        <a:schemeClr val="tx1"/>
+                      </a:solidFill>
+                      <a:prstDash val="solid"/>
+                      <a:round/>
+                      <a:headEnd type="none" w="med" len="med"/>
+                      <a:tailEnd type="none" w="med" len="med"/>
+                    </a:lnL>
+                    <a:lnT w="12700" cap="flat" cmpd="sng" algn="ctr">
+                      <a:solidFill>
+                        <a:schemeClr val="tx1"/>
+                      </a:solidFill>
+                      <a:prstDash val="solid"/>
+                      <a:round/>
+                      <a:headEnd type="none" w="med" len="med"/>
+                      <a:tailEnd type="none" w="med" len="med"/>
+                    </a:lnT>
+                  </a:tcPr>
+                </a:tc>
+                <a:tc>
+                  <a:txBody>
+                    <a:bodyPr/>
+                    <a:lstStyle/>
+                    <a:p>
+                      <a:pPr algn="ctr"/>
+                      <a:r>
+                        <a:rPr lang="en-US" sz="2100" dirty="0">
+                          <a:solidFill>
+                            <a:schemeClr val="tx2"/>
+                          </a:solidFill>
+                        </a:rPr>
+                        <a:t>Mutable</a:t>
+                      </a:r>
+                    </a:p>
+                  </a:txBody>
+                  <a:tcPr marT="34290" marB="34290">
+                    <a:lnR w="12700" cap="flat" cmpd="sng" algn="ctr">
+                      <a:solidFill>
+                        <a:schemeClr val="tx1"/>
+                      </a:solidFill>
+                      <a:prstDash val="solid"/>
+                      <a:round/>
+                      <a:headEnd type="none" w="med" len="med"/>
+                      <a:tailEnd type="none" w="med" len="med"/>
+                    </a:lnR>
+                    <a:lnT w="12700" cap="flat" cmpd="sng" algn="ctr">
+                      <a:solidFill>
+                        <a:schemeClr val="tx1"/>
+                      </a:solidFill>
+                      <a:prstDash val="solid"/>
+                      <a:round/>
+                      <a:headEnd type="none" w="med" len="med"/>
+                      <a:tailEnd type="none" w="med" len="med"/>
+                    </a:lnT>
+                  </a:tcPr>
+                </a:tc>
+                <a:extLst>
+                  <a:ext uri="{0D108BD9-81ED-4DB2-BD59-A6C34878D82A}">
+                    <a16:rowId xmlns:a16="http://schemas.microsoft.com/office/drawing/2014/main" val="10004"/>
+                  </a:ext>
+                </a:extLst>
+              </a:tr>
+              <a:tr h="541020">
+                <a:tc>
+                  <a:txBody>
+                    <a:bodyPr/>
+                    <a:lstStyle/>
+                    <a:p>
+                      <a:r>
+                        <a:rPr lang="en-US" sz="2100" dirty="0">
+                          <a:solidFill>
+                            <a:schemeClr val="tx2"/>
+                          </a:solidFill>
+                        </a:rPr>
+                        <a:t>Set</a:t>
+                      </a:r>
+                    </a:p>
+                  </a:txBody>
+                  <a:tcPr marT="34290" marB="34290">
+                    <a:lnL w="12700" cap="flat" cmpd="sng" algn="ctr">
+                      <a:solidFill>
+                        <a:schemeClr val="tx1"/>
+                      </a:solidFill>
+                      <a:prstDash val="solid"/>
+                      <a:round/>
+                      <a:headEnd type="none" w="med" len="med"/>
+                      <a:tailEnd type="none" w="med" len="med"/>
+                    </a:lnL>
+                  </a:tcPr>
+                </a:tc>
+                <a:tc>
+                  <a:txBody>
+                    <a:bodyPr/>
+                    <a:lstStyle/>
+                    <a:p>
+                      <a:pPr algn="ctr"/>
+                      <a:r>
+                        <a:rPr lang="en-US" sz="2100" dirty="0">
+                          <a:solidFill>
+                            <a:schemeClr val="tx2"/>
+                          </a:solidFill>
+                        </a:rPr>
+                        <a:t>Mutable</a:t>
+                      </a:r>
+                    </a:p>
+                  </a:txBody>
+                  <a:tcPr marT="34290" marB="34290">
+                    <a:lnR w="12700" cap="flat" cmpd="sng" algn="ctr">
+                      <a:solidFill>
+                        <a:schemeClr val="tx1"/>
+                      </a:solidFill>
+                      <a:prstDash val="solid"/>
+                      <a:round/>
+                      <a:headEnd type="none" w="med" len="med"/>
+                      <a:tailEnd type="none" w="med" len="med"/>
+                    </a:lnR>
+                  </a:tcPr>
+                </a:tc>
+                <a:extLst>
+                  <a:ext uri="{0D108BD9-81ED-4DB2-BD59-A6C34878D82A}">
+                    <a16:rowId xmlns:a16="http://schemas.microsoft.com/office/drawing/2014/main" val="10005"/>
+                  </a:ext>
+                </a:extLst>
+              </a:tr>
+              <a:tr h="541020">
+                <a:tc>
+                  <a:txBody>
+                    <a:bodyPr/>
+                    <a:lstStyle/>
+                    <a:p>
+                      <a:r>
+                        <a:rPr lang="en-US" sz="2100" dirty="0">
+                          <a:solidFill>
+                            <a:schemeClr val="tx2"/>
+                          </a:solidFill>
+                        </a:rPr>
+                        <a:t>Dictionary</a:t>
+                      </a:r>
+                    </a:p>
+                  </a:txBody>
+                  <a:tcPr marT="34290" marB="34290">
+                    <a:lnL w="12700" cap="flat" cmpd="sng" algn="ctr">
+                      <a:solidFill>
+                        <a:schemeClr val="tx1"/>
+                      </a:solidFill>
+                      <a:prstDash val="solid"/>
+                      <a:round/>
+                      <a:headEnd type="none" w="med" len="med"/>
+                      <a:tailEnd type="none" w="med" len="med"/>
+                    </a:lnL>
+                    <a:lnB w="12700" cap="flat" cmpd="sng" algn="ctr">
+                      <a:solidFill>
+                        <a:schemeClr val="tx1"/>
+                      </a:solidFill>
+                      <a:prstDash val="solid"/>
+                      <a:round/>
+                      <a:headEnd type="none" w="med" len="med"/>
+                      <a:tailEnd type="none" w="med" len="med"/>
+                    </a:lnB>
+                  </a:tcPr>
+                </a:tc>
+                <a:tc>
+                  <a:txBody>
+                    <a:bodyPr/>
+                    <a:lstStyle/>
+                    <a:p>
+                      <a:pPr algn="ctr"/>
+                      <a:r>
+                        <a:rPr lang="en-US" sz="2100" dirty="0">
+                          <a:solidFill>
+                            <a:schemeClr val="tx2"/>
+                          </a:solidFill>
+                        </a:rPr>
+                        <a:t>Mutable</a:t>
+                      </a:r>
+                    </a:p>
+                  </a:txBody>
+                  <a:tcPr marT="34290" marB="34290">
+                    <a:lnR w="12700" cap="flat" cmpd="sng" algn="ctr">
+                      <a:solidFill>
+                        <a:schemeClr val="tx1"/>
+                      </a:solidFill>
+                      <a:prstDash val="solid"/>
+                      <a:round/>
+                      <a:headEnd type="none" w="med" len="med"/>
+                      <a:tailEnd type="none" w="med" len="med"/>
+                    </a:lnR>
+                    <a:lnB w="12700" cap="flat" cmpd="sng" algn="ctr">
+                      <a:solidFill>
+                        <a:schemeClr val="tx1"/>
+                      </a:solidFill>
+                      <a:prstDash val="solid"/>
+                      <a:round/>
+                      <a:headEnd type="none" w="med" len="med"/>
+                      <a:tailEnd type="none" w="med" len="med"/>
+                    </a:lnB>
+                  </a:tcPr>
+                </a:tc>
+                <a:extLst>
+                  <a:ext uri="{0D108BD9-81ED-4DB2-BD59-A6C34878D82A}">
+                    <a16:rowId xmlns:a16="http://schemas.microsoft.com/office/drawing/2014/main" val="10006"/>
+                  </a:ext>
+                </a:extLst>
+              </a:tr>
+            </a:tbl>
+          </a:graphicData>
+        </a:graphic>
+      </p:graphicFrame>
+    </p:spTree>
+    <p:extLst>
+      <p:ext uri="{BB962C8B-B14F-4D97-AF65-F5344CB8AC3E}">
+        <p14:creationId xmlns:p14="http://schemas.microsoft.com/office/powerpoint/2010/main" val="3920035058"/>
+      </p:ext>
+    </p:extLst>
+  </p:cSld>
+  <p:clrMapOvr>
+    <a:masterClrMapping/>
+  </p:clrMapOvr>
+  <p:timing>
+    <p:tnLst>
+      <p:par>
+        <p:cTn id="1" dur="indefinite" restart="never" nodeType="tmRoot">
+          <p:childTnLst>
+            <p:seq concurrent="1" nextAc="seek">
+              <p:cTn id="2" dur="indefinite" nodeType="mainSeq">
+                <p:childTnLst>
+                  <p:par>
+                    <p:cTn id="3" fill="hold">
+                      <p:stCondLst>
+                        <p:cond delay="indefinite"/>
+                      </p:stCondLst>
+                      <p:childTnLst>
+                        <p:par>
+                          <p:cTn id="4" fill="hold">
+                            <p:stCondLst>
+                              <p:cond delay="0"/>
+                            </p:stCondLst>
+                            <p:childTnLst>
+                              <p:par>
+                                <p:cTn id="5" presetID="10" presetClass="entr" presetSubtype="0" fill="hold" grpId="0" nodeType="clickEffect">
+                                  <p:stCondLst>
+                                    <p:cond delay="0"/>
+                                  </p:stCondLst>
+                                  <p:childTnLst>
+                                    <p:set>
+                                      <p:cBhvr>
+                                        <p:cTn id="6" dur="1" fill="hold">
+                                          <p:stCondLst>
+                                            <p:cond delay="0"/>
+                                          </p:stCondLst>
+                                        </p:cTn>
+                                        <p:tgtEl>
+                                          <p:spTgt spid="6">
+                                            <p:txEl>
+                                              <p:pRg st="0" end="0"/>
+                                            </p:txEl>
+                                          </p:spTgt>
+                                        </p:tgtEl>
+                                        <p:attrNameLst>
+                                          <p:attrName>style.visibility</p:attrName>
+                                        </p:attrNameLst>
+                                      </p:cBhvr>
+                                      <p:to>
+                                        <p:strVal val="visible"/>
+                                      </p:to>
+                                    </p:set>
+                                    <p:animEffect transition="in" filter="fade">
+                                      <p:cBhvr>
+                                        <p:cTn id="7" dur="500"/>
+                                        <p:tgtEl>
+                                          <p:spTgt spid="6">
+                                            <p:txEl>
+                                              <p:pRg st="0" end="0"/>
+                                            </p:txEl>
+                                          </p:spTgt>
+                                        </p:tgtEl>
+                                      </p:cBhvr>
+                                    </p:animEffect>
+                                  </p:childTnLst>
+                                  <p:subTnLst>
+                                    <p:animClr clrSpc="rgb" dir="cw">
+                                      <p:cBhvr override="childStyle">
+                                        <p:cTn dur="1" fill="hold" display="0" masterRel="nextClick" afterEffect="1"/>
+                                        <p:tgtEl>
+                                          <p:spTgt spid="6">
+                                            <p:txEl>
+                                              <p:pRg st="0" end="0"/>
+                                            </p:txEl>
+                                          </p:spTgt>
+                                        </p:tgtEl>
+                                        <p:attrNameLst>
+                                          <p:attrName>ppt_c</p:attrName>
+                                        </p:attrNameLst>
+                                      </p:cBhvr>
+                                      <p:to>
+                                        <a:srgbClr val="777777"/>
+                                      </p:to>
+                                    </p:animClr>
+                                  </p:subTnLst>
+                                </p:cTn>
+                              </p:par>
+                            </p:childTnLst>
+                          </p:cTn>
+                        </p:par>
+                      </p:childTnLst>
+                    </p:cTn>
+                  </p:par>
+                  <p:par>
+                    <p:cTn id="8" fill="hold">
+                      <p:stCondLst>
+                        <p:cond delay="indefinite"/>
+                      </p:stCondLst>
+                      <p:childTnLst>
+                        <p:par>
+                          <p:cTn id="9" fill="hold">
+                            <p:stCondLst>
+                              <p:cond delay="0"/>
+                            </p:stCondLst>
+                            <p:childTnLst>
+                              <p:par>
+                                <p:cTn id="10" presetID="10" presetClass="entr" presetSubtype="0" fill="hold" grpId="0" nodeType="clickEffect">
+                                  <p:stCondLst>
+                                    <p:cond delay="0"/>
+                                  </p:stCondLst>
+                                  <p:childTnLst>
+                                    <p:set>
+                                      <p:cBhvr>
+                                        <p:cTn id="11" dur="1" fill="hold">
+                                          <p:stCondLst>
+                                            <p:cond delay="0"/>
+                                          </p:stCondLst>
+                                        </p:cTn>
+                                        <p:tgtEl>
+                                          <p:spTgt spid="6">
+                                            <p:txEl>
+                                              <p:pRg st="1" end="1"/>
+                                            </p:txEl>
+                                          </p:spTgt>
+                                        </p:tgtEl>
+                                        <p:attrNameLst>
+                                          <p:attrName>style.visibility</p:attrName>
+                                        </p:attrNameLst>
+                                      </p:cBhvr>
+                                      <p:to>
+                                        <p:strVal val="visible"/>
+                                      </p:to>
+                                    </p:set>
+                                    <p:animEffect transition="in" filter="fade">
+                                      <p:cBhvr>
+                                        <p:cTn id="12" dur="500"/>
+                                        <p:tgtEl>
+                                          <p:spTgt spid="6">
+                                            <p:txEl>
+                                              <p:pRg st="1" end="1"/>
+                                            </p:txEl>
+                                          </p:spTgt>
+                                        </p:tgtEl>
+                                      </p:cBhvr>
+                                    </p:animEffect>
+                                  </p:childTnLst>
+                                  <p:subTnLst>
+                                    <p:animClr clrSpc="rgb" dir="cw">
+                                      <p:cBhvr override="childStyle">
+                                        <p:cTn dur="1" fill="hold" display="0" masterRel="nextClick" afterEffect="1"/>
+                                        <p:tgtEl>
+                                          <p:spTgt spid="6">
+                                            <p:txEl>
+                                              <p:pRg st="1" end="1"/>
+                                            </p:txEl>
+                                          </p:spTgt>
+                                        </p:tgtEl>
+                                        <p:attrNameLst>
+                                          <p:attrName>ppt_c</p:attrName>
+                                        </p:attrNameLst>
+                                      </p:cBhvr>
+                                      <p:to>
+                                        <a:srgbClr val="777777"/>
+                                      </p:to>
+                                    </p:animClr>
+                                  </p:subTnLst>
+                                </p:cTn>
+                              </p:par>
+                            </p:childTnLst>
+                          </p:cTn>
+                        </p:par>
+                      </p:childTnLst>
+                    </p:cTn>
+                  </p:par>
+                  <p:par>
+                    <p:cTn id="13" fill="hold">
+                      <p:stCondLst>
+                        <p:cond delay="indefinite"/>
+                      </p:stCondLst>
+                      <p:childTnLst>
+                        <p:par>
+                          <p:cTn id="14" fill="hold">
+                            <p:stCondLst>
+                              <p:cond delay="0"/>
+                            </p:stCondLst>
+                            <p:childTnLst>
+                              <p:par>
+                                <p:cTn id="15" presetID="10" presetClass="entr" presetSubtype="0" fill="hold" nodeType="clickEffect">
+                                  <p:stCondLst>
+                                    <p:cond delay="0"/>
+                                  </p:stCondLst>
+                                  <p:childTnLst>
+                                    <p:set>
+                                      <p:cBhvr>
+                                        <p:cTn id="16" dur="1" fill="hold">
+                                          <p:stCondLst>
+                                            <p:cond delay="0"/>
+                                          </p:stCondLst>
+                                        </p:cTn>
+                                        <p:tgtEl>
+                                          <p:spTgt spid="7"/>
+                                        </p:tgtEl>
+                                        <p:attrNameLst>
+                                          <p:attrName>style.visibility</p:attrName>
+                                        </p:attrNameLst>
+                                      </p:cBhvr>
+                                      <p:to>
+                                        <p:strVal val="visible"/>
+                                      </p:to>
+                                    </p:set>
+                                    <p:animEffect transition="in" filter="fade">
+                                      <p:cBhvr>
+                                        <p:cTn id="17" dur="500"/>
+                                        <p:tgtEl>
+                                          <p:spTgt spid="7"/>
+                                        </p:tgtEl>
+                                      </p:cBhvr>
+                                    </p:animEffect>
+                                  </p:childTnLst>
+                                </p:cTn>
+                              </p:par>
+                            </p:childTnLst>
+                          </p:cTn>
+                        </p:par>
+                      </p:childTnLst>
+                    </p:cTn>
+                  </p:par>
+                </p:childTnLst>
+              </p:cTn>
+              <p:prevCondLst>
+                <p:cond evt="onPrev" delay="0">
+                  <p:tgtEl>
+                    <p:sldTgt/>
+                  </p:tgtEl>
+                </p:cond>
+              </p:prevCondLst>
+              <p:nextCondLst>
+                <p:cond evt="onNext" delay="0">
+                  <p:tgtEl>
+                    <p:sldTgt/>
+                  </p:tgtEl>
+                </p:cond>
+              </p:nextCondLst>
+            </p:seq>
+          </p:childTnLst>
+        </p:cTn>
+      </p:par>
+    </p:tnLst>
+    <p:bldLst>
+      <p:bldP spid="6" grpId="0" build="p"/>
+    </p:bldLst>
+  </p:timing>
 </p:sld>
 </file>
 
@@ -3687,4 +11760,299 @@
     </a:ext>
   </a:extLst>
 </a:theme>
+</file>
+
+<file path=ppt/theme/theme2.xml><?xml version="1.0" encoding="utf-8"?>
+<a:theme xmlns:a="http://schemas.openxmlformats.org/drawingml/2006/main" name="Thème Office">
+  <a:themeElements>
+    <a:clrScheme name="Office">
+      <a:dk1>
+        <a:sysClr val="windowText" lastClr="000000"/>
+      </a:dk1>
+      <a:lt1>
+        <a:sysClr val="window" lastClr="FFFFFF"/>
+      </a:lt1>
+      <a:dk2>
+        <a:srgbClr val="44546A"/>
+      </a:dk2>
+      <a:lt2>
+        <a:srgbClr val="E7E6E6"/>
+      </a:lt2>
+      <a:accent1>
+        <a:srgbClr val="4472C4"/>
+      </a:accent1>
+      <a:accent2>
+        <a:srgbClr val="ED7D31"/>
+      </a:accent2>
+      <a:accent3>
+        <a:srgbClr val="A5A5A5"/>
+      </a:accent3>
+      <a:accent4>
+        <a:srgbClr val="FFC000"/>
+      </a:accent4>
+      <a:accent5>
+        <a:srgbClr val="5B9BD5"/>
+      </a:accent5>
+      <a:accent6>
+        <a:srgbClr val="70AD47"/>
+      </a:accent6>
+      <a:hlink>
+        <a:srgbClr val="0563C1"/>
+      </a:hlink>
+      <a:folHlink>
+        <a:srgbClr val="954F72"/>
+      </a:folHlink>
+    </a:clrScheme>
+    <a:fontScheme name="Office">
+      <a:majorFont>
+        <a:latin typeface="Calibri Light" panose="020F0302020204030204"/>
+        <a:ea typeface=""/>
+        <a:cs typeface=""/>
+        <a:font script="Jpan" typeface="游ゴシック Light"/>
+        <a:font script="Hang" typeface="맑은 고딕"/>
+        <a:font script="Hans" typeface="等线 Light"/>
+        <a:font script="Hant" typeface="新細明體"/>
+        <a:font script="Arab" typeface="Times New Roman"/>
+        <a:font script="Hebr" typeface="Times New Roman"/>
+        <a:font script="Thai" typeface="Angsana New"/>
+        <a:font script="Ethi" typeface="Nyala"/>
+        <a:font script="Beng" typeface="Vrinda"/>
+        <a:font script="Gujr" typeface="Shruti"/>
+        <a:font script="Khmr" typeface="MoolBoran"/>
+        <a:font script="Knda" typeface="Tunga"/>
+        <a:font script="Guru" typeface="Raavi"/>
+        <a:font script="Cans" typeface="Euphemia"/>
+        <a:font script="Cher" typeface="Plantagenet Cherokee"/>
+        <a:font script="Yiii" typeface="Microsoft Yi Baiti"/>
+        <a:font script="Tibt" typeface="Microsoft Himalaya"/>
+        <a:font script="Thaa" typeface="MV Boli"/>
+        <a:font script="Deva" typeface="Mangal"/>
+        <a:font script="Telu" typeface="Gautami"/>
+        <a:font script="Taml" typeface="Latha"/>
+        <a:font script="Syrc" typeface="Estrangelo Edessa"/>
+        <a:font script="Orya" typeface="Kalinga"/>
+        <a:font script="Mlym" typeface="Kartika"/>
+        <a:font script="Laoo" typeface="DokChampa"/>
+        <a:font script="Sinh" typeface="Iskoola Pota"/>
+        <a:font script="Mong" typeface="Mongolian Baiti"/>
+        <a:font script="Viet" typeface="Times New Roman"/>
+        <a:font script="Uigh" typeface="Microsoft Uighur"/>
+        <a:font script="Geor" typeface="Sylfaen"/>
+        <a:font script="Armn" typeface="Arial"/>
+        <a:font script="Bugi" typeface="Leelawadee UI"/>
+        <a:font script="Bopo" typeface="Microsoft JhengHei"/>
+        <a:font script="Java" typeface="Javanese Text"/>
+        <a:font script="Lisu" typeface="Segoe UI"/>
+        <a:font script="Mymr" typeface="Myanmar Text"/>
+        <a:font script="Nkoo" typeface="Ebrima"/>
+        <a:font script="Olck" typeface="Nirmala UI"/>
+        <a:font script="Osma" typeface="Ebrima"/>
+        <a:font script="Phag" typeface="Phagspa"/>
+        <a:font script="Syrn" typeface="Estrangelo Edessa"/>
+        <a:font script="Syrj" typeface="Estrangelo Edessa"/>
+        <a:font script="Syre" typeface="Estrangelo Edessa"/>
+        <a:font script="Sora" typeface="Nirmala UI"/>
+        <a:font script="Tale" typeface="Microsoft Tai Le"/>
+        <a:font script="Talu" typeface="Microsoft New Tai Lue"/>
+        <a:font script="Tfng" typeface="Ebrima"/>
+      </a:majorFont>
+      <a:minorFont>
+        <a:latin typeface="Calibri" panose="020F0502020204030204"/>
+        <a:ea typeface=""/>
+        <a:cs typeface=""/>
+        <a:font script="Jpan" typeface="游ゴシック"/>
+        <a:font script="Hang" typeface="맑은 고딕"/>
+        <a:font script="Hans" typeface="等线"/>
+        <a:font script="Hant" typeface="新細明體"/>
+        <a:font script="Arab" typeface="Arial"/>
+        <a:font script="Hebr" typeface="Arial"/>
+        <a:font script="Thai" typeface="Cordia New"/>
+        <a:font script="Ethi" typeface="Nyala"/>
+        <a:font script="Beng" typeface="Vrinda"/>
+        <a:font script="Gujr" typeface="Shruti"/>
+        <a:font script="Khmr" typeface="DaunPenh"/>
+        <a:font script="Knda" typeface="Tunga"/>
+        <a:font script="Guru" typeface="Raavi"/>
+        <a:font script="Cans" typeface="Euphemia"/>
+        <a:font script="Cher" typeface="Plantagenet Cherokee"/>
+        <a:font script="Yiii" typeface="Microsoft Yi Baiti"/>
+        <a:font script="Tibt" typeface="Microsoft Himalaya"/>
+        <a:font script="Thaa" typeface="MV Boli"/>
+        <a:font script="Deva" typeface="Mangal"/>
+        <a:font script="Telu" typeface="Gautami"/>
+        <a:font script="Taml" typeface="Latha"/>
+        <a:font script="Syrc" typeface="Estrangelo Edessa"/>
+        <a:font script="Orya" typeface="Kalinga"/>
+        <a:font script="Mlym" typeface="Kartika"/>
+        <a:font script="Laoo" typeface="DokChampa"/>
+        <a:font script="Sinh" typeface="Iskoola Pota"/>
+        <a:font script="Mong" typeface="Mongolian Baiti"/>
+        <a:font script="Viet" typeface="Arial"/>
+        <a:font script="Uigh" typeface="Microsoft Uighur"/>
+        <a:font script="Geor" typeface="Sylfaen"/>
+        <a:font script="Armn" typeface="Arial"/>
+        <a:font script="Bugi" typeface="Leelawadee UI"/>
+        <a:font script="Bopo" typeface="Microsoft JhengHei"/>
+        <a:font script="Java" typeface="Javanese Text"/>
+        <a:font script="Lisu" typeface="Segoe UI"/>
+        <a:font script="Mymr" typeface="Myanmar Text"/>
+        <a:font script="Nkoo" typeface="Ebrima"/>
+        <a:font script="Olck" typeface="Nirmala UI"/>
+        <a:font script="Osma" typeface="Ebrima"/>
+        <a:font script="Phag" typeface="Phagspa"/>
+        <a:font script="Syrn" typeface="Estrangelo Edessa"/>
+        <a:font script="Syrj" typeface="Estrangelo Edessa"/>
+        <a:font script="Syre" typeface="Estrangelo Edessa"/>
+        <a:font script="Sora" typeface="Nirmala UI"/>
+        <a:font script="Tale" typeface="Microsoft Tai Le"/>
+        <a:font script="Talu" typeface="Microsoft New Tai Lue"/>
+        <a:font script="Tfng" typeface="Ebrima"/>
+      </a:minorFont>
+    </a:fontScheme>
+    <a:fmtScheme name="Office">
+      <a:fillStyleLst>
+        <a:solidFill>
+          <a:schemeClr val="phClr"/>
+        </a:solidFill>
+        <a:gradFill rotWithShape="1">
+          <a:gsLst>
+            <a:gs pos="0">
+              <a:schemeClr val="phClr">
+                <a:lumMod val="110000"/>
+                <a:satMod val="105000"/>
+                <a:tint val="67000"/>
+              </a:schemeClr>
+            </a:gs>
+            <a:gs pos="50000">
+              <a:schemeClr val="phClr">
+                <a:lumMod val="105000"/>
+                <a:satMod val="103000"/>
+                <a:tint val="73000"/>
+              </a:schemeClr>
+            </a:gs>
+            <a:gs pos="100000">
+              <a:schemeClr val="phClr">
+                <a:lumMod val="105000"/>
+                <a:satMod val="109000"/>
+                <a:tint val="81000"/>
+              </a:schemeClr>
+            </a:gs>
+          </a:gsLst>
+          <a:lin ang="5400000" scaled="0"/>
+        </a:gradFill>
+        <a:gradFill rotWithShape="1">
+          <a:gsLst>
+            <a:gs pos="0">
+              <a:schemeClr val="phClr">
+                <a:satMod val="103000"/>
+                <a:lumMod val="102000"/>
+                <a:tint val="94000"/>
+              </a:schemeClr>
+            </a:gs>
+            <a:gs pos="50000">
+              <a:schemeClr val="phClr">
+                <a:satMod val="110000"/>
+                <a:lumMod val="100000"/>
+                <a:shade val="100000"/>
+              </a:schemeClr>
+            </a:gs>
+            <a:gs pos="100000">
+              <a:schemeClr val="phClr">
+                <a:lumMod val="99000"/>
+                <a:satMod val="120000"/>
+                <a:shade val="78000"/>
+              </a:schemeClr>
+            </a:gs>
+          </a:gsLst>
+          <a:lin ang="5400000" scaled="0"/>
+        </a:gradFill>
+      </a:fillStyleLst>
+      <a:lnStyleLst>
+        <a:ln w="6350" cap="flat" cmpd="sng" algn="ctr">
+          <a:solidFill>
+            <a:schemeClr val="phClr"/>
+          </a:solidFill>
+          <a:prstDash val="solid"/>
+          <a:miter lim="800000"/>
+        </a:ln>
+        <a:ln w="12700" cap="flat" cmpd="sng" algn="ctr">
+          <a:solidFill>
+            <a:schemeClr val="phClr"/>
+          </a:solidFill>
+          <a:prstDash val="solid"/>
+          <a:miter lim="800000"/>
+        </a:ln>
+        <a:ln w="19050" cap="flat" cmpd="sng" algn="ctr">
+          <a:solidFill>
+            <a:schemeClr val="phClr"/>
+          </a:solidFill>
+          <a:prstDash val="solid"/>
+          <a:miter lim="800000"/>
+        </a:ln>
+      </a:lnStyleLst>
+      <a:effectStyleLst>
+        <a:effectStyle>
+          <a:effectLst/>
+        </a:effectStyle>
+        <a:effectStyle>
+          <a:effectLst/>
+        </a:effectStyle>
+        <a:effectStyle>
+          <a:effectLst>
+            <a:outerShdw blurRad="57150" dist="19050" dir="5400000" algn="ctr" rotWithShape="0">
+              <a:srgbClr val="000000">
+                <a:alpha val="63000"/>
+              </a:srgbClr>
+            </a:outerShdw>
+          </a:effectLst>
+        </a:effectStyle>
+      </a:effectStyleLst>
+      <a:bgFillStyleLst>
+        <a:solidFill>
+          <a:schemeClr val="phClr"/>
+        </a:solidFill>
+        <a:solidFill>
+          <a:schemeClr val="phClr">
+            <a:tint val="95000"/>
+            <a:satMod val="170000"/>
+          </a:schemeClr>
+        </a:solidFill>
+        <a:gradFill rotWithShape="1">
+          <a:gsLst>
+            <a:gs pos="0">
+              <a:schemeClr val="phClr">
+                <a:tint val="93000"/>
+                <a:satMod val="150000"/>
+                <a:shade val="98000"/>
+                <a:lumMod val="102000"/>
+              </a:schemeClr>
+            </a:gs>
+            <a:gs pos="50000">
+              <a:schemeClr val="phClr">
+                <a:tint val="98000"/>
+                <a:satMod val="130000"/>
+                <a:shade val="90000"/>
+                <a:lumMod val="103000"/>
+              </a:schemeClr>
+            </a:gs>
+            <a:gs pos="100000">
+              <a:schemeClr val="phClr">
+                <a:shade val="63000"/>
+                <a:satMod val="120000"/>
+              </a:schemeClr>
+            </a:gs>
+          </a:gsLst>
+          <a:lin ang="5400000" scaled="0"/>
+        </a:gradFill>
+      </a:bgFillStyleLst>
+    </a:fmtScheme>
+  </a:themeElements>
+  <a:objectDefaults/>
+  <a:extraClrSchemeLst/>
+  <a:extLst>
+    <a:ext uri="{05A4C25C-085E-4340-85A3-A5531E510DB2}">
+      <thm15:themeFamily xmlns:thm15="http://schemas.microsoft.com/office/thememl/2012/main" name="Office Theme" id="{62F939B6-93AF-4DB8-9C6B-D6C7DFDC589F}" vid="{4A3C46E8-61CC-4603-A589-7422A47A8E4A}"/>
+    </a:ext>
+  </a:extLst>
+</a:theme>
 </file>
--- a/Python-resume.pptx
+++ b/Python-resume.pptx
@@ -5,7 +5,7 @@
     <p:sldMasterId id="2147483648" r:id="rId1"/>
   </p:sldMasterIdLst>
   <p:notesMasterIdLst>
-    <p:notesMasterId r:id="rId93"/>
+    <p:notesMasterId r:id="rId99"/>
   </p:notesMasterIdLst>
   <p:sldIdLst>
     <p:sldId id="256" r:id="rId2"/>
@@ -99,6 +99,12 @@
     <p:sldId id="382" r:id="rId90"/>
     <p:sldId id="383" r:id="rId91"/>
     <p:sldId id="384" r:id="rId92"/>
+    <p:sldId id="385" r:id="rId93"/>
+    <p:sldId id="386" r:id="rId94"/>
+    <p:sldId id="387" r:id="rId95"/>
+    <p:sldId id="388" r:id="rId96"/>
+    <p:sldId id="389" r:id="rId97"/>
+    <p:sldId id="390" r:id="rId98"/>
   </p:sldIdLst>
   <p:sldSz cx="12192000" cy="6858000"/>
   <p:notesSz cx="6858000" cy="9144000"/>
@@ -55144,6 +55150,2638 @@
 </p:sld>
 </file>
 
+<file path=ppt/slides/slide92.xml><?xml version="1.0" encoding="utf-8"?>
+<p:sld xmlns:a="http://schemas.openxmlformats.org/drawingml/2006/main" xmlns:r="http://schemas.openxmlformats.org/officeDocument/2006/relationships" xmlns:p="http://schemas.openxmlformats.org/presentationml/2006/main">
+  <p:cSld>
+    <p:spTree>
+      <p:nvGrpSpPr>
+        <p:cNvPr id="1" name=""/>
+        <p:cNvGrpSpPr/>
+        <p:nvPr/>
+      </p:nvGrpSpPr>
+      <p:grpSpPr>
+        <a:xfrm>
+          <a:off x="0" y="0"/>
+          <a:ext cx="0" cy="0"/>
+          <a:chOff x="0" y="0"/>
+          <a:chExt cx="0" cy="0"/>
+        </a:xfrm>
+      </p:grpSpPr>
+      <p:sp>
+        <p:nvSpPr>
+          <p:cNvPr id="3" name="Espace réservé du contenu 2">
+            <a:extLst>
+              <a:ext uri="{FF2B5EF4-FFF2-40B4-BE49-F238E27FC236}">
+                <a16:creationId xmlns:a16="http://schemas.microsoft.com/office/drawing/2014/main" id="{26019C14-248F-4937-B7A1-BB6BDCB8ED35}"/>
+              </a:ext>
+            </a:extLst>
+          </p:cNvPr>
+          <p:cNvSpPr>
+            <a:spLocks noGrp="1"/>
+          </p:cNvSpPr>
+          <p:nvPr>
+            <p:ph idx="1"/>
+          </p:nvPr>
+        </p:nvSpPr>
+        <p:spPr>
+          <a:xfrm>
+            <a:off x="1" y="0"/>
+            <a:ext cx="12191999" cy="6857999"/>
+          </a:xfrm>
+          <a:gradFill>
+            <a:gsLst>
+              <a:gs pos="0">
+                <a:schemeClr val="bg2">
+                  <a:lumMod val="90000"/>
+                </a:schemeClr>
+              </a:gs>
+              <a:gs pos="100000">
+                <a:schemeClr val="bg2">
+                  <a:lumMod val="25000"/>
+                </a:schemeClr>
+              </a:gs>
+            </a:gsLst>
+            <a:lin ang="5400000" scaled="1"/>
+          </a:gradFill>
+        </p:spPr>
+        <p:txBody>
+          <a:bodyPr/>
+          <a:lstStyle/>
+          <a:p>
+            <a:pPr marL="0" indent="0">
+              <a:buNone/>
+            </a:pPr>
+            <a:r>
+              <a:rPr lang="fr-FR" dirty="0"/>
+              <a:t>	</a:t>
+            </a:r>
+          </a:p>
+          <a:p>
+            <a:pPr marL="0" indent="0">
+              <a:buNone/>
+            </a:pPr>
+            <a:endParaRPr lang="fr-FR" dirty="0"/>
+          </a:p>
+          <a:p>
+            <a:pPr marL="0" indent="0">
+              <a:buNone/>
+            </a:pPr>
+            <a:endParaRPr lang="fr-FR" dirty="0"/>
+          </a:p>
+          <a:p>
+            <a:pPr marL="0" indent="0">
+              <a:buNone/>
+            </a:pPr>
+            <a:endParaRPr lang="fr-FR" sz="1400" dirty="0"/>
+          </a:p>
+          <a:p>
+            <a:pPr marL="0" indent="0">
+              <a:lnSpc>
+                <a:spcPct val="100000"/>
+              </a:lnSpc>
+              <a:buNone/>
+            </a:pPr>
+            <a:endParaRPr lang="fr-FR" sz="1400" b="1" dirty="0"/>
+          </a:p>
+        </p:txBody>
+      </p:sp>
+      <p:sp>
+        <p:nvSpPr>
+          <p:cNvPr id="2" name="Titre 1">
+            <a:extLst>
+              <a:ext uri="{FF2B5EF4-FFF2-40B4-BE49-F238E27FC236}">
+                <a16:creationId xmlns:a16="http://schemas.microsoft.com/office/drawing/2014/main" id="{C2DDB91C-04E9-41CA-9731-E7D1B6B6D47E}"/>
+              </a:ext>
+            </a:extLst>
+          </p:cNvPr>
+          <p:cNvSpPr>
+            <a:spLocks noGrp="1"/>
+          </p:cNvSpPr>
+          <p:nvPr>
+            <p:ph type="title"/>
+          </p:nvPr>
+        </p:nvSpPr>
+        <p:spPr>
+          <a:xfrm>
+            <a:off x="-266698" y="2766217"/>
+            <a:ext cx="12192000" cy="1325563"/>
+          </a:xfrm>
+        </p:spPr>
+        <p:txBody>
+          <a:bodyPr>
+            <a:noAutofit/>
+          </a:bodyPr>
+          <a:lstStyle/>
+          <a:p>
+            <a:pPr lvl="0" algn="ctr" fontAlgn="base">
+              <a:spcAft>
+                <a:spcPct val="0"/>
+              </a:spcAft>
+            </a:pPr>
+            <a:r>
+              <a:rPr lang="fr-FR" altLang="fr-FR" sz="9600" dirty="0">
+                <a:solidFill>
+                  <a:schemeClr val="accent5">
+                    <a:lumMod val="75000"/>
+                  </a:schemeClr>
+                </a:solidFill>
+              </a:rPr>
+              <a:t>Utiliser des fichiers</a:t>
+            </a:r>
+            <a:endParaRPr lang="fr-FR" altLang="fr-FR" sz="9600" b="1" dirty="0">
+              <a:solidFill>
+                <a:schemeClr val="accent5">
+                  <a:lumMod val="75000"/>
+                </a:schemeClr>
+              </a:solidFill>
+            </a:endParaRPr>
+          </a:p>
+        </p:txBody>
+      </p:sp>
+      <p:sp>
+        <p:nvSpPr>
+          <p:cNvPr id="4" name="ZoneTexte 3">
+            <a:extLst>
+              <a:ext uri="{FF2B5EF4-FFF2-40B4-BE49-F238E27FC236}">
+                <a16:creationId xmlns:a16="http://schemas.microsoft.com/office/drawing/2014/main" id="{318E8B91-EB38-4F32-897B-41BFDFA2D26D}"/>
+              </a:ext>
+            </a:extLst>
+          </p:cNvPr>
+          <p:cNvSpPr txBox="1"/>
+          <p:nvPr/>
+        </p:nvSpPr>
+        <p:spPr>
+          <a:xfrm>
+            <a:off x="209554" y="12012972"/>
+            <a:ext cx="11715748" cy="914400"/>
+          </a:xfrm>
+          <a:prstGeom prst="rect">
+            <a:avLst/>
+          </a:prstGeom>
+          <a:noFill/>
+        </p:spPr>
+        <p:txBody>
+          <a:bodyPr wrap="square" rtlCol="0">
+            <a:spAutoFit/>
+          </a:bodyPr>
+          <a:lstStyle/>
+          <a:p>
+            <a:endParaRPr lang="fr-FR" dirty="0"/>
+          </a:p>
+        </p:txBody>
+      </p:sp>
+    </p:spTree>
+    <p:extLst>
+      <p:ext uri="{BB962C8B-B14F-4D97-AF65-F5344CB8AC3E}">
+        <p14:creationId xmlns:p14="http://schemas.microsoft.com/office/powerpoint/2010/main" val="3223129813"/>
+      </p:ext>
+    </p:extLst>
+  </p:cSld>
+  <p:clrMapOvr>
+    <a:masterClrMapping/>
+  </p:clrMapOvr>
+</p:sld>
+</file>
+
+<file path=ppt/slides/slide93.xml><?xml version="1.0" encoding="utf-8"?>
+<p:sld xmlns:a="http://schemas.openxmlformats.org/drawingml/2006/main" xmlns:r="http://schemas.openxmlformats.org/officeDocument/2006/relationships" xmlns:p="http://schemas.openxmlformats.org/presentationml/2006/main">
+  <p:cSld>
+    <p:spTree>
+      <p:nvGrpSpPr>
+        <p:cNvPr id="1" name=""/>
+        <p:cNvGrpSpPr/>
+        <p:nvPr/>
+      </p:nvGrpSpPr>
+      <p:grpSpPr>
+        <a:xfrm>
+          <a:off x="0" y="0"/>
+          <a:ext cx="0" cy="0"/>
+          <a:chOff x="0" y="0"/>
+          <a:chExt cx="0" cy="0"/>
+        </a:xfrm>
+      </p:grpSpPr>
+      <p:sp>
+        <p:nvSpPr>
+          <p:cNvPr id="3" name="Espace réservé du contenu 2">
+            <a:extLst>
+              <a:ext uri="{FF2B5EF4-FFF2-40B4-BE49-F238E27FC236}">
+                <a16:creationId xmlns:a16="http://schemas.microsoft.com/office/drawing/2014/main" id="{26019C14-248F-4937-B7A1-BB6BDCB8ED35}"/>
+              </a:ext>
+            </a:extLst>
+          </p:cNvPr>
+          <p:cNvSpPr>
+            <a:spLocks noGrp="1"/>
+          </p:cNvSpPr>
+          <p:nvPr>
+            <p:ph idx="1"/>
+          </p:nvPr>
+        </p:nvSpPr>
+        <p:spPr>
+          <a:xfrm>
+            <a:off x="1" y="0"/>
+            <a:ext cx="12191999" cy="6857999"/>
+          </a:xfrm>
+          <a:gradFill>
+            <a:gsLst>
+              <a:gs pos="0">
+                <a:schemeClr val="bg2">
+                  <a:lumMod val="90000"/>
+                </a:schemeClr>
+              </a:gs>
+              <a:gs pos="100000">
+                <a:schemeClr val="bg2">
+                  <a:lumMod val="25000"/>
+                </a:schemeClr>
+              </a:gs>
+            </a:gsLst>
+            <a:lin ang="5400000" scaled="1"/>
+          </a:gradFill>
+        </p:spPr>
+        <p:txBody>
+          <a:bodyPr/>
+          <a:lstStyle/>
+          <a:p>
+            <a:pPr marL="0" indent="0">
+              <a:buNone/>
+            </a:pPr>
+            <a:r>
+              <a:rPr lang="fr-FR" dirty="0"/>
+              <a:t>	</a:t>
+            </a:r>
+          </a:p>
+          <a:p>
+            <a:pPr marL="0" indent="0">
+              <a:buNone/>
+            </a:pPr>
+            <a:endParaRPr lang="fr-FR" dirty="0"/>
+          </a:p>
+          <a:p>
+            <a:pPr marL="0" indent="0">
+              <a:buNone/>
+            </a:pPr>
+            <a:endParaRPr lang="fr-FR" dirty="0"/>
+          </a:p>
+          <a:p>
+            <a:pPr marL="0" indent="0">
+              <a:buNone/>
+            </a:pPr>
+            <a:endParaRPr lang="fr-FR" sz="1400" dirty="0"/>
+          </a:p>
+          <a:p>
+            <a:pPr marL="0" indent="0">
+              <a:lnSpc>
+                <a:spcPct val="100000"/>
+              </a:lnSpc>
+              <a:buNone/>
+            </a:pPr>
+            <a:endParaRPr lang="fr-FR" sz="1400" b="1" dirty="0"/>
+          </a:p>
+        </p:txBody>
+      </p:sp>
+      <p:sp>
+        <p:nvSpPr>
+          <p:cNvPr id="2" name="Titre 1">
+            <a:extLst>
+              <a:ext uri="{FF2B5EF4-FFF2-40B4-BE49-F238E27FC236}">
+                <a16:creationId xmlns:a16="http://schemas.microsoft.com/office/drawing/2014/main" id="{C2DDB91C-04E9-41CA-9731-E7D1B6B6D47E}"/>
+              </a:ext>
+            </a:extLst>
+          </p:cNvPr>
+          <p:cNvSpPr>
+            <a:spLocks noGrp="1"/>
+          </p:cNvSpPr>
+          <p:nvPr>
+            <p:ph type="title"/>
+          </p:nvPr>
+        </p:nvSpPr>
+        <p:spPr>
+          <a:xfrm>
+            <a:off x="-266698" y="0"/>
+            <a:ext cx="12192000" cy="1325563"/>
+          </a:xfrm>
+        </p:spPr>
+        <p:txBody>
+          <a:bodyPr>
+            <a:noAutofit/>
+          </a:bodyPr>
+          <a:lstStyle/>
+          <a:p>
+            <a:pPr lvl="0" algn="ctr" fontAlgn="base">
+              <a:spcAft>
+                <a:spcPct val="0"/>
+              </a:spcAft>
+            </a:pPr>
+            <a:r>
+              <a:rPr lang="fr-FR" altLang="fr-FR" sz="6000" dirty="0">
+                <a:solidFill>
+                  <a:schemeClr val="accent5">
+                    <a:lumMod val="75000"/>
+                  </a:schemeClr>
+                </a:solidFill>
+              </a:rPr>
+              <a:t>Utiliser des fichiers 1</a:t>
+            </a:r>
+            <a:endParaRPr lang="fr-FR" altLang="fr-FR" sz="6000" b="1" dirty="0">
+              <a:solidFill>
+                <a:schemeClr val="accent5">
+                  <a:lumMod val="75000"/>
+                </a:schemeClr>
+              </a:solidFill>
+            </a:endParaRPr>
+          </a:p>
+        </p:txBody>
+      </p:sp>
+      <p:sp>
+        <p:nvSpPr>
+          <p:cNvPr id="4" name="ZoneTexte 3">
+            <a:extLst>
+              <a:ext uri="{FF2B5EF4-FFF2-40B4-BE49-F238E27FC236}">
+                <a16:creationId xmlns:a16="http://schemas.microsoft.com/office/drawing/2014/main" id="{318E8B91-EB38-4F32-897B-41BFDFA2D26D}"/>
+              </a:ext>
+            </a:extLst>
+          </p:cNvPr>
+          <p:cNvSpPr txBox="1"/>
+          <p:nvPr/>
+        </p:nvSpPr>
+        <p:spPr>
+          <a:xfrm>
+            <a:off x="209554" y="12012972"/>
+            <a:ext cx="11715748" cy="914400"/>
+          </a:xfrm>
+          <a:prstGeom prst="rect">
+            <a:avLst/>
+          </a:prstGeom>
+          <a:noFill/>
+        </p:spPr>
+        <p:txBody>
+          <a:bodyPr wrap="square" rtlCol="0">
+            <a:spAutoFit/>
+          </a:bodyPr>
+          <a:lstStyle/>
+          <a:p>
+            <a:endParaRPr lang="fr-FR" dirty="0"/>
+          </a:p>
+        </p:txBody>
+      </p:sp>
+      <p:sp>
+        <p:nvSpPr>
+          <p:cNvPr id="5" name="ZoneTexte 4">
+            <a:extLst>
+              <a:ext uri="{FF2B5EF4-FFF2-40B4-BE49-F238E27FC236}">
+                <a16:creationId xmlns:a16="http://schemas.microsoft.com/office/drawing/2014/main" id="{5ED24F53-74E8-4CB8-AE4D-1EC67A8AAC6F}"/>
+              </a:ext>
+            </a:extLst>
+          </p:cNvPr>
+          <p:cNvSpPr txBox="1"/>
+          <p:nvPr/>
+        </p:nvSpPr>
+        <p:spPr>
+          <a:xfrm>
+            <a:off x="209554" y="1252537"/>
+            <a:ext cx="6062663" cy="369332"/>
+          </a:xfrm>
+          <a:prstGeom prst="rect">
+            <a:avLst/>
+          </a:prstGeom>
+          <a:noFill/>
+        </p:spPr>
+        <p:txBody>
+          <a:bodyPr wrap="square" rtlCol="0">
+            <a:spAutoFit/>
+          </a:bodyPr>
+          <a:lstStyle/>
+          <a:p>
+            <a:r>
+              <a:rPr lang="fr-FR" dirty="0"/>
+              <a:t>Changer de répertoire</a:t>
+            </a:r>
+          </a:p>
+        </p:txBody>
+      </p:sp>
+      <p:sp>
+        <p:nvSpPr>
+          <p:cNvPr id="6" name="ZoneTexte 5">
+            <a:extLst>
+              <a:ext uri="{FF2B5EF4-FFF2-40B4-BE49-F238E27FC236}">
+                <a16:creationId xmlns:a16="http://schemas.microsoft.com/office/drawing/2014/main" id="{10C77C71-0A30-43E5-960B-4E7F441401F7}"/>
+              </a:ext>
+            </a:extLst>
+          </p:cNvPr>
+          <p:cNvSpPr txBox="1"/>
+          <p:nvPr/>
+        </p:nvSpPr>
+        <p:spPr>
+          <a:xfrm>
+            <a:off x="209554" y="1621869"/>
+            <a:ext cx="6062663" cy="646331"/>
+          </a:xfrm>
+          <a:prstGeom prst="rect">
+            <a:avLst/>
+          </a:prstGeom>
+          <a:solidFill>
+            <a:schemeClr val="tx1"/>
+          </a:solidFill>
+        </p:spPr>
+        <p:txBody>
+          <a:bodyPr wrap="square" rtlCol="0">
+            <a:spAutoFit/>
+          </a:bodyPr>
+          <a:lstStyle/>
+          <a:p>
+            <a:r>
+              <a:rPr lang="fr-FR" dirty="0">
+                <a:solidFill>
+                  <a:schemeClr val="bg1"/>
+                </a:solidFill>
+              </a:rPr>
+              <a:t>import os</a:t>
+            </a:r>
+          </a:p>
+          <a:p>
+            <a:r>
+              <a:rPr lang="fr-FR" dirty="0" err="1">
+                <a:solidFill>
+                  <a:schemeClr val="bg1"/>
+                </a:solidFill>
+              </a:rPr>
+              <a:t>os.chdir</a:t>
+            </a:r>
+            <a:r>
+              <a:rPr lang="fr-FR" dirty="0">
+                <a:solidFill>
+                  <a:schemeClr val="bg1"/>
+                </a:solidFill>
+              </a:rPr>
+              <a:t>(‘’C:/tests python’’)v</a:t>
+            </a:r>
+          </a:p>
+        </p:txBody>
+      </p:sp>
+      <p:sp>
+        <p:nvSpPr>
+          <p:cNvPr id="7" name="ZoneTexte 6">
+            <a:extLst>
+              <a:ext uri="{FF2B5EF4-FFF2-40B4-BE49-F238E27FC236}">
+                <a16:creationId xmlns:a16="http://schemas.microsoft.com/office/drawing/2014/main" id="{FD673AD2-4C80-4301-8627-1C141A27A25C}"/>
+              </a:ext>
+            </a:extLst>
+          </p:cNvPr>
+          <p:cNvSpPr txBox="1"/>
+          <p:nvPr/>
+        </p:nvSpPr>
+        <p:spPr>
+          <a:xfrm>
+            <a:off x="209554" y="2927044"/>
+            <a:ext cx="6062663" cy="646331"/>
+          </a:xfrm>
+          <a:prstGeom prst="rect">
+            <a:avLst/>
+          </a:prstGeom>
+          <a:solidFill>
+            <a:schemeClr val="tx1"/>
+          </a:solidFill>
+        </p:spPr>
+        <p:txBody>
+          <a:bodyPr wrap="square" rtlCol="0">
+            <a:spAutoFit/>
+          </a:bodyPr>
+          <a:lstStyle/>
+          <a:p>
+            <a:r>
+              <a:rPr lang="fr-FR" dirty="0">
+                <a:solidFill>
+                  <a:schemeClr val="bg1"/>
+                </a:solidFill>
+              </a:rPr>
+              <a:t>with open(mon_fichier, mode_ouverture) as variable:</a:t>
+            </a:r>
+          </a:p>
+          <a:p>
+            <a:r>
+              <a:rPr lang="fr-FR" dirty="0">
+                <a:solidFill>
+                  <a:schemeClr val="bg1"/>
+                </a:solidFill>
+              </a:rPr>
+              <a:t>    # Opérations sur le fichier</a:t>
+            </a:r>
+          </a:p>
+        </p:txBody>
+      </p:sp>
+      <p:sp>
+        <p:nvSpPr>
+          <p:cNvPr id="8" name="ZoneTexte 7">
+            <a:extLst>
+              <a:ext uri="{FF2B5EF4-FFF2-40B4-BE49-F238E27FC236}">
+                <a16:creationId xmlns:a16="http://schemas.microsoft.com/office/drawing/2014/main" id="{F553A210-C8A2-4DD4-844F-FD07FA6C6E24}"/>
+              </a:ext>
+            </a:extLst>
+          </p:cNvPr>
+          <p:cNvSpPr txBox="1"/>
+          <p:nvPr/>
+        </p:nvSpPr>
+        <p:spPr>
+          <a:xfrm>
+            <a:off x="209553" y="2505074"/>
+            <a:ext cx="6062663" cy="369332"/>
+          </a:xfrm>
+          <a:prstGeom prst="rect">
+            <a:avLst/>
+          </a:prstGeom>
+          <a:noFill/>
+        </p:spPr>
+        <p:txBody>
+          <a:bodyPr wrap="square" rtlCol="0">
+            <a:spAutoFit/>
+          </a:bodyPr>
+          <a:lstStyle/>
+          <a:p>
+            <a:r>
+              <a:rPr lang="fr-FR" dirty="0"/>
+              <a:t>Ouverture d’un fichier</a:t>
+            </a:r>
+          </a:p>
+        </p:txBody>
+      </p:sp>
+      <p:sp>
+        <p:nvSpPr>
+          <p:cNvPr id="10" name="ZoneTexte 9">
+            <a:extLst>
+              <a:ext uri="{FF2B5EF4-FFF2-40B4-BE49-F238E27FC236}">
+                <a16:creationId xmlns:a16="http://schemas.microsoft.com/office/drawing/2014/main" id="{4EB9D804-4C14-4008-AA63-6BAAFAA912AF}"/>
+              </a:ext>
+            </a:extLst>
+          </p:cNvPr>
+          <p:cNvSpPr txBox="1"/>
+          <p:nvPr/>
+        </p:nvSpPr>
+        <p:spPr>
+          <a:xfrm>
+            <a:off x="209553" y="3972895"/>
+            <a:ext cx="6062663" cy="646331"/>
+          </a:xfrm>
+          <a:prstGeom prst="rect">
+            <a:avLst/>
+          </a:prstGeom>
+          <a:solidFill>
+            <a:schemeClr val="tx1"/>
+          </a:solidFill>
+        </p:spPr>
+        <p:txBody>
+          <a:bodyPr wrap="square" rtlCol="0">
+            <a:spAutoFit/>
+          </a:bodyPr>
+          <a:lstStyle/>
+          <a:p>
+            <a:r>
+              <a:rPr lang="fr-FR" dirty="0">
+                <a:solidFill>
+                  <a:schemeClr val="bg1"/>
+                </a:solidFill>
+              </a:rPr>
+              <a:t>with open('fichier.txt', 'r') as mon_fichier:</a:t>
+            </a:r>
+          </a:p>
+          <a:p>
+            <a:r>
+              <a:rPr lang="fr-FR" dirty="0">
+                <a:solidFill>
+                  <a:schemeClr val="bg1"/>
+                </a:solidFill>
+              </a:rPr>
+              <a:t>...     texte = mon_fichier.read()</a:t>
+            </a:r>
+          </a:p>
+        </p:txBody>
+      </p:sp>
+      <p:sp>
+        <p:nvSpPr>
+          <p:cNvPr id="14" name="Rectangle 1">
+            <a:extLst>
+              <a:ext uri="{FF2B5EF4-FFF2-40B4-BE49-F238E27FC236}">
+                <a16:creationId xmlns:a16="http://schemas.microsoft.com/office/drawing/2014/main" id="{BB83FD6F-9F16-4756-BFAA-C80D3149CA31}"/>
+              </a:ext>
+            </a:extLst>
+          </p:cNvPr>
+          <p:cNvSpPr>
+            <a:spLocks noChangeArrowheads="1"/>
+          </p:cNvSpPr>
+          <p:nvPr/>
+        </p:nvSpPr>
+        <p:spPr bwMode="auto">
+          <a:xfrm>
+            <a:off x="85730" y="4695580"/>
+            <a:ext cx="12372972" cy="646331"/>
+          </a:xfrm>
+          <a:prstGeom prst="rect">
+            <a:avLst/>
+          </a:prstGeom>
+          <a:noFill/>
+          <a:ln>
+            <a:noFill/>
+          </a:ln>
+          <a:effectLst/>
+          <a:extLst>
+            <a:ext uri="{909E8E84-426E-40DD-AFC4-6F175D3DCCD1}">
+              <a14:hiddenFill xmlns:a14="http://schemas.microsoft.com/office/drawing/2010/main">
+                <a:solidFill>
+                  <a:schemeClr val="accent1"/>
+                </a:solidFill>
+              </a14:hiddenFill>
+            </a:ext>
+            <a:ext uri="{91240B29-F687-4F45-9708-019B960494DF}">
+              <a14:hiddenLine xmlns:a14="http://schemas.microsoft.com/office/drawing/2010/main" w="9525">
+                <a:solidFill>
+                  <a:schemeClr val="tx1"/>
+                </a:solidFill>
+                <a:miter lim="800000"/>
+                <a:headEnd/>
+                <a:tailEnd/>
+              </a14:hiddenLine>
+            </a:ext>
+            <a:ext uri="{AF507438-7753-43E0-B8FC-AC1667EBCBE1}">
+              <a14:hiddenEffects xmlns:a14="http://schemas.microsoft.com/office/drawing/2010/main">
+                <a:effectLst>
+                  <a:outerShdw dist="35921" dir="2700000" algn="ctr" rotWithShape="0">
+                    <a:schemeClr val="bg2"/>
+                  </a:outerShdw>
+                </a:effectLst>
+              </a14:hiddenEffects>
+            </a:ext>
+          </a:extLst>
+        </p:spPr>
+        <p:txBody>
+          <a:bodyPr vert="horz" wrap="square" lIns="91440" tIns="45720" rIns="91440" bIns="45720" numCol="1" anchor="ctr" anchorCtr="0" compatLnSpc="1">
+            <a:prstTxWarp prst="textNoShape">
+              <a:avLst/>
+            </a:prstTxWarp>
+            <a:spAutoFit/>
+          </a:bodyPr>
+          <a:lstStyle/>
+          <a:p>
+            <a:pPr marL="0" marR="0" lvl="0" indent="0" algn="l" defTabSz="914400" rtl="0" eaLnBrk="0" fontAlgn="base" latinLnBrk="0" hangingPunct="0">
+              <a:lnSpc>
+                <a:spcPct val="100000"/>
+              </a:lnSpc>
+              <a:spcBef>
+                <a:spcPct val="0"/>
+              </a:spcBef>
+              <a:spcAft>
+                <a:spcPct val="0"/>
+              </a:spcAft>
+              <a:buClrTx/>
+              <a:buSzTx/>
+              <a:buFontTx/>
+              <a:buNone/>
+              <a:tabLst/>
+            </a:pPr>
+            <a:r>
+              <a:rPr lang="fr-FR" altLang="fr-FR" dirty="0"/>
+              <a:t>Le mot-clé with permet de créer un "</a:t>
+            </a:r>
+            <a:r>
+              <a:rPr lang="fr-FR" altLang="fr-FR" dirty="0" err="1"/>
+              <a:t>context</a:t>
+            </a:r>
+            <a:r>
+              <a:rPr lang="fr-FR" altLang="fr-FR" dirty="0"/>
+              <a:t> manager" (gestionnaire de contexte) qui vérifie que le fichier est ouvert et fermé, même si des erreurs se produisent pendant le bloc. Vous verrez plus loin d'autres objets utilisant le même mécanisme. </a:t>
+            </a:r>
+          </a:p>
+        </p:txBody>
+      </p:sp>
+    </p:spTree>
+    <p:extLst>
+      <p:ext uri="{BB962C8B-B14F-4D97-AF65-F5344CB8AC3E}">
+        <p14:creationId xmlns:p14="http://schemas.microsoft.com/office/powerpoint/2010/main" val="389432116"/>
+      </p:ext>
+    </p:extLst>
+  </p:cSld>
+  <p:clrMapOvr>
+    <a:masterClrMapping/>
+  </p:clrMapOvr>
+</p:sld>
+</file>
+
+<file path=ppt/slides/slide94.xml><?xml version="1.0" encoding="utf-8"?>
+<p:sld xmlns:a="http://schemas.openxmlformats.org/drawingml/2006/main" xmlns:r="http://schemas.openxmlformats.org/officeDocument/2006/relationships" xmlns:p="http://schemas.openxmlformats.org/presentationml/2006/main">
+  <p:cSld>
+    <p:spTree>
+      <p:nvGrpSpPr>
+        <p:cNvPr id="1" name=""/>
+        <p:cNvGrpSpPr/>
+        <p:nvPr/>
+      </p:nvGrpSpPr>
+      <p:grpSpPr>
+        <a:xfrm>
+          <a:off x="0" y="0"/>
+          <a:ext cx="0" cy="0"/>
+          <a:chOff x="0" y="0"/>
+          <a:chExt cx="0" cy="0"/>
+        </a:xfrm>
+      </p:grpSpPr>
+      <p:sp>
+        <p:nvSpPr>
+          <p:cNvPr id="3" name="Espace réservé du contenu 2">
+            <a:extLst>
+              <a:ext uri="{FF2B5EF4-FFF2-40B4-BE49-F238E27FC236}">
+                <a16:creationId xmlns:a16="http://schemas.microsoft.com/office/drawing/2014/main" id="{26019C14-248F-4937-B7A1-BB6BDCB8ED35}"/>
+              </a:ext>
+            </a:extLst>
+          </p:cNvPr>
+          <p:cNvSpPr>
+            <a:spLocks noGrp="1"/>
+          </p:cNvSpPr>
+          <p:nvPr>
+            <p:ph idx="1"/>
+          </p:nvPr>
+        </p:nvSpPr>
+        <p:spPr>
+          <a:xfrm>
+            <a:off x="1" y="0"/>
+            <a:ext cx="12191999" cy="6857999"/>
+          </a:xfrm>
+          <a:gradFill>
+            <a:gsLst>
+              <a:gs pos="0">
+                <a:schemeClr val="bg2">
+                  <a:lumMod val="90000"/>
+                </a:schemeClr>
+              </a:gs>
+              <a:gs pos="100000">
+                <a:schemeClr val="bg2">
+                  <a:lumMod val="25000"/>
+                </a:schemeClr>
+              </a:gs>
+            </a:gsLst>
+            <a:lin ang="5400000" scaled="1"/>
+          </a:gradFill>
+        </p:spPr>
+        <p:txBody>
+          <a:bodyPr/>
+          <a:lstStyle/>
+          <a:p>
+            <a:pPr marL="0" indent="0">
+              <a:buNone/>
+            </a:pPr>
+            <a:r>
+              <a:rPr lang="fr-FR" dirty="0"/>
+              <a:t>	</a:t>
+            </a:r>
+          </a:p>
+          <a:p>
+            <a:pPr marL="0" indent="0">
+              <a:buNone/>
+            </a:pPr>
+            <a:endParaRPr lang="fr-FR" dirty="0"/>
+          </a:p>
+          <a:p>
+            <a:pPr marL="0" indent="0">
+              <a:buNone/>
+            </a:pPr>
+            <a:endParaRPr lang="fr-FR" dirty="0"/>
+          </a:p>
+          <a:p>
+            <a:pPr marL="0" indent="0">
+              <a:buNone/>
+            </a:pPr>
+            <a:endParaRPr lang="fr-FR" sz="1400" dirty="0"/>
+          </a:p>
+          <a:p>
+            <a:pPr marL="0" indent="0">
+              <a:lnSpc>
+                <a:spcPct val="100000"/>
+              </a:lnSpc>
+              <a:buNone/>
+            </a:pPr>
+            <a:endParaRPr lang="fr-FR" sz="1400" b="1" dirty="0"/>
+          </a:p>
+        </p:txBody>
+      </p:sp>
+      <p:sp>
+        <p:nvSpPr>
+          <p:cNvPr id="2" name="Titre 1">
+            <a:extLst>
+              <a:ext uri="{FF2B5EF4-FFF2-40B4-BE49-F238E27FC236}">
+                <a16:creationId xmlns:a16="http://schemas.microsoft.com/office/drawing/2014/main" id="{C2DDB91C-04E9-41CA-9731-E7D1B6B6D47E}"/>
+              </a:ext>
+            </a:extLst>
+          </p:cNvPr>
+          <p:cNvSpPr>
+            <a:spLocks noGrp="1"/>
+          </p:cNvSpPr>
+          <p:nvPr>
+            <p:ph type="title"/>
+          </p:nvPr>
+        </p:nvSpPr>
+        <p:spPr>
+          <a:xfrm>
+            <a:off x="-266698" y="0"/>
+            <a:ext cx="12192000" cy="1325563"/>
+          </a:xfrm>
+        </p:spPr>
+        <p:txBody>
+          <a:bodyPr>
+            <a:noAutofit/>
+          </a:bodyPr>
+          <a:lstStyle/>
+          <a:p>
+            <a:pPr lvl="0" algn="ctr" fontAlgn="base">
+              <a:spcAft>
+                <a:spcPct val="0"/>
+              </a:spcAft>
+            </a:pPr>
+            <a:r>
+              <a:rPr lang="fr-FR" altLang="fr-FR" sz="6000" dirty="0">
+                <a:solidFill>
+                  <a:schemeClr val="accent5">
+                    <a:lumMod val="75000"/>
+                  </a:schemeClr>
+                </a:solidFill>
+              </a:rPr>
+              <a:t>Utiliser des fichiers 2</a:t>
+            </a:r>
+            <a:endParaRPr lang="fr-FR" altLang="fr-FR" sz="6000" b="1" dirty="0">
+              <a:solidFill>
+                <a:schemeClr val="accent5">
+                  <a:lumMod val="75000"/>
+                </a:schemeClr>
+              </a:solidFill>
+            </a:endParaRPr>
+          </a:p>
+        </p:txBody>
+      </p:sp>
+      <p:sp>
+        <p:nvSpPr>
+          <p:cNvPr id="4" name="ZoneTexte 3">
+            <a:extLst>
+              <a:ext uri="{FF2B5EF4-FFF2-40B4-BE49-F238E27FC236}">
+                <a16:creationId xmlns:a16="http://schemas.microsoft.com/office/drawing/2014/main" id="{318E8B91-EB38-4F32-897B-41BFDFA2D26D}"/>
+              </a:ext>
+            </a:extLst>
+          </p:cNvPr>
+          <p:cNvSpPr txBox="1"/>
+          <p:nvPr/>
+        </p:nvSpPr>
+        <p:spPr>
+          <a:xfrm>
+            <a:off x="209554" y="12012972"/>
+            <a:ext cx="11715748" cy="914400"/>
+          </a:xfrm>
+          <a:prstGeom prst="rect">
+            <a:avLst/>
+          </a:prstGeom>
+          <a:noFill/>
+        </p:spPr>
+        <p:txBody>
+          <a:bodyPr wrap="square" rtlCol="0">
+            <a:spAutoFit/>
+          </a:bodyPr>
+          <a:lstStyle/>
+          <a:p>
+            <a:endParaRPr lang="fr-FR" dirty="0"/>
+          </a:p>
+        </p:txBody>
+      </p:sp>
+      <p:sp>
+        <p:nvSpPr>
+          <p:cNvPr id="5" name="ZoneTexte 4">
+            <a:extLst>
+              <a:ext uri="{FF2B5EF4-FFF2-40B4-BE49-F238E27FC236}">
+                <a16:creationId xmlns:a16="http://schemas.microsoft.com/office/drawing/2014/main" id="{5ED24F53-74E8-4CB8-AE4D-1EC67A8AAC6F}"/>
+              </a:ext>
+            </a:extLst>
+          </p:cNvPr>
+          <p:cNvSpPr txBox="1"/>
+          <p:nvPr/>
+        </p:nvSpPr>
+        <p:spPr>
+          <a:xfrm>
+            <a:off x="209554" y="1252537"/>
+            <a:ext cx="6062663" cy="369332"/>
+          </a:xfrm>
+          <a:prstGeom prst="rect">
+            <a:avLst/>
+          </a:prstGeom>
+          <a:noFill/>
+        </p:spPr>
+        <p:txBody>
+          <a:bodyPr wrap="square" rtlCol="0">
+            <a:spAutoFit/>
+          </a:bodyPr>
+          <a:lstStyle/>
+          <a:p>
+            <a:r>
+              <a:rPr lang="fr-FR" dirty="0"/>
+              <a:t>Enregistrer des objets dans des fichiers</a:t>
+            </a:r>
+          </a:p>
+        </p:txBody>
+      </p:sp>
+      <p:sp>
+        <p:nvSpPr>
+          <p:cNvPr id="6" name="ZoneTexte 5">
+            <a:extLst>
+              <a:ext uri="{FF2B5EF4-FFF2-40B4-BE49-F238E27FC236}">
+                <a16:creationId xmlns:a16="http://schemas.microsoft.com/office/drawing/2014/main" id="{10C77C71-0A30-43E5-960B-4E7F441401F7}"/>
+              </a:ext>
+            </a:extLst>
+          </p:cNvPr>
+          <p:cNvSpPr txBox="1"/>
+          <p:nvPr/>
+        </p:nvSpPr>
+        <p:spPr>
+          <a:xfrm>
+            <a:off x="209554" y="1621869"/>
+            <a:ext cx="6062663" cy="369332"/>
+          </a:xfrm>
+          <a:prstGeom prst="rect">
+            <a:avLst/>
+          </a:prstGeom>
+          <a:solidFill>
+            <a:schemeClr val="tx1"/>
+          </a:solidFill>
+        </p:spPr>
+        <p:txBody>
+          <a:bodyPr wrap="square" rtlCol="0">
+            <a:spAutoFit/>
+          </a:bodyPr>
+          <a:lstStyle/>
+          <a:p>
+            <a:r>
+              <a:rPr lang="fr-FR" dirty="0">
+                <a:solidFill>
+                  <a:schemeClr val="bg1"/>
+                </a:solidFill>
+              </a:rPr>
+              <a:t>&gt;&gt;&gt; import pickle</a:t>
+            </a:r>
+          </a:p>
+        </p:txBody>
+      </p:sp>
+      <p:sp>
+        <p:nvSpPr>
+          <p:cNvPr id="7" name="ZoneTexte 6">
+            <a:extLst>
+              <a:ext uri="{FF2B5EF4-FFF2-40B4-BE49-F238E27FC236}">
+                <a16:creationId xmlns:a16="http://schemas.microsoft.com/office/drawing/2014/main" id="{FD673AD2-4C80-4301-8627-1C141A27A25C}"/>
+              </a:ext>
+            </a:extLst>
+          </p:cNvPr>
+          <p:cNvSpPr txBox="1"/>
+          <p:nvPr/>
+        </p:nvSpPr>
+        <p:spPr>
+          <a:xfrm>
+            <a:off x="209554" y="2927044"/>
+            <a:ext cx="6062663" cy="923330"/>
+          </a:xfrm>
+          <a:prstGeom prst="rect">
+            <a:avLst/>
+          </a:prstGeom>
+          <a:solidFill>
+            <a:schemeClr val="tx1"/>
+          </a:solidFill>
+        </p:spPr>
+        <p:txBody>
+          <a:bodyPr wrap="square" rtlCol="0">
+            <a:spAutoFit/>
+          </a:bodyPr>
+          <a:lstStyle/>
+          <a:p>
+            <a:r>
+              <a:rPr lang="en-US" dirty="0">
+                <a:solidFill>
+                  <a:schemeClr val="bg1"/>
+                </a:solidFill>
+              </a:rPr>
+              <a:t>&gt;&gt;&gt; with open('</a:t>
+            </a:r>
+            <a:r>
+              <a:rPr lang="en-US" dirty="0" err="1">
+                <a:solidFill>
+                  <a:schemeClr val="bg1"/>
+                </a:solidFill>
+              </a:rPr>
+              <a:t>donnees</a:t>
+            </a:r>
+            <a:r>
+              <a:rPr lang="en-US" dirty="0">
+                <a:solidFill>
+                  <a:schemeClr val="bg1"/>
+                </a:solidFill>
+              </a:rPr>
+              <a:t>', '</a:t>
+            </a:r>
+            <a:r>
+              <a:rPr lang="en-US" dirty="0" err="1">
+                <a:solidFill>
+                  <a:schemeClr val="bg1"/>
+                </a:solidFill>
+              </a:rPr>
+              <a:t>wb</a:t>
+            </a:r>
+            <a:r>
+              <a:rPr lang="en-US" dirty="0">
+                <a:solidFill>
+                  <a:schemeClr val="bg1"/>
+                </a:solidFill>
+              </a:rPr>
+              <a:t>') as </a:t>
+            </a:r>
+            <a:r>
+              <a:rPr lang="en-US" dirty="0" err="1">
+                <a:solidFill>
+                  <a:schemeClr val="bg1"/>
+                </a:solidFill>
+              </a:rPr>
+              <a:t>fichier</a:t>
+            </a:r>
+            <a:r>
+              <a:rPr lang="en-US" dirty="0">
+                <a:solidFill>
+                  <a:schemeClr val="bg1"/>
+                </a:solidFill>
+              </a:rPr>
+              <a:t>:</a:t>
+            </a:r>
+          </a:p>
+          <a:p>
+            <a:r>
+              <a:rPr lang="en-US" dirty="0">
+                <a:solidFill>
+                  <a:schemeClr val="bg1"/>
+                </a:solidFill>
+              </a:rPr>
+              <a:t>...     </a:t>
+            </a:r>
+            <a:r>
+              <a:rPr lang="en-US" dirty="0" err="1">
+                <a:solidFill>
+                  <a:schemeClr val="bg1"/>
+                </a:solidFill>
+              </a:rPr>
+              <a:t>mon_pickler</a:t>
+            </a:r>
+            <a:r>
+              <a:rPr lang="en-US" dirty="0">
+                <a:solidFill>
+                  <a:schemeClr val="bg1"/>
+                </a:solidFill>
+              </a:rPr>
+              <a:t> = </a:t>
+            </a:r>
+            <a:r>
+              <a:rPr lang="en-US" dirty="0" err="1">
+                <a:solidFill>
+                  <a:schemeClr val="bg1"/>
+                </a:solidFill>
+              </a:rPr>
+              <a:t>pickle.Pickler</a:t>
+            </a:r>
+            <a:r>
+              <a:rPr lang="en-US" dirty="0">
+                <a:solidFill>
+                  <a:schemeClr val="bg1"/>
+                </a:solidFill>
+              </a:rPr>
+              <a:t>(</a:t>
+            </a:r>
+            <a:r>
+              <a:rPr lang="en-US" dirty="0" err="1">
+                <a:solidFill>
+                  <a:schemeClr val="bg1"/>
+                </a:solidFill>
+              </a:rPr>
+              <a:t>fichier</a:t>
+            </a:r>
+            <a:r>
+              <a:rPr lang="en-US" dirty="0">
+                <a:solidFill>
+                  <a:schemeClr val="bg1"/>
+                </a:solidFill>
+              </a:rPr>
+              <a:t>)</a:t>
+            </a:r>
+          </a:p>
+          <a:p>
+            <a:r>
+              <a:rPr lang="en-US" dirty="0">
+                <a:solidFill>
+                  <a:schemeClr val="bg1"/>
+                </a:solidFill>
+              </a:rPr>
+              <a:t>...     # </a:t>
+            </a:r>
+            <a:r>
+              <a:rPr lang="en-US" dirty="0" err="1">
+                <a:solidFill>
+                  <a:schemeClr val="bg1"/>
+                </a:solidFill>
+              </a:rPr>
+              <a:t>enregistrement</a:t>
+            </a:r>
+            <a:r>
+              <a:rPr lang="en-US" dirty="0">
+                <a:solidFill>
+                  <a:schemeClr val="bg1"/>
+                </a:solidFill>
+              </a:rPr>
+              <a:t> ...</a:t>
+            </a:r>
+          </a:p>
+        </p:txBody>
+      </p:sp>
+      <p:sp>
+        <p:nvSpPr>
+          <p:cNvPr id="8" name="ZoneTexte 7">
+            <a:extLst>
+              <a:ext uri="{FF2B5EF4-FFF2-40B4-BE49-F238E27FC236}">
+                <a16:creationId xmlns:a16="http://schemas.microsoft.com/office/drawing/2014/main" id="{F553A210-C8A2-4DD4-844F-FD07FA6C6E24}"/>
+              </a:ext>
+            </a:extLst>
+          </p:cNvPr>
+          <p:cNvSpPr txBox="1"/>
+          <p:nvPr/>
+        </p:nvSpPr>
+        <p:spPr>
+          <a:xfrm>
+            <a:off x="209553" y="2505074"/>
+            <a:ext cx="6062663" cy="369332"/>
+          </a:xfrm>
+          <a:prstGeom prst="rect">
+            <a:avLst/>
+          </a:prstGeom>
+          <a:noFill/>
+        </p:spPr>
+        <p:txBody>
+          <a:bodyPr wrap="square" rtlCol="0">
+            <a:spAutoFit/>
+          </a:bodyPr>
+          <a:lstStyle/>
+          <a:p>
+            <a:r>
+              <a:rPr lang="fr-FR" dirty="0"/>
+              <a:t>Ouverture d’un fichier</a:t>
+            </a:r>
+          </a:p>
+        </p:txBody>
+      </p:sp>
+      <p:sp>
+        <p:nvSpPr>
+          <p:cNvPr id="14" name="Rectangle 1">
+            <a:extLst>
+              <a:ext uri="{FF2B5EF4-FFF2-40B4-BE49-F238E27FC236}">
+                <a16:creationId xmlns:a16="http://schemas.microsoft.com/office/drawing/2014/main" id="{BB83FD6F-9F16-4756-BFAA-C80D3149CA31}"/>
+              </a:ext>
+            </a:extLst>
+          </p:cNvPr>
+          <p:cNvSpPr>
+            <a:spLocks noChangeArrowheads="1"/>
+          </p:cNvSpPr>
+          <p:nvPr/>
+        </p:nvSpPr>
+        <p:spPr bwMode="auto">
+          <a:xfrm>
+            <a:off x="85727" y="4139886"/>
+            <a:ext cx="12372972" cy="646331"/>
+          </a:xfrm>
+          <a:prstGeom prst="rect">
+            <a:avLst/>
+          </a:prstGeom>
+          <a:noFill/>
+          <a:ln>
+            <a:noFill/>
+          </a:ln>
+          <a:effectLst/>
+          <a:extLst>
+            <a:ext uri="{909E8E84-426E-40DD-AFC4-6F175D3DCCD1}">
+              <a14:hiddenFill xmlns:a14="http://schemas.microsoft.com/office/drawing/2010/main">
+                <a:solidFill>
+                  <a:schemeClr val="accent1"/>
+                </a:solidFill>
+              </a14:hiddenFill>
+            </a:ext>
+            <a:ext uri="{91240B29-F687-4F45-9708-019B960494DF}">
+              <a14:hiddenLine xmlns:a14="http://schemas.microsoft.com/office/drawing/2010/main" w="9525">
+                <a:solidFill>
+                  <a:schemeClr val="tx1"/>
+                </a:solidFill>
+                <a:miter lim="800000"/>
+                <a:headEnd/>
+                <a:tailEnd/>
+              </a14:hiddenLine>
+            </a:ext>
+            <a:ext uri="{AF507438-7753-43E0-B8FC-AC1667EBCBE1}">
+              <a14:hiddenEffects xmlns:a14="http://schemas.microsoft.com/office/drawing/2010/main">
+                <a:effectLst>
+                  <a:outerShdw dist="35921" dir="2700000" algn="ctr" rotWithShape="0">
+                    <a:schemeClr val="bg2"/>
+                  </a:outerShdw>
+                </a:effectLst>
+              </a14:hiddenEffects>
+            </a:ext>
+          </a:extLst>
+        </p:spPr>
+        <p:txBody>
+          <a:bodyPr vert="horz" wrap="square" lIns="91440" tIns="45720" rIns="91440" bIns="45720" numCol="1" anchor="ctr" anchorCtr="0" compatLnSpc="1">
+            <a:prstTxWarp prst="textNoShape">
+              <a:avLst/>
+            </a:prstTxWarp>
+            <a:spAutoFit/>
+          </a:bodyPr>
+          <a:lstStyle/>
+          <a:p>
+            <a:pPr lvl="0" eaLnBrk="0" fontAlgn="base" hangingPunct="0">
+              <a:spcBef>
+                <a:spcPct val="0"/>
+              </a:spcBef>
+              <a:spcAft>
+                <a:spcPct val="0"/>
+              </a:spcAft>
+            </a:pPr>
+            <a:r>
+              <a:rPr lang="fr-FR" altLang="fr-FR" dirty="0"/>
+              <a:t>Notez le mode d'ouverture : on ouvre le fichier données en mode d'écriture binaire. Il suffit de rajouter, derrière la lettre symbolisant le mode, la lettre b pour indiquer un mode binaire.</a:t>
+            </a:r>
+          </a:p>
+        </p:txBody>
+      </p:sp>
+    </p:spTree>
+    <p:extLst>
+      <p:ext uri="{BB962C8B-B14F-4D97-AF65-F5344CB8AC3E}">
+        <p14:creationId xmlns:p14="http://schemas.microsoft.com/office/powerpoint/2010/main" val="278980803"/>
+      </p:ext>
+    </p:extLst>
+  </p:cSld>
+  <p:clrMapOvr>
+    <a:masterClrMapping/>
+  </p:clrMapOvr>
+</p:sld>
+</file>
+
+<file path=ppt/slides/slide95.xml><?xml version="1.0" encoding="utf-8"?>
+<p:sld xmlns:a="http://schemas.openxmlformats.org/drawingml/2006/main" xmlns:r="http://schemas.openxmlformats.org/officeDocument/2006/relationships" xmlns:p="http://schemas.openxmlformats.org/presentationml/2006/main">
+  <p:cSld>
+    <p:spTree>
+      <p:nvGrpSpPr>
+        <p:cNvPr id="1" name=""/>
+        <p:cNvGrpSpPr/>
+        <p:nvPr/>
+      </p:nvGrpSpPr>
+      <p:grpSpPr>
+        <a:xfrm>
+          <a:off x="0" y="0"/>
+          <a:ext cx="0" cy="0"/>
+          <a:chOff x="0" y="0"/>
+          <a:chExt cx="0" cy="0"/>
+        </a:xfrm>
+      </p:grpSpPr>
+      <p:sp>
+        <p:nvSpPr>
+          <p:cNvPr id="3" name="Espace réservé du contenu 2">
+            <a:extLst>
+              <a:ext uri="{FF2B5EF4-FFF2-40B4-BE49-F238E27FC236}">
+                <a16:creationId xmlns:a16="http://schemas.microsoft.com/office/drawing/2014/main" id="{26019C14-248F-4937-B7A1-BB6BDCB8ED35}"/>
+              </a:ext>
+            </a:extLst>
+          </p:cNvPr>
+          <p:cNvSpPr>
+            <a:spLocks noGrp="1"/>
+          </p:cNvSpPr>
+          <p:nvPr>
+            <p:ph idx="1"/>
+          </p:nvPr>
+        </p:nvSpPr>
+        <p:spPr>
+          <a:xfrm>
+            <a:off x="1" y="0"/>
+            <a:ext cx="12191999" cy="6857999"/>
+          </a:xfrm>
+          <a:gradFill>
+            <a:gsLst>
+              <a:gs pos="0">
+                <a:schemeClr val="bg2">
+                  <a:lumMod val="90000"/>
+                </a:schemeClr>
+              </a:gs>
+              <a:gs pos="100000">
+                <a:schemeClr val="bg2">
+                  <a:lumMod val="25000"/>
+                </a:schemeClr>
+              </a:gs>
+            </a:gsLst>
+            <a:lin ang="5400000" scaled="1"/>
+          </a:gradFill>
+        </p:spPr>
+        <p:txBody>
+          <a:bodyPr/>
+          <a:lstStyle/>
+          <a:p>
+            <a:pPr marL="0" indent="0">
+              <a:buNone/>
+            </a:pPr>
+            <a:r>
+              <a:rPr lang="fr-FR" dirty="0"/>
+              <a:t>	</a:t>
+            </a:r>
+          </a:p>
+          <a:p>
+            <a:pPr marL="0" indent="0">
+              <a:buNone/>
+            </a:pPr>
+            <a:endParaRPr lang="fr-FR" dirty="0"/>
+          </a:p>
+          <a:p>
+            <a:pPr marL="0" indent="0">
+              <a:buNone/>
+            </a:pPr>
+            <a:endParaRPr lang="fr-FR" dirty="0"/>
+          </a:p>
+          <a:p>
+            <a:pPr marL="0" indent="0">
+              <a:buNone/>
+            </a:pPr>
+            <a:endParaRPr lang="fr-FR" sz="1400" dirty="0"/>
+          </a:p>
+          <a:p>
+            <a:pPr marL="0" indent="0">
+              <a:lnSpc>
+                <a:spcPct val="100000"/>
+              </a:lnSpc>
+              <a:buNone/>
+            </a:pPr>
+            <a:endParaRPr lang="fr-FR" sz="1400" b="1" dirty="0"/>
+          </a:p>
+        </p:txBody>
+      </p:sp>
+      <p:sp>
+        <p:nvSpPr>
+          <p:cNvPr id="2" name="Titre 1">
+            <a:extLst>
+              <a:ext uri="{FF2B5EF4-FFF2-40B4-BE49-F238E27FC236}">
+                <a16:creationId xmlns:a16="http://schemas.microsoft.com/office/drawing/2014/main" id="{C2DDB91C-04E9-41CA-9731-E7D1B6B6D47E}"/>
+              </a:ext>
+            </a:extLst>
+          </p:cNvPr>
+          <p:cNvSpPr>
+            <a:spLocks noGrp="1"/>
+          </p:cNvSpPr>
+          <p:nvPr>
+            <p:ph type="title"/>
+          </p:nvPr>
+        </p:nvSpPr>
+        <p:spPr>
+          <a:xfrm>
+            <a:off x="-266698" y="0"/>
+            <a:ext cx="12192000" cy="1325563"/>
+          </a:xfrm>
+        </p:spPr>
+        <p:txBody>
+          <a:bodyPr>
+            <a:noAutofit/>
+          </a:bodyPr>
+          <a:lstStyle/>
+          <a:p>
+            <a:pPr lvl="0" algn="ctr" fontAlgn="base">
+              <a:spcAft>
+                <a:spcPct val="0"/>
+              </a:spcAft>
+            </a:pPr>
+            <a:r>
+              <a:rPr lang="fr-FR" altLang="fr-FR" sz="6000" dirty="0">
+                <a:solidFill>
+                  <a:schemeClr val="accent5">
+                    <a:lumMod val="75000"/>
+                  </a:schemeClr>
+                </a:solidFill>
+              </a:rPr>
+              <a:t>Utiliser des fichiers 3</a:t>
+            </a:r>
+            <a:endParaRPr lang="fr-FR" altLang="fr-FR" sz="6000" b="1" dirty="0">
+              <a:solidFill>
+                <a:schemeClr val="accent5">
+                  <a:lumMod val="75000"/>
+                </a:schemeClr>
+              </a:solidFill>
+            </a:endParaRPr>
+          </a:p>
+        </p:txBody>
+      </p:sp>
+      <p:sp>
+        <p:nvSpPr>
+          <p:cNvPr id="4" name="ZoneTexte 3">
+            <a:extLst>
+              <a:ext uri="{FF2B5EF4-FFF2-40B4-BE49-F238E27FC236}">
+                <a16:creationId xmlns:a16="http://schemas.microsoft.com/office/drawing/2014/main" id="{318E8B91-EB38-4F32-897B-41BFDFA2D26D}"/>
+              </a:ext>
+            </a:extLst>
+          </p:cNvPr>
+          <p:cNvSpPr txBox="1"/>
+          <p:nvPr/>
+        </p:nvSpPr>
+        <p:spPr>
+          <a:xfrm>
+            <a:off x="209554" y="12012972"/>
+            <a:ext cx="11715748" cy="914400"/>
+          </a:xfrm>
+          <a:prstGeom prst="rect">
+            <a:avLst/>
+          </a:prstGeom>
+          <a:noFill/>
+        </p:spPr>
+        <p:txBody>
+          <a:bodyPr wrap="square" rtlCol="0">
+            <a:spAutoFit/>
+          </a:bodyPr>
+          <a:lstStyle/>
+          <a:p>
+            <a:endParaRPr lang="fr-FR" dirty="0"/>
+          </a:p>
+        </p:txBody>
+      </p:sp>
+      <p:sp>
+        <p:nvSpPr>
+          <p:cNvPr id="5" name="ZoneTexte 4">
+            <a:extLst>
+              <a:ext uri="{FF2B5EF4-FFF2-40B4-BE49-F238E27FC236}">
+                <a16:creationId xmlns:a16="http://schemas.microsoft.com/office/drawing/2014/main" id="{5ED24F53-74E8-4CB8-AE4D-1EC67A8AAC6F}"/>
+              </a:ext>
+            </a:extLst>
+          </p:cNvPr>
+          <p:cNvSpPr txBox="1"/>
+          <p:nvPr/>
+        </p:nvSpPr>
+        <p:spPr>
+          <a:xfrm>
+            <a:off x="209554" y="1252537"/>
+            <a:ext cx="11906246" cy="646331"/>
+          </a:xfrm>
+          <a:prstGeom prst="rect">
+            <a:avLst/>
+          </a:prstGeom>
+          <a:noFill/>
+        </p:spPr>
+        <p:txBody>
+          <a:bodyPr wrap="square" rtlCol="0">
+            <a:spAutoFit/>
+          </a:bodyPr>
+          <a:lstStyle/>
+          <a:p>
+            <a:r>
+              <a:rPr lang="fr-FR" b="1" dirty="0"/>
+              <a:t>Enregistrer un objet dans un fichier</a:t>
+            </a:r>
+          </a:p>
+          <a:p>
+            <a:r>
+              <a:rPr lang="fr-FR" dirty="0"/>
+              <a:t>On utilise la </a:t>
+            </a:r>
+            <a:r>
+              <a:rPr lang="fr-FR" dirty="0" err="1"/>
+              <a:t>methode</a:t>
+            </a:r>
+            <a:r>
+              <a:rPr lang="fr-FR" dirty="0"/>
+              <a:t> </a:t>
+            </a:r>
+            <a:r>
+              <a:rPr lang="fr-FR" b="1" dirty="0"/>
+              <a:t>dump</a:t>
+            </a:r>
+            <a:r>
+              <a:rPr lang="fr-FR" dirty="0"/>
+              <a:t> du pickler pour enregistrer l’objet. Son emploi est des plus simples:</a:t>
+            </a:r>
+          </a:p>
+        </p:txBody>
+      </p:sp>
+      <p:sp>
+        <p:nvSpPr>
+          <p:cNvPr id="6" name="ZoneTexte 5">
+            <a:extLst>
+              <a:ext uri="{FF2B5EF4-FFF2-40B4-BE49-F238E27FC236}">
+                <a16:creationId xmlns:a16="http://schemas.microsoft.com/office/drawing/2014/main" id="{10C77C71-0A30-43E5-960B-4E7F441401F7}"/>
+              </a:ext>
+            </a:extLst>
+          </p:cNvPr>
+          <p:cNvSpPr txBox="1"/>
+          <p:nvPr/>
+        </p:nvSpPr>
+        <p:spPr>
+          <a:xfrm>
+            <a:off x="333379" y="2225069"/>
+            <a:ext cx="6062663" cy="2585323"/>
+          </a:xfrm>
+          <a:prstGeom prst="rect">
+            <a:avLst/>
+          </a:prstGeom>
+          <a:solidFill>
+            <a:schemeClr val="tx1"/>
+          </a:solidFill>
+        </p:spPr>
+        <p:txBody>
+          <a:bodyPr wrap="square" rtlCol="0">
+            <a:spAutoFit/>
+          </a:bodyPr>
+          <a:lstStyle/>
+          <a:p>
+            <a:r>
+              <a:rPr lang="fr-FR" dirty="0">
+                <a:solidFill>
+                  <a:schemeClr val="bg1"/>
+                </a:solidFill>
+              </a:rPr>
+              <a:t>score = {</a:t>
+            </a:r>
+          </a:p>
+          <a:p>
+            <a:r>
+              <a:rPr lang="fr-FR" dirty="0">
+                <a:solidFill>
+                  <a:schemeClr val="bg1"/>
+                </a:solidFill>
+              </a:rPr>
+              <a:t>...   "joueur 1":    5,</a:t>
+            </a:r>
+          </a:p>
+          <a:p>
+            <a:r>
+              <a:rPr lang="fr-FR" dirty="0">
+                <a:solidFill>
+                  <a:schemeClr val="bg1"/>
+                </a:solidFill>
+              </a:rPr>
+              <a:t>...   "joueur 2":   35,</a:t>
+            </a:r>
+          </a:p>
+          <a:p>
+            <a:r>
+              <a:rPr lang="fr-FR" dirty="0">
+                <a:solidFill>
+                  <a:schemeClr val="bg1"/>
+                </a:solidFill>
+              </a:rPr>
+              <a:t>...   "joueur 3":   20,</a:t>
+            </a:r>
+          </a:p>
+          <a:p>
+            <a:r>
+              <a:rPr lang="fr-FR" dirty="0">
+                <a:solidFill>
+                  <a:schemeClr val="bg1"/>
+                </a:solidFill>
+              </a:rPr>
+              <a:t>...   "joueur 4":    2,</a:t>
+            </a:r>
+          </a:p>
+          <a:p>
+            <a:r>
+              <a:rPr lang="fr-FR" dirty="0">
+                <a:solidFill>
+                  <a:schemeClr val="bg1"/>
+                </a:solidFill>
+              </a:rPr>
+              <a:t>}</a:t>
+            </a:r>
+          </a:p>
+          <a:p>
+            <a:r>
+              <a:rPr lang="fr-FR" dirty="0">
+                <a:solidFill>
+                  <a:schemeClr val="bg1"/>
+                </a:solidFill>
+              </a:rPr>
+              <a:t>with open('</a:t>
+            </a:r>
+            <a:r>
+              <a:rPr lang="fr-FR" dirty="0" err="1">
+                <a:solidFill>
+                  <a:schemeClr val="bg1"/>
+                </a:solidFill>
+              </a:rPr>
+              <a:t>donnees</a:t>
+            </a:r>
+            <a:r>
+              <a:rPr lang="fr-FR" dirty="0">
+                <a:solidFill>
+                  <a:schemeClr val="bg1"/>
+                </a:solidFill>
+              </a:rPr>
+              <a:t>', '</a:t>
+            </a:r>
+            <a:r>
+              <a:rPr lang="fr-FR" dirty="0" err="1">
+                <a:solidFill>
+                  <a:schemeClr val="bg1"/>
+                </a:solidFill>
+              </a:rPr>
+              <a:t>wb</a:t>
+            </a:r>
+            <a:r>
+              <a:rPr lang="fr-FR" dirty="0">
+                <a:solidFill>
+                  <a:schemeClr val="bg1"/>
+                </a:solidFill>
+              </a:rPr>
+              <a:t>') as fichier:</a:t>
+            </a:r>
+          </a:p>
+          <a:p>
+            <a:r>
+              <a:rPr lang="fr-FR" dirty="0">
+                <a:solidFill>
+                  <a:schemeClr val="bg1"/>
+                </a:solidFill>
+              </a:rPr>
+              <a:t>...     </a:t>
+            </a:r>
+            <a:r>
+              <a:rPr lang="fr-FR" dirty="0" err="1">
+                <a:solidFill>
+                  <a:schemeClr val="bg1"/>
+                </a:solidFill>
+              </a:rPr>
+              <a:t>mon_pickler</a:t>
+            </a:r>
+            <a:r>
+              <a:rPr lang="fr-FR" dirty="0">
+                <a:solidFill>
+                  <a:schemeClr val="bg1"/>
+                </a:solidFill>
+              </a:rPr>
+              <a:t> = </a:t>
+            </a:r>
+            <a:r>
+              <a:rPr lang="fr-FR" dirty="0" err="1">
+                <a:solidFill>
+                  <a:schemeClr val="bg1"/>
+                </a:solidFill>
+              </a:rPr>
+              <a:t>pickle.Pickler</a:t>
+            </a:r>
+            <a:r>
+              <a:rPr lang="fr-FR" dirty="0">
+                <a:solidFill>
+                  <a:schemeClr val="bg1"/>
+                </a:solidFill>
+              </a:rPr>
+              <a:t>(fichier)</a:t>
+            </a:r>
+          </a:p>
+          <a:p>
+            <a:r>
+              <a:rPr lang="fr-FR" dirty="0">
+                <a:solidFill>
+                  <a:schemeClr val="bg1"/>
+                </a:solidFill>
+              </a:rPr>
+              <a:t>...     </a:t>
+            </a:r>
+            <a:r>
+              <a:rPr lang="fr-FR" dirty="0" err="1">
+                <a:solidFill>
+                  <a:schemeClr val="bg1"/>
+                </a:solidFill>
+              </a:rPr>
+              <a:t>mon_pickler.dump</a:t>
+            </a:r>
+            <a:r>
+              <a:rPr lang="fr-FR" dirty="0">
+                <a:solidFill>
+                  <a:schemeClr val="bg1"/>
+                </a:solidFill>
+              </a:rPr>
+              <a:t>(score)</a:t>
+            </a:r>
+          </a:p>
+        </p:txBody>
+      </p:sp>
+    </p:spTree>
+    <p:extLst>
+      <p:ext uri="{BB962C8B-B14F-4D97-AF65-F5344CB8AC3E}">
+        <p14:creationId xmlns:p14="http://schemas.microsoft.com/office/powerpoint/2010/main" val="1648463173"/>
+      </p:ext>
+    </p:extLst>
+  </p:cSld>
+  <p:clrMapOvr>
+    <a:masterClrMapping/>
+  </p:clrMapOvr>
+</p:sld>
+</file>
+
+<file path=ppt/slides/slide96.xml><?xml version="1.0" encoding="utf-8"?>
+<p:sld xmlns:a="http://schemas.openxmlformats.org/drawingml/2006/main" xmlns:r="http://schemas.openxmlformats.org/officeDocument/2006/relationships" xmlns:p="http://schemas.openxmlformats.org/presentationml/2006/main">
+  <p:cSld>
+    <p:spTree>
+      <p:nvGrpSpPr>
+        <p:cNvPr id="1" name=""/>
+        <p:cNvGrpSpPr/>
+        <p:nvPr/>
+      </p:nvGrpSpPr>
+      <p:grpSpPr>
+        <a:xfrm>
+          <a:off x="0" y="0"/>
+          <a:ext cx="0" cy="0"/>
+          <a:chOff x="0" y="0"/>
+          <a:chExt cx="0" cy="0"/>
+        </a:xfrm>
+      </p:grpSpPr>
+      <p:sp>
+        <p:nvSpPr>
+          <p:cNvPr id="3" name="Espace réservé du contenu 2">
+            <a:extLst>
+              <a:ext uri="{FF2B5EF4-FFF2-40B4-BE49-F238E27FC236}">
+                <a16:creationId xmlns:a16="http://schemas.microsoft.com/office/drawing/2014/main" id="{26019C14-248F-4937-B7A1-BB6BDCB8ED35}"/>
+              </a:ext>
+            </a:extLst>
+          </p:cNvPr>
+          <p:cNvSpPr>
+            <a:spLocks noGrp="1"/>
+          </p:cNvSpPr>
+          <p:nvPr>
+            <p:ph idx="1"/>
+          </p:nvPr>
+        </p:nvSpPr>
+        <p:spPr>
+          <a:xfrm>
+            <a:off x="1" y="0"/>
+            <a:ext cx="12191999" cy="6857999"/>
+          </a:xfrm>
+          <a:gradFill>
+            <a:gsLst>
+              <a:gs pos="0">
+                <a:schemeClr val="bg2">
+                  <a:lumMod val="90000"/>
+                </a:schemeClr>
+              </a:gs>
+              <a:gs pos="100000">
+                <a:schemeClr val="bg2">
+                  <a:lumMod val="25000"/>
+                </a:schemeClr>
+              </a:gs>
+            </a:gsLst>
+            <a:lin ang="5400000" scaled="1"/>
+          </a:gradFill>
+        </p:spPr>
+        <p:txBody>
+          <a:bodyPr/>
+          <a:lstStyle/>
+          <a:p>
+            <a:pPr marL="0" indent="0">
+              <a:buNone/>
+            </a:pPr>
+            <a:r>
+              <a:rPr lang="fr-FR" dirty="0"/>
+              <a:t>	</a:t>
+            </a:r>
+          </a:p>
+          <a:p>
+            <a:pPr marL="0" indent="0">
+              <a:buNone/>
+            </a:pPr>
+            <a:endParaRPr lang="fr-FR" dirty="0"/>
+          </a:p>
+          <a:p>
+            <a:pPr marL="0" indent="0">
+              <a:buNone/>
+            </a:pPr>
+            <a:endParaRPr lang="fr-FR" dirty="0"/>
+          </a:p>
+          <a:p>
+            <a:pPr marL="0" indent="0">
+              <a:buNone/>
+            </a:pPr>
+            <a:endParaRPr lang="fr-FR" sz="1400" dirty="0"/>
+          </a:p>
+          <a:p>
+            <a:pPr marL="0" indent="0">
+              <a:lnSpc>
+                <a:spcPct val="100000"/>
+              </a:lnSpc>
+              <a:buNone/>
+            </a:pPr>
+            <a:endParaRPr lang="fr-FR" sz="1400" b="1" dirty="0"/>
+          </a:p>
+        </p:txBody>
+      </p:sp>
+      <p:sp>
+        <p:nvSpPr>
+          <p:cNvPr id="2" name="Titre 1">
+            <a:extLst>
+              <a:ext uri="{FF2B5EF4-FFF2-40B4-BE49-F238E27FC236}">
+                <a16:creationId xmlns:a16="http://schemas.microsoft.com/office/drawing/2014/main" id="{C2DDB91C-04E9-41CA-9731-E7D1B6B6D47E}"/>
+              </a:ext>
+            </a:extLst>
+          </p:cNvPr>
+          <p:cNvSpPr>
+            <a:spLocks noGrp="1"/>
+          </p:cNvSpPr>
+          <p:nvPr>
+            <p:ph type="title"/>
+          </p:nvPr>
+        </p:nvSpPr>
+        <p:spPr>
+          <a:xfrm>
+            <a:off x="-266698" y="0"/>
+            <a:ext cx="12192000" cy="1325563"/>
+          </a:xfrm>
+        </p:spPr>
+        <p:txBody>
+          <a:bodyPr>
+            <a:noAutofit/>
+          </a:bodyPr>
+          <a:lstStyle/>
+          <a:p>
+            <a:pPr lvl="0" algn="ctr" fontAlgn="base">
+              <a:spcAft>
+                <a:spcPct val="0"/>
+              </a:spcAft>
+            </a:pPr>
+            <a:r>
+              <a:rPr lang="fr-FR" altLang="fr-FR" sz="6000" dirty="0">
+                <a:solidFill>
+                  <a:schemeClr val="accent5">
+                    <a:lumMod val="75000"/>
+                  </a:schemeClr>
+                </a:solidFill>
+              </a:rPr>
+              <a:t>Utiliser des fichiers 4</a:t>
+            </a:r>
+            <a:endParaRPr lang="fr-FR" altLang="fr-FR" sz="6000" b="1" dirty="0">
+              <a:solidFill>
+                <a:schemeClr val="accent5">
+                  <a:lumMod val="75000"/>
+                </a:schemeClr>
+              </a:solidFill>
+            </a:endParaRPr>
+          </a:p>
+        </p:txBody>
+      </p:sp>
+      <p:sp>
+        <p:nvSpPr>
+          <p:cNvPr id="4" name="ZoneTexte 3">
+            <a:extLst>
+              <a:ext uri="{FF2B5EF4-FFF2-40B4-BE49-F238E27FC236}">
+                <a16:creationId xmlns:a16="http://schemas.microsoft.com/office/drawing/2014/main" id="{318E8B91-EB38-4F32-897B-41BFDFA2D26D}"/>
+              </a:ext>
+            </a:extLst>
+          </p:cNvPr>
+          <p:cNvSpPr txBox="1"/>
+          <p:nvPr/>
+        </p:nvSpPr>
+        <p:spPr>
+          <a:xfrm>
+            <a:off x="209554" y="12012972"/>
+            <a:ext cx="11715748" cy="914400"/>
+          </a:xfrm>
+          <a:prstGeom prst="rect">
+            <a:avLst/>
+          </a:prstGeom>
+          <a:noFill/>
+        </p:spPr>
+        <p:txBody>
+          <a:bodyPr wrap="square" rtlCol="0">
+            <a:spAutoFit/>
+          </a:bodyPr>
+          <a:lstStyle/>
+          <a:p>
+            <a:endParaRPr lang="fr-FR" dirty="0"/>
+          </a:p>
+        </p:txBody>
+      </p:sp>
+      <p:sp>
+        <p:nvSpPr>
+          <p:cNvPr id="5" name="ZoneTexte 4">
+            <a:extLst>
+              <a:ext uri="{FF2B5EF4-FFF2-40B4-BE49-F238E27FC236}">
+                <a16:creationId xmlns:a16="http://schemas.microsoft.com/office/drawing/2014/main" id="{5ED24F53-74E8-4CB8-AE4D-1EC67A8AAC6F}"/>
+              </a:ext>
+            </a:extLst>
+          </p:cNvPr>
+          <p:cNvSpPr txBox="1"/>
+          <p:nvPr/>
+        </p:nvSpPr>
+        <p:spPr>
+          <a:xfrm>
+            <a:off x="209554" y="1252537"/>
+            <a:ext cx="11906246" cy="1477328"/>
+          </a:xfrm>
+          <a:prstGeom prst="rect">
+            <a:avLst/>
+          </a:prstGeom>
+          <a:noFill/>
+        </p:spPr>
+        <p:txBody>
+          <a:bodyPr wrap="square" rtlCol="0">
+            <a:spAutoFit/>
+          </a:bodyPr>
+          <a:lstStyle/>
+          <a:p>
+            <a:r>
+              <a:rPr lang="fr-FR" b="1" dirty="0"/>
+              <a:t>Récupérer nos objet enregistres</a:t>
+            </a:r>
+          </a:p>
+          <a:p>
+            <a:r>
+              <a:rPr lang="fr-FR" dirty="0"/>
+              <a:t>Nous allons utiliser une autre classe définie dans notre module pickle. Cette fois, assez logiquement, c'est la classe </a:t>
+            </a:r>
+            <a:r>
+              <a:rPr lang="fr-FR" dirty="0" err="1"/>
+              <a:t>Unpickler</a:t>
+            </a:r>
+            <a:r>
+              <a:rPr lang="fr-FR" dirty="0"/>
+              <a:t>.</a:t>
+            </a:r>
+          </a:p>
+          <a:p>
+            <a:endParaRPr lang="fr-FR" dirty="0"/>
+          </a:p>
+          <a:p>
+            <a:r>
+              <a:rPr lang="fr-FR" dirty="0"/>
+              <a:t>Commençons par créer notre objet. À sa création, on lui passe le fichier dans lequel on va lire les objets. Puisqu'on va lire, on change de mode, on repasse en mode r, et même </a:t>
+            </a:r>
+            <a:r>
+              <a:rPr lang="fr-FR" dirty="0" err="1"/>
+              <a:t>rb</a:t>
+            </a:r>
+            <a:r>
+              <a:rPr lang="fr-FR" dirty="0"/>
+              <a:t> puisque le fichier est binaire.</a:t>
+            </a:r>
+          </a:p>
+        </p:txBody>
+      </p:sp>
+      <p:sp>
+        <p:nvSpPr>
+          <p:cNvPr id="6" name="ZoneTexte 5">
+            <a:extLst>
+              <a:ext uri="{FF2B5EF4-FFF2-40B4-BE49-F238E27FC236}">
+                <a16:creationId xmlns:a16="http://schemas.microsoft.com/office/drawing/2014/main" id="{10C77C71-0A30-43E5-960B-4E7F441401F7}"/>
+              </a:ext>
+            </a:extLst>
+          </p:cNvPr>
+          <p:cNvSpPr txBox="1"/>
+          <p:nvPr/>
+        </p:nvSpPr>
+        <p:spPr>
+          <a:xfrm>
+            <a:off x="285754" y="2835474"/>
+            <a:ext cx="6062663" cy="1200329"/>
+          </a:xfrm>
+          <a:prstGeom prst="rect">
+            <a:avLst/>
+          </a:prstGeom>
+          <a:solidFill>
+            <a:schemeClr val="tx1"/>
+          </a:solidFill>
+        </p:spPr>
+        <p:txBody>
+          <a:bodyPr wrap="square" rtlCol="0">
+            <a:spAutoFit/>
+          </a:bodyPr>
+          <a:lstStyle/>
+          <a:p>
+            <a:r>
+              <a:rPr lang="fr-FR" dirty="0">
+                <a:solidFill>
+                  <a:schemeClr val="bg1"/>
+                </a:solidFill>
+              </a:rPr>
+              <a:t>with open('</a:t>
+            </a:r>
+            <a:r>
+              <a:rPr lang="fr-FR" dirty="0" err="1">
+                <a:solidFill>
+                  <a:schemeClr val="bg1"/>
+                </a:solidFill>
+              </a:rPr>
+              <a:t>donnees</a:t>
+            </a:r>
+            <a:r>
+              <a:rPr lang="fr-FR" dirty="0">
+                <a:solidFill>
+                  <a:schemeClr val="bg1"/>
+                </a:solidFill>
+              </a:rPr>
+              <a:t>', '</a:t>
+            </a:r>
+            <a:r>
+              <a:rPr lang="fr-FR" dirty="0" err="1">
+                <a:solidFill>
+                  <a:schemeClr val="bg1"/>
+                </a:solidFill>
+              </a:rPr>
+              <a:t>rb</a:t>
+            </a:r>
+            <a:r>
+              <a:rPr lang="fr-FR" dirty="0">
+                <a:solidFill>
+                  <a:schemeClr val="bg1"/>
+                </a:solidFill>
+              </a:rPr>
+              <a:t>') as fichier:</a:t>
+            </a:r>
+          </a:p>
+          <a:p>
+            <a:r>
+              <a:rPr lang="fr-FR" dirty="0">
+                <a:solidFill>
+                  <a:schemeClr val="bg1"/>
+                </a:solidFill>
+              </a:rPr>
+              <a:t>...     mon_depickler = </a:t>
+            </a:r>
+            <a:r>
+              <a:rPr lang="fr-FR" dirty="0" err="1">
+                <a:solidFill>
+                  <a:schemeClr val="bg1"/>
+                </a:solidFill>
+              </a:rPr>
+              <a:t>pickle.Unpickler</a:t>
+            </a:r>
+            <a:r>
+              <a:rPr lang="fr-FR" dirty="0">
+                <a:solidFill>
+                  <a:schemeClr val="bg1"/>
+                </a:solidFill>
+              </a:rPr>
+              <a:t>(fichier)</a:t>
+            </a:r>
+          </a:p>
+          <a:p>
+            <a:r>
+              <a:rPr lang="fr-FR" dirty="0">
+                <a:solidFill>
+                  <a:schemeClr val="bg1"/>
+                </a:solidFill>
+              </a:rPr>
+              <a:t>...     # Lecture des objets contenus dans le fichier...</a:t>
+            </a:r>
+          </a:p>
+          <a:p>
+            <a:r>
+              <a:rPr lang="fr-FR" dirty="0">
+                <a:solidFill>
+                  <a:schemeClr val="bg1"/>
+                </a:solidFill>
+              </a:rPr>
+              <a:t>... </a:t>
+            </a:r>
+          </a:p>
+        </p:txBody>
+      </p:sp>
+      <p:sp>
+        <p:nvSpPr>
+          <p:cNvPr id="7" name="Rectangle 1">
+            <a:extLst>
+              <a:ext uri="{FF2B5EF4-FFF2-40B4-BE49-F238E27FC236}">
+                <a16:creationId xmlns:a16="http://schemas.microsoft.com/office/drawing/2014/main" id="{7653991C-D714-48A6-A99D-F186DB9487CF}"/>
+              </a:ext>
+            </a:extLst>
+          </p:cNvPr>
+          <p:cNvSpPr>
+            <a:spLocks noChangeArrowheads="1"/>
+          </p:cNvSpPr>
+          <p:nvPr/>
+        </p:nvSpPr>
+        <p:spPr bwMode="auto">
+          <a:xfrm>
+            <a:off x="209554" y="4035803"/>
+            <a:ext cx="11796434" cy="646331"/>
+          </a:xfrm>
+          <a:prstGeom prst="rect">
+            <a:avLst/>
+          </a:prstGeom>
+          <a:noFill/>
+          <a:ln>
+            <a:noFill/>
+          </a:ln>
+          <a:effectLst/>
+          <a:extLst>
+            <a:ext uri="{909E8E84-426E-40DD-AFC4-6F175D3DCCD1}">
+              <a14:hiddenFill xmlns:a14="http://schemas.microsoft.com/office/drawing/2010/main">
+                <a:solidFill>
+                  <a:schemeClr val="accent1"/>
+                </a:solidFill>
+              </a14:hiddenFill>
+            </a:ext>
+            <a:ext uri="{91240B29-F687-4F45-9708-019B960494DF}">
+              <a14:hiddenLine xmlns:a14="http://schemas.microsoft.com/office/drawing/2010/main" w="9525">
+                <a:solidFill>
+                  <a:schemeClr val="tx1"/>
+                </a:solidFill>
+                <a:miter lim="800000"/>
+                <a:headEnd/>
+                <a:tailEnd/>
+              </a14:hiddenLine>
+            </a:ext>
+            <a:ext uri="{AF507438-7753-43E0-B8FC-AC1667EBCBE1}">
+              <a14:hiddenEffects xmlns:a14="http://schemas.microsoft.com/office/drawing/2010/main">
+                <a:effectLst>
+                  <a:outerShdw dist="35921" dir="2700000" algn="ctr" rotWithShape="0">
+                    <a:schemeClr val="bg2"/>
+                  </a:outerShdw>
+                </a:effectLst>
+              </a14:hiddenEffects>
+            </a:ext>
+          </a:extLst>
+        </p:spPr>
+        <p:txBody>
+          <a:bodyPr vert="horz" wrap="none" lIns="91440" tIns="45720" rIns="91440" bIns="45720" numCol="1" anchor="ctr" anchorCtr="0" compatLnSpc="1">
+            <a:prstTxWarp prst="textNoShape">
+              <a:avLst/>
+            </a:prstTxWarp>
+            <a:spAutoFit/>
+          </a:bodyPr>
+          <a:lstStyle/>
+          <a:p>
+            <a:pPr marL="0" marR="0" lvl="0" indent="0" algn="l" defTabSz="914400" rtl="0" eaLnBrk="0" fontAlgn="base" latinLnBrk="0" hangingPunct="0">
+              <a:lnSpc>
+                <a:spcPct val="100000"/>
+              </a:lnSpc>
+              <a:spcBef>
+                <a:spcPct val="0"/>
+              </a:spcBef>
+              <a:spcAft>
+                <a:spcPct val="0"/>
+              </a:spcAft>
+              <a:buClrTx/>
+              <a:buSzTx/>
+              <a:buFontTx/>
+              <a:buNone/>
+              <a:tabLst/>
+            </a:pPr>
+            <a:r>
+              <a:rPr lang="fr-FR" altLang="fr-FR" dirty="0"/>
+              <a:t>Pour lire l'objet dans notre fichier, il faut appeler la méthode </a:t>
+            </a:r>
+            <a:r>
+              <a:rPr lang="fr-FR" altLang="fr-FR" dirty="0" err="1"/>
+              <a:t>load</a:t>
+            </a:r>
+            <a:r>
+              <a:rPr lang="fr-FR" altLang="fr-FR" dirty="0"/>
+              <a:t> de notre </a:t>
+            </a:r>
+            <a:r>
+              <a:rPr lang="fr-FR" altLang="fr-FR" dirty="0" err="1"/>
+              <a:t>depickler</a:t>
+            </a:r>
+            <a:r>
+              <a:rPr lang="fr-FR" altLang="fr-FR" dirty="0"/>
+              <a:t>. Elle renvoie le premier objet qui a été </a:t>
+            </a:r>
+          </a:p>
+          <a:p>
+            <a:pPr marL="0" marR="0" lvl="0" indent="0" algn="l" defTabSz="914400" rtl="0" eaLnBrk="0" fontAlgn="base" latinLnBrk="0" hangingPunct="0">
+              <a:lnSpc>
+                <a:spcPct val="100000"/>
+              </a:lnSpc>
+              <a:spcBef>
+                <a:spcPct val="0"/>
+              </a:spcBef>
+              <a:spcAft>
+                <a:spcPct val="0"/>
+              </a:spcAft>
+              <a:buClrTx/>
+              <a:buSzTx/>
+              <a:buFontTx/>
+              <a:buNone/>
+              <a:tabLst/>
+            </a:pPr>
+            <a:r>
+              <a:rPr lang="fr-FR" altLang="fr-FR" dirty="0"/>
+              <a:t>lu (s'il y en a plusieurs, il faut l'appeler plusieurs fois). </a:t>
+            </a:r>
+          </a:p>
+        </p:txBody>
+      </p:sp>
+      <p:sp>
+        <p:nvSpPr>
+          <p:cNvPr id="10" name="ZoneTexte 9">
+            <a:extLst>
+              <a:ext uri="{FF2B5EF4-FFF2-40B4-BE49-F238E27FC236}">
+                <a16:creationId xmlns:a16="http://schemas.microsoft.com/office/drawing/2014/main" id="{286BFFD8-58D4-4DB9-B381-30E743BE6F58}"/>
+              </a:ext>
+            </a:extLst>
+          </p:cNvPr>
+          <p:cNvSpPr txBox="1"/>
+          <p:nvPr/>
+        </p:nvSpPr>
+        <p:spPr>
+          <a:xfrm>
+            <a:off x="285753" y="4741576"/>
+            <a:ext cx="6062663" cy="923330"/>
+          </a:xfrm>
+          <a:prstGeom prst="rect">
+            <a:avLst/>
+          </a:prstGeom>
+          <a:solidFill>
+            <a:schemeClr val="tx1"/>
+          </a:solidFill>
+        </p:spPr>
+        <p:txBody>
+          <a:bodyPr wrap="square" rtlCol="0">
+            <a:spAutoFit/>
+          </a:bodyPr>
+          <a:lstStyle/>
+          <a:p>
+            <a:r>
+              <a:rPr lang="fr-FR" dirty="0">
+                <a:solidFill>
+                  <a:schemeClr val="bg1"/>
+                </a:solidFill>
+              </a:rPr>
+              <a:t>with open('</a:t>
+            </a:r>
+            <a:r>
+              <a:rPr lang="fr-FR" dirty="0" err="1">
+                <a:solidFill>
+                  <a:schemeClr val="bg1"/>
+                </a:solidFill>
+              </a:rPr>
+              <a:t>donnees</a:t>
+            </a:r>
+            <a:r>
+              <a:rPr lang="fr-FR" dirty="0">
+                <a:solidFill>
+                  <a:schemeClr val="bg1"/>
+                </a:solidFill>
+              </a:rPr>
+              <a:t>', '</a:t>
+            </a:r>
+            <a:r>
+              <a:rPr lang="fr-FR" dirty="0" err="1">
+                <a:solidFill>
+                  <a:schemeClr val="bg1"/>
+                </a:solidFill>
+              </a:rPr>
+              <a:t>rb</a:t>
+            </a:r>
+            <a:r>
+              <a:rPr lang="fr-FR" dirty="0">
+                <a:solidFill>
+                  <a:schemeClr val="bg1"/>
+                </a:solidFill>
+              </a:rPr>
+              <a:t>') as fichier:</a:t>
+            </a:r>
+          </a:p>
+          <a:p>
+            <a:r>
+              <a:rPr lang="fr-FR" dirty="0">
+                <a:solidFill>
+                  <a:schemeClr val="bg1"/>
+                </a:solidFill>
+              </a:rPr>
+              <a:t>...     mon_depickler = pickle.Unpickler(fichier)</a:t>
+            </a:r>
+          </a:p>
+          <a:p>
+            <a:r>
+              <a:rPr lang="fr-FR" dirty="0">
+                <a:solidFill>
+                  <a:schemeClr val="bg1"/>
+                </a:solidFill>
+              </a:rPr>
+              <a:t>...     score_recupere = </a:t>
+            </a:r>
+            <a:r>
+              <a:rPr lang="fr-FR" dirty="0" err="1">
+                <a:solidFill>
+                  <a:schemeClr val="bg1"/>
+                </a:solidFill>
+              </a:rPr>
+              <a:t>mon_depickler.load</a:t>
+            </a:r>
+            <a:r>
+              <a:rPr lang="fr-FR" dirty="0">
+                <a:solidFill>
+                  <a:schemeClr val="bg1"/>
+                </a:solidFill>
+              </a:rPr>
+              <a:t>()</a:t>
+            </a:r>
+          </a:p>
+        </p:txBody>
+      </p:sp>
+    </p:spTree>
+    <p:extLst>
+      <p:ext uri="{BB962C8B-B14F-4D97-AF65-F5344CB8AC3E}">
+        <p14:creationId xmlns:p14="http://schemas.microsoft.com/office/powerpoint/2010/main" val="4043584433"/>
+      </p:ext>
+    </p:extLst>
+  </p:cSld>
+  <p:clrMapOvr>
+    <a:masterClrMapping/>
+  </p:clrMapOvr>
+</p:sld>
+</file>
+
+<file path=ppt/slides/slide97.xml><?xml version="1.0" encoding="utf-8"?>
+<p:sld xmlns:a="http://schemas.openxmlformats.org/drawingml/2006/main" xmlns:r="http://schemas.openxmlformats.org/officeDocument/2006/relationships" xmlns:p="http://schemas.openxmlformats.org/presentationml/2006/main">
+  <p:cSld>
+    <p:spTree>
+      <p:nvGrpSpPr>
+        <p:cNvPr id="1" name=""/>
+        <p:cNvGrpSpPr/>
+        <p:nvPr/>
+      </p:nvGrpSpPr>
+      <p:grpSpPr>
+        <a:xfrm>
+          <a:off x="0" y="0"/>
+          <a:ext cx="0" cy="0"/>
+          <a:chOff x="0" y="0"/>
+          <a:chExt cx="0" cy="0"/>
+        </a:xfrm>
+      </p:grpSpPr>
+      <p:sp>
+        <p:nvSpPr>
+          <p:cNvPr id="3" name="Espace réservé du contenu 2">
+            <a:extLst>
+              <a:ext uri="{FF2B5EF4-FFF2-40B4-BE49-F238E27FC236}">
+                <a16:creationId xmlns:a16="http://schemas.microsoft.com/office/drawing/2014/main" id="{26019C14-248F-4937-B7A1-BB6BDCB8ED35}"/>
+              </a:ext>
+            </a:extLst>
+          </p:cNvPr>
+          <p:cNvSpPr>
+            <a:spLocks noGrp="1"/>
+          </p:cNvSpPr>
+          <p:nvPr>
+            <p:ph idx="1"/>
+          </p:nvPr>
+        </p:nvSpPr>
+        <p:spPr>
+          <a:xfrm>
+            <a:off x="1" y="0"/>
+            <a:ext cx="12191999" cy="6857999"/>
+          </a:xfrm>
+          <a:gradFill>
+            <a:gsLst>
+              <a:gs pos="0">
+                <a:schemeClr val="bg2">
+                  <a:lumMod val="90000"/>
+                </a:schemeClr>
+              </a:gs>
+              <a:gs pos="100000">
+                <a:schemeClr val="bg2">
+                  <a:lumMod val="25000"/>
+                </a:schemeClr>
+              </a:gs>
+            </a:gsLst>
+            <a:lin ang="5400000" scaled="1"/>
+          </a:gradFill>
+        </p:spPr>
+        <p:txBody>
+          <a:bodyPr/>
+          <a:lstStyle/>
+          <a:p>
+            <a:pPr marL="0" indent="0">
+              <a:buNone/>
+            </a:pPr>
+            <a:r>
+              <a:rPr lang="fr-FR" dirty="0"/>
+              <a:t>	</a:t>
+            </a:r>
+          </a:p>
+          <a:p>
+            <a:pPr marL="0" indent="0">
+              <a:buNone/>
+            </a:pPr>
+            <a:endParaRPr lang="fr-FR" dirty="0"/>
+          </a:p>
+          <a:p>
+            <a:pPr marL="0" indent="0">
+              <a:buNone/>
+            </a:pPr>
+            <a:endParaRPr lang="fr-FR" dirty="0"/>
+          </a:p>
+          <a:p>
+            <a:pPr marL="0" indent="0">
+              <a:buNone/>
+            </a:pPr>
+            <a:endParaRPr lang="fr-FR" sz="1400" dirty="0"/>
+          </a:p>
+          <a:p>
+            <a:pPr marL="0" indent="0">
+              <a:lnSpc>
+                <a:spcPct val="100000"/>
+              </a:lnSpc>
+              <a:buNone/>
+            </a:pPr>
+            <a:endParaRPr lang="fr-FR" sz="1400" b="1" dirty="0"/>
+          </a:p>
+        </p:txBody>
+      </p:sp>
+      <p:sp>
+        <p:nvSpPr>
+          <p:cNvPr id="2" name="Titre 1">
+            <a:extLst>
+              <a:ext uri="{FF2B5EF4-FFF2-40B4-BE49-F238E27FC236}">
+                <a16:creationId xmlns:a16="http://schemas.microsoft.com/office/drawing/2014/main" id="{C2DDB91C-04E9-41CA-9731-E7D1B6B6D47E}"/>
+              </a:ext>
+            </a:extLst>
+          </p:cNvPr>
+          <p:cNvSpPr>
+            <a:spLocks noGrp="1"/>
+          </p:cNvSpPr>
+          <p:nvPr>
+            <p:ph type="title"/>
+          </p:nvPr>
+        </p:nvSpPr>
+        <p:spPr>
+          <a:xfrm>
+            <a:off x="-266698" y="0"/>
+            <a:ext cx="12192000" cy="1325563"/>
+          </a:xfrm>
+        </p:spPr>
+        <p:txBody>
+          <a:bodyPr>
+            <a:noAutofit/>
+          </a:bodyPr>
+          <a:lstStyle/>
+          <a:p>
+            <a:pPr lvl="0" algn="ctr" fontAlgn="base">
+              <a:spcAft>
+                <a:spcPct val="0"/>
+              </a:spcAft>
+            </a:pPr>
+            <a:r>
+              <a:rPr lang="fr-FR" altLang="fr-FR" sz="6000" dirty="0">
+                <a:solidFill>
+                  <a:schemeClr val="accent5">
+                    <a:lumMod val="75000"/>
+                  </a:schemeClr>
+                </a:solidFill>
+              </a:rPr>
+              <a:t>Résumé</a:t>
+            </a:r>
+            <a:endParaRPr lang="fr-FR" altLang="fr-FR" sz="6000" b="1" dirty="0">
+              <a:solidFill>
+                <a:schemeClr val="accent5">
+                  <a:lumMod val="75000"/>
+                </a:schemeClr>
+              </a:solidFill>
+            </a:endParaRPr>
+          </a:p>
+        </p:txBody>
+      </p:sp>
+      <p:sp>
+        <p:nvSpPr>
+          <p:cNvPr id="4" name="ZoneTexte 3">
+            <a:extLst>
+              <a:ext uri="{FF2B5EF4-FFF2-40B4-BE49-F238E27FC236}">
+                <a16:creationId xmlns:a16="http://schemas.microsoft.com/office/drawing/2014/main" id="{318E8B91-EB38-4F32-897B-41BFDFA2D26D}"/>
+              </a:ext>
+            </a:extLst>
+          </p:cNvPr>
+          <p:cNvSpPr txBox="1"/>
+          <p:nvPr/>
+        </p:nvSpPr>
+        <p:spPr>
+          <a:xfrm>
+            <a:off x="209554" y="12012972"/>
+            <a:ext cx="11715748" cy="914400"/>
+          </a:xfrm>
+          <a:prstGeom prst="rect">
+            <a:avLst/>
+          </a:prstGeom>
+          <a:noFill/>
+        </p:spPr>
+        <p:txBody>
+          <a:bodyPr wrap="square" rtlCol="0">
+            <a:spAutoFit/>
+          </a:bodyPr>
+          <a:lstStyle/>
+          <a:p>
+            <a:endParaRPr lang="fr-FR" dirty="0"/>
+          </a:p>
+        </p:txBody>
+      </p:sp>
+      <p:sp>
+        <p:nvSpPr>
+          <p:cNvPr id="5" name="ZoneTexte 4">
+            <a:extLst>
+              <a:ext uri="{FF2B5EF4-FFF2-40B4-BE49-F238E27FC236}">
+                <a16:creationId xmlns:a16="http://schemas.microsoft.com/office/drawing/2014/main" id="{5ED24F53-74E8-4CB8-AE4D-1EC67A8AAC6F}"/>
+              </a:ext>
+            </a:extLst>
+          </p:cNvPr>
+          <p:cNvSpPr txBox="1"/>
+          <p:nvPr/>
+        </p:nvSpPr>
+        <p:spPr>
+          <a:xfrm>
+            <a:off x="209554" y="1604962"/>
+            <a:ext cx="11906246" cy="3416320"/>
+          </a:xfrm>
+          <a:prstGeom prst="rect">
+            <a:avLst/>
+          </a:prstGeom>
+          <a:noFill/>
+        </p:spPr>
+        <p:txBody>
+          <a:bodyPr wrap="square" rtlCol="0">
+            <a:spAutoFit/>
+          </a:bodyPr>
+          <a:lstStyle/>
+          <a:p>
+            <a:r>
+              <a:rPr lang="fr-FR" b="1" dirty="0"/>
+              <a:t>En résumé</a:t>
+            </a:r>
+          </a:p>
+          <a:p>
+            <a:endParaRPr lang="fr-FR" b="1" dirty="0"/>
+          </a:p>
+          <a:p>
+            <a:r>
+              <a:rPr lang="fr-FR" b="1" dirty="0"/>
+              <a:t>    On peut ouvrir un fichier en utilisant la fonction open prenant en paramètre le chemin vers le fichier et le mode d'ouverture.</a:t>
+            </a:r>
+          </a:p>
+          <a:p>
+            <a:endParaRPr lang="fr-FR" b="1" dirty="0"/>
+          </a:p>
+          <a:p>
+            <a:r>
+              <a:rPr lang="fr-FR" b="1" dirty="0"/>
+              <a:t>    On peut lire dans un fichier en utilisant la méthode </a:t>
+            </a:r>
+            <a:r>
+              <a:rPr lang="fr-FR" b="1" dirty="0" err="1"/>
+              <a:t>read</a:t>
+            </a:r>
+            <a:r>
+              <a:rPr lang="fr-FR" b="1" dirty="0"/>
+              <a:t>.</a:t>
+            </a:r>
+          </a:p>
+          <a:p>
+            <a:endParaRPr lang="fr-FR" b="1" dirty="0"/>
+          </a:p>
+          <a:p>
+            <a:r>
+              <a:rPr lang="fr-FR" b="1" dirty="0"/>
+              <a:t>    On peut écrire dans un fichier en utilisant la méthode </a:t>
+            </a:r>
+            <a:r>
+              <a:rPr lang="fr-FR" b="1" dirty="0" err="1"/>
+              <a:t>write</a:t>
+            </a:r>
+            <a:r>
+              <a:rPr lang="fr-FR" b="1" dirty="0"/>
+              <a:t>.</a:t>
+            </a:r>
+          </a:p>
+          <a:p>
+            <a:endParaRPr lang="fr-FR" b="1" dirty="0"/>
+          </a:p>
+          <a:p>
+            <a:r>
+              <a:rPr lang="fr-FR" b="1" dirty="0"/>
+              <a:t>    Un fichier doit être refermé après usage en utilisant la méthode close.</a:t>
+            </a:r>
+          </a:p>
+          <a:p>
+            <a:endParaRPr lang="fr-FR" b="1" dirty="0"/>
+          </a:p>
+          <a:p>
+            <a:r>
+              <a:rPr lang="fr-FR" b="1" dirty="0"/>
+              <a:t>    </a:t>
+            </a:r>
+            <a:r>
+              <a:rPr lang="fr-FR" b="1"/>
+              <a:t>Le module pickle est </a:t>
+            </a:r>
+            <a:r>
+              <a:rPr lang="fr-FR" b="1" dirty="0"/>
+              <a:t>utilisé pour enregistrer des objets Python dans des fichiers et les recharger ensuite.</a:t>
+            </a:r>
+            <a:endParaRPr lang="fr-FR" dirty="0"/>
+          </a:p>
+        </p:txBody>
+      </p:sp>
+    </p:spTree>
+    <p:extLst>
+      <p:ext uri="{BB962C8B-B14F-4D97-AF65-F5344CB8AC3E}">
+        <p14:creationId xmlns:p14="http://schemas.microsoft.com/office/powerpoint/2010/main" val="1004206502"/>
+      </p:ext>
+    </p:extLst>
+  </p:cSld>
+  <p:clrMapOvr>
+    <a:masterClrMapping/>
+  </p:clrMapOvr>
+</p:sld>
+</file>
+
 <file path=ppt/theme/theme1.xml><?xml version="1.0" encoding="utf-8"?>
 <a:theme xmlns:a="http://schemas.openxmlformats.org/drawingml/2006/main" name="Thème Office">
   <a:themeElements>
